--- a/GP_presentation.pptx
+++ b/GP_presentation.pptx
@@ -7,7 +7,7 @@
     <p:sldMasterId id="2147483696" r:id="rId3"/>
   </p:sldMasterIdLst>
   <p:notesMasterIdLst>
-    <p:notesMasterId r:id="rId28"/>
+    <p:notesMasterId r:id="rId29"/>
   </p:notesMasterIdLst>
   <p:sldIdLst>
     <p:sldId id="283" r:id="rId4"/>
@@ -21,19 +21,20 @@
     <p:sldId id="269" r:id="rId12"/>
     <p:sldId id="270" r:id="rId13"/>
     <p:sldId id="271" r:id="rId14"/>
-    <p:sldId id="256" r:id="rId15"/>
-    <p:sldId id="257" r:id="rId16"/>
-    <p:sldId id="258" r:id="rId17"/>
-    <p:sldId id="259" r:id="rId18"/>
-    <p:sldId id="260" r:id="rId19"/>
-    <p:sldId id="261" r:id="rId20"/>
-    <p:sldId id="262" r:id="rId21"/>
-    <p:sldId id="263" r:id="rId22"/>
-    <p:sldId id="264" r:id="rId23"/>
-    <p:sldId id="265" r:id="rId24"/>
-    <p:sldId id="291" r:id="rId25"/>
-    <p:sldId id="292" r:id="rId26"/>
-    <p:sldId id="293" r:id="rId27"/>
+    <p:sldId id="294" r:id="rId15"/>
+    <p:sldId id="256" r:id="rId16"/>
+    <p:sldId id="257" r:id="rId17"/>
+    <p:sldId id="258" r:id="rId18"/>
+    <p:sldId id="259" r:id="rId19"/>
+    <p:sldId id="260" r:id="rId20"/>
+    <p:sldId id="261" r:id="rId21"/>
+    <p:sldId id="262" r:id="rId22"/>
+    <p:sldId id="263" r:id="rId23"/>
+    <p:sldId id="264" r:id="rId24"/>
+    <p:sldId id="265" r:id="rId25"/>
+    <p:sldId id="291" r:id="rId26"/>
+    <p:sldId id="292" r:id="rId27"/>
+    <p:sldId id="293" r:id="rId28"/>
   </p:sldIdLst>
   <p:sldSz cx="9144000" cy="6858000" type="screen4x3"/>
   <p:notesSz cx="6858000" cy="9144000"/>
@@ -5988,7 +5989,7 @@
                 <a:tabLst/>
                 <a:defRPr/>
               </a:pPr>
-              <a:t>13-07-2018</a:t>
+              <a:t>14-07-2018</a:t>
             </a:fld>
             <a:endParaRPr kumimoji="0" lang="en-US" sz="1200" b="0" i="0" u="none" strike="noStrike" kern="1200" cap="none" spc="0" normalizeH="0" baseline="0" noProof="0">
               <a:ln>
@@ -6318,7 +6319,7 @@
                 <a:tabLst/>
                 <a:defRPr/>
               </a:pPr>
-              <a:t>13-07-2018</a:t>
+              <a:t>14-07-2018</a:t>
             </a:fld>
             <a:endParaRPr kumimoji="0" lang="en-US" sz="1200" b="0" i="0" u="none" strike="noStrike" kern="1200" cap="none" spc="0" normalizeH="0" baseline="0" noProof="0">
               <a:ln>
@@ -6724,7 +6725,7 @@
                 <a:tabLst/>
                 <a:defRPr/>
               </a:pPr>
-              <a:t>13-07-2018</a:t>
+              <a:t>14-07-2018</a:t>
             </a:fld>
             <a:endParaRPr kumimoji="0" lang="en-US" sz="1200" b="0" i="0" u="none" strike="noStrike" kern="1200" cap="none" spc="0" normalizeH="0" baseline="0" noProof="0">
               <a:ln>
@@ -7172,7 +7173,7 @@
                 <a:tabLst/>
                 <a:defRPr/>
               </a:pPr>
-              <a:t>13-07-2018</a:t>
+              <a:t>14-07-2018</a:t>
             </a:fld>
             <a:endParaRPr kumimoji="0" lang="en-US" sz="1200" b="0" i="0" u="none" strike="noStrike" kern="1200" cap="none" spc="0" normalizeH="0" baseline="0" noProof="0">
               <a:ln>
@@ -7754,7 +7755,7 @@
                 <a:tabLst/>
                 <a:defRPr/>
               </a:pPr>
-              <a:t>13-07-2018</a:t>
+              <a:t>14-07-2018</a:t>
             </a:fld>
             <a:endParaRPr kumimoji="0" lang="en-US" sz="1200" b="0" i="0" u="none" strike="noStrike" kern="1200" cap="none" spc="0" normalizeH="0" baseline="0" noProof="0">
               <a:ln>
@@ -8032,7 +8033,7 @@
                 <a:tabLst/>
                 <a:defRPr/>
               </a:pPr>
-              <a:t>13-07-2018</a:t>
+              <a:t>14-07-2018</a:t>
             </a:fld>
             <a:endParaRPr kumimoji="0" lang="en-US" sz="1200" b="0" i="0" u="none" strike="noStrike" kern="1200" cap="none" spc="0" normalizeH="0" baseline="0" noProof="0">
               <a:ln>
@@ -8287,7 +8288,7 @@
                 <a:tabLst/>
                 <a:defRPr/>
               </a:pPr>
-              <a:t>13-07-2018</a:t>
+              <a:t>14-07-2018</a:t>
             </a:fld>
             <a:endParaRPr kumimoji="0" lang="en-US" sz="1200" b="0" i="0" u="none" strike="noStrike" kern="1200" cap="none" spc="0" normalizeH="0" baseline="0" noProof="0">
               <a:ln>
@@ -8724,7 +8725,7 @@
                 <a:tabLst/>
                 <a:defRPr/>
               </a:pPr>
-              <a:t>13-07-2018</a:t>
+              <a:t>14-07-2018</a:t>
             </a:fld>
             <a:endParaRPr kumimoji="0" lang="en-US" sz="1200" b="0" i="0" u="none" strike="noStrike" kern="1200" cap="none" spc="0" normalizeH="0" baseline="0" noProof="0">
               <a:ln>
@@ -10132,7 +10133,7 @@
                 <a:tabLst/>
                 <a:defRPr/>
               </a:pPr>
-              <a:t>13-07-2018</a:t>
+              <a:t>14-07-2018</a:t>
             </a:fld>
             <a:endParaRPr kumimoji="0" lang="en-US" sz="1200" b="0" i="0" u="none" strike="noStrike" kern="1200" cap="none" spc="0" normalizeH="0" baseline="0" noProof="0">
               <a:ln>
@@ -10462,7 +10463,7 @@
                 <a:tabLst/>
                 <a:defRPr/>
               </a:pPr>
-              <a:t>13-07-2018</a:t>
+              <a:t>14-07-2018</a:t>
             </a:fld>
             <a:endParaRPr kumimoji="0" lang="en-US" sz="1200" b="0" i="0" u="none" strike="noStrike" kern="1200" cap="none" spc="0" normalizeH="0" baseline="0" noProof="0">
               <a:ln>
@@ -10802,7 +10803,7 @@
                 <a:tabLst/>
                 <a:defRPr/>
               </a:pPr>
-              <a:t>13-07-2018</a:t>
+              <a:t>14-07-2018</a:t>
             </a:fld>
             <a:endParaRPr kumimoji="0" lang="en-US" sz="1200" b="0" i="0" u="none" strike="noStrike" kern="1200" cap="none" spc="0" normalizeH="0" baseline="0" noProof="0">
               <a:ln>
@@ -11204,7 +11205,7 @@
                 <a:tabLst/>
                 <a:defRPr/>
               </a:pPr>
-              <a:t>13-07-2018</a:t>
+              <a:t>14-07-2018</a:t>
             </a:fld>
             <a:endParaRPr kumimoji="0" lang="en-US" sz="1200" b="0" i="0" u="none" strike="noStrike" kern="1200" cap="none" spc="0" normalizeH="0" baseline="0" noProof="0">
               <a:ln>
@@ -11534,7 +11535,7 @@
                 <a:tabLst/>
                 <a:defRPr/>
               </a:pPr>
-              <a:t>13-07-2018</a:t>
+              <a:t>14-07-2018</a:t>
             </a:fld>
             <a:endParaRPr kumimoji="0" lang="en-US" sz="1200" b="0" i="0" u="none" strike="noStrike" kern="1200" cap="none" spc="0" normalizeH="0" baseline="0" noProof="0">
               <a:ln>
@@ -11940,7 +11941,7 @@
                 <a:tabLst/>
                 <a:defRPr/>
               </a:pPr>
-              <a:t>13-07-2018</a:t>
+              <a:t>14-07-2018</a:t>
             </a:fld>
             <a:endParaRPr kumimoji="0" lang="en-US" sz="1200" b="0" i="0" u="none" strike="noStrike" kern="1200" cap="none" spc="0" normalizeH="0" baseline="0" noProof="0">
               <a:ln>
@@ -12388,7 +12389,7 @@
                 <a:tabLst/>
                 <a:defRPr/>
               </a:pPr>
-              <a:t>13-07-2018</a:t>
+              <a:t>14-07-2018</a:t>
             </a:fld>
             <a:endParaRPr kumimoji="0" lang="en-US" sz="1200" b="0" i="0" u="none" strike="noStrike" kern="1200" cap="none" spc="0" normalizeH="0" baseline="0" noProof="0">
               <a:ln>
@@ -12970,7 +12971,7 @@
                 <a:tabLst/>
                 <a:defRPr/>
               </a:pPr>
-              <a:t>13-07-2018</a:t>
+              <a:t>14-07-2018</a:t>
             </a:fld>
             <a:endParaRPr kumimoji="0" lang="en-US" sz="1200" b="0" i="0" u="none" strike="noStrike" kern="1200" cap="none" spc="0" normalizeH="0" baseline="0" noProof="0">
               <a:ln>
@@ -13248,7 +13249,7 @@
                 <a:tabLst/>
                 <a:defRPr/>
               </a:pPr>
-              <a:t>13-07-2018</a:t>
+              <a:t>14-07-2018</a:t>
             </a:fld>
             <a:endParaRPr kumimoji="0" lang="en-US" sz="1200" b="0" i="0" u="none" strike="noStrike" kern="1200" cap="none" spc="0" normalizeH="0" baseline="0" noProof="0">
               <a:ln>
@@ -13503,7 +13504,7 @@
                 <a:tabLst/>
                 <a:defRPr/>
               </a:pPr>
-              <a:t>13-07-2018</a:t>
+              <a:t>14-07-2018</a:t>
             </a:fld>
             <a:endParaRPr kumimoji="0" lang="en-US" sz="1200" b="0" i="0" u="none" strike="noStrike" kern="1200" cap="none" spc="0" normalizeH="0" baseline="0" noProof="0">
               <a:ln>
@@ -15174,7 +15175,7 @@
                 <a:tabLst/>
                 <a:defRPr/>
               </a:pPr>
-              <a:t>13-07-2018</a:t>
+              <a:t>14-07-2018</a:t>
             </a:fld>
             <a:endParaRPr kumimoji="0" lang="en-US" sz="1200" b="0" i="0" u="none" strike="noStrike" kern="1200" cap="none" spc="0" normalizeH="0" baseline="0" noProof="0">
               <a:ln>
@@ -15587,7 +15588,7 @@
                 <a:tabLst/>
                 <a:defRPr/>
               </a:pPr>
-              <a:t>13-07-2018</a:t>
+              <a:t>14-07-2018</a:t>
             </a:fld>
             <a:endParaRPr kumimoji="0" lang="en-US" sz="1200" b="0" i="0" u="none" strike="noStrike" kern="1200" cap="none" spc="0" normalizeH="0" baseline="0" noProof="0">
               <a:ln>
@@ -15917,7 +15918,7 @@
                 <a:tabLst/>
                 <a:defRPr/>
               </a:pPr>
-              <a:t>13-07-2018</a:t>
+              <a:t>14-07-2018</a:t>
             </a:fld>
             <a:endParaRPr kumimoji="0" lang="en-US" sz="1200" b="0" i="0" u="none" strike="noStrike" kern="1200" cap="none" spc="0" normalizeH="0" baseline="0" noProof="0">
               <a:ln>
@@ -16257,7 +16258,7 @@
                 <a:tabLst/>
                 <a:defRPr/>
               </a:pPr>
-              <a:t>13-07-2018</a:t>
+              <a:t>14-07-2018</a:t>
             </a:fld>
             <a:endParaRPr kumimoji="0" lang="en-US" sz="1200" b="0" i="0" u="none" strike="noStrike" kern="1200" cap="none" spc="0" normalizeH="0" baseline="0" noProof="0">
               <a:ln>
@@ -24161,7 +24162,7 @@
                 <a:tabLst/>
                 <a:defRPr/>
               </a:pPr>
-              <a:t>13-07-2018</a:t>
+              <a:t>14-07-2018</a:t>
             </a:fld>
             <a:endParaRPr kumimoji="0" lang="en-US" sz="1200" b="0" i="0" u="none" strike="noStrike" kern="1200" cap="none" spc="0" normalizeH="0" baseline="0" noProof="0">
               <a:ln>
@@ -24831,7 +24832,7 @@
                 <a:tabLst/>
                 <a:defRPr/>
               </a:pPr>
-              <a:t>13-07-2018</a:t>
+              <a:t>14-07-2018</a:t>
             </a:fld>
             <a:endParaRPr kumimoji="0" lang="en-US" sz="1200" b="0" i="0" u="none" strike="noStrike" kern="1200" cap="none" spc="0" normalizeH="0" baseline="0" noProof="0">
               <a:ln>
@@ -26386,6 +26387,115 @@
   <p:cSld>
     <p:spTree>
       <p:nvGrpSpPr>
+        <p:cNvPr id="1" name=""/>
+        <p:cNvGrpSpPr/>
+        <p:nvPr/>
+      </p:nvGrpSpPr>
+      <p:grpSpPr>
+        <a:xfrm>
+          <a:off x="0" y="0"/>
+          <a:ext cx="0" cy="0"/>
+          <a:chOff x="0" y="0"/>
+          <a:chExt cx="0" cy="0"/>
+        </a:xfrm>
+      </p:grpSpPr>
+      <p:sp>
+        <p:nvSpPr>
+          <p:cNvPr id="2" name="Title 1"/>
+          <p:cNvSpPr>
+            <a:spLocks noGrp="1"/>
+          </p:cNvSpPr>
+          <p:nvPr>
+            <p:ph type="title"/>
+          </p:nvPr>
+        </p:nvSpPr>
+        <p:spPr/>
+        <p:txBody>
+          <a:bodyPr/>
+          <a:lstStyle/>
+          <a:p>
+            <a:r>
+              <a:rPr lang="en-US" dirty="0" smtClean="0"/>
+              <a:t>Real-time System</a:t>
+            </a:r>
+            <a:endParaRPr lang="en-US" dirty="0"/>
+          </a:p>
+        </p:txBody>
+      </p:sp>
+      <p:sp>
+        <p:nvSpPr>
+          <p:cNvPr id="3" name="Text Placeholder 2"/>
+          <p:cNvSpPr>
+            <a:spLocks noGrp="1"/>
+          </p:cNvSpPr>
+          <p:nvPr>
+            <p:ph type="body" idx="1"/>
+          </p:nvPr>
+        </p:nvSpPr>
+        <p:spPr/>
+        <p:txBody>
+          <a:bodyPr/>
+          <a:lstStyle/>
+          <a:p>
+            <a:endParaRPr lang="en-US" dirty="0"/>
+          </a:p>
+        </p:txBody>
+      </p:sp>
+      <p:pic>
+        <p:nvPicPr>
+          <p:cNvPr id="4" name="Picture 3"/>
+          <p:cNvPicPr>
+            <a:picLocks noChangeAspect="1"/>
+          </p:cNvPicPr>
+          <p:nvPr/>
+        </p:nvPicPr>
+        <p:blipFill>
+          <a:blip r:embed="rId2">
+            <a:extLst>
+              <a:ext uri="{28A0092B-C50C-407E-A947-70E740481C1C}">
+                <a14:useLocalDpi xmlns:a14="http://schemas.microsoft.com/office/drawing/2010/main" val="0"/>
+              </a:ext>
+            </a:extLst>
+          </a:blip>
+          <a:stretch>
+            <a:fillRect/>
+          </a:stretch>
+        </p:blipFill>
+        <p:spPr>
+          <a:xfrm>
+            <a:off x="0" y="1387450"/>
+            <a:ext cx="9144001" cy="4873231"/>
+          </a:xfrm>
+          <a:prstGeom prst="rect">
+            <a:avLst/>
+          </a:prstGeom>
+        </p:spPr>
+      </p:pic>
+    </p:spTree>
+    <p:extLst>
+      <p:ext uri="{BB962C8B-B14F-4D97-AF65-F5344CB8AC3E}">
+        <p14:creationId xmlns:p14="http://schemas.microsoft.com/office/powerpoint/2010/main" val="1187860107"/>
+      </p:ext>
+    </p:extLst>
+  </p:cSld>
+  <p:clrMapOvr>
+    <a:masterClrMapping/>
+  </p:clrMapOvr>
+  <p:timing>
+    <p:tnLst>
+      <p:par>
+        <p:cTn id="1" dur="indefinite" restart="never" nodeType="tmRoot"/>
+      </p:par>
+    </p:tnLst>
+  </p:timing>
+</p:sld>
+</file>
+
+<file path=ppt/slides/slide13.xml><?xml version="1.0" encoding="utf-8"?>
+<p:sld xmlns:a="http://schemas.openxmlformats.org/drawingml/2006/main" xmlns:r="http://schemas.openxmlformats.org/officeDocument/2006/relationships" xmlns:p="http://schemas.openxmlformats.org/presentationml/2006/main">
+  <p:cSld>
+    <p:spTree>
+      <p:nvGrpSpPr>
         <p:cNvPr id="1" name="Shape 83"/>
         <p:cNvGrpSpPr/>
         <p:nvPr/>
@@ -26526,7 +26636,7 @@
 </p:sld>
 </file>
 
-<file path=ppt/slides/slide13.xml><?xml version="1.0" encoding="utf-8"?>
+<file path=ppt/slides/slide14.xml><?xml version="1.0" encoding="utf-8"?>
 <p:sld xmlns:a="http://schemas.openxmlformats.org/drawingml/2006/main" xmlns:r="http://schemas.openxmlformats.org/officeDocument/2006/relationships" xmlns:p="http://schemas.openxmlformats.org/presentationml/2006/main">
   <p:cSld>
     <p:spTree>
@@ -26682,7 +26792,7 @@
 </p:sld>
 </file>
 
-<file path=ppt/slides/slide14.xml><?xml version="1.0" encoding="utf-8"?>
+<file path=ppt/slides/slide15.xml><?xml version="1.0" encoding="utf-8"?>
 <p:sld xmlns:a="http://schemas.openxmlformats.org/drawingml/2006/main" xmlns:r="http://schemas.openxmlformats.org/officeDocument/2006/relationships" xmlns:p="http://schemas.openxmlformats.org/presentationml/2006/main">
   <p:cSld>
     <p:spTree>
@@ -26977,7 +27087,7 @@
 </p:sld>
 </file>
 
-<file path=ppt/slides/slide15.xml><?xml version="1.0" encoding="utf-8"?>
+<file path=ppt/slides/slide16.xml><?xml version="1.0" encoding="utf-8"?>
 <p:sld xmlns:a="http://schemas.openxmlformats.org/drawingml/2006/main" xmlns:r="http://schemas.openxmlformats.org/officeDocument/2006/relationships" xmlns:p="http://schemas.openxmlformats.org/presentationml/2006/main">
   <p:cSld>
     <p:spTree>
@@ -28046,7 +28156,7 @@
 </p:sld>
 </file>
 
-<file path=ppt/slides/slide16.xml><?xml version="1.0" encoding="utf-8"?>
+<file path=ppt/slides/slide17.xml><?xml version="1.0" encoding="utf-8"?>
 <p:sld xmlns:a="http://schemas.openxmlformats.org/drawingml/2006/main" xmlns:r="http://schemas.openxmlformats.org/officeDocument/2006/relationships" xmlns:p="http://schemas.openxmlformats.org/presentationml/2006/main">
   <p:cSld>
     <p:spTree>
@@ -28191,7 +28301,7 @@
 </p:sld>
 </file>
 
-<file path=ppt/slides/slide17.xml><?xml version="1.0" encoding="utf-8"?>
+<file path=ppt/slides/slide18.xml><?xml version="1.0" encoding="utf-8"?>
 <p:sld xmlns:a="http://schemas.openxmlformats.org/drawingml/2006/main" xmlns:r="http://schemas.openxmlformats.org/officeDocument/2006/relationships" xmlns:p="http://schemas.openxmlformats.org/presentationml/2006/main">
   <p:cSld>
     <p:spTree>
@@ -28322,7 +28432,7 @@
 </p:sld>
 </file>
 
-<file path=ppt/slides/slide18.xml><?xml version="1.0" encoding="utf-8"?>
+<file path=ppt/slides/slide19.xml><?xml version="1.0" encoding="utf-8"?>
 <p:sld xmlns:a="http://schemas.openxmlformats.org/drawingml/2006/main" xmlns:r="http://schemas.openxmlformats.org/officeDocument/2006/relationships" xmlns:p="http://schemas.openxmlformats.org/presentationml/2006/main">
   <p:cSld>
     <p:spTree>
@@ -28477,136 +28587,6 @@
           <a:xfrm>
             <a:off x="1088025" y="1983275"/>
             <a:ext cx="6967950" cy="4485875"/>
-          </a:xfrm>
-          <a:prstGeom prst="rect">
-            <a:avLst/>
-          </a:prstGeom>
-          <a:noFill/>
-          <a:ln>
-            <a:noFill/>
-          </a:ln>
-        </p:spPr>
-      </p:pic>
-    </p:spTree>
-  </p:cSld>
-  <p:clrMapOvr>
-    <a:masterClrMapping/>
-  </p:clrMapOvr>
-  <p:timing>
-    <p:tnLst>
-      <p:par>
-        <p:cTn id="1" dur="indefinite" restart="never" nodeType="tmRoot"/>
-      </p:par>
-    </p:tnLst>
-  </p:timing>
-</p:sld>
-</file>
-
-<file path=ppt/slides/slide19.xml><?xml version="1.0" encoding="utf-8"?>
-<p:sld xmlns:a="http://schemas.openxmlformats.org/drawingml/2006/main" xmlns:r="http://schemas.openxmlformats.org/officeDocument/2006/relationships" xmlns:p="http://schemas.openxmlformats.org/presentationml/2006/main">
-  <p:cSld>
-    <p:spTree>
-      <p:nvGrpSpPr>
-        <p:cNvPr id="1" name="Shape 146"/>
-        <p:cNvGrpSpPr/>
-        <p:nvPr/>
-      </p:nvGrpSpPr>
-      <p:grpSpPr>
-        <a:xfrm>
-          <a:off x="0" y="0"/>
-          <a:ext cx="0" cy="0"/>
-          <a:chOff x="0" y="0"/>
-          <a:chExt cx="0" cy="0"/>
-        </a:xfrm>
-      </p:grpSpPr>
-      <p:sp>
-        <p:nvSpPr>
-          <p:cNvPr id="147" name="Shape 147"/>
-          <p:cNvSpPr txBox="1">
-            <a:spLocks noGrp="1"/>
-          </p:cNvSpPr>
-          <p:nvPr>
-            <p:ph type="title"/>
-          </p:nvPr>
-        </p:nvSpPr>
-        <p:spPr>
-          <a:xfrm>
-            <a:off x="457200" y="274638"/>
-            <a:ext cx="8229600" cy="1143000"/>
-          </a:xfrm>
-          <a:prstGeom prst="rect">
-            <a:avLst/>
-          </a:prstGeom>
-          <a:noFill/>
-          <a:ln>
-            <a:noFill/>
-          </a:ln>
-        </p:spPr>
-        <p:txBody>
-          <a:bodyPr spcFirstLastPara="1" wrap="square" lIns="91425" tIns="45700" rIns="91425" bIns="45700" anchor="ctr" anchorCtr="0">
-            <a:noAutofit/>
-          </a:bodyPr>
-          <a:lstStyle/>
-          <a:p>
-            <a:pPr marL="0" marR="0" lvl="0" indent="0" algn="ctr" rtl="0">
-              <a:spcBef>
-                <a:spcPts val="0"/>
-              </a:spcBef>
-              <a:spcAft>
-                <a:spcPts val="0"/>
-              </a:spcAft>
-              <a:buClr>
-                <a:schemeClr val="dk1"/>
-              </a:buClr>
-              <a:buSzPts val="4400"/>
-              <a:buFont typeface="Calibri"/>
-              <a:buNone/>
-            </a:pPr>
-            <a:r>
-              <a:rPr lang="en-US" sz="4400" b="0" i="0" u="none" strike="noStrike" cap="none">
-                <a:solidFill>
-                  <a:schemeClr val="dk1"/>
-                </a:solidFill>
-                <a:latin typeface="Calibri"/>
-                <a:ea typeface="Calibri"/>
-                <a:cs typeface="Calibri"/>
-                <a:sym typeface="Calibri"/>
-              </a:rPr>
-              <a:t>CV Module: Methodology</a:t>
-            </a:r>
-            <a:endParaRPr sz="4400" b="0" i="0" u="none" strike="noStrike" cap="none">
-              <a:solidFill>
-                <a:schemeClr val="dk1"/>
-              </a:solidFill>
-              <a:latin typeface="Calibri"/>
-              <a:ea typeface="Calibri"/>
-              <a:cs typeface="Calibri"/>
-              <a:sym typeface="Calibri"/>
-            </a:endParaRPr>
-          </a:p>
-        </p:txBody>
-      </p:sp>
-      <p:pic>
-        <p:nvPicPr>
-          <p:cNvPr id="148" name="Shape 148"/>
-          <p:cNvPicPr preferRelativeResize="0">
-            <a:picLocks noGrp="1"/>
-          </p:cNvPicPr>
-          <p:nvPr>
-            <p:ph type="body" idx="1"/>
-          </p:nvPr>
-        </p:nvPicPr>
-        <p:blipFill rotWithShape="1">
-          <a:blip r:embed="rId3">
-            <a:alphaModFix/>
-          </a:blip>
-          <a:srcRect/>
-          <a:stretch/>
-        </p:blipFill>
-        <p:spPr>
-          <a:xfrm>
-            <a:off x="923415" y="1867415"/>
-            <a:ext cx="7297169" cy="3991532"/>
           </a:xfrm>
           <a:prstGeom prst="rect">
             <a:avLst/>
@@ -28812,6 +28792,136 @@
   <p:cSld>
     <p:spTree>
       <p:nvGrpSpPr>
+        <p:cNvPr id="1" name="Shape 146"/>
+        <p:cNvGrpSpPr/>
+        <p:nvPr/>
+      </p:nvGrpSpPr>
+      <p:grpSpPr>
+        <a:xfrm>
+          <a:off x="0" y="0"/>
+          <a:ext cx="0" cy="0"/>
+          <a:chOff x="0" y="0"/>
+          <a:chExt cx="0" cy="0"/>
+        </a:xfrm>
+      </p:grpSpPr>
+      <p:sp>
+        <p:nvSpPr>
+          <p:cNvPr id="147" name="Shape 147"/>
+          <p:cNvSpPr txBox="1">
+            <a:spLocks noGrp="1"/>
+          </p:cNvSpPr>
+          <p:nvPr>
+            <p:ph type="title"/>
+          </p:nvPr>
+        </p:nvSpPr>
+        <p:spPr>
+          <a:xfrm>
+            <a:off x="457200" y="274638"/>
+            <a:ext cx="8229600" cy="1143000"/>
+          </a:xfrm>
+          <a:prstGeom prst="rect">
+            <a:avLst/>
+          </a:prstGeom>
+          <a:noFill/>
+          <a:ln>
+            <a:noFill/>
+          </a:ln>
+        </p:spPr>
+        <p:txBody>
+          <a:bodyPr spcFirstLastPara="1" wrap="square" lIns="91425" tIns="45700" rIns="91425" bIns="45700" anchor="ctr" anchorCtr="0">
+            <a:noAutofit/>
+          </a:bodyPr>
+          <a:lstStyle/>
+          <a:p>
+            <a:pPr marL="0" marR="0" lvl="0" indent="0" algn="ctr" rtl="0">
+              <a:spcBef>
+                <a:spcPts val="0"/>
+              </a:spcBef>
+              <a:spcAft>
+                <a:spcPts val="0"/>
+              </a:spcAft>
+              <a:buClr>
+                <a:schemeClr val="dk1"/>
+              </a:buClr>
+              <a:buSzPts val="4400"/>
+              <a:buFont typeface="Calibri"/>
+              <a:buNone/>
+            </a:pPr>
+            <a:r>
+              <a:rPr lang="en-US" sz="4400" b="0" i="0" u="none" strike="noStrike" cap="none">
+                <a:solidFill>
+                  <a:schemeClr val="dk1"/>
+                </a:solidFill>
+                <a:latin typeface="Calibri"/>
+                <a:ea typeface="Calibri"/>
+                <a:cs typeface="Calibri"/>
+                <a:sym typeface="Calibri"/>
+              </a:rPr>
+              <a:t>CV Module: Methodology</a:t>
+            </a:r>
+            <a:endParaRPr sz="4400" b="0" i="0" u="none" strike="noStrike" cap="none">
+              <a:solidFill>
+                <a:schemeClr val="dk1"/>
+              </a:solidFill>
+              <a:latin typeface="Calibri"/>
+              <a:ea typeface="Calibri"/>
+              <a:cs typeface="Calibri"/>
+              <a:sym typeface="Calibri"/>
+            </a:endParaRPr>
+          </a:p>
+        </p:txBody>
+      </p:sp>
+      <p:pic>
+        <p:nvPicPr>
+          <p:cNvPr id="148" name="Shape 148"/>
+          <p:cNvPicPr preferRelativeResize="0">
+            <a:picLocks noGrp="1"/>
+          </p:cNvPicPr>
+          <p:nvPr>
+            <p:ph type="body" idx="1"/>
+          </p:nvPr>
+        </p:nvPicPr>
+        <p:blipFill rotWithShape="1">
+          <a:blip r:embed="rId3">
+            <a:alphaModFix/>
+          </a:blip>
+          <a:srcRect/>
+          <a:stretch/>
+        </p:blipFill>
+        <p:spPr>
+          <a:xfrm>
+            <a:off x="923415" y="1867415"/>
+            <a:ext cx="7297169" cy="3991532"/>
+          </a:xfrm>
+          <a:prstGeom prst="rect">
+            <a:avLst/>
+          </a:prstGeom>
+          <a:noFill/>
+          <a:ln>
+            <a:noFill/>
+          </a:ln>
+        </p:spPr>
+      </p:pic>
+    </p:spTree>
+  </p:cSld>
+  <p:clrMapOvr>
+    <a:masterClrMapping/>
+  </p:clrMapOvr>
+  <p:timing>
+    <p:tnLst>
+      <p:par>
+        <p:cTn id="1" dur="indefinite" restart="never" nodeType="tmRoot"/>
+      </p:par>
+    </p:tnLst>
+  </p:timing>
+</p:sld>
+</file>
+
+<file path=ppt/slides/slide21.xml><?xml version="1.0" encoding="utf-8"?>
+<p:sld xmlns:a="http://schemas.openxmlformats.org/drawingml/2006/main" xmlns:r="http://schemas.openxmlformats.org/officeDocument/2006/relationships" xmlns:p="http://schemas.openxmlformats.org/presentationml/2006/main">
+  <p:cSld>
+    <p:spTree>
+      <p:nvGrpSpPr>
         <p:cNvPr id="1" name="Shape 152"/>
         <p:cNvGrpSpPr/>
         <p:nvPr/>
@@ -28937,7 +29047,7 @@
 </p:sld>
 </file>
 
-<file path=ppt/slides/slide21.xml><?xml version="1.0" encoding="utf-8"?>
+<file path=ppt/slides/slide22.xml><?xml version="1.0" encoding="utf-8"?>
 <p:sld xmlns:a="http://schemas.openxmlformats.org/drawingml/2006/main" xmlns:r="http://schemas.openxmlformats.org/officeDocument/2006/relationships" xmlns:p="http://schemas.openxmlformats.org/presentationml/2006/main">
   <p:cSld>
     <p:spTree>
@@ -29374,7 +29484,7 @@
 </p:sld>
 </file>
 
-<file path=ppt/slides/slide22.xml><?xml version="1.0" encoding="utf-8"?>
+<file path=ppt/slides/slide23.xml><?xml version="1.0" encoding="utf-8"?>
 <p:sld xmlns:a="http://schemas.openxmlformats.org/drawingml/2006/main" xmlns:r="http://schemas.openxmlformats.org/officeDocument/2006/relationships" xmlns:p="http://schemas.openxmlformats.org/presentationml/2006/main">
   <p:cSld>
     <p:spTree>
@@ -29519,7 +29629,7 @@
 </p:sld>
 </file>
 
-<file path=ppt/slides/slide23.xml><?xml version="1.0" encoding="utf-8"?>
+<file path=ppt/slides/slide24.xml><?xml version="1.0" encoding="utf-8"?>
 <p:sld xmlns:a="http://schemas.openxmlformats.org/drawingml/2006/main" xmlns:r="http://schemas.openxmlformats.org/officeDocument/2006/relationships" xmlns:p="http://schemas.openxmlformats.org/presentationml/2006/main">
   <p:cSld>
     <p:spTree>
@@ -29675,7 +29785,7 @@
 </p:sld>
 </file>
 
-<file path=ppt/slides/slide24.xml><?xml version="1.0" encoding="utf-8"?>
+<file path=ppt/slides/slide25.xml><?xml version="1.0" encoding="utf-8"?>
 <p:sld xmlns:a="http://schemas.openxmlformats.org/drawingml/2006/main" xmlns:r="http://schemas.openxmlformats.org/officeDocument/2006/relationships" xmlns:p="http://schemas.openxmlformats.org/presentationml/2006/main">
   <p:cSld>
     <p:spTree>

--- a/GP_presentation.pptx
+++ b/GP_presentation.pptx
@@ -7,7 +7,7 @@
     <p:sldMasterId id="2147483696" r:id="rId3"/>
   </p:sldMasterIdLst>
   <p:notesMasterIdLst>
-    <p:notesMasterId r:id="rId29"/>
+    <p:notesMasterId r:id="rId30"/>
   </p:notesMasterIdLst>
   <p:sldIdLst>
     <p:sldId id="283" r:id="rId4"/>
@@ -21,20 +21,21 @@
     <p:sldId id="269" r:id="rId12"/>
     <p:sldId id="270" r:id="rId13"/>
     <p:sldId id="271" r:id="rId14"/>
-    <p:sldId id="294" r:id="rId15"/>
-    <p:sldId id="256" r:id="rId16"/>
-    <p:sldId id="257" r:id="rId17"/>
-    <p:sldId id="258" r:id="rId18"/>
-    <p:sldId id="259" r:id="rId19"/>
-    <p:sldId id="260" r:id="rId20"/>
-    <p:sldId id="261" r:id="rId21"/>
-    <p:sldId id="262" r:id="rId22"/>
-    <p:sldId id="263" r:id="rId23"/>
-    <p:sldId id="264" r:id="rId24"/>
-    <p:sldId id="265" r:id="rId25"/>
-    <p:sldId id="291" r:id="rId26"/>
-    <p:sldId id="292" r:id="rId27"/>
-    <p:sldId id="293" r:id="rId28"/>
+    <p:sldId id="295" r:id="rId15"/>
+    <p:sldId id="294" r:id="rId16"/>
+    <p:sldId id="256" r:id="rId17"/>
+    <p:sldId id="257" r:id="rId18"/>
+    <p:sldId id="258" r:id="rId19"/>
+    <p:sldId id="259" r:id="rId20"/>
+    <p:sldId id="260" r:id="rId21"/>
+    <p:sldId id="261" r:id="rId22"/>
+    <p:sldId id="262" r:id="rId23"/>
+    <p:sldId id="263" r:id="rId24"/>
+    <p:sldId id="264" r:id="rId25"/>
+    <p:sldId id="265" r:id="rId26"/>
+    <p:sldId id="291" r:id="rId27"/>
+    <p:sldId id="292" r:id="rId28"/>
+    <p:sldId id="293" r:id="rId29"/>
   </p:sldIdLst>
   <p:sldSz cx="9144000" cy="6858000" type="screen4x3"/>
   <p:notesSz cx="6858000" cy="9144000"/>
@@ -26416,6 +26417,115 @@
           <a:p>
             <a:r>
               <a:rPr lang="en-US" dirty="0" smtClean="0"/>
+              <a:t>Semi Real-time System</a:t>
+            </a:r>
+            <a:endParaRPr lang="en-US" dirty="0"/>
+          </a:p>
+        </p:txBody>
+      </p:sp>
+      <p:sp>
+        <p:nvSpPr>
+          <p:cNvPr id="3" name="Text Placeholder 2"/>
+          <p:cNvSpPr>
+            <a:spLocks noGrp="1"/>
+          </p:cNvSpPr>
+          <p:nvPr>
+            <p:ph type="body" idx="1"/>
+          </p:nvPr>
+        </p:nvSpPr>
+        <p:spPr/>
+        <p:txBody>
+          <a:bodyPr/>
+          <a:lstStyle/>
+          <a:p>
+            <a:endParaRPr lang="en-US" dirty="0"/>
+          </a:p>
+        </p:txBody>
+      </p:sp>
+      <p:pic>
+        <p:nvPicPr>
+          <p:cNvPr id="4" name="Picture 3"/>
+          <p:cNvPicPr>
+            <a:picLocks noChangeAspect="1"/>
+          </p:cNvPicPr>
+          <p:nvPr/>
+        </p:nvPicPr>
+        <p:blipFill>
+          <a:blip r:embed="rId2">
+            <a:extLst>
+              <a:ext uri="{28A0092B-C50C-407E-A947-70E740481C1C}">
+                <a14:useLocalDpi xmlns:a14="http://schemas.microsoft.com/office/drawing/2010/main" val="0"/>
+              </a:ext>
+            </a:extLst>
+          </a:blip>
+          <a:stretch>
+            <a:fillRect/>
+          </a:stretch>
+        </p:blipFill>
+        <p:spPr>
+          <a:xfrm>
+            <a:off x="0" y="1423219"/>
+            <a:ext cx="9144000" cy="4879924"/>
+          </a:xfrm>
+          <a:prstGeom prst="rect">
+            <a:avLst/>
+          </a:prstGeom>
+        </p:spPr>
+      </p:pic>
+    </p:spTree>
+    <p:extLst>
+      <p:ext uri="{BB962C8B-B14F-4D97-AF65-F5344CB8AC3E}">
+        <p14:creationId xmlns:p14="http://schemas.microsoft.com/office/powerpoint/2010/main" val="1451109317"/>
+      </p:ext>
+    </p:extLst>
+  </p:cSld>
+  <p:clrMapOvr>
+    <a:masterClrMapping/>
+  </p:clrMapOvr>
+  <p:timing>
+    <p:tnLst>
+      <p:par>
+        <p:cTn id="1" dur="indefinite" restart="never" nodeType="tmRoot"/>
+      </p:par>
+    </p:tnLst>
+  </p:timing>
+</p:sld>
+</file>
+
+<file path=ppt/slides/slide13.xml><?xml version="1.0" encoding="utf-8"?>
+<p:sld xmlns:a="http://schemas.openxmlformats.org/drawingml/2006/main" xmlns:r="http://schemas.openxmlformats.org/officeDocument/2006/relationships" xmlns:p="http://schemas.openxmlformats.org/presentationml/2006/main">
+  <p:cSld>
+    <p:spTree>
+      <p:nvGrpSpPr>
+        <p:cNvPr id="1" name=""/>
+        <p:cNvGrpSpPr/>
+        <p:nvPr/>
+      </p:nvGrpSpPr>
+      <p:grpSpPr>
+        <a:xfrm>
+          <a:off x="0" y="0"/>
+          <a:ext cx="0" cy="0"/>
+          <a:chOff x="0" y="0"/>
+          <a:chExt cx="0" cy="0"/>
+        </a:xfrm>
+      </p:grpSpPr>
+      <p:sp>
+        <p:nvSpPr>
+          <p:cNvPr id="2" name="Title 1"/>
+          <p:cNvSpPr>
+            <a:spLocks noGrp="1"/>
+          </p:cNvSpPr>
+          <p:nvPr>
+            <p:ph type="title"/>
+          </p:nvPr>
+        </p:nvSpPr>
+        <p:spPr/>
+        <p:txBody>
+          <a:bodyPr/>
+          <a:lstStyle/>
+          <a:p>
+            <a:r>
+              <a:rPr lang="en-US" dirty="0" smtClean="0"/>
               <a:t>Real-time System</a:t>
             </a:r>
             <a:endParaRPr lang="en-US" dirty="0"/>
@@ -26491,7 +26601,7 @@
 </p:sld>
 </file>
 
-<file path=ppt/slides/slide13.xml><?xml version="1.0" encoding="utf-8"?>
+<file path=ppt/slides/slide14.xml><?xml version="1.0" encoding="utf-8"?>
 <p:sld xmlns:a="http://schemas.openxmlformats.org/drawingml/2006/main" xmlns:r="http://schemas.openxmlformats.org/officeDocument/2006/relationships" xmlns:p="http://schemas.openxmlformats.org/presentationml/2006/main">
   <p:cSld>
     <p:spTree>
@@ -26636,7 +26746,7 @@
 </p:sld>
 </file>
 
-<file path=ppt/slides/slide14.xml><?xml version="1.0" encoding="utf-8"?>
+<file path=ppt/slides/slide15.xml><?xml version="1.0" encoding="utf-8"?>
 <p:sld xmlns:a="http://schemas.openxmlformats.org/drawingml/2006/main" xmlns:r="http://schemas.openxmlformats.org/officeDocument/2006/relationships" xmlns:p="http://schemas.openxmlformats.org/presentationml/2006/main">
   <p:cSld>
     <p:spTree>
@@ -26792,7 +26902,7 @@
 </p:sld>
 </file>
 
-<file path=ppt/slides/slide15.xml><?xml version="1.0" encoding="utf-8"?>
+<file path=ppt/slides/slide16.xml><?xml version="1.0" encoding="utf-8"?>
 <p:sld xmlns:a="http://schemas.openxmlformats.org/drawingml/2006/main" xmlns:r="http://schemas.openxmlformats.org/officeDocument/2006/relationships" xmlns:p="http://schemas.openxmlformats.org/presentationml/2006/main">
   <p:cSld>
     <p:spTree>
@@ -27087,7 +27197,7 @@
 </p:sld>
 </file>
 
-<file path=ppt/slides/slide16.xml><?xml version="1.0" encoding="utf-8"?>
+<file path=ppt/slides/slide17.xml><?xml version="1.0" encoding="utf-8"?>
 <p:sld xmlns:a="http://schemas.openxmlformats.org/drawingml/2006/main" xmlns:r="http://schemas.openxmlformats.org/officeDocument/2006/relationships" xmlns:p="http://schemas.openxmlformats.org/presentationml/2006/main">
   <p:cSld>
     <p:spTree>
@@ -28156,7 +28266,7 @@
 </p:sld>
 </file>
 
-<file path=ppt/slides/slide17.xml><?xml version="1.0" encoding="utf-8"?>
+<file path=ppt/slides/slide18.xml><?xml version="1.0" encoding="utf-8"?>
 <p:sld xmlns:a="http://schemas.openxmlformats.org/drawingml/2006/main" xmlns:r="http://schemas.openxmlformats.org/officeDocument/2006/relationships" xmlns:p="http://schemas.openxmlformats.org/presentationml/2006/main">
   <p:cSld>
     <p:spTree>
@@ -28301,7 +28411,7 @@
 </p:sld>
 </file>
 
-<file path=ppt/slides/slide18.xml><?xml version="1.0" encoding="utf-8"?>
+<file path=ppt/slides/slide19.xml><?xml version="1.0" encoding="utf-8"?>
 <p:sld xmlns:a="http://schemas.openxmlformats.org/drawingml/2006/main" xmlns:r="http://schemas.openxmlformats.org/officeDocument/2006/relationships" xmlns:p="http://schemas.openxmlformats.org/presentationml/2006/main">
   <p:cSld>
     <p:spTree>
@@ -28407,186 +28517,6 @@
           <a:xfrm>
             <a:off x="1106438" y="1861300"/>
             <a:ext cx="6931124" cy="4731575"/>
-          </a:xfrm>
-          <a:prstGeom prst="rect">
-            <a:avLst/>
-          </a:prstGeom>
-          <a:noFill/>
-          <a:ln>
-            <a:noFill/>
-          </a:ln>
-        </p:spPr>
-      </p:pic>
-    </p:spTree>
-  </p:cSld>
-  <p:clrMapOvr>
-    <a:masterClrMapping/>
-  </p:clrMapOvr>
-  <p:timing>
-    <p:tnLst>
-      <p:par>
-        <p:cTn id="1" dur="indefinite" restart="never" nodeType="tmRoot"/>
-      </p:par>
-    </p:tnLst>
-  </p:timing>
-</p:sld>
-</file>
-
-<file path=ppt/slides/slide19.xml><?xml version="1.0" encoding="utf-8"?>
-<p:sld xmlns:a="http://schemas.openxmlformats.org/drawingml/2006/main" xmlns:r="http://schemas.openxmlformats.org/officeDocument/2006/relationships" xmlns:p="http://schemas.openxmlformats.org/presentationml/2006/main">
-  <p:cSld>
-    <p:spTree>
-      <p:nvGrpSpPr>
-        <p:cNvPr id="1" name="Shape 139"/>
-        <p:cNvGrpSpPr/>
-        <p:nvPr/>
-      </p:nvGrpSpPr>
-      <p:grpSpPr>
-        <a:xfrm>
-          <a:off x="0" y="0"/>
-          <a:ext cx="0" cy="0"/>
-          <a:chOff x="0" y="0"/>
-          <a:chExt cx="0" cy="0"/>
-        </a:xfrm>
-      </p:grpSpPr>
-      <p:sp>
-        <p:nvSpPr>
-          <p:cNvPr id="140" name="Shape 140"/>
-          <p:cNvSpPr txBox="1">
-            <a:spLocks noGrp="1"/>
-          </p:cNvSpPr>
-          <p:nvPr>
-            <p:ph type="title"/>
-          </p:nvPr>
-        </p:nvSpPr>
-        <p:spPr>
-          <a:xfrm>
-            <a:off x="457200" y="274638"/>
-            <a:ext cx="8229600" cy="1143000"/>
-          </a:xfrm>
-          <a:prstGeom prst="rect">
-            <a:avLst/>
-          </a:prstGeom>
-        </p:spPr>
-        <p:txBody>
-          <a:bodyPr spcFirstLastPara="1" wrap="square" lIns="91425" tIns="45700" rIns="91425" bIns="45700" anchor="ctr" anchorCtr="0">
-            <a:noAutofit/>
-          </a:bodyPr>
-          <a:lstStyle/>
-          <a:p>
-            <a:pPr marL="0" lvl="0" indent="0">
-              <a:spcBef>
-                <a:spcPts val="0"/>
-              </a:spcBef>
-              <a:spcAft>
-                <a:spcPts val="0"/>
-              </a:spcAft>
-              <a:buNone/>
-            </a:pPr>
-            <a:endParaRPr/>
-          </a:p>
-          <a:p>
-            <a:pPr marL="0" lvl="0" indent="0">
-              <a:spcBef>
-                <a:spcPts val="0"/>
-              </a:spcBef>
-              <a:spcAft>
-                <a:spcPts val="0"/>
-              </a:spcAft>
-              <a:buClr>
-                <a:schemeClr val="dk1"/>
-              </a:buClr>
-              <a:buSzPts val="4400"/>
-              <a:buFont typeface="Calibri"/>
-              <a:buNone/>
-            </a:pPr>
-            <a:r>
-              <a:rPr lang="en-US"/>
-              <a:t>CV Module: Dataset</a:t>
-            </a:r>
-            <a:endParaRPr/>
-          </a:p>
-          <a:p>
-            <a:pPr marL="0" lvl="0" indent="0">
-              <a:spcBef>
-                <a:spcPts val="0"/>
-              </a:spcBef>
-              <a:spcAft>
-                <a:spcPts val="0"/>
-              </a:spcAft>
-              <a:buNone/>
-            </a:pPr>
-            <a:endParaRPr/>
-          </a:p>
-        </p:txBody>
-      </p:sp>
-      <p:sp>
-        <p:nvSpPr>
-          <p:cNvPr id="141" name="Shape 141"/>
-          <p:cNvSpPr txBox="1"/>
-          <p:nvPr/>
-        </p:nvSpPr>
-        <p:spPr>
-          <a:xfrm>
-            <a:off x="457200" y="1064050"/>
-            <a:ext cx="5620800" cy="724800"/>
-          </a:xfrm>
-          <a:prstGeom prst="rect">
-            <a:avLst/>
-          </a:prstGeom>
-          <a:noFill/>
-          <a:ln>
-            <a:noFill/>
-          </a:ln>
-        </p:spPr>
-        <p:txBody>
-          <a:bodyPr spcFirstLastPara="1" wrap="square" lIns="91425" tIns="91425" rIns="91425" bIns="91425" anchor="t" anchorCtr="0">
-            <a:noAutofit/>
-          </a:bodyPr>
-          <a:lstStyle/>
-          <a:p>
-            <a:pPr marL="457200" lvl="0" indent="-342900" rtl="0">
-              <a:lnSpc>
-                <a:spcPct val="115000"/>
-              </a:lnSpc>
-              <a:spcBef>
-                <a:spcPts val="2400"/>
-              </a:spcBef>
-              <a:spcAft>
-                <a:spcPts val="0"/>
-              </a:spcAft>
-              <a:buSzPts val="1800"/>
-              <a:buChar char="●"/>
-            </a:pPr>
-            <a:r>
-              <a:rPr lang="en-US" sz="1800" b="1"/>
-              <a:t>Amsterdam Library of Object Images (ALOI)</a:t>
-            </a:r>
-            <a:br>
-              <a:rPr lang="en-US" sz="1800" b="1"/>
-            </a:br>
-            <a:endParaRPr sz="1800"/>
-          </a:p>
-        </p:txBody>
-      </p:sp>
-      <p:pic>
-        <p:nvPicPr>
-          <p:cNvPr id="142" name="Shape 142"/>
-          <p:cNvPicPr preferRelativeResize="0"/>
-          <p:nvPr/>
-        </p:nvPicPr>
-        <p:blipFill>
-          <a:blip r:embed="rId3">
-            <a:alphaModFix/>
-          </a:blip>
-          <a:stretch>
-            <a:fillRect/>
-          </a:stretch>
-        </p:blipFill>
-        <p:spPr>
-          <a:xfrm>
-            <a:off x="1088025" y="1983275"/>
-            <a:ext cx="6967950" cy="4485875"/>
           </a:xfrm>
           <a:prstGeom prst="rect">
             <a:avLst/>
@@ -28792,6 +28722,186 @@
   <p:cSld>
     <p:spTree>
       <p:nvGrpSpPr>
+        <p:cNvPr id="1" name="Shape 139"/>
+        <p:cNvGrpSpPr/>
+        <p:nvPr/>
+      </p:nvGrpSpPr>
+      <p:grpSpPr>
+        <a:xfrm>
+          <a:off x="0" y="0"/>
+          <a:ext cx="0" cy="0"/>
+          <a:chOff x="0" y="0"/>
+          <a:chExt cx="0" cy="0"/>
+        </a:xfrm>
+      </p:grpSpPr>
+      <p:sp>
+        <p:nvSpPr>
+          <p:cNvPr id="140" name="Shape 140"/>
+          <p:cNvSpPr txBox="1">
+            <a:spLocks noGrp="1"/>
+          </p:cNvSpPr>
+          <p:nvPr>
+            <p:ph type="title"/>
+          </p:nvPr>
+        </p:nvSpPr>
+        <p:spPr>
+          <a:xfrm>
+            <a:off x="457200" y="274638"/>
+            <a:ext cx="8229600" cy="1143000"/>
+          </a:xfrm>
+          <a:prstGeom prst="rect">
+            <a:avLst/>
+          </a:prstGeom>
+        </p:spPr>
+        <p:txBody>
+          <a:bodyPr spcFirstLastPara="1" wrap="square" lIns="91425" tIns="45700" rIns="91425" bIns="45700" anchor="ctr" anchorCtr="0">
+            <a:noAutofit/>
+          </a:bodyPr>
+          <a:lstStyle/>
+          <a:p>
+            <a:pPr marL="0" lvl="0" indent="0">
+              <a:spcBef>
+                <a:spcPts val="0"/>
+              </a:spcBef>
+              <a:spcAft>
+                <a:spcPts val="0"/>
+              </a:spcAft>
+              <a:buNone/>
+            </a:pPr>
+            <a:endParaRPr/>
+          </a:p>
+          <a:p>
+            <a:pPr marL="0" lvl="0" indent="0">
+              <a:spcBef>
+                <a:spcPts val="0"/>
+              </a:spcBef>
+              <a:spcAft>
+                <a:spcPts val="0"/>
+              </a:spcAft>
+              <a:buClr>
+                <a:schemeClr val="dk1"/>
+              </a:buClr>
+              <a:buSzPts val="4400"/>
+              <a:buFont typeface="Calibri"/>
+              <a:buNone/>
+            </a:pPr>
+            <a:r>
+              <a:rPr lang="en-US"/>
+              <a:t>CV Module: Dataset</a:t>
+            </a:r>
+            <a:endParaRPr/>
+          </a:p>
+          <a:p>
+            <a:pPr marL="0" lvl="0" indent="0">
+              <a:spcBef>
+                <a:spcPts val="0"/>
+              </a:spcBef>
+              <a:spcAft>
+                <a:spcPts val="0"/>
+              </a:spcAft>
+              <a:buNone/>
+            </a:pPr>
+            <a:endParaRPr/>
+          </a:p>
+        </p:txBody>
+      </p:sp>
+      <p:sp>
+        <p:nvSpPr>
+          <p:cNvPr id="141" name="Shape 141"/>
+          <p:cNvSpPr txBox="1"/>
+          <p:nvPr/>
+        </p:nvSpPr>
+        <p:spPr>
+          <a:xfrm>
+            <a:off x="457200" y="1064050"/>
+            <a:ext cx="5620800" cy="724800"/>
+          </a:xfrm>
+          <a:prstGeom prst="rect">
+            <a:avLst/>
+          </a:prstGeom>
+          <a:noFill/>
+          <a:ln>
+            <a:noFill/>
+          </a:ln>
+        </p:spPr>
+        <p:txBody>
+          <a:bodyPr spcFirstLastPara="1" wrap="square" lIns="91425" tIns="91425" rIns="91425" bIns="91425" anchor="t" anchorCtr="0">
+            <a:noAutofit/>
+          </a:bodyPr>
+          <a:lstStyle/>
+          <a:p>
+            <a:pPr marL="457200" lvl="0" indent="-342900" rtl="0">
+              <a:lnSpc>
+                <a:spcPct val="115000"/>
+              </a:lnSpc>
+              <a:spcBef>
+                <a:spcPts val="2400"/>
+              </a:spcBef>
+              <a:spcAft>
+                <a:spcPts val="0"/>
+              </a:spcAft>
+              <a:buSzPts val="1800"/>
+              <a:buChar char="●"/>
+            </a:pPr>
+            <a:r>
+              <a:rPr lang="en-US" sz="1800" b="1"/>
+              <a:t>Amsterdam Library of Object Images (ALOI)</a:t>
+            </a:r>
+            <a:br>
+              <a:rPr lang="en-US" sz="1800" b="1"/>
+            </a:br>
+            <a:endParaRPr sz="1800"/>
+          </a:p>
+        </p:txBody>
+      </p:sp>
+      <p:pic>
+        <p:nvPicPr>
+          <p:cNvPr id="142" name="Shape 142"/>
+          <p:cNvPicPr preferRelativeResize="0"/>
+          <p:nvPr/>
+        </p:nvPicPr>
+        <p:blipFill>
+          <a:blip r:embed="rId3">
+            <a:alphaModFix/>
+          </a:blip>
+          <a:stretch>
+            <a:fillRect/>
+          </a:stretch>
+        </p:blipFill>
+        <p:spPr>
+          <a:xfrm>
+            <a:off x="1088025" y="1983275"/>
+            <a:ext cx="6967950" cy="4485875"/>
+          </a:xfrm>
+          <a:prstGeom prst="rect">
+            <a:avLst/>
+          </a:prstGeom>
+          <a:noFill/>
+          <a:ln>
+            <a:noFill/>
+          </a:ln>
+        </p:spPr>
+      </p:pic>
+    </p:spTree>
+  </p:cSld>
+  <p:clrMapOvr>
+    <a:masterClrMapping/>
+  </p:clrMapOvr>
+  <p:timing>
+    <p:tnLst>
+      <p:par>
+        <p:cTn id="1" dur="indefinite" restart="never" nodeType="tmRoot"/>
+      </p:par>
+    </p:tnLst>
+  </p:timing>
+</p:sld>
+</file>
+
+<file path=ppt/slides/slide21.xml><?xml version="1.0" encoding="utf-8"?>
+<p:sld xmlns:a="http://schemas.openxmlformats.org/drawingml/2006/main" xmlns:r="http://schemas.openxmlformats.org/officeDocument/2006/relationships" xmlns:p="http://schemas.openxmlformats.org/presentationml/2006/main">
+  <p:cSld>
+    <p:spTree>
+      <p:nvGrpSpPr>
         <p:cNvPr id="1" name="Shape 146"/>
         <p:cNvGrpSpPr/>
         <p:nvPr/>
@@ -28917,7 +29027,7 @@
 </p:sld>
 </file>
 
-<file path=ppt/slides/slide21.xml><?xml version="1.0" encoding="utf-8"?>
+<file path=ppt/slides/slide22.xml><?xml version="1.0" encoding="utf-8"?>
 <p:sld xmlns:a="http://schemas.openxmlformats.org/drawingml/2006/main" xmlns:r="http://schemas.openxmlformats.org/officeDocument/2006/relationships" xmlns:p="http://schemas.openxmlformats.org/presentationml/2006/main">
   <p:cSld>
     <p:spTree>
@@ -29047,7 +29157,7 @@
 </p:sld>
 </file>
 
-<file path=ppt/slides/slide22.xml><?xml version="1.0" encoding="utf-8"?>
+<file path=ppt/slides/slide23.xml><?xml version="1.0" encoding="utf-8"?>
 <p:sld xmlns:a="http://schemas.openxmlformats.org/drawingml/2006/main" xmlns:r="http://schemas.openxmlformats.org/officeDocument/2006/relationships" xmlns:p="http://schemas.openxmlformats.org/presentationml/2006/main">
   <p:cSld>
     <p:spTree>
@@ -29484,7 +29594,7 @@
 </p:sld>
 </file>
 
-<file path=ppt/slides/slide23.xml><?xml version="1.0" encoding="utf-8"?>
+<file path=ppt/slides/slide24.xml><?xml version="1.0" encoding="utf-8"?>
 <p:sld xmlns:a="http://schemas.openxmlformats.org/drawingml/2006/main" xmlns:r="http://schemas.openxmlformats.org/officeDocument/2006/relationships" xmlns:p="http://schemas.openxmlformats.org/presentationml/2006/main">
   <p:cSld>
     <p:spTree>
@@ -29629,7 +29739,7 @@
 </p:sld>
 </file>
 
-<file path=ppt/slides/slide24.xml><?xml version="1.0" encoding="utf-8"?>
+<file path=ppt/slides/slide25.xml><?xml version="1.0" encoding="utf-8"?>
 <p:sld xmlns:a="http://schemas.openxmlformats.org/drawingml/2006/main" xmlns:r="http://schemas.openxmlformats.org/officeDocument/2006/relationships" xmlns:p="http://schemas.openxmlformats.org/presentationml/2006/main">
   <p:cSld>
     <p:spTree>
@@ -29785,7 +29895,7 @@
 </p:sld>
 </file>
 
-<file path=ppt/slides/slide25.xml><?xml version="1.0" encoding="utf-8"?>
+<file path=ppt/slides/slide26.xml><?xml version="1.0" encoding="utf-8"?>
 <p:sld xmlns:a="http://schemas.openxmlformats.org/drawingml/2006/main" xmlns:r="http://schemas.openxmlformats.org/officeDocument/2006/relationships" xmlns:p="http://schemas.openxmlformats.org/presentationml/2006/main">
   <p:cSld>
     <p:spTree>

--- a/GP_presentation.pptx
+++ b/GP_presentation.pptx
@@ -7,7 +7,7 @@
     <p:sldMasterId id="2147483696" r:id="rId3"/>
   </p:sldMasterIdLst>
   <p:notesMasterIdLst>
-    <p:notesMasterId r:id="rId30"/>
+    <p:notesMasterId r:id="rId31"/>
   </p:notesMasterIdLst>
   <p:sldIdLst>
     <p:sldId id="283" r:id="rId4"/>
@@ -36,6 +36,7 @@
     <p:sldId id="291" r:id="rId27"/>
     <p:sldId id="292" r:id="rId28"/>
     <p:sldId id="293" r:id="rId29"/>
+    <p:sldId id="296" r:id="rId30"/>
   </p:sldIdLst>
   <p:sldSz cx="9144000" cy="6858000" type="screen4x3"/>
   <p:notesSz cx="6858000" cy="9144000"/>
@@ -29986,6 +29987,695 @@
       </p:transition>
     </mc:Fallback>
   </mc:AlternateContent>
+  <p:timing>
+    <p:tnLst>
+      <p:par>
+        <p:cTn id="1" dur="indefinite" restart="never" nodeType="tmRoot"/>
+      </p:par>
+    </p:tnLst>
+  </p:timing>
+</p:sld>
+</file>
+
+<file path=ppt/slides/slide27.xml><?xml version="1.0" encoding="utf-8"?>
+<p:sld xmlns:a="http://schemas.openxmlformats.org/drawingml/2006/main" xmlns:r="http://schemas.openxmlformats.org/officeDocument/2006/relationships" xmlns:p="http://schemas.openxmlformats.org/presentationml/2006/main">
+  <p:cSld>
+    <p:spTree>
+      <p:nvGrpSpPr>
+        <p:cNvPr id="1" name=""/>
+        <p:cNvGrpSpPr/>
+        <p:nvPr/>
+      </p:nvGrpSpPr>
+      <p:grpSpPr>
+        <a:xfrm>
+          <a:off x="0" y="0"/>
+          <a:ext cx="0" cy="0"/>
+          <a:chOff x="0" y="0"/>
+          <a:chExt cx="0" cy="0"/>
+        </a:xfrm>
+      </p:grpSpPr>
+      <p:sp>
+        <p:nvSpPr>
+          <p:cNvPr id="2" name="Title 1"/>
+          <p:cNvSpPr>
+            <a:spLocks noGrp="1"/>
+          </p:cNvSpPr>
+          <p:nvPr>
+            <p:ph type="title"/>
+          </p:nvPr>
+        </p:nvSpPr>
+        <p:spPr/>
+        <p:txBody>
+          <a:bodyPr/>
+          <a:lstStyle/>
+          <a:p>
+            <a:r>
+              <a:rPr lang="en-US" dirty="0" smtClean="0"/>
+              <a:t>Team Contribution</a:t>
+            </a:r>
+            <a:endParaRPr lang="en-US" dirty="0"/>
+          </a:p>
+        </p:txBody>
+      </p:sp>
+      <p:graphicFrame>
+        <p:nvGraphicFramePr>
+          <p:cNvPr id="5" name="Content Placeholder 4"/>
+          <p:cNvGraphicFramePr>
+            <a:graphicFrameLocks noGrp="1"/>
+          </p:cNvGraphicFramePr>
+          <p:nvPr>
+            <p:ph idx="1"/>
+            <p:extLst>
+              <p:ext uri="{D42A27DB-BD31-4B8C-83A1-F6EECF244321}">
+                <p14:modId xmlns:p14="http://schemas.microsoft.com/office/powerpoint/2010/main" val="1307033734"/>
+              </p:ext>
+            </p:extLst>
+          </p:nvPr>
+        </p:nvGraphicFramePr>
+        <p:xfrm>
+          <a:off x="235531" y="1600199"/>
+          <a:ext cx="8742213" cy="3716814"/>
+        </p:xfrm>
+        <a:graphic>
+          <a:graphicData uri="http://schemas.openxmlformats.org/drawingml/2006/table">
+            <a:tbl>
+              <a:tblPr firstRow="1" bandRow="1">
+                <a:tableStyleId>{5C22544A-7EE6-4342-B048-85BDC9FD1C3A}</a:tableStyleId>
+              </a:tblPr>
+              <a:tblGrid>
+                <a:gridCol w="1496287">
+                  <a:extLst>
+                    <a:ext uri="{9D8B030D-6E8A-4147-A177-3AD203B41FA5}">
+                      <a16:colId xmlns:a16="http://schemas.microsoft.com/office/drawing/2014/main" val="173855607"/>
+                    </a:ext>
+                  </a:extLst>
+                </a:gridCol>
+                <a:gridCol w="446427">
+                  <a:extLst>
+                    <a:ext uri="{9D8B030D-6E8A-4147-A177-3AD203B41FA5}">
+                      <a16:colId xmlns:a16="http://schemas.microsoft.com/office/drawing/2014/main" val="3027779581"/>
+                    </a:ext>
+                  </a:extLst>
+                </a:gridCol>
+                <a:gridCol w="971357">
+                  <a:extLst>
+                    <a:ext uri="{9D8B030D-6E8A-4147-A177-3AD203B41FA5}">
+                      <a16:colId xmlns:a16="http://schemas.microsoft.com/office/drawing/2014/main" val="1575102433"/>
+                    </a:ext>
+                  </a:extLst>
+                </a:gridCol>
+                <a:gridCol w="971357">
+                  <a:extLst>
+                    <a:ext uri="{9D8B030D-6E8A-4147-A177-3AD203B41FA5}">
+                      <a16:colId xmlns:a16="http://schemas.microsoft.com/office/drawing/2014/main" val="3442806467"/>
+                    </a:ext>
+                  </a:extLst>
+                </a:gridCol>
+                <a:gridCol w="971357">
+                  <a:extLst>
+                    <a:ext uri="{9D8B030D-6E8A-4147-A177-3AD203B41FA5}">
+                      <a16:colId xmlns:a16="http://schemas.microsoft.com/office/drawing/2014/main" val="145740980"/>
+                    </a:ext>
+                  </a:extLst>
+                </a:gridCol>
+                <a:gridCol w="971357">
+                  <a:extLst>
+                    <a:ext uri="{9D8B030D-6E8A-4147-A177-3AD203B41FA5}">
+                      <a16:colId xmlns:a16="http://schemas.microsoft.com/office/drawing/2014/main" val="2944762169"/>
+                    </a:ext>
+                  </a:extLst>
+                </a:gridCol>
+                <a:gridCol w="971357">
+                  <a:extLst>
+                    <a:ext uri="{9D8B030D-6E8A-4147-A177-3AD203B41FA5}">
+                      <a16:colId xmlns:a16="http://schemas.microsoft.com/office/drawing/2014/main" val="628917987"/>
+                    </a:ext>
+                  </a:extLst>
+                </a:gridCol>
+                <a:gridCol w="971357">
+                  <a:extLst>
+                    <a:ext uri="{9D8B030D-6E8A-4147-A177-3AD203B41FA5}">
+                      <a16:colId xmlns:a16="http://schemas.microsoft.com/office/drawing/2014/main" val="4202052299"/>
+                    </a:ext>
+                  </a:extLst>
+                </a:gridCol>
+                <a:gridCol w="971357">
+                  <a:extLst>
+                    <a:ext uri="{9D8B030D-6E8A-4147-A177-3AD203B41FA5}">
+                      <a16:colId xmlns:a16="http://schemas.microsoft.com/office/drawing/2014/main" val="2030155649"/>
+                    </a:ext>
+                  </a:extLst>
+                </a:gridCol>
+              </a:tblGrid>
+              <a:tr h="760956">
+                <a:tc>
+                  <a:txBody>
+                    <a:bodyPr/>
+                    <a:lstStyle/>
+                    <a:p>
+                      <a:endParaRPr lang="en-US" dirty="0"/>
+                    </a:p>
+                  </a:txBody>
+                  <a:tcPr/>
+                </a:tc>
+                <a:tc>
+                  <a:txBody>
+                    <a:bodyPr/>
+                    <a:lstStyle/>
+                    <a:p>
+                      <a:endParaRPr lang="en-US"/>
+                    </a:p>
+                  </a:txBody>
+                  <a:tcPr/>
+                </a:tc>
+                <a:tc>
+                  <a:txBody>
+                    <a:bodyPr/>
+                    <a:lstStyle/>
+                    <a:p>
+                      <a:endParaRPr lang="en-US"/>
+                    </a:p>
+                  </a:txBody>
+                  <a:tcPr/>
+                </a:tc>
+                <a:tc>
+                  <a:txBody>
+                    <a:bodyPr/>
+                    <a:lstStyle/>
+                    <a:p>
+                      <a:endParaRPr lang="en-US" dirty="0"/>
+                    </a:p>
+                  </a:txBody>
+                  <a:tcPr/>
+                </a:tc>
+                <a:tc>
+                  <a:txBody>
+                    <a:bodyPr/>
+                    <a:lstStyle/>
+                    <a:p>
+                      <a:endParaRPr lang="en-US"/>
+                    </a:p>
+                  </a:txBody>
+                  <a:tcPr/>
+                </a:tc>
+                <a:tc>
+                  <a:txBody>
+                    <a:bodyPr/>
+                    <a:lstStyle/>
+                    <a:p>
+                      <a:endParaRPr lang="en-US"/>
+                    </a:p>
+                  </a:txBody>
+                  <a:tcPr/>
+                </a:tc>
+                <a:tc>
+                  <a:txBody>
+                    <a:bodyPr/>
+                    <a:lstStyle/>
+                    <a:p>
+                      <a:endParaRPr lang="en-US"/>
+                    </a:p>
+                  </a:txBody>
+                  <a:tcPr/>
+                </a:tc>
+                <a:tc>
+                  <a:txBody>
+                    <a:bodyPr/>
+                    <a:lstStyle/>
+                    <a:p>
+                      <a:endParaRPr lang="en-US"/>
+                    </a:p>
+                  </a:txBody>
+                  <a:tcPr/>
+                </a:tc>
+                <a:tc>
+                  <a:txBody>
+                    <a:bodyPr/>
+                    <a:lstStyle/>
+                    <a:p>
+                      <a:endParaRPr lang="en-US"/>
+                    </a:p>
+                  </a:txBody>
+                  <a:tcPr/>
+                </a:tc>
+                <a:extLst>
+                  <a:ext uri="{0D108BD9-81ED-4DB2-BD59-A6C34878D82A}">
+                    <a16:rowId xmlns:a16="http://schemas.microsoft.com/office/drawing/2014/main" val="1636377364"/>
+                  </a:ext>
+                </a:extLst>
+              </a:tr>
+              <a:tr h="672990">
+                <a:tc>
+                  <a:txBody>
+                    <a:bodyPr/>
+                    <a:lstStyle/>
+                    <a:p>
+                      <a:pPr marL="0" marR="0" lvl="0" indent="0" algn="l" defTabSz="914400" rtl="0" eaLnBrk="1" fontAlgn="auto" latinLnBrk="0" hangingPunct="1">
+                        <a:lnSpc>
+                          <a:spcPct val="100000"/>
+                        </a:lnSpc>
+                        <a:spcBef>
+                          <a:spcPts val="0"/>
+                        </a:spcBef>
+                        <a:spcAft>
+                          <a:spcPts val="0"/>
+                        </a:spcAft>
+                        <a:buClrTx/>
+                        <a:buSzTx/>
+                        <a:buFontTx/>
+                        <a:buNone/>
+                        <a:tabLst/>
+                        <a:defRPr/>
+                      </a:pPr>
+                      <a:r>
+                        <a:rPr kumimoji="0" lang="en-US" sz="1800" b="0" i="0" u="none" strike="noStrike" kern="1200" cap="none" spc="0" normalizeH="0" baseline="0" noProof="0" dirty="0" err="1" smtClean="0">
+                          <a:ln>
+                            <a:noFill/>
+                          </a:ln>
+                          <a:solidFill>
+                            <a:schemeClr val="tx1"/>
+                          </a:solidFill>
+                          <a:effectLst/>
+                          <a:uLnTx/>
+                          <a:uFillTx/>
+                          <a:latin typeface="+mn-lt"/>
+                          <a:ea typeface="+mn-ea"/>
+                          <a:cs typeface="+mn-cs"/>
+                        </a:rPr>
+                        <a:t>Abdelrahman</a:t>
+                      </a:r>
+                      <a:endParaRPr lang="en-US" dirty="0">
+                        <a:solidFill>
+                          <a:schemeClr val="tx1"/>
+                        </a:solidFill>
+                      </a:endParaRPr>
+                    </a:p>
+                  </a:txBody>
+                  <a:tcPr/>
+                </a:tc>
+                <a:tc>
+                  <a:txBody>
+                    <a:bodyPr/>
+                    <a:lstStyle/>
+                    <a:p>
+                      <a:endParaRPr lang="en-US"/>
+                    </a:p>
+                  </a:txBody>
+                  <a:tcPr/>
+                </a:tc>
+                <a:tc>
+                  <a:txBody>
+                    <a:bodyPr/>
+                    <a:lstStyle/>
+                    <a:p>
+                      <a:endParaRPr lang="en-US" dirty="0"/>
+                    </a:p>
+                  </a:txBody>
+                  <a:tcPr/>
+                </a:tc>
+                <a:tc>
+                  <a:txBody>
+                    <a:bodyPr/>
+                    <a:lstStyle/>
+                    <a:p>
+                      <a:endParaRPr lang="en-US"/>
+                    </a:p>
+                  </a:txBody>
+                  <a:tcPr/>
+                </a:tc>
+                <a:tc>
+                  <a:txBody>
+                    <a:bodyPr/>
+                    <a:lstStyle/>
+                    <a:p>
+                      <a:endParaRPr lang="en-US"/>
+                    </a:p>
+                  </a:txBody>
+                  <a:tcPr/>
+                </a:tc>
+                <a:tc>
+                  <a:txBody>
+                    <a:bodyPr/>
+                    <a:lstStyle/>
+                    <a:p>
+                      <a:endParaRPr lang="en-US"/>
+                    </a:p>
+                  </a:txBody>
+                  <a:tcPr/>
+                </a:tc>
+                <a:tc>
+                  <a:txBody>
+                    <a:bodyPr/>
+                    <a:lstStyle/>
+                    <a:p>
+                      <a:endParaRPr lang="en-US"/>
+                    </a:p>
+                  </a:txBody>
+                  <a:tcPr/>
+                </a:tc>
+                <a:tc>
+                  <a:txBody>
+                    <a:bodyPr/>
+                    <a:lstStyle/>
+                    <a:p>
+                      <a:endParaRPr lang="en-US"/>
+                    </a:p>
+                  </a:txBody>
+                  <a:tcPr/>
+                </a:tc>
+                <a:tc>
+                  <a:txBody>
+                    <a:bodyPr/>
+                    <a:lstStyle/>
+                    <a:p>
+                      <a:endParaRPr lang="en-US"/>
+                    </a:p>
+                  </a:txBody>
+                  <a:tcPr/>
+                </a:tc>
+                <a:extLst>
+                  <a:ext uri="{0D108BD9-81ED-4DB2-BD59-A6C34878D82A}">
+                    <a16:rowId xmlns:a16="http://schemas.microsoft.com/office/drawing/2014/main" val="3871040589"/>
+                  </a:ext>
+                </a:extLst>
+              </a:tr>
+              <a:tr h="760956">
+                <a:tc>
+                  <a:txBody>
+                    <a:bodyPr/>
+                    <a:lstStyle/>
+                    <a:p>
+                      <a:r>
+                        <a:rPr lang="en-US" dirty="0" err="1" smtClean="0"/>
+                        <a:t>Ghadir</a:t>
+                      </a:r>
+                      <a:endParaRPr lang="en-US" dirty="0"/>
+                    </a:p>
+                  </a:txBody>
+                  <a:tcPr/>
+                </a:tc>
+                <a:tc>
+                  <a:txBody>
+                    <a:bodyPr/>
+                    <a:lstStyle/>
+                    <a:p>
+                      <a:endParaRPr lang="en-US"/>
+                    </a:p>
+                  </a:txBody>
+                  <a:tcPr/>
+                </a:tc>
+                <a:tc>
+                  <a:txBody>
+                    <a:bodyPr/>
+                    <a:lstStyle/>
+                    <a:p>
+                      <a:endParaRPr lang="en-US"/>
+                    </a:p>
+                  </a:txBody>
+                  <a:tcPr/>
+                </a:tc>
+                <a:tc>
+                  <a:txBody>
+                    <a:bodyPr/>
+                    <a:lstStyle/>
+                    <a:p>
+                      <a:endParaRPr lang="en-US"/>
+                    </a:p>
+                  </a:txBody>
+                  <a:tcPr/>
+                </a:tc>
+                <a:tc>
+                  <a:txBody>
+                    <a:bodyPr/>
+                    <a:lstStyle/>
+                    <a:p>
+                      <a:endParaRPr lang="en-US"/>
+                    </a:p>
+                  </a:txBody>
+                  <a:tcPr/>
+                </a:tc>
+                <a:tc>
+                  <a:txBody>
+                    <a:bodyPr/>
+                    <a:lstStyle/>
+                    <a:p>
+                      <a:endParaRPr lang="en-US"/>
+                    </a:p>
+                  </a:txBody>
+                  <a:tcPr/>
+                </a:tc>
+                <a:tc>
+                  <a:txBody>
+                    <a:bodyPr/>
+                    <a:lstStyle/>
+                    <a:p>
+                      <a:endParaRPr lang="en-US"/>
+                    </a:p>
+                  </a:txBody>
+                  <a:tcPr/>
+                </a:tc>
+                <a:tc>
+                  <a:txBody>
+                    <a:bodyPr/>
+                    <a:lstStyle/>
+                    <a:p>
+                      <a:endParaRPr lang="en-US"/>
+                    </a:p>
+                  </a:txBody>
+                  <a:tcPr/>
+                </a:tc>
+                <a:tc>
+                  <a:txBody>
+                    <a:bodyPr/>
+                    <a:lstStyle/>
+                    <a:p>
+                      <a:endParaRPr lang="en-US"/>
+                    </a:p>
+                  </a:txBody>
+                  <a:tcPr/>
+                </a:tc>
+                <a:extLst>
+                  <a:ext uri="{0D108BD9-81ED-4DB2-BD59-A6C34878D82A}">
+                    <a16:rowId xmlns:a16="http://schemas.microsoft.com/office/drawing/2014/main" val="2054196200"/>
+                  </a:ext>
+                </a:extLst>
+              </a:tr>
+              <a:tr h="760956">
+                <a:tc>
+                  <a:txBody>
+                    <a:bodyPr/>
+                    <a:lstStyle/>
+                    <a:p>
+                      <a:r>
+                        <a:rPr lang="en-US" dirty="0" smtClean="0"/>
+                        <a:t>Hanna</a:t>
+                      </a:r>
+                      <a:endParaRPr lang="en-US" dirty="0"/>
+                    </a:p>
+                  </a:txBody>
+                  <a:tcPr/>
+                </a:tc>
+                <a:tc>
+                  <a:txBody>
+                    <a:bodyPr/>
+                    <a:lstStyle/>
+                    <a:p>
+                      <a:endParaRPr lang="en-US"/>
+                    </a:p>
+                  </a:txBody>
+                  <a:tcPr/>
+                </a:tc>
+                <a:tc>
+                  <a:txBody>
+                    <a:bodyPr/>
+                    <a:lstStyle/>
+                    <a:p>
+                      <a:endParaRPr lang="en-US"/>
+                    </a:p>
+                  </a:txBody>
+                  <a:tcPr/>
+                </a:tc>
+                <a:tc>
+                  <a:txBody>
+                    <a:bodyPr/>
+                    <a:lstStyle/>
+                    <a:p>
+                      <a:endParaRPr lang="en-US"/>
+                    </a:p>
+                  </a:txBody>
+                  <a:tcPr/>
+                </a:tc>
+                <a:tc>
+                  <a:txBody>
+                    <a:bodyPr/>
+                    <a:lstStyle/>
+                    <a:p>
+                      <a:endParaRPr lang="en-US"/>
+                    </a:p>
+                  </a:txBody>
+                  <a:tcPr/>
+                </a:tc>
+                <a:tc>
+                  <a:txBody>
+                    <a:bodyPr/>
+                    <a:lstStyle/>
+                    <a:p>
+                      <a:endParaRPr lang="en-US"/>
+                    </a:p>
+                  </a:txBody>
+                  <a:tcPr/>
+                </a:tc>
+                <a:tc>
+                  <a:txBody>
+                    <a:bodyPr/>
+                    <a:lstStyle/>
+                    <a:p>
+                      <a:endParaRPr lang="en-US"/>
+                    </a:p>
+                  </a:txBody>
+                  <a:tcPr/>
+                </a:tc>
+                <a:tc>
+                  <a:txBody>
+                    <a:bodyPr/>
+                    <a:lstStyle/>
+                    <a:p>
+                      <a:endParaRPr lang="en-US"/>
+                    </a:p>
+                  </a:txBody>
+                  <a:tcPr/>
+                </a:tc>
+                <a:tc>
+                  <a:txBody>
+                    <a:bodyPr/>
+                    <a:lstStyle/>
+                    <a:p>
+                      <a:endParaRPr lang="en-US"/>
+                    </a:p>
+                  </a:txBody>
+                  <a:tcPr/>
+                </a:tc>
+                <a:extLst>
+                  <a:ext uri="{0D108BD9-81ED-4DB2-BD59-A6C34878D82A}">
+                    <a16:rowId xmlns:a16="http://schemas.microsoft.com/office/drawing/2014/main" val="3735476308"/>
+                  </a:ext>
+                </a:extLst>
+              </a:tr>
+              <a:tr h="760956">
+                <a:tc>
+                  <a:txBody>
+                    <a:bodyPr/>
+                    <a:lstStyle/>
+                    <a:p>
+                      <a:r>
+                        <a:rPr lang="en-US" dirty="0" smtClean="0"/>
+                        <a:t>Mostafa</a:t>
+                      </a:r>
+                      <a:endParaRPr lang="en-US" dirty="0"/>
+                    </a:p>
+                  </a:txBody>
+                  <a:tcPr/>
+                </a:tc>
+                <a:tc>
+                  <a:txBody>
+                    <a:bodyPr/>
+                    <a:lstStyle/>
+                    <a:p>
+                      <a:endParaRPr lang="en-US"/>
+                    </a:p>
+                  </a:txBody>
+                  <a:tcPr/>
+                </a:tc>
+                <a:tc>
+                  <a:txBody>
+                    <a:bodyPr/>
+                    <a:lstStyle/>
+                    <a:p>
+                      <a:endParaRPr lang="en-US"/>
+                    </a:p>
+                  </a:txBody>
+                  <a:tcPr/>
+                </a:tc>
+                <a:tc>
+                  <a:txBody>
+                    <a:bodyPr/>
+                    <a:lstStyle/>
+                    <a:p>
+                      <a:endParaRPr lang="en-US"/>
+                    </a:p>
+                  </a:txBody>
+                  <a:tcPr/>
+                </a:tc>
+                <a:tc>
+                  <a:txBody>
+                    <a:bodyPr/>
+                    <a:lstStyle/>
+                    <a:p>
+                      <a:endParaRPr lang="en-US"/>
+                    </a:p>
+                  </a:txBody>
+                  <a:tcPr/>
+                </a:tc>
+                <a:tc>
+                  <a:txBody>
+                    <a:bodyPr/>
+                    <a:lstStyle/>
+                    <a:p>
+                      <a:endParaRPr lang="en-US"/>
+                    </a:p>
+                  </a:txBody>
+                  <a:tcPr/>
+                </a:tc>
+                <a:tc>
+                  <a:txBody>
+                    <a:bodyPr/>
+                    <a:lstStyle/>
+                    <a:p>
+                      <a:endParaRPr lang="en-US"/>
+                    </a:p>
+                  </a:txBody>
+                  <a:tcPr/>
+                </a:tc>
+                <a:tc>
+                  <a:txBody>
+                    <a:bodyPr/>
+                    <a:lstStyle/>
+                    <a:p>
+                      <a:endParaRPr lang="en-US"/>
+                    </a:p>
+                  </a:txBody>
+                  <a:tcPr/>
+                </a:tc>
+                <a:tc>
+                  <a:txBody>
+                    <a:bodyPr/>
+                    <a:lstStyle/>
+                    <a:p>
+                      <a:endParaRPr lang="en-US" dirty="0"/>
+                    </a:p>
+                  </a:txBody>
+                  <a:tcPr/>
+                </a:tc>
+                <a:extLst>
+                  <a:ext uri="{0D108BD9-81ED-4DB2-BD59-A6C34878D82A}">
+                    <a16:rowId xmlns:a16="http://schemas.microsoft.com/office/drawing/2014/main" val="487817661"/>
+                  </a:ext>
+                </a:extLst>
+              </a:tr>
+            </a:tbl>
+          </a:graphicData>
+        </a:graphic>
+      </p:graphicFrame>
+    </p:spTree>
+    <p:extLst>
+      <p:ext uri="{BB962C8B-B14F-4D97-AF65-F5344CB8AC3E}">
+        <p14:creationId xmlns:p14="http://schemas.microsoft.com/office/powerpoint/2010/main" val="511521563"/>
+      </p:ext>
+    </p:extLst>
+  </p:cSld>
+  <p:clrMapOvr>
+    <a:masterClrMapping/>
+  </p:clrMapOvr>
   <p:timing>
     <p:tnLst>
       <p:par>

--- a/GP_presentation.pptx
+++ b/GP_presentation.pptx
@@ -7,7 +7,7 @@
     <p:sldMasterId id="2147483696" r:id="rId3"/>
   </p:sldMasterIdLst>
   <p:notesMasterIdLst>
-    <p:notesMasterId r:id="rId31"/>
+    <p:notesMasterId r:id="rId30"/>
   </p:notesMasterIdLst>
   <p:sldIdLst>
     <p:sldId id="283" r:id="rId4"/>
@@ -36,7 +36,6 @@
     <p:sldId id="291" r:id="rId27"/>
     <p:sldId id="292" r:id="rId28"/>
     <p:sldId id="293" r:id="rId29"/>
-    <p:sldId id="296" r:id="rId30"/>
   </p:sldIdLst>
   <p:sldSz cx="9144000" cy="6858000" type="screen4x3"/>
   <p:notesSz cx="6858000" cy="9144000"/>
@@ -29987,695 +29986,6 @@
       </p:transition>
     </mc:Fallback>
   </mc:AlternateContent>
-  <p:timing>
-    <p:tnLst>
-      <p:par>
-        <p:cTn id="1" dur="indefinite" restart="never" nodeType="tmRoot"/>
-      </p:par>
-    </p:tnLst>
-  </p:timing>
-</p:sld>
-</file>
-
-<file path=ppt/slides/slide27.xml><?xml version="1.0" encoding="utf-8"?>
-<p:sld xmlns:a="http://schemas.openxmlformats.org/drawingml/2006/main" xmlns:r="http://schemas.openxmlformats.org/officeDocument/2006/relationships" xmlns:p="http://schemas.openxmlformats.org/presentationml/2006/main">
-  <p:cSld>
-    <p:spTree>
-      <p:nvGrpSpPr>
-        <p:cNvPr id="1" name=""/>
-        <p:cNvGrpSpPr/>
-        <p:nvPr/>
-      </p:nvGrpSpPr>
-      <p:grpSpPr>
-        <a:xfrm>
-          <a:off x="0" y="0"/>
-          <a:ext cx="0" cy="0"/>
-          <a:chOff x="0" y="0"/>
-          <a:chExt cx="0" cy="0"/>
-        </a:xfrm>
-      </p:grpSpPr>
-      <p:sp>
-        <p:nvSpPr>
-          <p:cNvPr id="2" name="Title 1"/>
-          <p:cNvSpPr>
-            <a:spLocks noGrp="1"/>
-          </p:cNvSpPr>
-          <p:nvPr>
-            <p:ph type="title"/>
-          </p:nvPr>
-        </p:nvSpPr>
-        <p:spPr/>
-        <p:txBody>
-          <a:bodyPr/>
-          <a:lstStyle/>
-          <a:p>
-            <a:r>
-              <a:rPr lang="en-US" dirty="0" smtClean="0"/>
-              <a:t>Team Contribution</a:t>
-            </a:r>
-            <a:endParaRPr lang="en-US" dirty="0"/>
-          </a:p>
-        </p:txBody>
-      </p:sp>
-      <p:graphicFrame>
-        <p:nvGraphicFramePr>
-          <p:cNvPr id="5" name="Content Placeholder 4"/>
-          <p:cNvGraphicFramePr>
-            <a:graphicFrameLocks noGrp="1"/>
-          </p:cNvGraphicFramePr>
-          <p:nvPr>
-            <p:ph idx="1"/>
-            <p:extLst>
-              <p:ext uri="{D42A27DB-BD31-4B8C-83A1-F6EECF244321}">
-                <p14:modId xmlns:p14="http://schemas.microsoft.com/office/powerpoint/2010/main" val="1307033734"/>
-              </p:ext>
-            </p:extLst>
-          </p:nvPr>
-        </p:nvGraphicFramePr>
-        <p:xfrm>
-          <a:off x="235531" y="1600199"/>
-          <a:ext cx="8742213" cy="3716814"/>
-        </p:xfrm>
-        <a:graphic>
-          <a:graphicData uri="http://schemas.openxmlformats.org/drawingml/2006/table">
-            <a:tbl>
-              <a:tblPr firstRow="1" bandRow="1">
-                <a:tableStyleId>{5C22544A-7EE6-4342-B048-85BDC9FD1C3A}</a:tableStyleId>
-              </a:tblPr>
-              <a:tblGrid>
-                <a:gridCol w="1496287">
-                  <a:extLst>
-                    <a:ext uri="{9D8B030D-6E8A-4147-A177-3AD203B41FA5}">
-                      <a16:colId xmlns:a16="http://schemas.microsoft.com/office/drawing/2014/main" val="173855607"/>
-                    </a:ext>
-                  </a:extLst>
-                </a:gridCol>
-                <a:gridCol w="446427">
-                  <a:extLst>
-                    <a:ext uri="{9D8B030D-6E8A-4147-A177-3AD203B41FA5}">
-                      <a16:colId xmlns:a16="http://schemas.microsoft.com/office/drawing/2014/main" val="3027779581"/>
-                    </a:ext>
-                  </a:extLst>
-                </a:gridCol>
-                <a:gridCol w="971357">
-                  <a:extLst>
-                    <a:ext uri="{9D8B030D-6E8A-4147-A177-3AD203B41FA5}">
-                      <a16:colId xmlns:a16="http://schemas.microsoft.com/office/drawing/2014/main" val="1575102433"/>
-                    </a:ext>
-                  </a:extLst>
-                </a:gridCol>
-                <a:gridCol w="971357">
-                  <a:extLst>
-                    <a:ext uri="{9D8B030D-6E8A-4147-A177-3AD203B41FA5}">
-                      <a16:colId xmlns:a16="http://schemas.microsoft.com/office/drawing/2014/main" val="3442806467"/>
-                    </a:ext>
-                  </a:extLst>
-                </a:gridCol>
-                <a:gridCol w="971357">
-                  <a:extLst>
-                    <a:ext uri="{9D8B030D-6E8A-4147-A177-3AD203B41FA5}">
-                      <a16:colId xmlns:a16="http://schemas.microsoft.com/office/drawing/2014/main" val="145740980"/>
-                    </a:ext>
-                  </a:extLst>
-                </a:gridCol>
-                <a:gridCol w="971357">
-                  <a:extLst>
-                    <a:ext uri="{9D8B030D-6E8A-4147-A177-3AD203B41FA5}">
-                      <a16:colId xmlns:a16="http://schemas.microsoft.com/office/drawing/2014/main" val="2944762169"/>
-                    </a:ext>
-                  </a:extLst>
-                </a:gridCol>
-                <a:gridCol w="971357">
-                  <a:extLst>
-                    <a:ext uri="{9D8B030D-6E8A-4147-A177-3AD203B41FA5}">
-                      <a16:colId xmlns:a16="http://schemas.microsoft.com/office/drawing/2014/main" val="628917987"/>
-                    </a:ext>
-                  </a:extLst>
-                </a:gridCol>
-                <a:gridCol w="971357">
-                  <a:extLst>
-                    <a:ext uri="{9D8B030D-6E8A-4147-A177-3AD203B41FA5}">
-                      <a16:colId xmlns:a16="http://schemas.microsoft.com/office/drawing/2014/main" val="4202052299"/>
-                    </a:ext>
-                  </a:extLst>
-                </a:gridCol>
-                <a:gridCol w="971357">
-                  <a:extLst>
-                    <a:ext uri="{9D8B030D-6E8A-4147-A177-3AD203B41FA5}">
-                      <a16:colId xmlns:a16="http://schemas.microsoft.com/office/drawing/2014/main" val="2030155649"/>
-                    </a:ext>
-                  </a:extLst>
-                </a:gridCol>
-              </a:tblGrid>
-              <a:tr h="760956">
-                <a:tc>
-                  <a:txBody>
-                    <a:bodyPr/>
-                    <a:lstStyle/>
-                    <a:p>
-                      <a:endParaRPr lang="en-US" dirty="0"/>
-                    </a:p>
-                  </a:txBody>
-                  <a:tcPr/>
-                </a:tc>
-                <a:tc>
-                  <a:txBody>
-                    <a:bodyPr/>
-                    <a:lstStyle/>
-                    <a:p>
-                      <a:endParaRPr lang="en-US"/>
-                    </a:p>
-                  </a:txBody>
-                  <a:tcPr/>
-                </a:tc>
-                <a:tc>
-                  <a:txBody>
-                    <a:bodyPr/>
-                    <a:lstStyle/>
-                    <a:p>
-                      <a:endParaRPr lang="en-US"/>
-                    </a:p>
-                  </a:txBody>
-                  <a:tcPr/>
-                </a:tc>
-                <a:tc>
-                  <a:txBody>
-                    <a:bodyPr/>
-                    <a:lstStyle/>
-                    <a:p>
-                      <a:endParaRPr lang="en-US" dirty="0"/>
-                    </a:p>
-                  </a:txBody>
-                  <a:tcPr/>
-                </a:tc>
-                <a:tc>
-                  <a:txBody>
-                    <a:bodyPr/>
-                    <a:lstStyle/>
-                    <a:p>
-                      <a:endParaRPr lang="en-US"/>
-                    </a:p>
-                  </a:txBody>
-                  <a:tcPr/>
-                </a:tc>
-                <a:tc>
-                  <a:txBody>
-                    <a:bodyPr/>
-                    <a:lstStyle/>
-                    <a:p>
-                      <a:endParaRPr lang="en-US"/>
-                    </a:p>
-                  </a:txBody>
-                  <a:tcPr/>
-                </a:tc>
-                <a:tc>
-                  <a:txBody>
-                    <a:bodyPr/>
-                    <a:lstStyle/>
-                    <a:p>
-                      <a:endParaRPr lang="en-US"/>
-                    </a:p>
-                  </a:txBody>
-                  <a:tcPr/>
-                </a:tc>
-                <a:tc>
-                  <a:txBody>
-                    <a:bodyPr/>
-                    <a:lstStyle/>
-                    <a:p>
-                      <a:endParaRPr lang="en-US"/>
-                    </a:p>
-                  </a:txBody>
-                  <a:tcPr/>
-                </a:tc>
-                <a:tc>
-                  <a:txBody>
-                    <a:bodyPr/>
-                    <a:lstStyle/>
-                    <a:p>
-                      <a:endParaRPr lang="en-US"/>
-                    </a:p>
-                  </a:txBody>
-                  <a:tcPr/>
-                </a:tc>
-                <a:extLst>
-                  <a:ext uri="{0D108BD9-81ED-4DB2-BD59-A6C34878D82A}">
-                    <a16:rowId xmlns:a16="http://schemas.microsoft.com/office/drawing/2014/main" val="1636377364"/>
-                  </a:ext>
-                </a:extLst>
-              </a:tr>
-              <a:tr h="672990">
-                <a:tc>
-                  <a:txBody>
-                    <a:bodyPr/>
-                    <a:lstStyle/>
-                    <a:p>
-                      <a:pPr marL="0" marR="0" lvl="0" indent="0" algn="l" defTabSz="914400" rtl="0" eaLnBrk="1" fontAlgn="auto" latinLnBrk="0" hangingPunct="1">
-                        <a:lnSpc>
-                          <a:spcPct val="100000"/>
-                        </a:lnSpc>
-                        <a:spcBef>
-                          <a:spcPts val="0"/>
-                        </a:spcBef>
-                        <a:spcAft>
-                          <a:spcPts val="0"/>
-                        </a:spcAft>
-                        <a:buClrTx/>
-                        <a:buSzTx/>
-                        <a:buFontTx/>
-                        <a:buNone/>
-                        <a:tabLst/>
-                        <a:defRPr/>
-                      </a:pPr>
-                      <a:r>
-                        <a:rPr kumimoji="0" lang="en-US" sz="1800" b="0" i="0" u="none" strike="noStrike" kern="1200" cap="none" spc="0" normalizeH="0" baseline="0" noProof="0" dirty="0" err="1" smtClean="0">
-                          <a:ln>
-                            <a:noFill/>
-                          </a:ln>
-                          <a:solidFill>
-                            <a:schemeClr val="tx1"/>
-                          </a:solidFill>
-                          <a:effectLst/>
-                          <a:uLnTx/>
-                          <a:uFillTx/>
-                          <a:latin typeface="+mn-lt"/>
-                          <a:ea typeface="+mn-ea"/>
-                          <a:cs typeface="+mn-cs"/>
-                        </a:rPr>
-                        <a:t>Abdelrahman</a:t>
-                      </a:r>
-                      <a:endParaRPr lang="en-US" dirty="0">
-                        <a:solidFill>
-                          <a:schemeClr val="tx1"/>
-                        </a:solidFill>
-                      </a:endParaRPr>
-                    </a:p>
-                  </a:txBody>
-                  <a:tcPr/>
-                </a:tc>
-                <a:tc>
-                  <a:txBody>
-                    <a:bodyPr/>
-                    <a:lstStyle/>
-                    <a:p>
-                      <a:endParaRPr lang="en-US"/>
-                    </a:p>
-                  </a:txBody>
-                  <a:tcPr/>
-                </a:tc>
-                <a:tc>
-                  <a:txBody>
-                    <a:bodyPr/>
-                    <a:lstStyle/>
-                    <a:p>
-                      <a:endParaRPr lang="en-US" dirty="0"/>
-                    </a:p>
-                  </a:txBody>
-                  <a:tcPr/>
-                </a:tc>
-                <a:tc>
-                  <a:txBody>
-                    <a:bodyPr/>
-                    <a:lstStyle/>
-                    <a:p>
-                      <a:endParaRPr lang="en-US"/>
-                    </a:p>
-                  </a:txBody>
-                  <a:tcPr/>
-                </a:tc>
-                <a:tc>
-                  <a:txBody>
-                    <a:bodyPr/>
-                    <a:lstStyle/>
-                    <a:p>
-                      <a:endParaRPr lang="en-US"/>
-                    </a:p>
-                  </a:txBody>
-                  <a:tcPr/>
-                </a:tc>
-                <a:tc>
-                  <a:txBody>
-                    <a:bodyPr/>
-                    <a:lstStyle/>
-                    <a:p>
-                      <a:endParaRPr lang="en-US"/>
-                    </a:p>
-                  </a:txBody>
-                  <a:tcPr/>
-                </a:tc>
-                <a:tc>
-                  <a:txBody>
-                    <a:bodyPr/>
-                    <a:lstStyle/>
-                    <a:p>
-                      <a:endParaRPr lang="en-US"/>
-                    </a:p>
-                  </a:txBody>
-                  <a:tcPr/>
-                </a:tc>
-                <a:tc>
-                  <a:txBody>
-                    <a:bodyPr/>
-                    <a:lstStyle/>
-                    <a:p>
-                      <a:endParaRPr lang="en-US"/>
-                    </a:p>
-                  </a:txBody>
-                  <a:tcPr/>
-                </a:tc>
-                <a:tc>
-                  <a:txBody>
-                    <a:bodyPr/>
-                    <a:lstStyle/>
-                    <a:p>
-                      <a:endParaRPr lang="en-US"/>
-                    </a:p>
-                  </a:txBody>
-                  <a:tcPr/>
-                </a:tc>
-                <a:extLst>
-                  <a:ext uri="{0D108BD9-81ED-4DB2-BD59-A6C34878D82A}">
-                    <a16:rowId xmlns:a16="http://schemas.microsoft.com/office/drawing/2014/main" val="3871040589"/>
-                  </a:ext>
-                </a:extLst>
-              </a:tr>
-              <a:tr h="760956">
-                <a:tc>
-                  <a:txBody>
-                    <a:bodyPr/>
-                    <a:lstStyle/>
-                    <a:p>
-                      <a:r>
-                        <a:rPr lang="en-US" dirty="0" err="1" smtClean="0"/>
-                        <a:t>Ghadir</a:t>
-                      </a:r>
-                      <a:endParaRPr lang="en-US" dirty="0"/>
-                    </a:p>
-                  </a:txBody>
-                  <a:tcPr/>
-                </a:tc>
-                <a:tc>
-                  <a:txBody>
-                    <a:bodyPr/>
-                    <a:lstStyle/>
-                    <a:p>
-                      <a:endParaRPr lang="en-US"/>
-                    </a:p>
-                  </a:txBody>
-                  <a:tcPr/>
-                </a:tc>
-                <a:tc>
-                  <a:txBody>
-                    <a:bodyPr/>
-                    <a:lstStyle/>
-                    <a:p>
-                      <a:endParaRPr lang="en-US"/>
-                    </a:p>
-                  </a:txBody>
-                  <a:tcPr/>
-                </a:tc>
-                <a:tc>
-                  <a:txBody>
-                    <a:bodyPr/>
-                    <a:lstStyle/>
-                    <a:p>
-                      <a:endParaRPr lang="en-US"/>
-                    </a:p>
-                  </a:txBody>
-                  <a:tcPr/>
-                </a:tc>
-                <a:tc>
-                  <a:txBody>
-                    <a:bodyPr/>
-                    <a:lstStyle/>
-                    <a:p>
-                      <a:endParaRPr lang="en-US"/>
-                    </a:p>
-                  </a:txBody>
-                  <a:tcPr/>
-                </a:tc>
-                <a:tc>
-                  <a:txBody>
-                    <a:bodyPr/>
-                    <a:lstStyle/>
-                    <a:p>
-                      <a:endParaRPr lang="en-US"/>
-                    </a:p>
-                  </a:txBody>
-                  <a:tcPr/>
-                </a:tc>
-                <a:tc>
-                  <a:txBody>
-                    <a:bodyPr/>
-                    <a:lstStyle/>
-                    <a:p>
-                      <a:endParaRPr lang="en-US"/>
-                    </a:p>
-                  </a:txBody>
-                  <a:tcPr/>
-                </a:tc>
-                <a:tc>
-                  <a:txBody>
-                    <a:bodyPr/>
-                    <a:lstStyle/>
-                    <a:p>
-                      <a:endParaRPr lang="en-US"/>
-                    </a:p>
-                  </a:txBody>
-                  <a:tcPr/>
-                </a:tc>
-                <a:tc>
-                  <a:txBody>
-                    <a:bodyPr/>
-                    <a:lstStyle/>
-                    <a:p>
-                      <a:endParaRPr lang="en-US"/>
-                    </a:p>
-                  </a:txBody>
-                  <a:tcPr/>
-                </a:tc>
-                <a:extLst>
-                  <a:ext uri="{0D108BD9-81ED-4DB2-BD59-A6C34878D82A}">
-                    <a16:rowId xmlns:a16="http://schemas.microsoft.com/office/drawing/2014/main" val="2054196200"/>
-                  </a:ext>
-                </a:extLst>
-              </a:tr>
-              <a:tr h="760956">
-                <a:tc>
-                  <a:txBody>
-                    <a:bodyPr/>
-                    <a:lstStyle/>
-                    <a:p>
-                      <a:r>
-                        <a:rPr lang="en-US" dirty="0" smtClean="0"/>
-                        <a:t>Hanna</a:t>
-                      </a:r>
-                      <a:endParaRPr lang="en-US" dirty="0"/>
-                    </a:p>
-                  </a:txBody>
-                  <a:tcPr/>
-                </a:tc>
-                <a:tc>
-                  <a:txBody>
-                    <a:bodyPr/>
-                    <a:lstStyle/>
-                    <a:p>
-                      <a:endParaRPr lang="en-US"/>
-                    </a:p>
-                  </a:txBody>
-                  <a:tcPr/>
-                </a:tc>
-                <a:tc>
-                  <a:txBody>
-                    <a:bodyPr/>
-                    <a:lstStyle/>
-                    <a:p>
-                      <a:endParaRPr lang="en-US"/>
-                    </a:p>
-                  </a:txBody>
-                  <a:tcPr/>
-                </a:tc>
-                <a:tc>
-                  <a:txBody>
-                    <a:bodyPr/>
-                    <a:lstStyle/>
-                    <a:p>
-                      <a:endParaRPr lang="en-US"/>
-                    </a:p>
-                  </a:txBody>
-                  <a:tcPr/>
-                </a:tc>
-                <a:tc>
-                  <a:txBody>
-                    <a:bodyPr/>
-                    <a:lstStyle/>
-                    <a:p>
-                      <a:endParaRPr lang="en-US"/>
-                    </a:p>
-                  </a:txBody>
-                  <a:tcPr/>
-                </a:tc>
-                <a:tc>
-                  <a:txBody>
-                    <a:bodyPr/>
-                    <a:lstStyle/>
-                    <a:p>
-                      <a:endParaRPr lang="en-US"/>
-                    </a:p>
-                  </a:txBody>
-                  <a:tcPr/>
-                </a:tc>
-                <a:tc>
-                  <a:txBody>
-                    <a:bodyPr/>
-                    <a:lstStyle/>
-                    <a:p>
-                      <a:endParaRPr lang="en-US"/>
-                    </a:p>
-                  </a:txBody>
-                  <a:tcPr/>
-                </a:tc>
-                <a:tc>
-                  <a:txBody>
-                    <a:bodyPr/>
-                    <a:lstStyle/>
-                    <a:p>
-                      <a:endParaRPr lang="en-US"/>
-                    </a:p>
-                  </a:txBody>
-                  <a:tcPr/>
-                </a:tc>
-                <a:tc>
-                  <a:txBody>
-                    <a:bodyPr/>
-                    <a:lstStyle/>
-                    <a:p>
-                      <a:endParaRPr lang="en-US"/>
-                    </a:p>
-                  </a:txBody>
-                  <a:tcPr/>
-                </a:tc>
-                <a:extLst>
-                  <a:ext uri="{0D108BD9-81ED-4DB2-BD59-A6C34878D82A}">
-                    <a16:rowId xmlns:a16="http://schemas.microsoft.com/office/drawing/2014/main" val="3735476308"/>
-                  </a:ext>
-                </a:extLst>
-              </a:tr>
-              <a:tr h="760956">
-                <a:tc>
-                  <a:txBody>
-                    <a:bodyPr/>
-                    <a:lstStyle/>
-                    <a:p>
-                      <a:r>
-                        <a:rPr lang="en-US" dirty="0" smtClean="0"/>
-                        <a:t>Mostafa</a:t>
-                      </a:r>
-                      <a:endParaRPr lang="en-US" dirty="0"/>
-                    </a:p>
-                  </a:txBody>
-                  <a:tcPr/>
-                </a:tc>
-                <a:tc>
-                  <a:txBody>
-                    <a:bodyPr/>
-                    <a:lstStyle/>
-                    <a:p>
-                      <a:endParaRPr lang="en-US"/>
-                    </a:p>
-                  </a:txBody>
-                  <a:tcPr/>
-                </a:tc>
-                <a:tc>
-                  <a:txBody>
-                    <a:bodyPr/>
-                    <a:lstStyle/>
-                    <a:p>
-                      <a:endParaRPr lang="en-US"/>
-                    </a:p>
-                  </a:txBody>
-                  <a:tcPr/>
-                </a:tc>
-                <a:tc>
-                  <a:txBody>
-                    <a:bodyPr/>
-                    <a:lstStyle/>
-                    <a:p>
-                      <a:endParaRPr lang="en-US"/>
-                    </a:p>
-                  </a:txBody>
-                  <a:tcPr/>
-                </a:tc>
-                <a:tc>
-                  <a:txBody>
-                    <a:bodyPr/>
-                    <a:lstStyle/>
-                    <a:p>
-                      <a:endParaRPr lang="en-US"/>
-                    </a:p>
-                  </a:txBody>
-                  <a:tcPr/>
-                </a:tc>
-                <a:tc>
-                  <a:txBody>
-                    <a:bodyPr/>
-                    <a:lstStyle/>
-                    <a:p>
-                      <a:endParaRPr lang="en-US"/>
-                    </a:p>
-                  </a:txBody>
-                  <a:tcPr/>
-                </a:tc>
-                <a:tc>
-                  <a:txBody>
-                    <a:bodyPr/>
-                    <a:lstStyle/>
-                    <a:p>
-                      <a:endParaRPr lang="en-US"/>
-                    </a:p>
-                  </a:txBody>
-                  <a:tcPr/>
-                </a:tc>
-                <a:tc>
-                  <a:txBody>
-                    <a:bodyPr/>
-                    <a:lstStyle/>
-                    <a:p>
-                      <a:endParaRPr lang="en-US"/>
-                    </a:p>
-                  </a:txBody>
-                  <a:tcPr/>
-                </a:tc>
-                <a:tc>
-                  <a:txBody>
-                    <a:bodyPr/>
-                    <a:lstStyle/>
-                    <a:p>
-                      <a:endParaRPr lang="en-US" dirty="0"/>
-                    </a:p>
-                  </a:txBody>
-                  <a:tcPr/>
-                </a:tc>
-                <a:extLst>
-                  <a:ext uri="{0D108BD9-81ED-4DB2-BD59-A6C34878D82A}">
-                    <a16:rowId xmlns:a16="http://schemas.microsoft.com/office/drawing/2014/main" val="487817661"/>
-                  </a:ext>
-                </a:extLst>
-              </a:tr>
-            </a:tbl>
-          </a:graphicData>
-        </a:graphic>
-      </p:graphicFrame>
-    </p:spTree>
-    <p:extLst>
-      <p:ext uri="{BB962C8B-B14F-4D97-AF65-F5344CB8AC3E}">
-        <p14:creationId xmlns:p14="http://schemas.microsoft.com/office/powerpoint/2010/main" val="511521563"/>
-      </p:ext>
-    </p:extLst>
-  </p:cSld>
-  <p:clrMapOvr>
-    <a:masterClrMapping/>
-  </p:clrMapOvr>
   <p:timing>
     <p:tnLst>
       <p:par>

--- a/GP_presentation.pptx
+++ b/GP_presentation.pptx
@@ -7,7 +7,7 @@
     <p:sldMasterId id="2147483696" r:id="rId3"/>
   </p:sldMasterIdLst>
   <p:notesMasterIdLst>
-    <p:notesMasterId r:id="rId30"/>
+    <p:notesMasterId r:id="rId31"/>
   </p:notesMasterIdLst>
   <p:sldIdLst>
     <p:sldId id="283" r:id="rId4"/>
@@ -33,9 +33,10 @@
     <p:sldId id="263" r:id="rId24"/>
     <p:sldId id="264" r:id="rId25"/>
     <p:sldId id="265" r:id="rId26"/>
-    <p:sldId id="291" r:id="rId27"/>
-    <p:sldId id="292" r:id="rId28"/>
-    <p:sldId id="293" r:id="rId29"/>
+    <p:sldId id="298" r:id="rId27"/>
+    <p:sldId id="291" r:id="rId28"/>
+    <p:sldId id="292" r:id="rId29"/>
+    <p:sldId id="293" r:id="rId30"/>
   </p:sldIdLst>
   <p:sldSz cx="9144000" cy="6858000" type="screen4x3"/>
   <p:notesSz cx="6858000" cy="9144000"/>
@@ -1775,8 +1776,8 @@
         </p:nvSpPr>
         <p:spPr>
           <a:xfrm>
-            <a:off x="1143225" y="685800"/>
-            <a:ext cx="4572300" cy="3429000"/>
+            <a:off x="1143000" y="685800"/>
+            <a:ext cx="4572000" cy="3429000"/>
           </a:xfrm>
           <a:custGeom>
             <a:avLst/>
@@ -1879,8 +1880,8 @@
         </p:nvSpPr>
         <p:spPr>
           <a:xfrm>
-            <a:off x="1143225" y="685800"/>
-            <a:ext cx="4572300" cy="3429000"/>
+            <a:off x="1143000" y="685800"/>
+            <a:ext cx="4572000" cy="3429000"/>
           </a:xfrm>
           <a:custGeom>
             <a:avLst/>
@@ -28361,22 +28362,32 @@
               <a:buChar char="●"/>
             </a:pPr>
             <a:r>
-              <a:rPr lang="en-US" sz="2400"/>
-              <a:t>Results of offline scenario</a:t>
+              <a:rPr lang="en-US" sz="2400" dirty="0"/>
+              <a:t>Results of </a:t>
             </a:r>
-            <a:endParaRPr sz="2400"/>
+            <a:r>
+              <a:rPr lang="en-US" sz="2400" dirty="0" smtClean="0"/>
+              <a:t>NINAPRO dataset</a:t>
+            </a:r>
+            <a:endParaRPr sz="2400" dirty="0"/>
           </a:p>
         </p:txBody>
       </p:sp>
       <p:pic>
         <p:nvPicPr>
-          <p:cNvPr id="129" name="Shape 129"/>
-          <p:cNvPicPr preferRelativeResize="0"/>
+          <p:cNvPr id="2" name="Picture 1"/>
+          <p:cNvPicPr>
+            <a:picLocks noChangeAspect="1"/>
+          </p:cNvPicPr>
           <p:nvPr/>
         </p:nvPicPr>
         <p:blipFill>
           <a:blip r:embed="rId3">
-            <a:alphaModFix/>
+            <a:extLst>
+              <a:ext uri="{28A0092B-C50C-407E-A947-70E740481C1C}">
+                <a14:useLocalDpi xmlns:a14="http://schemas.microsoft.com/office/drawing/2010/main" val="0"/>
+              </a:ext>
+            </a:extLst>
           </a:blip>
           <a:stretch>
             <a:fillRect/>
@@ -28384,16 +28395,12 @@
         </p:blipFill>
         <p:spPr>
           <a:xfrm>
-            <a:off x="1504250" y="2032725"/>
-            <a:ext cx="6543400" cy="4825274"/>
+            <a:off x="2349860" y="2032725"/>
+            <a:ext cx="4444279" cy="4476750"/>
           </a:xfrm>
           <a:prstGeom prst="rect">
             <a:avLst/>
           </a:prstGeom>
-          <a:noFill/>
-          <a:ln>
-            <a:noFill/>
-          </a:ln>
         </p:spPr>
       </p:pic>
     </p:spTree>
@@ -28501,13 +28508,19 @@
       </p:sp>
       <p:pic>
         <p:nvPicPr>
-          <p:cNvPr id="135" name="Shape 135"/>
-          <p:cNvPicPr preferRelativeResize="0"/>
+          <p:cNvPr id="2" name="Picture 1"/>
+          <p:cNvPicPr>
+            <a:picLocks noChangeAspect="1"/>
+          </p:cNvPicPr>
           <p:nvPr/>
         </p:nvPicPr>
         <p:blipFill>
           <a:blip r:embed="rId3">
-            <a:alphaModFix/>
+            <a:extLst>
+              <a:ext uri="{28A0092B-C50C-407E-A947-70E740481C1C}">
+                <a14:useLocalDpi xmlns:a14="http://schemas.microsoft.com/office/drawing/2010/main" val="0"/>
+              </a:ext>
+            </a:extLst>
           </a:blip>
           <a:stretch>
             <a:fillRect/>
@@ -28515,16 +28528,12 @@
         </p:blipFill>
         <p:spPr>
           <a:xfrm>
-            <a:off x="1106438" y="1861300"/>
-            <a:ext cx="6931124" cy="4731575"/>
+            <a:off x="1404234" y="1613671"/>
+            <a:ext cx="6335531" cy="4496183"/>
           </a:xfrm>
           <a:prstGeom prst="rect">
             <a:avLst/>
           </a:prstGeom>
-          <a:noFill/>
-          <a:ln>
-            <a:noFill/>
-          </a:ln>
         </p:spPr>
       </p:pic>
     </p:spTree>
@@ -29627,102 +29636,46 @@
           <a:lstStyle/>
           <a:p>
             <a:r>
-              <a:rPr lang="en-US" dirty="0" smtClean="0"/>
-              <a:t>Future sight</a:t>
+              <a:rPr lang="en-US" dirty="0"/>
+              <a:t>CV Module: Results</a:t>
             </a:r>
-            <a:endParaRPr lang="en-US" dirty="0"/>
           </a:p>
         </p:txBody>
       </p:sp>
-      <p:sp>
-        <p:nvSpPr>
-          <p:cNvPr id="3" name="Content Placeholder 2"/>
-          <p:cNvSpPr>
-            <a:spLocks noGrp="1"/>
-          </p:cNvSpPr>
-          <p:nvPr>
-            <p:ph idx="1"/>
-          </p:nvPr>
-        </p:nvSpPr>
-        <p:spPr/>
-        <p:txBody>
-          <a:bodyPr/>
-          <a:lstStyle/>
-          <a:p>
-            <a:r>
-              <a:rPr lang="en-US" dirty="0" smtClean="0"/>
-              <a:t>CV module:</a:t>
-            </a:r>
-          </a:p>
-          <a:p>
-            <a:pPr marL="0" indent="0">
-              <a:buNone/>
-            </a:pPr>
-            <a:r>
-              <a:rPr lang="en-US" dirty="0" smtClean="0"/>
-              <a:t> &gt; Zooming effect.</a:t>
-            </a:r>
-          </a:p>
-          <a:p>
-            <a:pPr marL="0" indent="0">
-              <a:buNone/>
-            </a:pPr>
-            <a:r>
-              <a:rPr lang="en-US" dirty="0"/>
-              <a:t> </a:t>
-            </a:r>
-            <a:r>
-              <a:rPr lang="en-US" dirty="0" smtClean="0"/>
-              <a:t>&gt; Multilayered network.</a:t>
-            </a:r>
-          </a:p>
-          <a:p>
-            <a:endParaRPr lang="en-US" dirty="0"/>
-          </a:p>
-          <a:p>
-            <a:r>
-              <a:rPr lang="en-US" dirty="0" smtClean="0"/>
-              <a:t>System functionality:</a:t>
-            </a:r>
-          </a:p>
-          <a:p>
-            <a:pPr marL="0" indent="0">
-              <a:buNone/>
-            </a:pPr>
-            <a:r>
-              <a:rPr lang="en-US" dirty="0"/>
-              <a:t> </a:t>
-            </a:r>
-            <a:r>
-              <a:rPr lang="en-US" dirty="0" smtClean="0"/>
-              <a:t>&gt; Add proportional control.</a:t>
-            </a:r>
-          </a:p>
-          <a:p>
-            <a:pPr marL="0" indent="0">
-              <a:buNone/>
-            </a:pPr>
-            <a:r>
-              <a:rPr lang="en-US" dirty="0"/>
-              <a:t> </a:t>
-            </a:r>
-            <a:r>
-              <a:rPr lang="en-US" dirty="0" smtClean="0"/>
-              <a:t>&gt; Add feedback loop.</a:t>
-            </a:r>
-          </a:p>
-          <a:p>
-            <a:endParaRPr lang="en-US" dirty="0"/>
-          </a:p>
-          <a:p>
-            <a:endParaRPr lang="en-US" dirty="0"/>
-          </a:p>
-        </p:txBody>
-      </p:sp>
+      <p:pic>
+        <p:nvPicPr>
+          <p:cNvPr id="4" name="Picture 3"/>
+          <p:cNvPicPr>
+            <a:picLocks noChangeAspect="1"/>
+          </p:cNvPicPr>
+          <p:nvPr/>
+        </p:nvPicPr>
+        <p:blipFill>
+          <a:blip r:embed="rId2">
+            <a:extLst>
+              <a:ext uri="{28A0092B-C50C-407E-A947-70E740481C1C}">
+                <a14:useLocalDpi xmlns:a14="http://schemas.microsoft.com/office/drawing/2010/main" val="0"/>
+              </a:ext>
+            </a:extLst>
+          </a:blip>
+          <a:stretch>
+            <a:fillRect/>
+          </a:stretch>
+        </p:blipFill>
+        <p:spPr>
+          <a:xfrm>
+            <a:off x="2733459" y="1600201"/>
+            <a:ext cx="3677082" cy="4486275"/>
+          </a:xfrm>
+          <a:prstGeom prst="rect">
+            <a:avLst/>
+          </a:prstGeom>
+        </p:spPr>
+      </p:pic>
     </p:spTree>
     <p:extLst>
       <p:ext uri="{BB962C8B-B14F-4D97-AF65-F5344CB8AC3E}">
-        <p14:creationId xmlns:p14="http://schemas.microsoft.com/office/powerpoint/2010/main" val="1585369969"/>
+        <p14:creationId xmlns:p14="http://schemas.microsoft.com/office/powerpoint/2010/main" val="2311588912"/>
       </p:ext>
     </p:extLst>
   </p:cSld>
@@ -29772,6 +29725,151 @@
           <a:lstStyle/>
           <a:p>
             <a:r>
+              <a:rPr lang="en-US" dirty="0" smtClean="0"/>
+              <a:t>Future sight</a:t>
+            </a:r>
+            <a:endParaRPr lang="en-US" dirty="0"/>
+          </a:p>
+        </p:txBody>
+      </p:sp>
+      <p:sp>
+        <p:nvSpPr>
+          <p:cNvPr id="3" name="Content Placeholder 2"/>
+          <p:cNvSpPr>
+            <a:spLocks noGrp="1"/>
+          </p:cNvSpPr>
+          <p:nvPr>
+            <p:ph idx="1"/>
+          </p:nvPr>
+        </p:nvSpPr>
+        <p:spPr/>
+        <p:txBody>
+          <a:bodyPr/>
+          <a:lstStyle/>
+          <a:p>
+            <a:r>
+              <a:rPr lang="en-US" dirty="0" smtClean="0"/>
+              <a:t>CV module:</a:t>
+            </a:r>
+          </a:p>
+          <a:p>
+            <a:pPr marL="0" indent="0">
+              <a:buNone/>
+            </a:pPr>
+            <a:r>
+              <a:rPr lang="en-US" dirty="0" smtClean="0"/>
+              <a:t> &gt; Zooming effect.</a:t>
+            </a:r>
+          </a:p>
+          <a:p>
+            <a:pPr marL="0" indent="0">
+              <a:buNone/>
+            </a:pPr>
+            <a:r>
+              <a:rPr lang="en-US" dirty="0"/>
+              <a:t> </a:t>
+            </a:r>
+            <a:r>
+              <a:rPr lang="en-US" dirty="0" smtClean="0"/>
+              <a:t>&gt; Multilayered network.</a:t>
+            </a:r>
+          </a:p>
+          <a:p>
+            <a:endParaRPr lang="en-US" dirty="0"/>
+          </a:p>
+          <a:p>
+            <a:r>
+              <a:rPr lang="en-US" dirty="0" smtClean="0"/>
+              <a:t>System functionality:</a:t>
+            </a:r>
+          </a:p>
+          <a:p>
+            <a:pPr marL="0" indent="0">
+              <a:buNone/>
+            </a:pPr>
+            <a:r>
+              <a:rPr lang="en-US" dirty="0"/>
+              <a:t> </a:t>
+            </a:r>
+            <a:r>
+              <a:rPr lang="en-US" dirty="0" smtClean="0"/>
+              <a:t>&gt; Add proportional control.</a:t>
+            </a:r>
+          </a:p>
+          <a:p>
+            <a:pPr marL="0" indent="0">
+              <a:buNone/>
+            </a:pPr>
+            <a:r>
+              <a:rPr lang="en-US" dirty="0"/>
+              <a:t> </a:t>
+            </a:r>
+            <a:r>
+              <a:rPr lang="en-US" dirty="0" smtClean="0"/>
+              <a:t>&gt; Add feedback loop.</a:t>
+            </a:r>
+          </a:p>
+          <a:p>
+            <a:endParaRPr lang="en-US" dirty="0"/>
+          </a:p>
+          <a:p>
+            <a:endParaRPr lang="en-US" dirty="0"/>
+          </a:p>
+        </p:txBody>
+      </p:sp>
+    </p:spTree>
+    <p:extLst>
+      <p:ext uri="{BB962C8B-B14F-4D97-AF65-F5344CB8AC3E}">
+        <p14:creationId xmlns:p14="http://schemas.microsoft.com/office/powerpoint/2010/main" val="1585369969"/>
+      </p:ext>
+    </p:extLst>
+  </p:cSld>
+  <p:clrMapOvr>
+    <a:masterClrMapping/>
+  </p:clrMapOvr>
+  <p:timing>
+    <p:tnLst>
+      <p:par>
+        <p:cTn id="1" dur="indefinite" restart="never" nodeType="tmRoot"/>
+      </p:par>
+    </p:tnLst>
+  </p:timing>
+</p:sld>
+</file>
+
+<file path=ppt/slides/slide26.xml><?xml version="1.0" encoding="utf-8"?>
+<p:sld xmlns:a="http://schemas.openxmlformats.org/drawingml/2006/main" xmlns:r="http://schemas.openxmlformats.org/officeDocument/2006/relationships" xmlns:p="http://schemas.openxmlformats.org/presentationml/2006/main">
+  <p:cSld>
+    <p:spTree>
+      <p:nvGrpSpPr>
+        <p:cNvPr id="1" name=""/>
+        <p:cNvGrpSpPr/>
+        <p:nvPr/>
+      </p:nvGrpSpPr>
+      <p:grpSpPr>
+        <a:xfrm>
+          <a:off x="0" y="0"/>
+          <a:ext cx="0" cy="0"/>
+          <a:chOff x="0" y="0"/>
+          <a:chExt cx="0" cy="0"/>
+        </a:xfrm>
+      </p:grpSpPr>
+      <p:sp>
+        <p:nvSpPr>
+          <p:cNvPr id="2" name="Title 1"/>
+          <p:cNvSpPr>
+            <a:spLocks noGrp="1"/>
+          </p:cNvSpPr>
+          <p:nvPr>
+            <p:ph type="title"/>
+          </p:nvPr>
+        </p:nvSpPr>
+        <p:spPr/>
+        <p:txBody>
+          <a:bodyPr/>
+          <a:lstStyle/>
+          <a:p>
+            <a:r>
               <a:rPr lang="en-US" dirty="0"/>
               <a:t>Gained skills</a:t>
             </a:r>
@@ -29895,7 +29993,7 @@
 </p:sld>
 </file>
 
-<file path=ppt/slides/slide26.xml><?xml version="1.0" encoding="utf-8"?>
+<file path=ppt/slides/slide27.xml><?xml version="1.0" encoding="utf-8"?>
 <p:sld xmlns:a="http://schemas.openxmlformats.org/drawingml/2006/main" xmlns:r="http://schemas.openxmlformats.org/officeDocument/2006/relationships" xmlns:p="http://schemas.openxmlformats.org/presentationml/2006/main">
   <p:cSld>
     <p:spTree>

--- a/GP_presentation.pptx
+++ b/GP_presentation.pptx
@@ -7,7 +7,7 @@
     <p:sldMasterId id="2147483696" r:id="rId3"/>
   </p:sldMasterIdLst>
   <p:notesMasterIdLst>
-    <p:notesMasterId r:id="rId31"/>
+    <p:notesMasterId r:id="rId32"/>
   </p:notesMasterIdLst>
   <p:sldIdLst>
     <p:sldId id="283" r:id="rId4"/>
@@ -37,6 +37,7 @@
     <p:sldId id="291" r:id="rId28"/>
     <p:sldId id="292" r:id="rId29"/>
     <p:sldId id="293" r:id="rId30"/>
+    <p:sldId id="299" r:id="rId31"/>
   </p:sldIdLst>
   <p:sldSz cx="9144000" cy="6858000" type="screen4x3"/>
   <p:notesSz cx="6858000" cy="9144000"/>
@@ -1176,6 +1177,72 @@
         </p:spPr>
       </p:sp>
     </p:spTree>
+  </p:cSld>
+  <p:clrMapOvr>
+    <a:masterClrMapping/>
+  </p:clrMapOvr>
+</p:notes>
+</file>
+
+<file path=ppt/notesSlides/notesSlide13.xml><?xml version="1.0" encoding="utf-8"?>
+<p:notes xmlns:a="http://schemas.openxmlformats.org/drawingml/2006/main" xmlns:r="http://schemas.openxmlformats.org/officeDocument/2006/relationships" xmlns:p="http://schemas.openxmlformats.org/presentationml/2006/main">
+  <p:cSld>
+    <p:spTree>
+      <p:nvGrpSpPr>
+        <p:cNvPr id="1" name=""/>
+        <p:cNvGrpSpPr/>
+        <p:nvPr/>
+      </p:nvGrpSpPr>
+      <p:grpSpPr>
+        <a:xfrm>
+          <a:off x="0" y="0"/>
+          <a:ext cx="0" cy="0"/>
+          <a:chOff x="0" y="0"/>
+          <a:chExt cx="0" cy="0"/>
+        </a:xfrm>
+      </p:grpSpPr>
+      <p:sp>
+        <p:nvSpPr>
+          <p:cNvPr id="2" name="Slide Image Placeholder 1"/>
+          <p:cNvSpPr>
+            <a:spLocks noGrp="1" noRot="1" noChangeAspect="1"/>
+          </p:cNvSpPr>
+          <p:nvPr>
+            <p:ph type="sldImg"/>
+          </p:nvPr>
+        </p:nvSpPr>
+        <p:spPr>
+          <a:xfrm>
+            <a:off x="1143000" y="685800"/>
+            <a:ext cx="4572000" cy="3429000"/>
+          </a:xfrm>
+        </p:spPr>
+      </p:sp>
+      <p:sp>
+        <p:nvSpPr>
+          <p:cNvPr id="3" name="Notes Placeholder 2"/>
+          <p:cNvSpPr>
+            <a:spLocks noGrp="1"/>
+          </p:cNvSpPr>
+          <p:nvPr>
+            <p:ph type="body" idx="1"/>
+          </p:nvPr>
+        </p:nvSpPr>
+        <p:spPr/>
+        <p:txBody>
+          <a:bodyPr/>
+          <a:lstStyle/>
+          <a:p>
+            <a:endParaRPr lang="en-US" dirty="0"/>
+          </a:p>
+        </p:txBody>
+      </p:sp>
+    </p:spTree>
+    <p:extLst>
+      <p:ext uri="{BB962C8B-B14F-4D97-AF65-F5344CB8AC3E}">
+        <p14:creationId xmlns:p14="http://schemas.microsoft.com/office/powerpoint/2010/main" val="577023035"/>
+      </p:ext>
+    </p:extLst>
   </p:cSld>
   <p:clrMapOvr>
     <a:masterClrMapping/>
@@ -28447,7 +28514,7 @@
         </p:nvSpPr>
         <p:spPr>
           <a:xfrm>
-            <a:off x="457200" y="274638"/>
+            <a:off x="457199" y="136092"/>
             <a:ext cx="8229600" cy="1143000"/>
           </a:xfrm>
           <a:prstGeom prst="rect">
@@ -28467,18 +28534,6 @@
               <a:spcAft>
                 <a:spcPts val="0"/>
               </a:spcAft>
-              <a:buNone/>
-            </a:pPr>
-            <a:endParaRPr/>
-          </a:p>
-          <a:p>
-            <a:pPr marL="0" lvl="0" indent="0">
-              <a:spcBef>
-                <a:spcPts val="0"/>
-              </a:spcBef>
-              <a:spcAft>
-                <a:spcPts val="0"/>
-              </a:spcAft>
               <a:buClr>
                 <a:schemeClr val="dk1"/>
               </a:buClr>
@@ -28487,22 +28542,18 @@
               <a:buNone/>
             </a:pPr>
             <a:r>
-              <a:rPr lang="en-US"/>
-              <a:t>EMG Module: Results</a:t>
+              <a:rPr lang="en-US" dirty="0" smtClean="0"/>
+              <a:t>EMG </a:t>
             </a:r>
-            <a:endParaRPr/>
-          </a:p>
-          <a:p>
-            <a:pPr marL="0" lvl="0" indent="0">
-              <a:spcBef>
-                <a:spcPts val="0"/>
-              </a:spcBef>
-              <a:spcAft>
-                <a:spcPts val="0"/>
-              </a:spcAft>
-              <a:buNone/>
-            </a:pPr>
-            <a:endParaRPr/>
+            <a:r>
+              <a:rPr lang="en-US" dirty="0"/>
+              <a:t>Module: </a:t>
+            </a:r>
+            <a:r>
+              <a:rPr lang="en-US" dirty="0" smtClean="0"/>
+              <a:t>Results</a:t>
+            </a:r>
+            <a:endParaRPr dirty="0"/>
           </a:p>
         </p:txBody>
       </p:sp>
@@ -28528,7 +28579,7 @@
         </p:blipFill>
         <p:spPr>
           <a:xfrm>
-            <a:off x="1404234" y="1613671"/>
+            <a:off x="1404234" y="1987744"/>
             <a:ext cx="6335531" cy="4496183"/>
           </a:xfrm>
           <a:prstGeom prst="rect">
@@ -28536,6 +28587,47 @@
           </a:prstGeom>
         </p:spPr>
       </p:pic>
+      <p:sp>
+        <p:nvSpPr>
+          <p:cNvPr id="4" name="Rectangle 3"/>
+          <p:cNvSpPr/>
+          <p:nvPr/>
+        </p:nvSpPr>
+        <p:spPr>
+          <a:xfrm>
+            <a:off x="457199" y="1500312"/>
+            <a:ext cx="3640740" cy="461665"/>
+          </a:xfrm>
+          <a:prstGeom prst="rect">
+            <a:avLst/>
+          </a:prstGeom>
+        </p:spPr>
+        <p:txBody>
+          <a:bodyPr wrap="none">
+            <a:spAutoFit/>
+          </a:bodyPr>
+          <a:lstStyle/>
+          <a:p>
+            <a:pPr marL="457200" lvl="0" indent="-381000">
+              <a:buSzPts val="2400"/>
+              <a:buChar char="●"/>
+            </a:pPr>
+            <a:r>
+              <a:rPr lang="en-US" sz="2400" dirty="0"/>
+              <a:t>Results of </a:t>
+            </a:r>
+            <a:r>
+              <a:rPr lang="en-US" sz="2400" dirty="0" smtClean="0"/>
+              <a:t>our </a:t>
+            </a:r>
+            <a:r>
+              <a:rPr lang="en-US" sz="2400" dirty="0"/>
+              <a:t>dataset</a:t>
+            </a:r>
+            <a:endParaRPr lang="en-US" sz="2400" dirty="0"/>
+          </a:p>
+        </p:txBody>
+      </p:sp>
     </p:spTree>
   </p:cSld>
   <p:clrMapOvr>
@@ -30084,6 +30176,984 @@
       </p:transition>
     </mc:Fallback>
   </mc:AlternateContent>
+  <p:timing>
+    <p:tnLst>
+      <p:par>
+        <p:cTn id="1" dur="indefinite" restart="never" nodeType="tmRoot"/>
+      </p:par>
+    </p:tnLst>
+  </p:timing>
+</p:sld>
+</file>
+
+<file path=ppt/slides/slide28.xml><?xml version="1.0" encoding="utf-8"?>
+<p:sld xmlns:a="http://schemas.openxmlformats.org/drawingml/2006/main" xmlns:r="http://schemas.openxmlformats.org/officeDocument/2006/relationships" xmlns:p="http://schemas.openxmlformats.org/presentationml/2006/main">
+  <p:cSld>
+    <p:spTree>
+      <p:nvGrpSpPr>
+        <p:cNvPr id="1" name=""/>
+        <p:cNvGrpSpPr/>
+        <p:nvPr/>
+      </p:nvGrpSpPr>
+      <p:grpSpPr>
+        <a:xfrm>
+          <a:off x="0" y="0"/>
+          <a:ext cx="0" cy="0"/>
+          <a:chOff x="0" y="0"/>
+          <a:chExt cx="0" cy="0"/>
+        </a:xfrm>
+      </p:grpSpPr>
+      <p:sp>
+        <p:nvSpPr>
+          <p:cNvPr id="2" name="Title 1"/>
+          <p:cNvSpPr>
+            <a:spLocks noGrp="1"/>
+          </p:cNvSpPr>
+          <p:nvPr>
+            <p:ph type="title"/>
+          </p:nvPr>
+        </p:nvSpPr>
+        <p:spPr/>
+        <p:txBody>
+          <a:bodyPr/>
+          <a:lstStyle/>
+          <a:p>
+            <a:r>
+              <a:rPr lang="en-US" smtClean="0"/>
+              <a:t>Team Contribution</a:t>
+            </a:r>
+            <a:endParaRPr lang="en-US" dirty="0"/>
+          </a:p>
+        </p:txBody>
+      </p:sp>
+      <p:graphicFrame>
+        <p:nvGraphicFramePr>
+          <p:cNvPr id="6" name="Content Placeholder 5"/>
+          <p:cNvGraphicFramePr>
+            <a:graphicFrameLocks noGrp="1"/>
+          </p:cNvGraphicFramePr>
+          <p:nvPr>
+            <p:ph idx="1"/>
+            <p:extLst>
+              <p:ext uri="{D42A27DB-BD31-4B8C-83A1-F6EECF244321}">
+                <p14:modId xmlns:p14="http://schemas.microsoft.com/office/powerpoint/2010/main" val="1867058178"/>
+              </p:ext>
+            </p:extLst>
+          </p:nvPr>
+        </p:nvGraphicFramePr>
+        <p:xfrm>
+          <a:off x="457200" y="1330960"/>
+          <a:ext cx="8229600" cy="4988560"/>
+        </p:xfrm>
+        <a:graphic>
+          <a:graphicData uri="http://schemas.openxmlformats.org/drawingml/2006/table">
+            <a:tbl>
+              <a:tblPr firstRow="1" bandRow="1">
+                <a:tableStyleId>{5C22544A-7EE6-4342-B048-85BDC9FD1C3A}</a:tableStyleId>
+              </a:tblPr>
+              <a:tblGrid>
+                <a:gridCol w="2024743">
+                  <a:extLst>
+                    <a:ext uri="{9D8B030D-6E8A-4147-A177-3AD203B41FA5}">
+                      <a16:colId xmlns:a16="http://schemas.microsoft.com/office/drawing/2014/main" val="1656906692"/>
+                    </a:ext>
+                  </a:extLst>
+                </a:gridCol>
+                <a:gridCol w="1267097">
+                  <a:extLst>
+                    <a:ext uri="{9D8B030D-6E8A-4147-A177-3AD203B41FA5}">
+                      <a16:colId xmlns:a16="http://schemas.microsoft.com/office/drawing/2014/main" val="449807344"/>
+                    </a:ext>
+                  </a:extLst>
+                </a:gridCol>
+                <a:gridCol w="1645920">
+                  <a:extLst>
+                    <a:ext uri="{9D8B030D-6E8A-4147-A177-3AD203B41FA5}">
+                      <a16:colId xmlns:a16="http://schemas.microsoft.com/office/drawing/2014/main" val="3551614608"/>
+                    </a:ext>
+                  </a:extLst>
+                </a:gridCol>
+                <a:gridCol w="1645920">
+                  <a:extLst>
+                    <a:ext uri="{9D8B030D-6E8A-4147-A177-3AD203B41FA5}">
+                      <a16:colId xmlns:a16="http://schemas.microsoft.com/office/drawing/2014/main" val="695440707"/>
+                    </a:ext>
+                  </a:extLst>
+                </a:gridCol>
+                <a:gridCol w="1645920">
+                  <a:extLst>
+                    <a:ext uri="{9D8B030D-6E8A-4147-A177-3AD203B41FA5}">
+                      <a16:colId xmlns:a16="http://schemas.microsoft.com/office/drawing/2014/main" val="546761996"/>
+                    </a:ext>
+                  </a:extLst>
+                </a:gridCol>
+              </a:tblGrid>
+              <a:tr h="370840">
+                <a:tc>
+                  <a:txBody>
+                    <a:bodyPr/>
+                    <a:lstStyle/>
+                    <a:p>
+                      <a:endParaRPr lang="en-US" dirty="0"/>
+                    </a:p>
+                  </a:txBody>
+                  <a:tcPr/>
+                </a:tc>
+                <a:tc>
+                  <a:txBody>
+                    <a:bodyPr/>
+                    <a:lstStyle/>
+                    <a:p>
+                      <a:r>
+                        <a:rPr lang="en-US" dirty="0" smtClean="0"/>
+                        <a:t>Hamza</a:t>
+                      </a:r>
+                      <a:endParaRPr lang="en-US" dirty="0"/>
+                    </a:p>
+                  </a:txBody>
+                  <a:tcPr/>
+                </a:tc>
+                <a:tc>
+                  <a:txBody>
+                    <a:bodyPr/>
+                    <a:lstStyle/>
+                    <a:p>
+                      <a:r>
+                        <a:rPr lang="en-US" dirty="0" err="1" smtClean="0"/>
+                        <a:t>Ghadir</a:t>
+                      </a:r>
+                      <a:endParaRPr lang="en-US" dirty="0"/>
+                    </a:p>
+                  </a:txBody>
+                  <a:tcPr/>
+                </a:tc>
+                <a:tc>
+                  <a:txBody>
+                    <a:bodyPr/>
+                    <a:lstStyle/>
+                    <a:p>
+                      <a:r>
+                        <a:rPr lang="en-US" dirty="0" smtClean="0"/>
+                        <a:t>Hanna</a:t>
+                      </a:r>
+                      <a:endParaRPr lang="en-US" dirty="0"/>
+                    </a:p>
+                  </a:txBody>
+                  <a:tcPr/>
+                </a:tc>
+                <a:tc>
+                  <a:txBody>
+                    <a:bodyPr/>
+                    <a:lstStyle/>
+                    <a:p>
+                      <a:r>
+                        <a:rPr lang="en-US" dirty="0" smtClean="0"/>
+                        <a:t>Mostafa</a:t>
+                      </a:r>
+                      <a:endParaRPr lang="en-US" dirty="0"/>
+                    </a:p>
+                  </a:txBody>
+                  <a:tcPr/>
+                </a:tc>
+                <a:extLst>
+                  <a:ext uri="{0D108BD9-81ED-4DB2-BD59-A6C34878D82A}">
+                    <a16:rowId xmlns:a16="http://schemas.microsoft.com/office/drawing/2014/main" val="507214763"/>
+                  </a:ext>
+                </a:extLst>
+              </a:tr>
+              <a:tr h="370840">
+                <a:tc>
+                  <a:txBody>
+                    <a:bodyPr/>
+                    <a:lstStyle/>
+                    <a:p>
+                      <a:r>
+                        <a:rPr lang="en-US" dirty="0" smtClean="0"/>
+                        <a:t>Research</a:t>
+                      </a:r>
+                      <a:r>
+                        <a:rPr lang="en-US" baseline="0" dirty="0" smtClean="0"/>
+                        <a:t> and Reading</a:t>
+                      </a:r>
+                      <a:endParaRPr lang="en-US" dirty="0"/>
+                    </a:p>
+                  </a:txBody>
+                  <a:tcPr/>
+                </a:tc>
+                <a:tc>
+                  <a:txBody>
+                    <a:bodyPr/>
+                    <a:lstStyle/>
+                    <a:p>
+                      <a:r>
+                        <a:rPr lang="en-US" dirty="0" smtClean="0"/>
+                        <a:t>/</a:t>
+                      </a:r>
+                      <a:endParaRPr lang="en-US" dirty="0"/>
+                    </a:p>
+                  </a:txBody>
+                  <a:tcPr/>
+                </a:tc>
+                <a:tc>
+                  <a:txBody>
+                    <a:bodyPr/>
+                    <a:lstStyle/>
+                    <a:p>
+                      <a:r>
+                        <a:rPr lang="en-US" dirty="0" smtClean="0"/>
+                        <a:t>/</a:t>
+                      </a:r>
+                      <a:endParaRPr lang="en-US" dirty="0"/>
+                    </a:p>
+                  </a:txBody>
+                  <a:tcPr/>
+                </a:tc>
+                <a:tc>
+                  <a:txBody>
+                    <a:bodyPr/>
+                    <a:lstStyle/>
+                    <a:p>
+                      <a:endParaRPr lang="en-US" dirty="0"/>
+                    </a:p>
+                  </a:txBody>
+                  <a:tcPr/>
+                </a:tc>
+                <a:tc>
+                  <a:txBody>
+                    <a:bodyPr/>
+                    <a:lstStyle/>
+                    <a:p>
+                      <a:r>
+                        <a:rPr lang="en-US" dirty="0" smtClean="0"/>
+                        <a:t>/</a:t>
+                      </a:r>
+                      <a:endParaRPr lang="en-US" dirty="0"/>
+                    </a:p>
+                  </a:txBody>
+                  <a:tcPr/>
+                </a:tc>
+                <a:extLst>
+                  <a:ext uri="{0D108BD9-81ED-4DB2-BD59-A6C34878D82A}">
+                    <a16:rowId xmlns:a16="http://schemas.microsoft.com/office/drawing/2014/main" val="2110697705"/>
+                  </a:ext>
+                </a:extLst>
+              </a:tr>
+              <a:tr h="370840">
+                <a:tc>
+                  <a:txBody>
+                    <a:bodyPr/>
+                    <a:lstStyle/>
+                    <a:p>
+                      <a:r>
+                        <a:rPr lang="en-US" dirty="0" smtClean="0"/>
+                        <a:t>EMG Module </a:t>
+                      </a:r>
+                      <a:endParaRPr lang="en-US" dirty="0"/>
+                    </a:p>
+                  </a:txBody>
+                  <a:tcPr/>
+                </a:tc>
+                <a:tc>
+                  <a:txBody>
+                    <a:bodyPr/>
+                    <a:lstStyle/>
+                    <a:p>
+                      <a:r>
+                        <a:rPr lang="en-US" dirty="0" smtClean="0"/>
+                        <a:t>/</a:t>
+                      </a:r>
+                      <a:endParaRPr lang="en-US" dirty="0"/>
+                    </a:p>
+                  </a:txBody>
+                  <a:tcPr/>
+                </a:tc>
+                <a:tc>
+                  <a:txBody>
+                    <a:bodyPr/>
+                    <a:lstStyle/>
+                    <a:p>
+                      <a:endParaRPr lang="en-US" dirty="0"/>
+                    </a:p>
+                  </a:txBody>
+                  <a:tcPr/>
+                </a:tc>
+                <a:tc>
+                  <a:txBody>
+                    <a:bodyPr/>
+                    <a:lstStyle/>
+                    <a:p>
+                      <a:endParaRPr lang="en-US" dirty="0"/>
+                    </a:p>
+                  </a:txBody>
+                  <a:tcPr/>
+                </a:tc>
+                <a:tc>
+                  <a:txBody>
+                    <a:bodyPr/>
+                    <a:lstStyle/>
+                    <a:p>
+                      <a:r>
+                        <a:rPr lang="en-US" dirty="0" smtClean="0"/>
+                        <a:t>/</a:t>
+                      </a:r>
+                      <a:endParaRPr lang="en-US" dirty="0"/>
+                    </a:p>
+                  </a:txBody>
+                  <a:tcPr/>
+                </a:tc>
+                <a:extLst>
+                  <a:ext uri="{0D108BD9-81ED-4DB2-BD59-A6C34878D82A}">
+                    <a16:rowId xmlns:a16="http://schemas.microsoft.com/office/drawing/2014/main" val="990033212"/>
+                  </a:ext>
+                </a:extLst>
+              </a:tr>
+              <a:tr h="370840">
+                <a:tc>
+                  <a:txBody>
+                    <a:bodyPr/>
+                    <a:lstStyle/>
+                    <a:p>
+                      <a:r>
+                        <a:rPr lang="en-US" dirty="0" smtClean="0"/>
+                        <a:t>CV Module </a:t>
+                      </a:r>
+                      <a:endParaRPr lang="en-US" dirty="0"/>
+                    </a:p>
+                  </a:txBody>
+                  <a:tcPr/>
+                </a:tc>
+                <a:tc>
+                  <a:txBody>
+                    <a:bodyPr/>
+                    <a:lstStyle/>
+                    <a:p>
+                      <a:r>
+                        <a:rPr lang="en-US" dirty="0" smtClean="0"/>
+                        <a:t>/</a:t>
+                      </a:r>
+                      <a:endParaRPr lang="en-US" dirty="0"/>
+                    </a:p>
+                  </a:txBody>
+                  <a:tcPr/>
+                </a:tc>
+                <a:tc>
+                  <a:txBody>
+                    <a:bodyPr/>
+                    <a:lstStyle/>
+                    <a:p>
+                      <a:r>
+                        <a:rPr lang="en-US" dirty="0" smtClean="0"/>
+                        <a:t>/</a:t>
+                      </a:r>
+                      <a:endParaRPr lang="en-US" dirty="0"/>
+                    </a:p>
+                  </a:txBody>
+                  <a:tcPr/>
+                </a:tc>
+                <a:tc>
+                  <a:txBody>
+                    <a:bodyPr/>
+                    <a:lstStyle/>
+                    <a:p>
+                      <a:endParaRPr lang="en-US" dirty="0"/>
+                    </a:p>
+                  </a:txBody>
+                  <a:tcPr/>
+                </a:tc>
+                <a:tc>
+                  <a:txBody>
+                    <a:bodyPr/>
+                    <a:lstStyle/>
+                    <a:p>
+                      <a:endParaRPr lang="en-US" dirty="0"/>
+                    </a:p>
+                  </a:txBody>
+                  <a:tcPr/>
+                </a:tc>
+                <a:extLst>
+                  <a:ext uri="{0D108BD9-81ED-4DB2-BD59-A6C34878D82A}">
+                    <a16:rowId xmlns:a16="http://schemas.microsoft.com/office/drawing/2014/main" val="2952221568"/>
+                  </a:ext>
+                </a:extLst>
+              </a:tr>
+              <a:tr h="370840">
+                <a:tc>
+                  <a:txBody>
+                    <a:bodyPr/>
+                    <a:lstStyle/>
+                    <a:p>
+                      <a:r>
+                        <a:rPr lang="en-US" dirty="0" smtClean="0"/>
+                        <a:t>Integration</a:t>
+                      </a:r>
+                      <a:endParaRPr lang="en-US" dirty="0"/>
+                    </a:p>
+                  </a:txBody>
+                  <a:tcPr/>
+                </a:tc>
+                <a:tc>
+                  <a:txBody>
+                    <a:bodyPr/>
+                    <a:lstStyle/>
+                    <a:p>
+                      <a:endParaRPr lang="en-US" dirty="0"/>
+                    </a:p>
+                  </a:txBody>
+                  <a:tcPr/>
+                </a:tc>
+                <a:tc>
+                  <a:txBody>
+                    <a:bodyPr/>
+                    <a:lstStyle/>
+                    <a:p>
+                      <a:r>
+                        <a:rPr lang="en-US" dirty="0" smtClean="0"/>
+                        <a:t>/</a:t>
+                      </a:r>
+                      <a:endParaRPr lang="en-US" dirty="0"/>
+                    </a:p>
+                  </a:txBody>
+                  <a:tcPr/>
+                </a:tc>
+                <a:tc>
+                  <a:txBody>
+                    <a:bodyPr/>
+                    <a:lstStyle/>
+                    <a:p>
+                      <a:r>
+                        <a:rPr lang="en-US" dirty="0" smtClean="0"/>
+                        <a:t>/</a:t>
+                      </a:r>
+                      <a:endParaRPr lang="en-US" dirty="0"/>
+                    </a:p>
+                  </a:txBody>
+                  <a:tcPr/>
+                </a:tc>
+                <a:tc>
+                  <a:txBody>
+                    <a:bodyPr/>
+                    <a:lstStyle/>
+                    <a:p>
+                      <a:endParaRPr lang="en-US"/>
+                    </a:p>
+                  </a:txBody>
+                  <a:tcPr/>
+                </a:tc>
+                <a:extLst>
+                  <a:ext uri="{0D108BD9-81ED-4DB2-BD59-A6C34878D82A}">
+                    <a16:rowId xmlns:a16="http://schemas.microsoft.com/office/drawing/2014/main" val="4202850444"/>
+                  </a:ext>
+                </a:extLst>
+              </a:tr>
+              <a:tr h="370840">
+                <a:tc>
+                  <a:txBody>
+                    <a:bodyPr/>
+                    <a:lstStyle/>
+                    <a:p>
+                      <a:r>
+                        <a:rPr lang="en-US" dirty="0" smtClean="0"/>
+                        <a:t>Real-Time System</a:t>
+                      </a:r>
+                      <a:endParaRPr lang="en-US" dirty="0"/>
+                    </a:p>
+                  </a:txBody>
+                  <a:tcPr/>
+                </a:tc>
+                <a:tc>
+                  <a:txBody>
+                    <a:bodyPr/>
+                    <a:lstStyle/>
+                    <a:p>
+                      <a:endParaRPr lang="en-US"/>
+                    </a:p>
+                  </a:txBody>
+                  <a:tcPr/>
+                </a:tc>
+                <a:tc>
+                  <a:txBody>
+                    <a:bodyPr/>
+                    <a:lstStyle/>
+                    <a:p>
+                      <a:endParaRPr lang="en-US" dirty="0"/>
+                    </a:p>
+                  </a:txBody>
+                  <a:tcPr/>
+                </a:tc>
+                <a:tc>
+                  <a:txBody>
+                    <a:bodyPr/>
+                    <a:lstStyle/>
+                    <a:p>
+                      <a:r>
+                        <a:rPr lang="en-US" dirty="0" smtClean="0"/>
+                        <a:t>/</a:t>
+                      </a:r>
+                      <a:endParaRPr lang="en-US" dirty="0"/>
+                    </a:p>
+                  </a:txBody>
+                  <a:tcPr/>
+                </a:tc>
+                <a:tc>
+                  <a:txBody>
+                    <a:bodyPr/>
+                    <a:lstStyle/>
+                    <a:p>
+                      <a:r>
+                        <a:rPr lang="en-US" dirty="0" smtClean="0"/>
+                        <a:t>/</a:t>
+                      </a:r>
+                      <a:endParaRPr lang="en-US" dirty="0"/>
+                    </a:p>
+                  </a:txBody>
+                  <a:tcPr/>
+                </a:tc>
+                <a:extLst>
+                  <a:ext uri="{0D108BD9-81ED-4DB2-BD59-A6C34878D82A}">
+                    <a16:rowId xmlns:a16="http://schemas.microsoft.com/office/drawing/2014/main" val="3846100817"/>
+                  </a:ext>
+                </a:extLst>
+              </a:tr>
+              <a:tr h="370840">
+                <a:tc>
+                  <a:txBody>
+                    <a:bodyPr/>
+                    <a:lstStyle/>
+                    <a:p>
+                      <a:r>
+                        <a:rPr lang="en-US" dirty="0" smtClean="0"/>
+                        <a:t>Result Visualization</a:t>
+                      </a:r>
+                      <a:endParaRPr lang="en-US" dirty="0"/>
+                    </a:p>
+                  </a:txBody>
+                  <a:tcPr/>
+                </a:tc>
+                <a:tc>
+                  <a:txBody>
+                    <a:bodyPr/>
+                    <a:lstStyle/>
+                    <a:p>
+                      <a:r>
+                        <a:rPr lang="en-US" dirty="0" smtClean="0"/>
+                        <a:t>/</a:t>
+                      </a:r>
+                      <a:endParaRPr lang="en-US" dirty="0"/>
+                    </a:p>
+                  </a:txBody>
+                  <a:tcPr/>
+                </a:tc>
+                <a:tc>
+                  <a:txBody>
+                    <a:bodyPr/>
+                    <a:lstStyle/>
+                    <a:p>
+                      <a:endParaRPr lang="en-US" dirty="0"/>
+                    </a:p>
+                  </a:txBody>
+                  <a:tcPr/>
+                </a:tc>
+                <a:tc>
+                  <a:txBody>
+                    <a:bodyPr/>
+                    <a:lstStyle/>
+                    <a:p>
+                      <a:endParaRPr lang="en-US" dirty="0"/>
+                    </a:p>
+                  </a:txBody>
+                  <a:tcPr/>
+                </a:tc>
+                <a:tc>
+                  <a:txBody>
+                    <a:bodyPr/>
+                    <a:lstStyle/>
+                    <a:p>
+                      <a:r>
+                        <a:rPr lang="en-US" dirty="0" smtClean="0"/>
+                        <a:t>/</a:t>
+                      </a:r>
+                      <a:endParaRPr lang="en-US" dirty="0"/>
+                    </a:p>
+                  </a:txBody>
+                  <a:tcPr/>
+                </a:tc>
+                <a:extLst>
+                  <a:ext uri="{0D108BD9-81ED-4DB2-BD59-A6C34878D82A}">
+                    <a16:rowId xmlns:a16="http://schemas.microsoft.com/office/drawing/2014/main" val="1316365212"/>
+                  </a:ext>
+                </a:extLst>
+              </a:tr>
+              <a:tr h="370840">
+                <a:tc>
+                  <a:txBody>
+                    <a:bodyPr/>
+                    <a:lstStyle/>
+                    <a:p>
+                      <a:r>
+                        <a:rPr lang="en-US" dirty="0" smtClean="0"/>
+                        <a:t>Troubleshooting</a:t>
+                      </a:r>
+                      <a:endParaRPr lang="en-US" dirty="0"/>
+                    </a:p>
+                  </a:txBody>
+                  <a:tcPr/>
+                </a:tc>
+                <a:tc>
+                  <a:txBody>
+                    <a:bodyPr/>
+                    <a:lstStyle/>
+                    <a:p>
+                      <a:endParaRPr lang="en-US"/>
+                    </a:p>
+                  </a:txBody>
+                  <a:tcPr/>
+                </a:tc>
+                <a:tc>
+                  <a:txBody>
+                    <a:bodyPr/>
+                    <a:lstStyle/>
+                    <a:p>
+                      <a:r>
+                        <a:rPr lang="en-US" dirty="0" smtClean="0"/>
+                        <a:t>/</a:t>
+                      </a:r>
+                      <a:endParaRPr lang="en-US" dirty="0"/>
+                    </a:p>
+                  </a:txBody>
+                  <a:tcPr/>
+                </a:tc>
+                <a:tc>
+                  <a:txBody>
+                    <a:bodyPr/>
+                    <a:lstStyle/>
+                    <a:p>
+                      <a:r>
+                        <a:rPr lang="en-US" dirty="0" smtClean="0"/>
+                        <a:t>/</a:t>
+                      </a:r>
+                      <a:endParaRPr lang="en-US" dirty="0"/>
+                    </a:p>
+                  </a:txBody>
+                  <a:tcPr/>
+                </a:tc>
+                <a:tc>
+                  <a:txBody>
+                    <a:bodyPr/>
+                    <a:lstStyle/>
+                    <a:p>
+                      <a:endParaRPr lang="en-US" dirty="0"/>
+                    </a:p>
+                  </a:txBody>
+                  <a:tcPr/>
+                </a:tc>
+                <a:extLst>
+                  <a:ext uri="{0D108BD9-81ED-4DB2-BD59-A6C34878D82A}">
+                    <a16:rowId xmlns:a16="http://schemas.microsoft.com/office/drawing/2014/main" val="2898421052"/>
+                  </a:ext>
+                </a:extLst>
+              </a:tr>
+              <a:tr h="370840">
+                <a:tc>
+                  <a:txBody>
+                    <a:bodyPr/>
+                    <a:lstStyle/>
+                    <a:p>
+                      <a:r>
+                        <a:rPr lang="en-US" dirty="0" err="1" smtClean="0"/>
+                        <a:t>IHub</a:t>
+                      </a:r>
+                      <a:r>
+                        <a:rPr lang="en-US" baseline="0" dirty="0" smtClean="0"/>
+                        <a:t> </a:t>
+                      </a:r>
+                      <a:endParaRPr lang="en-US" dirty="0"/>
+                    </a:p>
+                  </a:txBody>
+                  <a:tcPr/>
+                </a:tc>
+                <a:tc>
+                  <a:txBody>
+                    <a:bodyPr/>
+                    <a:lstStyle/>
+                    <a:p>
+                      <a:r>
+                        <a:rPr lang="en-US" dirty="0" smtClean="0"/>
+                        <a:t>/</a:t>
+                      </a:r>
+                      <a:endParaRPr lang="en-US" dirty="0"/>
+                    </a:p>
+                  </a:txBody>
+                  <a:tcPr/>
+                </a:tc>
+                <a:tc>
+                  <a:txBody>
+                    <a:bodyPr/>
+                    <a:lstStyle/>
+                    <a:p>
+                      <a:r>
+                        <a:rPr lang="en-US" dirty="0" smtClean="0"/>
+                        <a:t>/</a:t>
+                      </a:r>
+                      <a:endParaRPr lang="en-US" dirty="0"/>
+                    </a:p>
+                  </a:txBody>
+                  <a:tcPr/>
+                </a:tc>
+                <a:tc>
+                  <a:txBody>
+                    <a:bodyPr/>
+                    <a:lstStyle/>
+                    <a:p>
+                      <a:r>
+                        <a:rPr lang="en-US" dirty="0" smtClean="0"/>
+                        <a:t>/</a:t>
+                      </a:r>
+                      <a:endParaRPr lang="en-US" dirty="0"/>
+                    </a:p>
+                  </a:txBody>
+                  <a:tcPr/>
+                </a:tc>
+                <a:tc>
+                  <a:txBody>
+                    <a:bodyPr/>
+                    <a:lstStyle/>
+                    <a:p>
+                      <a:r>
+                        <a:rPr lang="en-US" dirty="0" smtClean="0"/>
+                        <a:t>/</a:t>
+                      </a:r>
+                      <a:endParaRPr lang="en-US" dirty="0"/>
+                    </a:p>
+                  </a:txBody>
+                  <a:tcPr/>
+                </a:tc>
+                <a:extLst>
+                  <a:ext uri="{0D108BD9-81ED-4DB2-BD59-A6C34878D82A}">
+                    <a16:rowId xmlns:a16="http://schemas.microsoft.com/office/drawing/2014/main" val="2740803769"/>
+                  </a:ext>
+                </a:extLst>
+              </a:tr>
+              <a:tr h="370840">
+                <a:tc>
+                  <a:txBody>
+                    <a:bodyPr/>
+                    <a:lstStyle/>
+                    <a:p>
+                      <a:r>
+                        <a:rPr lang="en-US" dirty="0" smtClean="0"/>
+                        <a:t>External Communication</a:t>
+                      </a:r>
+                      <a:endParaRPr lang="en-US" dirty="0"/>
+                    </a:p>
+                  </a:txBody>
+                  <a:tcPr/>
+                </a:tc>
+                <a:tc>
+                  <a:txBody>
+                    <a:bodyPr/>
+                    <a:lstStyle/>
+                    <a:p>
+                      <a:endParaRPr lang="en-US"/>
+                    </a:p>
+                  </a:txBody>
+                  <a:tcPr/>
+                </a:tc>
+                <a:tc>
+                  <a:txBody>
+                    <a:bodyPr/>
+                    <a:lstStyle/>
+                    <a:p>
+                      <a:r>
+                        <a:rPr lang="en-US" dirty="0" smtClean="0"/>
+                        <a:t>/</a:t>
+                      </a:r>
+                      <a:endParaRPr lang="en-US" dirty="0"/>
+                    </a:p>
+                  </a:txBody>
+                  <a:tcPr/>
+                </a:tc>
+                <a:tc>
+                  <a:txBody>
+                    <a:bodyPr/>
+                    <a:lstStyle/>
+                    <a:p>
+                      <a:endParaRPr lang="en-US" dirty="0"/>
+                    </a:p>
+                  </a:txBody>
+                  <a:tcPr/>
+                </a:tc>
+                <a:tc>
+                  <a:txBody>
+                    <a:bodyPr/>
+                    <a:lstStyle/>
+                    <a:p>
+                      <a:endParaRPr lang="en-US" dirty="0"/>
+                    </a:p>
+                  </a:txBody>
+                  <a:tcPr/>
+                </a:tc>
+                <a:extLst>
+                  <a:ext uri="{0D108BD9-81ED-4DB2-BD59-A6C34878D82A}">
+                    <a16:rowId xmlns:a16="http://schemas.microsoft.com/office/drawing/2014/main" val="1822952246"/>
+                  </a:ext>
+                </a:extLst>
+              </a:tr>
+              <a:tr h="370840">
+                <a:tc>
+                  <a:txBody>
+                    <a:bodyPr/>
+                    <a:lstStyle/>
+                    <a:p>
+                      <a:r>
+                        <a:rPr lang="en-US" dirty="0" smtClean="0"/>
+                        <a:t>GUI</a:t>
+                      </a:r>
+                      <a:endParaRPr lang="en-US" dirty="0"/>
+                    </a:p>
+                  </a:txBody>
+                  <a:tcPr/>
+                </a:tc>
+                <a:tc>
+                  <a:txBody>
+                    <a:bodyPr/>
+                    <a:lstStyle/>
+                    <a:p>
+                      <a:endParaRPr lang="en-US" dirty="0"/>
+                    </a:p>
+                  </a:txBody>
+                  <a:tcPr/>
+                </a:tc>
+                <a:tc>
+                  <a:txBody>
+                    <a:bodyPr/>
+                    <a:lstStyle/>
+                    <a:p>
+                      <a:endParaRPr lang="en-US" dirty="0"/>
+                    </a:p>
+                  </a:txBody>
+                  <a:tcPr/>
+                </a:tc>
+                <a:tc>
+                  <a:txBody>
+                    <a:bodyPr/>
+                    <a:lstStyle/>
+                    <a:p>
+                      <a:r>
+                        <a:rPr lang="en-US" dirty="0" smtClean="0"/>
+                        <a:t>/</a:t>
+                      </a:r>
+                      <a:endParaRPr lang="en-US" dirty="0"/>
+                    </a:p>
+                  </a:txBody>
+                  <a:tcPr/>
+                </a:tc>
+                <a:tc>
+                  <a:txBody>
+                    <a:bodyPr/>
+                    <a:lstStyle/>
+                    <a:p>
+                      <a:endParaRPr lang="en-US" dirty="0"/>
+                    </a:p>
+                  </a:txBody>
+                  <a:tcPr/>
+                </a:tc>
+                <a:extLst>
+                  <a:ext uri="{0D108BD9-81ED-4DB2-BD59-A6C34878D82A}">
+                    <a16:rowId xmlns:a16="http://schemas.microsoft.com/office/drawing/2014/main" val="3090099845"/>
+                  </a:ext>
+                </a:extLst>
+              </a:tr>
+              <a:tr h="370840">
+                <a:tc>
+                  <a:txBody>
+                    <a:bodyPr/>
+                    <a:lstStyle/>
+                    <a:p>
+                      <a:r>
+                        <a:rPr lang="en-US" dirty="0" smtClean="0"/>
+                        <a:t>Documentation</a:t>
+                      </a:r>
+                      <a:endParaRPr lang="en-US" dirty="0"/>
+                    </a:p>
+                  </a:txBody>
+                  <a:tcPr/>
+                </a:tc>
+                <a:tc>
+                  <a:txBody>
+                    <a:bodyPr/>
+                    <a:lstStyle/>
+                    <a:p>
+                      <a:r>
+                        <a:rPr lang="en-US" dirty="0" smtClean="0"/>
+                        <a:t>/</a:t>
+                      </a:r>
+                      <a:endParaRPr lang="en-US" dirty="0"/>
+                    </a:p>
+                  </a:txBody>
+                  <a:tcPr/>
+                </a:tc>
+                <a:tc>
+                  <a:txBody>
+                    <a:bodyPr/>
+                    <a:lstStyle/>
+                    <a:p>
+                      <a:r>
+                        <a:rPr lang="en-US" dirty="0" smtClean="0"/>
+                        <a:t>/</a:t>
+                      </a:r>
+                      <a:endParaRPr lang="en-US" dirty="0"/>
+                    </a:p>
+                  </a:txBody>
+                  <a:tcPr/>
+                </a:tc>
+                <a:tc>
+                  <a:txBody>
+                    <a:bodyPr/>
+                    <a:lstStyle/>
+                    <a:p>
+                      <a:r>
+                        <a:rPr lang="en-US" dirty="0" smtClean="0"/>
+                        <a:t>/</a:t>
+                      </a:r>
+                      <a:endParaRPr lang="en-US" dirty="0"/>
+                    </a:p>
+                  </a:txBody>
+                  <a:tcPr/>
+                </a:tc>
+                <a:tc>
+                  <a:txBody>
+                    <a:bodyPr/>
+                    <a:lstStyle/>
+                    <a:p>
+                      <a:r>
+                        <a:rPr lang="en-US" dirty="0" smtClean="0"/>
+                        <a:t>/</a:t>
+                      </a:r>
+                      <a:endParaRPr lang="en-US" dirty="0"/>
+                    </a:p>
+                  </a:txBody>
+                  <a:tcPr/>
+                </a:tc>
+                <a:extLst>
+                  <a:ext uri="{0D108BD9-81ED-4DB2-BD59-A6C34878D82A}">
+                    <a16:rowId xmlns:a16="http://schemas.microsoft.com/office/drawing/2014/main" val="3497582982"/>
+                  </a:ext>
+                </a:extLst>
+              </a:tr>
+            </a:tbl>
+          </a:graphicData>
+        </a:graphic>
+      </p:graphicFrame>
+    </p:spTree>
+    <p:extLst>
+      <p:ext uri="{BB962C8B-B14F-4D97-AF65-F5344CB8AC3E}">
+        <p14:creationId xmlns:p14="http://schemas.microsoft.com/office/powerpoint/2010/main" val="577116140"/>
+      </p:ext>
+    </p:extLst>
+  </p:cSld>
+  <p:clrMapOvr>
+    <a:masterClrMapping/>
+  </p:clrMapOvr>
   <p:timing>
     <p:tnLst>
       <p:par>

--- a/GP_presentation.pptx
+++ b/GP_presentation.pptx
@@ -14,10 +14,10 @@
     <p:sldId id="284" r:id="rId5"/>
     <p:sldId id="285" r:id="rId6"/>
     <p:sldId id="286" r:id="rId7"/>
-    <p:sldId id="287" r:id="rId8"/>
-    <p:sldId id="288" r:id="rId9"/>
-    <p:sldId id="289" r:id="rId10"/>
-    <p:sldId id="290" r:id="rId11"/>
+    <p:sldId id="288" r:id="rId8"/>
+    <p:sldId id="300" r:id="rId9"/>
+    <p:sldId id="287" r:id="rId10"/>
+    <p:sldId id="289" r:id="rId11"/>
     <p:sldId id="269" r:id="rId12"/>
     <p:sldId id="270" r:id="rId13"/>
     <p:sldId id="271" r:id="rId14"/>
@@ -840,7 +840,7 @@
                 <a:tabLst/>
                 <a:defRPr/>
               </a:pPr>
-              <a:t>5</a:t>
+              <a:t>7</a:t>
             </a:fld>
             <a:endParaRPr kumimoji="0" lang="en-US" sz="1200" b="0" i="0" u="none" strike="noStrike" kern="1200" cap="none" spc="0" normalizeH="0" baseline="0" noProof="0">
               <a:ln>
@@ -1366,7 +1366,7 @@
                 <a:tabLst/>
                 <a:defRPr/>
               </a:pPr>
-              <a:t>7</a:t>
+              <a:t>8</a:t>
             </a:fld>
             <a:endParaRPr kumimoji="0" lang="en-US" sz="1200" b="0" i="0" u="none" strike="noStrike" kern="1200" cap="none" spc="0" normalizeH="0" baseline="0" noProof="0">
               <a:ln>
@@ -28624,7 +28624,6 @@
               <a:rPr lang="en-US" sz="2400" dirty="0"/>
               <a:t>dataset</a:t>
             </a:r>
-            <a:endParaRPr lang="en-US" sz="2400" dirty="0"/>
           </a:p>
         </p:txBody>
       </p:sp>
@@ -32367,87 +32366,125 @@
         </p:nvSpPr>
         <p:spPr/>
         <p:txBody>
+          <a:bodyPr/>
+          <a:lstStyle/>
+          <a:p>
+            <a:r>
+              <a:rPr lang="en-US" dirty="0" smtClean="0"/>
+              <a:t>System parameters</a:t>
+            </a:r>
+            <a:endParaRPr lang="en-US" dirty="0"/>
+          </a:p>
+        </p:txBody>
+      </p:sp>
+      <p:sp>
+        <p:nvSpPr>
+          <p:cNvPr id="3" name="Content Placeholder 2"/>
+          <p:cNvSpPr>
+            <a:spLocks noGrp="1"/>
+          </p:cNvSpPr>
+          <p:nvPr>
+            <p:ph idx="1"/>
+          </p:nvPr>
+        </p:nvSpPr>
+        <p:spPr/>
+        <p:txBody>
           <a:bodyPr>
-            <a:normAutofit/>
+            <a:normAutofit lnSpcReduction="10000"/>
           </a:bodyPr>
           <a:lstStyle/>
           <a:p>
             <a:r>
               <a:rPr lang="en-US" dirty="0" smtClean="0"/>
-              <a:t>System design</a:t>
+              <a:t>EMG commands:</a:t>
+            </a:r>
+          </a:p>
+          <a:p>
+            <a:pPr marL="0" indent="0">
+              <a:buNone/>
+            </a:pPr>
+            <a:r>
+              <a:rPr lang="en-US" dirty="0" smtClean="0"/>
+              <a:t>Initiation, </a:t>
+            </a:r>
+            <a:r>
+              <a:rPr lang="en-US" dirty="0" smtClean="0"/>
+              <a:t>confirm, cancel, </a:t>
+            </a:r>
+            <a:r>
+              <a:rPr lang="en-US" dirty="0" smtClean="0"/>
+              <a:t>power</a:t>
+            </a:r>
+            <a:r>
+              <a:rPr lang="en-US" dirty="0" smtClean="0"/>
+              <a:t> </a:t>
+            </a:r>
+            <a:r>
+              <a:rPr lang="en-US" dirty="0" smtClean="0"/>
+              <a:t>off.</a:t>
+            </a:r>
+          </a:p>
+          <a:p>
+            <a:pPr marL="0" indent="0">
+              <a:buNone/>
+            </a:pPr>
+            <a:endParaRPr lang="en-US" dirty="0" smtClean="0"/>
+          </a:p>
+          <a:p>
+            <a:r>
+              <a:rPr lang="en-US" dirty="0" smtClean="0"/>
+              <a:t>CV grasp types:</a:t>
+            </a:r>
+          </a:p>
+          <a:p>
+            <a:pPr marL="0" indent="0">
+              <a:buNone/>
+            </a:pPr>
+            <a:r>
+              <a:rPr lang="en-US" dirty="0" smtClean="0"/>
+              <a:t>Pinch, neutral, tripod, pronated.</a:t>
+            </a:r>
+          </a:p>
+          <a:p>
+            <a:pPr marL="0" indent="0">
+              <a:buNone/>
+            </a:pPr>
+            <a:endParaRPr lang="en-US" dirty="0" smtClean="0"/>
+          </a:p>
+          <a:p>
+            <a:r>
+              <a:rPr lang="en-US" dirty="0" smtClean="0"/>
+              <a:t>Prosthetic hand modes:</a:t>
+            </a:r>
+          </a:p>
+          <a:p>
+            <a:pPr marL="0" indent="0">
+              <a:buNone/>
+            </a:pPr>
+            <a:r>
+              <a:rPr lang="en-US" dirty="0" smtClean="0"/>
+              <a:t>Rest, </a:t>
+            </a:r>
+            <a:r>
+              <a:rPr lang="en-US" dirty="0" err="1"/>
+              <a:t>p</a:t>
+            </a:r>
+            <a:r>
+              <a:rPr lang="en-US" dirty="0" err="1" smtClean="0"/>
+              <a:t>reshape</a:t>
+            </a:r>
+            <a:r>
+              <a:rPr lang="en-US" dirty="0" smtClean="0"/>
+              <a:t>, grasp, release.</a:t>
             </a:r>
             <a:endParaRPr lang="en-US" dirty="0"/>
           </a:p>
         </p:txBody>
       </p:sp>
-      <p:pic>
-        <p:nvPicPr>
-          <p:cNvPr id="2052" name="Picture 4"/>
-          <p:cNvPicPr>
-            <a:picLocks noChangeAspect="1" noChangeArrowheads="1"/>
-          </p:cNvPicPr>
-          <p:nvPr/>
-        </p:nvPicPr>
-        <p:blipFill>
-          <a:blip r:embed="rId3">
-            <a:extLst>
-              <a:ext uri="{28A0092B-C50C-407E-A947-70E740481C1C}">
-                <a14:useLocalDpi xmlns:a14="http://schemas.microsoft.com/office/drawing/2010/main" val="0"/>
-              </a:ext>
-            </a:extLst>
-          </a:blip>
-          <a:srcRect/>
-          <a:stretch>
-            <a:fillRect/>
-          </a:stretch>
-        </p:blipFill>
-        <p:spPr bwMode="auto">
-          <a:xfrm>
-            <a:off x="228600" y="1600200"/>
-            <a:ext cx="8601701" cy="4572000"/>
-          </a:xfrm>
-          <a:prstGeom prst="rect">
-            <a:avLst/>
-          </a:prstGeom>
-          <a:noFill/>
-          <a:ln>
-            <a:noFill/>
-          </a:ln>
-          <a:effectLst/>
-          <a:extLst>
-            <a:ext uri="{909E8E84-426E-40DD-AFC4-6F175D3DCCD1}">
-              <a14:hiddenFill xmlns:a14="http://schemas.microsoft.com/office/drawing/2010/main">
-                <a:solidFill>
-                  <a:schemeClr val="accent1"/>
-                </a:solidFill>
-              </a14:hiddenFill>
-            </a:ext>
-            <a:ext uri="{91240B29-F687-4F45-9708-019B960494DF}">
-              <a14:hiddenLine xmlns:a14="http://schemas.microsoft.com/office/drawing/2010/main" w="9525">
-                <a:solidFill>
-                  <a:schemeClr val="tx1"/>
-                </a:solidFill>
-                <a:miter lim="800000"/>
-                <a:headEnd/>
-                <a:tailEnd/>
-              </a14:hiddenLine>
-            </a:ext>
-            <a:ext uri="{AF507438-7753-43E0-B8FC-AC1667EBCBE1}">
-              <a14:hiddenEffects xmlns:a14="http://schemas.microsoft.com/office/drawing/2010/main">
-                <a:effectLst>
-                  <a:outerShdw dist="35921" dir="2700000" algn="ctr" rotWithShape="0">
-                    <a:schemeClr val="bg2"/>
-                  </a:outerShdw>
-                </a:effectLst>
-              </a14:hiddenEffects>
-            </a:ext>
-          </a:extLst>
-        </p:spPr>
-      </p:pic>
     </p:spTree>
     <p:extLst>
       <p:ext uri="{BB962C8B-B14F-4D97-AF65-F5344CB8AC3E}">
-        <p14:creationId xmlns:p14="http://schemas.microsoft.com/office/powerpoint/2010/main" val="2268230376"/>
+        <p14:creationId xmlns:p14="http://schemas.microsoft.com/office/powerpoint/2010/main" val="2996671987"/>
       </p:ext>
     </p:extLst>
   </p:cSld>
@@ -32498,7 +32535,7 @@
           <a:p>
             <a:r>
               <a:rPr lang="en-US" dirty="0" smtClean="0"/>
-              <a:t>Integration algorithm</a:t>
+              <a:t>Video</a:t>
             </a:r>
             <a:endParaRPr lang="en-US" dirty="0"/>
           </a:p>
@@ -32516,86 +32553,17 @@
         </p:nvSpPr>
         <p:spPr/>
         <p:txBody>
-          <a:bodyPr>
-            <a:normAutofit lnSpcReduction="10000"/>
-          </a:bodyPr>
+          <a:bodyPr/>
           <a:lstStyle/>
           <a:p>
-            <a:r>
-              <a:rPr lang="en-US" dirty="0" smtClean="0"/>
-              <a:t>EMG commands:</a:t>
-            </a:r>
-          </a:p>
-          <a:p>
-            <a:pPr marL="0" indent="0">
-              <a:buNone/>
-            </a:pPr>
-            <a:r>
-              <a:rPr lang="en-US" dirty="0" smtClean="0"/>
-              <a:t>Restart, confirm, cancel, turn off.</a:t>
-            </a:r>
-          </a:p>
-          <a:p>
-            <a:pPr marL="0" indent="0">
-              <a:buNone/>
-            </a:pPr>
-            <a:endParaRPr lang="en-US" dirty="0" smtClean="0"/>
-          </a:p>
-          <a:p>
-            <a:r>
-              <a:rPr lang="en-US" dirty="0" smtClean="0"/>
-              <a:t>CV grasp types:</a:t>
-            </a:r>
-          </a:p>
-          <a:p>
-            <a:pPr marL="0" indent="0">
-              <a:buNone/>
-            </a:pPr>
-            <a:r>
-              <a:rPr lang="en-US" dirty="0" smtClean="0"/>
-              <a:t>Pinch, neutral, tripod, pronated.</a:t>
-            </a:r>
-          </a:p>
-          <a:p>
-            <a:pPr marL="0" indent="0">
-              <a:buNone/>
-            </a:pPr>
-            <a:endParaRPr lang="en-US" dirty="0" smtClean="0"/>
-          </a:p>
-          <a:p>
-            <a:r>
-              <a:rPr lang="en-US" dirty="0" smtClean="0"/>
-              <a:t>Prosthetic hand modes:</a:t>
-            </a:r>
-          </a:p>
-          <a:p>
-            <a:pPr marL="0" indent="0">
-              <a:buNone/>
-            </a:pPr>
-            <a:r>
-              <a:rPr lang="en-US" dirty="0" smtClean="0"/>
-              <a:t>Rest, </a:t>
-            </a:r>
-            <a:r>
-              <a:rPr lang="en-US" dirty="0" err="1"/>
-              <a:t>p</a:t>
-            </a:r>
-            <a:r>
-              <a:rPr lang="en-US" dirty="0" err="1" smtClean="0"/>
-              <a:t>reshape</a:t>
-            </a:r>
-            <a:r>
-              <a:rPr lang="en-US" dirty="0" smtClean="0"/>
-              <a:t>, grasp, release.</a:t>
-            </a:r>
-            <a:endParaRPr lang="en-US" dirty="0"/>
+            <a:endParaRPr lang="en-US"/>
           </a:p>
         </p:txBody>
       </p:sp>
     </p:spTree>
     <p:extLst>
       <p:ext uri="{BB962C8B-B14F-4D97-AF65-F5344CB8AC3E}">
-        <p14:creationId xmlns:p14="http://schemas.microsoft.com/office/powerpoint/2010/main" val="2996671987"/>
+        <p14:creationId xmlns:p14="http://schemas.microsoft.com/office/powerpoint/2010/main" val="4289413771"/>
       </p:ext>
     </p:extLst>
   </p:cSld>
@@ -32641,23 +32609,22 @@
         </p:nvSpPr>
         <p:spPr/>
         <p:txBody>
-          <a:bodyPr/>
+          <a:bodyPr>
+            <a:normAutofit/>
+          </a:bodyPr>
           <a:lstStyle/>
           <a:p>
             <a:r>
               <a:rPr lang="en-US" dirty="0" smtClean="0"/>
-              <a:t>Integration algorith</a:t>
+              <a:t>System design</a:t>
             </a:r>
-            <a:r>
-              <a:rPr lang="en-US" dirty="0"/>
-              <a:t>m</a:t>
-            </a:r>
+            <a:endParaRPr lang="en-US" dirty="0"/>
           </a:p>
         </p:txBody>
       </p:sp>
       <p:pic>
         <p:nvPicPr>
-          <p:cNvPr id="1026" name="Picture 2"/>
+          <p:cNvPr id="2052" name="Picture 4"/>
           <p:cNvPicPr>
             <a:picLocks noChangeAspect="1" noChangeArrowheads="1"/>
           </p:cNvPicPr>
@@ -32678,8 +32645,8 @@
         </p:blipFill>
         <p:spPr bwMode="auto">
           <a:xfrm>
-            <a:off x="609600" y="1295400"/>
-            <a:ext cx="7924800" cy="5143500"/>
+            <a:off x="228600" y="1600200"/>
+            <a:ext cx="8601701" cy="4572000"/>
           </a:xfrm>
           <a:prstGeom prst="rect">
             <a:avLst/>
@@ -32722,7 +32689,7 @@
     </p:spTree>
     <p:extLst>
       <p:ext uri="{BB962C8B-B14F-4D97-AF65-F5344CB8AC3E}">
-        <p14:creationId xmlns:p14="http://schemas.microsoft.com/office/powerpoint/2010/main" val="607385131"/>
+        <p14:creationId xmlns:p14="http://schemas.microsoft.com/office/powerpoint/2010/main" val="2268230376"/>
       </p:ext>
     </p:extLst>
   </p:cSld>
@@ -32768,540 +32735,100 @@
         </p:nvSpPr>
         <p:spPr/>
         <p:txBody>
-          <a:bodyPr>
-            <a:normAutofit fontScale="90000"/>
-          </a:bodyPr>
+          <a:bodyPr/>
           <a:lstStyle/>
           <a:p>
-            <a:pPr lvl="0"/>
-            <a:r>
-              <a:rPr lang="en-US" dirty="0"/>
-              <a:t>	</a:t>
-            </a:r>
             <a:r>
               <a:rPr lang="en-US" dirty="0" smtClean="0"/>
-              <a:t>Approach (Artificial Intelligence)</a:t>
-            </a:r>
-            <a:endParaRPr lang="ar-EG" dirty="0"/>
-          </a:p>
-        </p:txBody>
-      </p:sp>
-      <p:sp>
-        <p:nvSpPr>
-          <p:cNvPr id="3" name="Content Placeholder 2"/>
-          <p:cNvSpPr>
-            <a:spLocks noGrp="1"/>
-          </p:cNvSpPr>
-          <p:nvPr>
-            <p:ph idx="1"/>
-          </p:nvPr>
-        </p:nvSpPr>
-        <p:spPr/>
-        <p:txBody>
-          <a:bodyPr>
-            <a:normAutofit/>
-          </a:bodyPr>
-          <a:lstStyle/>
-          <a:p>
-            <a:pPr algn="l" rtl="0"/>
-            <a:r>
-              <a:rPr lang="en-US" dirty="0" err="1" smtClean="0"/>
-              <a:t>Limitaions</a:t>
-            </a:r>
-            <a:r>
-              <a:rPr lang="en-US" dirty="0" smtClean="0"/>
-              <a:t>?</a:t>
-            </a:r>
-          </a:p>
-          <a:p>
-            <a:pPr marL="0" indent="0" algn="l" rtl="0">
-              <a:buNone/>
-            </a:pPr>
-            <a:r>
-              <a:rPr lang="en-US" dirty="0" smtClean="0"/>
-              <a:t>    </a:t>
+              <a:t>Integration algorith</a:t>
             </a:r>
             <a:r>
               <a:rPr lang="en-US" dirty="0"/>
-              <a:t>&gt; E</a:t>
+              <a:t>m</a:t>
             </a:r>
-            <a:r>
-              <a:rPr lang="en-US" dirty="0" smtClean="0"/>
-              <a:t>xpensive computationally and </a:t>
-            </a:r>
-          </a:p>
-          <a:p>
-            <a:pPr marL="0" indent="0" algn="l" rtl="0">
-              <a:buNone/>
-            </a:pPr>
-            <a:r>
-              <a:rPr lang="en-US" dirty="0"/>
-              <a:t> </a:t>
-            </a:r>
-            <a:r>
-              <a:rPr lang="en-US" dirty="0" smtClean="0"/>
-              <a:t>     </a:t>
-            </a:r>
-            <a:r>
-              <a:rPr lang="en-US" dirty="0" err="1" smtClean="0"/>
-              <a:t>undeterministic</a:t>
-            </a:r>
-            <a:r>
-              <a:rPr lang="en-US" dirty="0" smtClean="0"/>
-              <a:t>.</a:t>
-            </a:r>
-          </a:p>
-          <a:p>
-            <a:pPr marL="0" indent="0" algn="l" rtl="0">
-              <a:buNone/>
-            </a:pPr>
-            <a:endParaRPr lang="en-US" sz="800" dirty="0" smtClean="0"/>
-          </a:p>
-          <a:p>
-            <a:pPr algn="l" rtl="0"/>
-            <a:r>
-              <a:rPr lang="en-US" dirty="0"/>
-              <a:t> </a:t>
-            </a:r>
-            <a:r>
-              <a:rPr lang="en-US" dirty="0" smtClean="0"/>
-              <a:t>Fit to the problem?</a:t>
-            </a:r>
-          </a:p>
-          <a:p>
-            <a:pPr marL="0" indent="0" algn="l" rtl="0">
-              <a:buNone/>
-            </a:pPr>
-            <a:r>
-              <a:rPr lang="en-US" dirty="0"/>
-              <a:t> </a:t>
-            </a:r>
-            <a:r>
-              <a:rPr lang="en-US" dirty="0" smtClean="0"/>
-              <a:t>   &gt; Too many factors.</a:t>
-            </a:r>
-          </a:p>
-          <a:p>
-            <a:pPr marL="0" indent="0" algn="l" rtl="0">
-              <a:buNone/>
-            </a:pPr>
-            <a:r>
-              <a:rPr lang="en-US" dirty="0" smtClean="0"/>
-              <a:t>    &gt; </a:t>
-            </a:r>
-            <a:r>
-              <a:rPr lang="en-US" dirty="0" err="1" smtClean="0"/>
-              <a:t>Biovariability</a:t>
-            </a:r>
-            <a:r>
-              <a:rPr lang="en-US" dirty="0" smtClean="0"/>
-              <a:t>.</a:t>
-            </a:r>
-          </a:p>
-          <a:p>
-            <a:pPr marL="0" indent="0" algn="l" rtl="0">
-              <a:buNone/>
-            </a:pPr>
-            <a:r>
-              <a:rPr lang="en-US" dirty="0" smtClean="0"/>
-              <a:t>    </a:t>
-            </a:r>
-            <a:r>
-              <a:rPr lang="en-US" dirty="0"/>
-              <a:t>&gt; </a:t>
-            </a:r>
-            <a:r>
-              <a:rPr lang="en-US" dirty="0" smtClean="0"/>
-              <a:t>Scaling.</a:t>
-            </a:r>
-          </a:p>
-          <a:p>
-            <a:pPr marL="0" indent="0" algn="l" rtl="0">
-              <a:buNone/>
-            </a:pPr>
-            <a:endParaRPr lang="en-US" dirty="0" smtClean="0"/>
           </a:p>
         </p:txBody>
       </p:sp>
+      <p:pic>
+        <p:nvPicPr>
+          <p:cNvPr id="1026" name="Picture 2"/>
+          <p:cNvPicPr>
+            <a:picLocks noChangeAspect="1" noChangeArrowheads="1"/>
+          </p:cNvPicPr>
+          <p:nvPr/>
+        </p:nvPicPr>
+        <p:blipFill>
+          <a:blip r:embed="rId3">
+            <a:extLst>
+              <a:ext uri="{28A0092B-C50C-407E-A947-70E740481C1C}">
+                <a14:useLocalDpi xmlns:a14="http://schemas.microsoft.com/office/drawing/2010/main" val="0"/>
+              </a:ext>
+            </a:extLst>
+          </a:blip>
+          <a:srcRect/>
+          <a:stretch>
+            <a:fillRect/>
+          </a:stretch>
+        </p:blipFill>
+        <p:spPr bwMode="auto">
+          <a:xfrm>
+            <a:off x="609600" y="1295400"/>
+            <a:ext cx="7924800" cy="5143500"/>
+          </a:xfrm>
+          <a:prstGeom prst="rect">
+            <a:avLst/>
+          </a:prstGeom>
+          <a:noFill/>
+          <a:ln>
+            <a:noFill/>
+          </a:ln>
+          <a:effectLst/>
+          <a:extLst>
+            <a:ext uri="{909E8E84-426E-40DD-AFC4-6F175D3DCCD1}">
+              <a14:hiddenFill xmlns:a14="http://schemas.microsoft.com/office/drawing/2010/main">
+                <a:solidFill>
+                  <a:schemeClr val="accent1"/>
+                </a:solidFill>
+              </a14:hiddenFill>
+            </a:ext>
+            <a:ext uri="{91240B29-F687-4F45-9708-019B960494DF}">
+              <a14:hiddenLine xmlns:a14="http://schemas.microsoft.com/office/drawing/2010/main" w="9525">
+                <a:solidFill>
+                  <a:schemeClr val="tx1"/>
+                </a:solidFill>
+                <a:miter lim="800000"/>
+                <a:headEnd/>
+                <a:tailEnd/>
+              </a14:hiddenLine>
+            </a:ext>
+            <a:ext uri="{AF507438-7753-43E0-B8FC-AC1667EBCBE1}">
+              <a14:hiddenEffects xmlns:a14="http://schemas.microsoft.com/office/drawing/2010/main">
+                <a:effectLst>
+                  <a:outerShdw dist="35921" dir="2700000" algn="ctr" rotWithShape="0">
+                    <a:schemeClr val="bg2"/>
+                  </a:outerShdw>
+                </a:effectLst>
+              </a14:hiddenEffects>
+            </a:ext>
+          </a:extLst>
+        </p:spPr>
+      </p:pic>
     </p:spTree>
     <p:extLst>
       <p:ext uri="{BB962C8B-B14F-4D97-AF65-F5344CB8AC3E}">
-        <p14:creationId xmlns:p14="http://schemas.microsoft.com/office/powerpoint/2010/main" val="3439136968"/>
+        <p14:creationId xmlns:p14="http://schemas.microsoft.com/office/powerpoint/2010/main" val="607385131"/>
       </p:ext>
     </p:extLst>
   </p:cSld>
   <p:clrMapOvr>
     <a:masterClrMapping/>
   </p:clrMapOvr>
-  <mc:AlternateContent xmlns:mc="http://schemas.openxmlformats.org/markup-compatibility/2006" xmlns:p14="http://schemas.microsoft.com/office/powerpoint/2010/main">
-    <mc:Choice Requires="p14">
-      <p:transition spd="med" p14:dur="700">
-        <p:fade/>
-      </p:transition>
-    </mc:Choice>
-    <mc:Fallback xmlns="">
-      <p:transition spd="med">
-        <p:fade/>
-      </p:transition>
-    </mc:Fallback>
-  </mc:AlternateContent>
   <p:timing>
     <p:tnLst>
       <p:par>
-        <p:cTn id="1" dur="indefinite" restart="never" nodeType="tmRoot">
-          <p:childTnLst>
-            <p:seq concurrent="1" nextAc="seek">
-              <p:cTn id="2" dur="indefinite" nodeType="mainSeq">
-                <p:childTnLst>
-                  <p:par>
-                    <p:cTn id="3" fill="hold">
-                      <p:stCondLst>
-                        <p:cond delay="indefinite"/>
-                      </p:stCondLst>
-                      <p:childTnLst>
-                        <p:par>
-                          <p:cTn id="4" fill="hold">
-                            <p:stCondLst>
-                              <p:cond delay="0"/>
-                            </p:stCondLst>
-                            <p:childTnLst>
-                              <p:par>
-                                <p:cTn id="5" presetID="1" presetClass="entr" presetSubtype="0" fill="hold" grpId="0" nodeType="clickEffect">
-                                  <p:stCondLst>
-                                    <p:cond delay="0"/>
-                                  </p:stCondLst>
-                                  <p:childTnLst>
-                                    <p:set>
-                                      <p:cBhvr>
-                                        <p:cTn id="6" dur="1" fill="hold">
-                                          <p:stCondLst>
-                                            <p:cond delay="0"/>
-                                          </p:stCondLst>
-                                        </p:cTn>
-                                        <p:tgtEl>
-                                          <p:spTgt spid="3">
-                                            <p:txEl>
-                                              <p:pRg st="0" end="0"/>
-                                            </p:txEl>
-                                          </p:spTgt>
-                                        </p:tgtEl>
-                                        <p:attrNameLst>
-                                          <p:attrName>style.visibility</p:attrName>
-                                        </p:attrNameLst>
-                                      </p:cBhvr>
-                                      <p:to>
-                                        <p:strVal val="visible"/>
-                                      </p:to>
-                                    </p:set>
-                                  </p:childTnLst>
-                                </p:cTn>
-                              </p:par>
-                            </p:childTnLst>
-                          </p:cTn>
-                        </p:par>
-                      </p:childTnLst>
-                    </p:cTn>
-                  </p:par>
-                  <p:par>
-                    <p:cTn id="7" fill="hold">
-                      <p:stCondLst>
-                        <p:cond delay="indefinite"/>
-                      </p:stCondLst>
-                      <p:childTnLst>
-                        <p:par>
-                          <p:cTn id="8" fill="hold">
-                            <p:stCondLst>
-                              <p:cond delay="0"/>
-                            </p:stCondLst>
-                            <p:childTnLst>
-                              <p:par>
-                                <p:cTn id="9" presetID="1" presetClass="entr" presetSubtype="0" fill="hold" grpId="0" nodeType="clickEffect">
-                                  <p:stCondLst>
-                                    <p:cond delay="0"/>
-                                  </p:stCondLst>
-                                  <p:childTnLst>
-                                    <p:set>
-                                      <p:cBhvr>
-                                        <p:cTn id="10" dur="1" fill="hold">
-                                          <p:stCondLst>
-                                            <p:cond delay="0"/>
-                                          </p:stCondLst>
-                                        </p:cTn>
-                                        <p:tgtEl>
-                                          <p:spTgt spid="3">
-                                            <p:txEl>
-                                              <p:pRg st="1" end="1"/>
-                                            </p:txEl>
-                                          </p:spTgt>
-                                        </p:tgtEl>
-                                        <p:attrNameLst>
-                                          <p:attrName>style.visibility</p:attrName>
-                                        </p:attrNameLst>
-                                      </p:cBhvr>
-                                      <p:to>
-                                        <p:strVal val="visible"/>
-                                      </p:to>
-                                    </p:set>
-                                  </p:childTnLst>
-                                </p:cTn>
-                              </p:par>
-                              <p:par>
-                                <p:cTn id="11" presetID="1" presetClass="entr" presetSubtype="0" fill="hold" grpId="0" nodeType="withEffect">
-                                  <p:stCondLst>
-                                    <p:cond delay="0"/>
-                                  </p:stCondLst>
-                                  <p:childTnLst>
-                                    <p:set>
-                                      <p:cBhvr>
-                                        <p:cTn id="12" dur="1" fill="hold">
-                                          <p:stCondLst>
-                                            <p:cond delay="0"/>
-                                          </p:stCondLst>
-                                        </p:cTn>
-                                        <p:tgtEl>
-                                          <p:spTgt spid="3">
-                                            <p:txEl>
-                                              <p:pRg st="2" end="2"/>
-                                            </p:txEl>
-                                          </p:spTgt>
-                                        </p:tgtEl>
-                                        <p:attrNameLst>
-                                          <p:attrName>style.visibility</p:attrName>
-                                        </p:attrNameLst>
-                                      </p:cBhvr>
-                                      <p:to>
-                                        <p:strVal val="visible"/>
-                                      </p:to>
-                                    </p:set>
-                                  </p:childTnLst>
-                                </p:cTn>
-                              </p:par>
-                            </p:childTnLst>
-                          </p:cTn>
-                        </p:par>
-                      </p:childTnLst>
-                    </p:cTn>
-                  </p:par>
-                  <p:par>
-                    <p:cTn id="13" fill="hold">
-                      <p:stCondLst>
-                        <p:cond delay="indefinite"/>
-                      </p:stCondLst>
-                      <p:childTnLst>
-                        <p:par>
-                          <p:cTn id="14" fill="hold">
-                            <p:stCondLst>
-                              <p:cond delay="0"/>
-                            </p:stCondLst>
-                            <p:childTnLst>
-                              <p:par>
-                                <p:cTn id="15" presetID="1" presetClass="entr" presetSubtype="0" fill="hold" grpId="0" nodeType="clickEffect">
-                                  <p:stCondLst>
-                                    <p:cond delay="0"/>
-                                  </p:stCondLst>
-                                  <p:childTnLst>
-                                    <p:set>
-                                      <p:cBhvr>
-                                        <p:cTn id="16" dur="1" fill="hold">
-                                          <p:stCondLst>
-                                            <p:cond delay="0"/>
-                                          </p:stCondLst>
-                                        </p:cTn>
-                                        <p:tgtEl>
-                                          <p:spTgt spid="3">
-                                            <p:txEl>
-                                              <p:pRg st="4" end="4"/>
-                                            </p:txEl>
-                                          </p:spTgt>
-                                        </p:tgtEl>
-                                        <p:attrNameLst>
-                                          <p:attrName>style.visibility</p:attrName>
-                                        </p:attrNameLst>
-                                      </p:cBhvr>
-                                      <p:to>
-                                        <p:strVal val="visible"/>
-                                      </p:to>
-                                    </p:set>
-                                  </p:childTnLst>
-                                </p:cTn>
-                              </p:par>
-                            </p:childTnLst>
-                          </p:cTn>
-                        </p:par>
-                      </p:childTnLst>
-                    </p:cTn>
-                  </p:par>
-                  <p:par>
-                    <p:cTn id="17" fill="hold">
-                      <p:stCondLst>
-                        <p:cond delay="indefinite"/>
-                      </p:stCondLst>
-                      <p:childTnLst>
-                        <p:par>
-                          <p:cTn id="18" fill="hold">
-                            <p:stCondLst>
-                              <p:cond delay="0"/>
-                            </p:stCondLst>
-                            <p:childTnLst>
-                              <p:par>
-                                <p:cTn id="19" presetID="1" presetClass="entr" presetSubtype="0" fill="hold" grpId="0" nodeType="clickEffect">
-                                  <p:stCondLst>
-                                    <p:cond delay="0"/>
-                                  </p:stCondLst>
-                                  <p:childTnLst>
-                                    <p:set>
-                                      <p:cBhvr>
-                                        <p:cTn id="20" dur="1" fill="hold">
-                                          <p:stCondLst>
-                                            <p:cond delay="0"/>
-                                          </p:stCondLst>
-                                        </p:cTn>
-                                        <p:tgtEl>
-                                          <p:spTgt spid="3">
-                                            <p:txEl>
-                                              <p:pRg st="5" end="5"/>
-                                            </p:txEl>
-                                          </p:spTgt>
-                                        </p:tgtEl>
-                                        <p:attrNameLst>
-                                          <p:attrName>style.visibility</p:attrName>
-                                        </p:attrNameLst>
-                                      </p:cBhvr>
-                                      <p:to>
-                                        <p:strVal val="visible"/>
-                                      </p:to>
-                                    </p:set>
-                                  </p:childTnLst>
-                                </p:cTn>
-                              </p:par>
-                            </p:childTnLst>
-                          </p:cTn>
-                        </p:par>
-                      </p:childTnLst>
-                    </p:cTn>
-                  </p:par>
-                  <p:par>
-                    <p:cTn id="21" fill="hold">
-                      <p:stCondLst>
-                        <p:cond delay="indefinite"/>
-                      </p:stCondLst>
-                      <p:childTnLst>
-                        <p:par>
-                          <p:cTn id="22" fill="hold">
-                            <p:stCondLst>
-                              <p:cond delay="0"/>
-                            </p:stCondLst>
-                            <p:childTnLst>
-                              <p:par>
-                                <p:cTn id="23" presetID="1" presetClass="entr" presetSubtype="0" fill="hold" grpId="0" nodeType="clickEffect">
-                                  <p:stCondLst>
-                                    <p:cond delay="0"/>
-                                  </p:stCondLst>
-                                  <p:childTnLst>
-                                    <p:set>
-                                      <p:cBhvr>
-                                        <p:cTn id="24" dur="1" fill="hold">
-                                          <p:stCondLst>
-                                            <p:cond delay="0"/>
-                                          </p:stCondLst>
-                                        </p:cTn>
-                                        <p:tgtEl>
-                                          <p:spTgt spid="3">
-                                            <p:txEl>
-                                              <p:pRg st="6" end="6"/>
-                                            </p:txEl>
-                                          </p:spTgt>
-                                        </p:tgtEl>
-                                        <p:attrNameLst>
-                                          <p:attrName>style.visibility</p:attrName>
-                                        </p:attrNameLst>
-                                      </p:cBhvr>
-                                      <p:to>
-                                        <p:strVal val="visible"/>
-                                      </p:to>
-                                    </p:set>
-                                  </p:childTnLst>
-                                </p:cTn>
-                              </p:par>
-                            </p:childTnLst>
-                          </p:cTn>
-                        </p:par>
-                      </p:childTnLst>
-                    </p:cTn>
-                  </p:par>
-                  <p:par>
-                    <p:cTn id="25" fill="hold">
-                      <p:stCondLst>
-                        <p:cond delay="indefinite"/>
-                      </p:stCondLst>
-                      <p:childTnLst>
-                        <p:par>
-                          <p:cTn id="26" fill="hold">
-                            <p:stCondLst>
-                              <p:cond delay="0"/>
-                            </p:stCondLst>
-                            <p:childTnLst>
-                              <p:par>
-                                <p:cTn id="27" presetID="1" presetClass="entr" presetSubtype="0" fill="hold" grpId="0" nodeType="clickEffect">
-                                  <p:stCondLst>
-                                    <p:cond delay="0"/>
-                                  </p:stCondLst>
-                                  <p:childTnLst>
-                                    <p:set>
-                                      <p:cBhvr>
-                                        <p:cTn id="28" dur="1" fill="hold">
-                                          <p:stCondLst>
-                                            <p:cond delay="0"/>
-                                          </p:stCondLst>
-                                        </p:cTn>
-                                        <p:tgtEl>
-                                          <p:spTgt spid="3">
-                                            <p:txEl>
-                                              <p:pRg st="7" end="7"/>
-                                            </p:txEl>
-                                          </p:spTgt>
-                                        </p:tgtEl>
-                                        <p:attrNameLst>
-                                          <p:attrName>style.visibility</p:attrName>
-                                        </p:attrNameLst>
-                                      </p:cBhvr>
-                                      <p:to>
-                                        <p:strVal val="visible"/>
-                                      </p:to>
-                                    </p:set>
-                                  </p:childTnLst>
-                                </p:cTn>
-                              </p:par>
-                            </p:childTnLst>
-                          </p:cTn>
-                        </p:par>
-                      </p:childTnLst>
-                    </p:cTn>
-                  </p:par>
-                </p:childTnLst>
-              </p:cTn>
-              <p:prevCondLst>
-                <p:cond evt="onPrev" delay="0">
-                  <p:tgtEl>
-                    <p:sldTgt/>
-                  </p:tgtEl>
-                </p:cond>
-              </p:prevCondLst>
-              <p:nextCondLst>
-                <p:cond evt="onNext" delay="0">
-                  <p:tgtEl>
-                    <p:sldTgt/>
-                  </p:tgtEl>
-                </p:cond>
-              </p:nextCondLst>
-            </p:seq>
-          </p:childTnLst>
-        </p:cTn>
+        <p:cTn id="1" dur="indefinite" restart="never" nodeType="tmRoot"/>
       </p:par>
     </p:tnLst>
-    <p:bldLst>
-      <p:bldP spid="3" grpId="0" uiExpand="1" build="p"/>
-    </p:bldLst>
   </p:timing>
 </p:sld>
 </file>
@@ -33363,8 +32890,13 @@
           <a:p>
             <a:r>
               <a:rPr lang="en-US" dirty="0" smtClean="0"/>
-              <a:t>Raspberry-Pi 3 (Python 2) </a:t>
+              <a:t>Raspberry-Pi </a:t>
             </a:r>
+            <a:r>
+              <a:rPr lang="en-US" dirty="0" smtClean="0"/>
+              <a:t>3:</a:t>
+            </a:r>
+            <a:endParaRPr lang="en-US" dirty="0" smtClean="0"/>
           </a:p>
           <a:p>
             <a:pPr lvl="1"/>
@@ -33387,8 +32919,9 @@
           <a:p>
             <a:r>
               <a:rPr lang="en-US" dirty="0" smtClean="0"/>
-              <a:t>PC ( python 3 )</a:t>
+              <a:t>PC:</a:t>
             </a:r>
+            <a:endParaRPr lang="en-US" dirty="0" smtClean="0"/>
           </a:p>
           <a:p>
             <a:pPr lvl="1"/>
@@ -33401,12 +32934,16 @@
               <a:t> </a:t>
             </a:r>
             <a:r>
-              <a:rPr lang="en-US" dirty="0" err="1"/>
-              <a:t>Fow</a:t>
+              <a:rPr lang="en-US" dirty="0" smtClean="0"/>
+              <a:t>for</a:t>
+            </a:r>
+            <a:r>
+              <a:rPr lang="en-US" dirty="0" smtClean="0"/>
+              <a:t> </a:t>
             </a:r>
             <a:r>
               <a:rPr lang="en-US" dirty="0"/>
-              <a:t> Windows</a:t>
+              <a:t>Windows</a:t>
             </a:r>
           </a:p>
           <a:p>
@@ -33427,8 +32964,17 @@
             </a:r>
             <a:r>
               <a:rPr lang="en-US" dirty="0" smtClean="0"/>
-              <a:t> officially supports Windows </a:t>
+              <a:t> officially </a:t>
             </a:r>
+            <a:r>
+              <a:rPr lang="en-US" smtClean="0"/>
+              <a:t>supports </a:t>
+            </a:r>
+            <a:r>
+              <a:rPr lang="en-US" smtClean="0"/>
+              <a:t>Windows. </a:t>
+            </a:r>
+            <a:endParaRPr lang="en-US" dirty="0" smtClean="0"/>
           </a:p>
           <a:p>
             <a:pPr marL="508000" lvl="1" indent="0">

--- a/GP_presentation.pptx
+++ b/GP_presentation.pptx
@@ -10,7 +10,7 @@
     <p:sldMasterId id="2147483702" r:id="rId6"/>
   </p:sldMasterIdLst>
   <p:notesMasterIdLst>
-    <p:notesMasterId r:id="rId38"/>
+    <p:notesMasterId r:id="rId37"/>
   </p:notesMasterIdLst>
   <p:sldIdLst>
     <p:sldId id="257" r:id="rId7"/>
@@ -24,26 +24,25 @@
     <p:sldId id="256" r:id="rId15"/>
     <p:sldId id="304" r:id="rId16"/>
     <p:sldId id="295" r:id="rId17"/>
-    <p:sldId id="294" r:id="rId18"/>
+    <p:sldId id="306" r:id="rId18"/>
     <p:sldId id="305" r:id="rId19"/>
     <p:sldId id="296" r:id="rId20"/>
     <p:sldId id="298" r:id="rId21"/>
-    <p:sldId id="297" r:id="rId22"/>
-    <p:sldId id="272" r:id="rId23"/>
-    <p:sldId id="273" r:id="rId24"/>
-    <p:sldId id="274" r:id="rId25"/>
-    <p:sldId id="275" r:id="rId26"/>
-    <p:sldId id="276" r:id="rId27"/>
-    <p:sldId id="277" r:id="rId28"/>
-    <p:sldId id="278" r:id="rId29"/>
-    <p:sldId id="279" r:id="rId30"/>
-    <p:sldId id="280" r:id="rId31"/>
-    <p:sldId id="281" r:id="rId32"/>
-    <p:sldId id="282" r:id="rId33"/>
-    <p:sldId id="299" r:id="rId34"/>
-    <p:sldId id="300" r:id="rId35"/>
-    <p:sldId id="301" r:id="rId36"/>
-    <p:sldId id="302" r:id="rId37"/>
+    <p:sldId id="272" r:id="rId22"/>
+    <p:sldId id="273" r:id="rId23"/>
+    <p:sldId id="274" r:id="rId24"/>
+    <p:sldId id="275" r:id="rId25"/>
+    <p:sldId id="276" r:id="rId26"/>
+    <p:sldId id="277" r:id="rId27"/>
+    <p:sldId id="278" r:id="rId28"/>
+    <p:sldId id="279" r:id="rId29"/>
+    <p:sldId id="280" r:id="rId30"/>
+    <p:sldId id="281" r:id="rId31"/>
+    <p:sldId id="282" r:id="rId32"/>
+    <p:sldId id="299" r:id="rId33"/>
+    <p:sldId id="300" r:id="rId34"/>
+    <p:sldId id="301" r:id="rId35"/>
+    <p:sldId id="302" r:id="rId36"/>
   </p:sldIdLst>
   <p:sldSz cx="12192000" cy="6858000"/>
   <p:notesSz cx="6858000" cy="9144000"/>
@@ -34874,7 +34873,7 @@
         </p:blipFill>
         <p:spPr>
           <a:xfrm>
-            <a:off x="9294767" y="1138261"/>
+            <a:off x="9129502" y="996364"/>
             <a:ext cx="2500993" cy="1610082"/>
           </a:xfrm>
           <a:prstGeom prst="rect">
@@ -34904,8 +34903,68 @@
         </p:blipFill>
         <p:spPr>
           <a:xfrm>
-            <a:off x="8090202" y="4567405"/>
+            <a:off x="8243419" y="4567405"/>
             <a:ext cx="1749667" cy="984310"/>
+          </a:xfrm>
+          <a:prstGeom prst="rect">
+            <a:avLst/>
+          </a:prstGeom>
+        </p:spPr>
+      </p:pic>
+      <p:pic>
+        <p:nvPicPr>
+          <p:cNvPr id="7" name="Picture 6"/>
+          <p:cNvPicPr>
+            <a:picLocks noChangeAspect="1"/>
+          </p:cNvPicPr>
+          <p:nvPr/>
+        </p:nvPicPr>
+        <p:blipFill>
+          <a:blip r:embed="rId4" cstate="print">
+            <a:extLst>
+              <a:ext uri="{28A0092B-C50C-407E-A947-70E740481C1C}">
+                <a14:useLocalDpi xmlns:a14="http://schemas.microsoft.com/office/drawing/2010/main" val="0"/>
+              </a:ext>
+            </a:extLst>
+          </a:blip>
+          <a:stretch>
+            <a:fillRect/>
+          </a:stretch>
+        </p:blipFill>
+        <p:spPr>
+          <a:xfrm>
+            <a:off x="8700198" y="2180579"/>
+            <a:ext cx="1292888" cy="1406346"/>
+          </a:xfrm>
+          <a:prstGeom prst="rect">
+            <a:avLst/>
+          </a:prstGeom>
+        </p:spPr>
+      </p:pic>
+      <p:pic>
+        <p:nvPicPr>
+          <p:cNvPr id="8" name="Picture 7"/>
+          <p:cNvPicPr>
+            <a:picLocks noChangeAspect="1"/>
+          </p:cNvPicPr>
+          <p:nvPr/>
+        </p:nvPicPr>
+        <p:blipFill>
+          <a:blip r:embed="rId5" cstate="print">
+            <a:extLst>
+              <a:ext uri="{28A0092B-C50C-407E-A947-70E740481C1C}">
+                <a14:useLocalDpi xmlns:a14="http://schemas.microsoft.com/office/drawing/2010/main" val="0"/>
+              </a:ext>
+            </a:extLst>
+          </a:blip>
+          <a:stretch>
+            <a:fillRect/>
+          </a:stretch>
+        </p:blipFill>
+        <p:spPr>
+          <a:xfrm>
+            <a:off x="6954000" y="2606446"/>
+            <a:ext cx="1184693" cy="1194438"/>
           </a:xfrm>
           <a:prstGeom prst="rect">
             <a:avLst/>
@@ -34922,6 +34981,13 @@
   <p:clrMapOvr>
     <a:masterClrMapping/>
   </p:clrMapOvr>
+  <p:timing>
+    <p:tnLst>
+      <p:par>
+        <p:cTn id="1" dur="indefinite" restart="never" nodeType="tmRoot"/>
+      </p:par>
+    </p:tnLst>
+  </p:timing>
 </p:sld>
 </file>
 
@@ -34952,7 +35018,12 @@
             <p:ph type="title"/>
           </p:nvPr>
         </p:nvSpPr>
-        <p:spPr/>
+        <p:spPr>
+          <a:xfrm>
+            <a:off x="609600" y="59054"/>
+            <a:ext cx="10972800" cy="1143000"/>
+          </a:xfrm>
+        </p:spPr>
         <p:txBody>
           <a:bodyPr/>
           <a:lstStyle/>
@@ -34979,14 +35050,19 @@
             <p:ph type="body" idx="1"/>
           </p:nvPr>
         </p:nvSpPr>
-        <p:spPr/>
+        <p:spPr>
+          <a:xfrm>
+            <a:off x="501227" y="964801"/>
+            <a:ext cx="11482251" cy="5486400"/>
+          </a:xfrm>
+        </p:spPr>
         <p:txBody>
           <a:bodyPr/>
           <a:lstStyle/>
           <a:p>
             <a:r>
               <a:rPr lang="en-US" dirty="0" smtClean="0"/>
-              <a:t>EMG Real-time Module </a:t>
+              <a:t>Open MYO</a:t>
             </a:r>
           </a:p>
           <a:p>
@@ -34996,10 +35072,59 @@
             </a:r>
           </a:p>
           <a:p>
+            <a:pPr lvl="1">
+              <a:buFont typeface="Wingdings" panose="05000000000000000000" pitchFamily="2" charset="2"/>
+              <a:buChar char="§"/>
+            </a:pPr>
+            <a:r>
+              <a:rPr lang="en-US" dirty="0" smtClean="0"/>
+              <a:t>Our Protocol</a:t>
+            </a:r>
+          </a:p>
+          <a:p>
+            <a:endParaRPr lang="en-US" dirty="0"/>
+          </a:p>
+          <a:p>
+            <a:pPr marL="25400" indent="0">
+              <a:buNone/>
+            </a:pPr>
+            <a:endParaRPr lang="en-US" dirty="0" smtClean="0"/>
+          </a:p>
+          <a:p>
+            <a:pPr marL="25400" indent="0">
+              <a:buNone/>
+            </a:pPr>
+            <a:endParaRPr lang="en-US" dirty="0" smtClean="0"/>
+          </a:p>
+          <a:p>
+            <a:endParaRPr lang="en-US" dirty="0" smtClean="0"/>
+          </a:p>
+          <a:p>
+            <a:endParaRPr lang="en-US" dirty="0" smtClean="0"/>
+          </a:p>
+          <a:p>
             <a:r>
               <a:rPr lang="en-US" dirty="0" smtClean="0"/>
               <a:t>EMG Testing</a:t>
             </a:r>
+          </a:p>
+          <a:p>
+            <a:pPr lvl="1">
+              <a:buFont typeface="Wingdings" panose="05000000000000000000" pitchFamily="2" charset="2"/>
+              <a:buChar char="§"/>
+            </a:pPr>
+            <a:r>
+              <a:rPr lang="en-US" dirty="0"/>
+              <a:t>EMG Classifier in Real-time</a:t>
+            </a:r>
+            <a:endParaRPr lang="en-US" dirty="0" smtClean="0"/>
+          </a:p>
+          <a:p>
+            <a:pPr lvl="1">
+              <a:buFont typeface="Wingdings" panose="05000000000000000000" pitchFamily="2" charset="2"/>
+              <a:buChar char="§"/>
+            </a:pPr>
+            <a:endParaRPr lang="en-US" dirty="0" smtClean="0"/>
           </a:p>
           <a:p>
             <a:endParaRPr lang="en-US" dirty="0"/>
@@ -35027,14 +35152,2018 @@
         </p:blipFill>
         <p:spPr>
           <a:xfrm>
-            <a:off x="5417127" y="2992582"/>
-            <a:ext cx="5112328" cy="3751672"/>
+            <a:off x="8477799" y="4065636"/>
+            <a:ext cx="3104601" cy="2278305"/>
           </a:xfrm>
           <a:prstGeom prst="rect">
             <a:avLst/>
           </a:prstGeom>
         </p:spPr>
       </p:pic>
+      <p:sp>
+        <p:nvSpPr>
+          <p:cNvPr id="18" name="Rectangle 44">
+            <a:extLst>
+              <a:ext uri="{FF2B5EF4-FFF2-40B4-BE49-F238E27FC236}">
+                <a16:creationId xmlns:a16="http://schemas.microsoft.com/office/drawing/2014/main" id="{1964E7A9-2143-493D-98E6-9992613ED04B}"/>
+              </a:ext>
+            </a:extLst>
+          </p:cNvPr>
+          <p:cNvSpPr/>
+          <p:nvPr/>
+        </p:nvSpPr>
+        <p:spPr>
+          <a:xfrm>
+            <a:off x="9268695" y="2744647"/>
+            <a:ext cx="1948164" cy="750198"/>
+          </a:xfrm>
+          <a:custGeom>
+            <a:avLst/>
+            <a:gdLst/>
+            <a:ahLst/>
+            <a:cxnLst/>
+            <a:rect l="l" t="t" r="r" b="b"/>
+            <a:pathLst>
+              <a:path w="1856605" h="770880">
+                <a:moveTo>
+                  <a:pt x="0" y="0"/>
+                </a:moveTo>
+                <a:lnTo>
+                  <a:pt x="1393607" y="0"/>
+                </a:lnTo>
+                <a:lnTo>
+                  <a:pt x="1393607" y="120149"/>
+                </a:lnTo>
+                <a:lnTo>
+                  <a:pt x="1544030" y="120149"/>
+                </a:lnTo>
+                <a:lnTo>
+                  <a:pt x="1544030" y="240"/>
+                </a:lnTo>
+                <a:lnTo>
+                  <a:pt x="1856605" y="385440"/>
+                </a:lnTo>
+                <a:lnTo>
+                  <a:pt x="1544030" y="770640"/>
+                </a:lnTo>
+                <a:lnTo>
+                  <a:pt x="1544030" y="650731"/>
+                </a:lnTo>
+                <a:lnTo>
+                  <a:pt x="1393607" y="650731"/>
+                </a:lnTo>
+                <a:lnTo>
+                  <a:pt x="1393607" y="770880"/>
+                </a:lnTo>
+                <a:lnTo>
+                  <a:pt x="0" y="770880"/>
+                </a:lnTo>
+                <a:close/>
+              </a:path>
+            </a:pathLst>
+          </a:custGeom>
+          <a:solidFill>
+            <a:sysClr val="window" lastClr="FFFFFF"/>
+          </a:solidFill>
+          <a:ln w="63500" cap="flat" cmpd="sng" algn="ctr">
+            <a:solidFill>
+              <a:srgbClr val="E62601"/>
+            </a:solidFill>
+            <a:prstDash val="solid"/>
+            <a:miter lim="800000"/>
+          </a:ln>
+          <a:effectLst/>
+        </p:spPr>
+        <p:txBody>
+          <a:bodyPr rtlCol="0" anchor="ctr"/>
+          <a:lstStyle/>
+          <a:p>
+            <a:pPr marL="0" marR="0" lvl="0" indent="0" algn="ctr" defTabSz="914400" eaLnBrk="1" fontAlgn="auto" latinLnBrk="0" hangingPunct="1">
+              <a:lnSpc>
+                <a:spcPct val="100000"/>
+              </a:lnSpc>
+              <a:spcBef>
+                <a:spcPts val="0"/>
+              </a:spcBef>
+              <a:spcAft>
+                <a:spcPts val="0"/>
+              </a:spcAft>
+              <a:buClrTx/>
+              <a:buSzTx/>
+              <a:buFontTx/>
+              <a:buNone/>
+              <a:tabLst/>
+              <a:defRPr/>
+            </a:pPr>
+            <a:endParaRPr kumimoji="0" lang="ko-KR" altLang="en-US" sz="1800" b="0" i="0" u="none" strike="noStrike" kern="0" cap="none" spc="0" normalizeH="0" baseline="0" noProof="0" dirty="0" smtClean="0">
+              <a:ln>
+                <a:noFill/>
+              </a:ln>
+              <a:solidFill>
+                <a:srgbClr val="000000">
+                  <a:lumMod val="75000"/>
+                  <a:lumOff val="25000"/>
+                </a:srgbClr>
+              </a:solidFill>
+              <a:effectLst/>
+              <a:uLnTx/>
+              <a:uFillTx/>
+              <a:latin typeface="Arial"/>
+              <a:cs typeface="+mn-cs"/>
+            </a:endParaRPr>
+          </a:p>
+        </p:txBody>
+      </p:sp>
+      <p:sp>
+        <p:nvSpPr>
+          <p:cNvPr id="19" name="Rectangle 44">
+            <a:extLst>
+              <a:ext uri="{FF2B5EF4-FFF2-40B4-BE49-F238E27FC236}">
+                <a16:creationId xmlns:a16="http://schemas.microsoft.com/office/drawing/2014/main" id="{BDD2666E-909E-4729-A280-474E64A8E3C7}"/>
+              </a:ext>
+            </a:extLst>
+          </p:cNvPr>
+          <p:cNvSpPr/>
+          <p:nvPr/>
+        </p:nvSpPr>
+        <p:spPr>
+          <a:xfrm>
+            <a:off x="7583687" y="2734300"/>
+            <a:ext cx="1948164" cy="750198"/>
+          </a:xfrm>
+          <a:custGeom>
+            <a:avLst/>
+            <a:gdLst/>
+            <a:ahLst/>
+            <a:cxnLst/>
+            <a:rect l="l" t="t" r="r" b="b"/>
+            <a:pathLst>
+              <a:path w="1856605" h="770880">
+                <a:moveTo>
+                  <a:pt x="0" y="0"/>
+                </a:moveTo>
+                <a:lnTo>
+                  <a:pt x="1393607" y="0"/>
+                </a:lnTo>
+                <a:lnTo>
+                  <a:pt x="1393607" y="120149"/>
+                </a:lnTo>
+                <a:lnTo>
+                  <a:pt x="1544030" y="120149"/>
+                </a:lnTo>
+                <a:lnTo>
+                  <a:pt x="1544030" y="240"/>
+                </a:lnTo>
+                <a:lnTo>
+                  <a:pt x="1856605" y="385440"/>
+                </a:lnTo>
+                <a:lnTo>
+                  <a:pt x="1544030" y="770640"/>
+                </a:lnTo>
+                <a:lnTo>
+                  <a:pt x="1544030" y="650731"/>
+                </a:lnTo>
+                <a:lnTo>
+                  <a:pt x="1393607" y="650731"/>
+                </a:lnTo>
+                <a:lnTo>
+                  <a:pt x="1393607" y="770880"/>
+                </a:lnTo>
+                <a:lnTo>
+                  <a:pt x="0" y="770880"/>
+                </a:lnTo>
+                <a:close/>
+              </a:path>
+            </a:pathLst>
+          </a:custGeom>
+          <a:solidFill>
+            <a:sysClr val="window" lastClr="FFFFFF"/>
+          </a:solidFill>
+          <a:ln w="63500" cap="flat" cmpd="sng" algn="ctr">
+            <a:solidFill>
+              <a:srgbClr val="FBA200"/>
+            </a:solidFill>
+            <a:prstDash val="solid"/>
+            <a:miter lim="800000"/>
+          </a:ln>
+          <a:effectLst/>
+        </p:spPr>
+        <p:txBody>
+          <a:bodyPr rtlCol="0" anchor="ctr"/>
+          <a:lstStyle/>
+          <a:p>
+            <a:pPr marL="0" marR="0" lvl="0" indent="0" algn="ctr" defTabSz="914400" eaLnBrk="1" fontAlgn="auto" latinLnBrk="0" hangingPunct="1">
+              <a:lnSpc>
+                <a:spcPct val="100000"/>
+              </a:lnSpc>
+              <a:spcBef>
+                <a:spcPts val="0"/>
+              </a:spcBef>
+              <a:spcAft>
+                <a:spcPts val="0"/>
+              </a:spcAft>
+              <a:buClrTx/>
+              <a:buSzTx/>
+              <a:buFontTx/>
+              <a:buNone/>
+              <a:tabLst/>
+              <a:defRPr/>
+            </a:pPr>
+            <a:endParaRPr kumimoji="0" lang="ko-KR" altLang="en-US" sz="1800" b="0" i="0" u="none" strike="noStrike" kern="0" cap="none" spc="0" normalizeH="0" baseline="0" noProof="0" dirty="0" smtClean="0">
+              <a:ln>
+                <a:noFill/>
+              </a:ln>
+              <a:solidFill>
+                <a:srgbClr val="000000">
+                  <a:lumMod val="75000"/>
+                  <a:lumOff val="25000"/>
+                </a:srgbClr>
+              </a:solidFill>
+              <a:effectLst/>
+              <a:uLnTx/>
+              <a:uFillTx/>
+              <a:latin typeface="Arial"/>
+              <a:cs typeface="+mn-cs"/>
+            </a:endParaRPr>
+          </a:p>
+        </p:txBody>
+      </p:sp>
+      <p:sp>
+        <p:nvSpPr>
+          <p:cNvPr id="20" name="TextBox 19">
+            <a:extLst>
+              <a:ext uri="{FF2B5EF4-FFF2-40B4-BE49-F238E27FC236}">
+                <a16:creationId xmlns:a16="http://schemas.microsoft.com/office/drawing/2014/main" id="{CE9C3589-FABB-4A06-84CF-A1A4822D7639}"/>
+              </a:ext>
+            </a:extLst>
+          </p:cNvPr>
+          <p:cNvSpPr txBox="1"/>
+          <p:nvPr/>
+        </p:nvSpPr>
+        <p:spPr>
+          <a:xfrm>
+            <a:off x="7922940" y="2952077"/>
+            <a:ext cx="797223" cy="369332"/>
+          </a:xfrm>
+          <a:prstGeom prst="rect">
+            <a:avLst/>
+          </a:prstGeom>
+          <a:noFill/>
+        </p:spPr>
+        <p:txBody>
+          <a:bodyPr wrap="square" rtlCol="0">
+            <a:spAutoFit/>
+          </a:bodyPr>
+          <a:lstStyle/>
+          <a:p>
+            <a:pPr algn="ctr"/>
+            <a:r>
+              <a:rPr lang="en-US" altLang="ko-KR" b="1" dirty="0" smtClean="0">
+                <a:solidFill>
+                  <a:srgbClr val="000000">
+                    <a:lumMod val="75000"/>
+                    <a:lumOff val="25000"/>
+                  </a:srgbClr>
+                </a:solidFill>
+                <a:cs typeface="Arial" pitchFamily="34" charset="0"/>
+              </a:rPr>
+              <a:t>20</a:t>
+            </a:r>
+            <a:endParaRPr lang="ko-KR" altLang="en-US" b="1" dirty="0">
+              <a:solidFill>
+                <a:srgbClr val="000000">
+                  <a:lumMod val="75000"/>
+                  <a:lumOff val="25000"/>
+                </a:srgbClr>
+              </a:solidFill>
+              <a:cs typeface="Arial" pitchFamily="34" charset="0"/>
+            </a:endParaRPr>
+          </a:p>
+        </p:txBody>
+      </p:sp>
+      <p:sp>
+        <p:nvSpPr>
+          <p:cNvPr id="21" name="Rectangle 44">
+            <a:extLst>
+              <a:ext uri="{FF2B5EF4-FFF2-40B4-BE49-F238E27FC236}">
+                <a16:creationId xmlns:a16="http://schemas.microsoft.com/office/drawing/2014/main" id="{74F674A9-0224-4C2A-8499-64AF34822805}"/>
+              </a:ext>
+            </a:extLst>
+          </p:cNvPr>
+          <p:cNvSpPr/>
+          <p:nvPr/>
+        </p:nvSpPr>
+        <p:spPr>
+          <a:xfrm>
+            <a:off x="5898678" y="2737749"/>
+            <a:ext cx="1948164" cy="750198"/>
+          </a:xfrm>
+          <a:custGeom>
+            <a:avLst/>
+            <a:gdLst/>
+            <a:ahLst/>
+            <a:cxnLst/>
+            <a:rect l="l" t="t" r="r" b="b"/>
+            <a:pathLst>
+              <a:path w="1856605" h="770880">
+                <a:moveTo>
+                  <a:pt x="0" y="0"/>
+                </a:moveTo>
+                <a:lnTo>
+                  <a:pt x="1393607" y="0"/>
+                </a:lnTo>
+                <a:lnTo>
+                  <a:pt x="1393607" y="120149"/>
+                </a:lnTo>
+                <a:lnTo>
+                  <a:pt x="1544030" y="120149"/>
+                </a:lnTo>
+                <a:lnTo>
+                  <a:pt x="1544030" y="240"/>
+                </a:lnTo>
+                <a:lnTo>
+                  <a:pt x="1856605" y="385440"/>
+                </a:lnTo>
+                <a:lnTo>
+                  <a:pt x="1544030" y="770640"/>
+                </a:lnTo>
+                <a:lnTo>
+                  <a:pt x="1544030" y="650731"/>
+                </a:lnTo>
+                <a:lnTo>
+                  <a:pt x="1393607" y="650731"/>
+                </a:lnTo>
+                <a:lnTo>
+                  <a:pt x="1393607" y="770880"/>
+                </a:lnTo>
+                <a:lnTo>
+                  <a:pt x="0" y="770880"/>
+                </a:lnTo>
+                <a:close/>
+              </a:path>
+            </a:pathLst>
+          </a:custGeom>
+          <a:solidFill>
+            <a:sysClr val="window" lastClr="FFFFFF"/>
+          </a:solidFill>
+          <a:ln w="63500" cap="flat" cmpd="sng" algn="ctr">
+            <a:solidFill>
+              <a:srgbClr val="90C221"/>
+            </a:solidFill>
+            <a:prstDash val="solid"/>
+            <a:miter lim="800000"/>
+          </a:ln>
+          <a:effectLst/>
+        </p:spPr>
+        <p:txBody>
+          <a:bodyPr rtlCol="0" anchor="ctr"/>
+          <a:lstStyle/>
+          <a:p>
+            <a:pPr marL="0" marR="0" lvl="0" indent="0" algn="ctr" defTabSz="914400" eaLnBrk="1" fontAlgn="auto" latinLnBrk="0" hangingPunct="1">
+              <a:lnSpc>
+                <a:spcPct val="100000"/>
+              </a:lnSpc>
+              <a:spcBef>
+                <a:spcPts val="0"/>
+              </a:spcBef>
+              <a:spcAft>
+                <a:spcPts val="0"/>
+              </a:spcAft>
+              <a:buClrTx/>
+              <a:buSzTx/>
+              <a:buFontTx/>
+              <a:buNone/>
+              <a:tabLst/>
+              <a:defRPr/>
+            </a:pPr>
+            <a:endParaRPr kumimoji="0" lang="ko-KR" altLang="en-US" sz="1800" b="0" i="0" u="none" strike="noStrike" kern="0" cap="none" spc="0" normalizeH="0" baseline="0" noProof="0" dirty="0" smtClean="0">
+              <a:ln>
+                <a:noFill/>
+              </a:ln>
+              <a:solidFill>
+                <a:srgbClr val="000000">
+                  <a:lumMod val="75000"/>
+                  <a:lumOff val="25000"/>
+                </a:srgbClr>
+              </a:solidFill>
+              <a:effectLst/>
+              <a:uLnTx/>
+              <a:uFillTx/>
+              <a:latin typeface="Arial"/>
+              <a:cs typeface="+mn-cs"/>
+            </a:endParaRPr>
+          </a:p>
+        </p:txBody>
+      </p:sp>
+      <p:sp>
+        <p:nvSpPr>
+          <p:cNvPr id="22" name="Rectangle 44">
+            <a:extLst>
+              <a:ext uri="{FF2B5EF4-FFF2-40B4-BE49-F238E27FC236}">
+                <a16:creationId xmlns:a16="http://schemas.microsoft.com/office/drawing/2014/main" id="{4B6A6A7C-2646-4EFE-AD92-61D2446ABA16}"/>
+              </a:ext>
+            </a:extLst>
+          </p:cNvPr>
+          <p:cNvSpPr/>
+          <p:nvPr/>
+        </p:nvSpPr>
+        <p:spPr>
+          <a:xfrm>
+            <a:off x="4213669" y="2741198"/>
+            <a:ext cx="1948164" cy="750198"/>
+          </a:xfrm>
+          <a:custGeom>
+            <a:avLst/>
+            <a:gdLst/>
+            <a:ahLst/>
+            <a:cxnLst/>
+            <a:rect l="l" t="t" r="r" b="b"/>
+            <a:pathLst>
+              <a:path w="1856605" h="770880">
+                <a:moveTo>
+                  <a:pt x="0" y="0"/>
+                </a:moveTo>
+                <a:lnTo>
+                  <a:pt x="1393607" y="0"/>
+                </a:lnTo>
+                <a:lnTo>
+                  <a:pt x="1393607" y="120149"/>
+                </a:lnTo>
+                <a:lnTo>
+                  <a:pt x="1544030" y="120149"/>
+                </a:lnTo>
+                <a:lnTo>
+                  <a:pt x="1544030" y="240"/>
+                </a:lnTo>
+                <a:lnTo>
+                  <a:pt x="1856605" y="385440"/>
+                </a:lnTo>
+                <a:lnTo>
+                  <a:pt x="1544030" y="770640"/>
+                </a:lnTo>
+                <a:lnTo>
+                  <a:pt x="1544030" y="650731"/>
+                </a:lnTo>
+                <a:lnTo>
+                  <a:pt x="1393607" y="650731"/>
+                </a:lnTo>
+                <a:lnTo>
+                  <a:pt x="1393607" y="770880"/>
+                </a:lnTo>
+                <a:lnTo>
+                  <a:pt x="0" y="770880"/>
+                </a:lnTo>
+                <a:close/>
+              </a:path>
+            </a:pathLst>
+          </a:custGeom>
+          <a:solidFill>
+            <a:sysClr val="window" lastClr="FFFFFF"/>
+          </a:solidFill>
+          <a:ln w="63500" cap="flat" cmpd="sng" algn="ctr">
+            <a:solidFill>
+              <a:srgbClr val="07A398"/>
+            </a:solidFill>
+            <a:prstDash val="solid"/>
+            <a:miter lim="800000"/>
+          </a:ln>
+          <a:effectLst/>
+        </p:spPr>
+        <p:txBody>
+          <a:bodyPr rtlCol="0" anchor="ctr"/>
+          <a:lstStyle/>
+          <a:p>
+            <a:pPr marL="0" marR="0" lvl="0" indent="0" algn="ctr" defTabSz="914400" eaLnBrk="1" fontAlgn="auto" latinLnBrk="0" hangingPunct="1">
+              <a:lnSpc>
+                <a:spcPct val="100000"/>
+              </a:lnSpc>
+              <a:spcBef>
+                <a:spcPts val="0"/>
+              </a:spcBef>
+              <a:spcAft>
+                <a:spcPts val="0"/>
+              </a:spcAft>
+              <a:buClrTx/>
+              <a:buSzTx/>
+              <a:buFontTx/>
+              <a:buNone/>
+              <a:tabLst/>
+              <a:defRPr/>
+            </a:pPr>
+            <a:endParaRPr kumimoji="0" lang="ko-KR" altLang="en-US" sz="1800" b="0" i="0" u="none" strike="noStrike" kern="0" cap="none" spc="0" normalizeH="0" baseline="0" noProof="0" dirty="0" smtClean="0">
+              <a:ln>
+                <a:noFill/>
+              </a:ln>
+              <a:solidFill>
+                <a:srgbClr val="000000">
+                  <a:lumMod val="75000"/>
+                  <a:lumOff val="25000"/>
+                </a:srgbClr>
+              </a:solidFill>
+              <a:effectLst/>
+              <a:uLnTx/>
+              <a:uFillTx/>
+              <a:latin typeface="Arial"/>
+              <a:cs typeface="+mn-cs"/>
+            </a:endParaRPr>
+          </a:p>
+        </p:txBody>
+      </p:sp>
+      <p:sp>
+        <p:nvSpPr>
+          <p:cNvPr id="23" name="Rectangle 44">
+            <a:extLst>
+              <a:ext uri="{FF2B5EF4-FFF2-40B4-BE49-F238E27FC236}">
+                <a16:creationId xmlns:a16="http://schemas.microsoft.com/office/drawing/2014/main" id="{9F7ACB6D-6D7E-4DC3-B79A-8ADBA55CE9C0}"/>
+              </a:ext>
+            </a:extLst>
+          </p:cNvPr>
+          <p:cNvSpPr/>
+          <p:nvPr/>
+        </p:nvSpPr>
+        <p:spPr>
+          <a:xfrm>
+            <a:off x="2528660" y="2744647"/>
+            <a:ext cx="1948164" cy="750198"/>
+          </a:xfrm>
+          <a:custGeom>
+            <a:avLst/>
+            <a:gdLst/>
+            <a:ahLst/>
+            <a:cxnLst/>
+            <a:rect l="l" t="t" r="r" b="b"/>
+            <a:pathLst>
+              <a:path w="1856605" h="770880">
+                <a:moveTo>
+                  <a:pt x="0" y="0"/>
+                </a:moveTo>
+                <a:lnTo>
+                  <a:pt x="1393607" y="0"/>
+                </a:lnTo>
+                <a:lnTo>
+                  <a:pt x="1393607" y="120149"/>
+                </a:lnTo>
+                <a:lnTo>
+                  <a:pt x="1544030" y="120149"/>
+                </a:lnTo>
+                <a:lnTo>
+                  <a:pt x="1544030" y="240"/>
+                </a:lnTo>
+                <a:lnTo>
+                  <a:pt x="1856605" y="385440"/>
+                </a:lnTo>
+                <a:lnTo>
+                  <a:pt x="1544030" y="770640"/>
+                </a:lnTo>
+                <a:lnTo>
+                  <a:pt x="1544030" y="650731"/>
+                </a:lnTo>
+                <a:lnTo>
+                  <a:pt x="1393607" y="650731"/>
+                </a:lnTo>
+                <a:lnTo>
+                  <a:pt x="1393607" y="770880"/>
+                </a:lnTo>
+                <a:lnTo>
+                  <a:pt x="0" y="770880"/>
+                </a:lnTo>
+                <a:close/>
+              </a:path>
+            </a:pathLst>
+          </a:custGeom>
+          <a:solidFill>
+            <a:sysClr val="window" lastClr="FFFFFF"/>
+          </a:solidFill>
+          <a:ln w="63500" cap="flat" cmpd="sng" algn="ctr">
+            <a:solidFill>
+              <a:srgbClr val="0680C3"/>
+            </a:solidFill>
+            <a:prstDash val="solid"/>
+            <a:miter lim="800000"/>
+          </a:ln>
+          <a:effectLst/>
+        </p:spPr>
+        <p:txBody>
+          <a:bodyPr rtlCol="0" anchor="ctr"/>
+          <a:lstStyle/>
+          <a:p>
+            <a:pPr marL="0" marR="0" lvl="0" indent="0" algn="ctr" defTabSz="914400" eaLnBrk="1" fontAlgn="auto" latinLnBrk="0" hangingPunct="1">
+              <a:lnSpc>
+                <a:spcPct val="100000"/>
+              </a:lnSpc>
+              <a:spcBef>
+                <a:spcPts val="0"/>
+              </a:spcBef>
+              <a:spcAft>
+                <a:spcPts val="0"/>
+              </a:spcAft>
+              <a:buClrTx/>
+              <a:buSzTx/>
+              <a:buFontTx/>
+              <a:buNone/>
+              <a:tabLst/>
+              <a:defRPr/>
+            </a:pPr>
+            <a:endParaRPr kumimoji="0" lang="ko-KR" altLang="en-US" sz="1800" b="0" i="0" u="none" strike="noStrike" kern="0" cap="none" spc="0" normalizeH="0" baseline="0" noProof="0" dirty="0" smtClean="0">
+              <a:ln>
+                <a:noFill/>
+              </a:ln>
+              <a:solidFill>
+                <a:srgbClr val="000000">
+                  <a:lumMod val="75000"/>
+                  <a:lumOff val="25000"/>
+                </a:srgbClr>
+              </a:solidFill>
+              <a:effectLst/>
+              <a:uLnTx/>
+              <a:uFillTx/>
+              <a:latin typeface="Arial"/>
+              <a:cs typeface="+mn-cs"/>
+            </a:endParaRPr>
+          </a:p>
+        </p:txBody>
+      </p:sp>
+      <p:sp>
+        <p:nvSpPr>
+          <p:cNvPr id="24" name="Rectangle 44">
+            <a:extLst>
+              <a:ext uri="{FF2B5EF4-FFF2-40B4-BE49-F238E27FC236}">
+                <a16:creationId xmlns:a16="http://schemas.microsoft.com/office/drawing/2014/main" id="{12DBCA18-0611-44C6-A6D4-F417859D9B45}"/>
+              </a:ext>
+            </a:extLst>
+          </p:cNvPr>
+          <p:cNvSpPr/>
+          <p:nvPr/>
+        </p:nvSpPr>
+        <p:spPr>
+          <a:xfrm>
+            <a:off x="843651" y="2748096"/>
+            <a:ext cx="1948164" cy="750198"/>
+          </a:xfrm>
+          <a:custGeom>
+            <a:avLst/>
+            <a:gdLst/>
+            <a:ahLst/>
+            <a:cxnLst/>
+            <a:rect l="l" t="t" r="r" b="b"/>
+            <a:pathLst>
+              <a:path w="1856605" h="770880">
+                <a:moveTo>
+                  <a:pt x="0" y="0"/>
+                </a:moveTo>
+                <a:lnTo>
+                  <a:pt x="1393607" y="0"/>
+                </a:lnTo>
+                <a:lnTo>
+                  <a:pt x="1393607" y="120149"/>
+                </a:lnTo>
+                <a:lnTo>
+                  <a:pt x="1544030" y="120149"/>
+                </a:lnTo>
+                <a:lnTo>
+                  <a:pt x="1544030" y="240"/>
+                </a:lnTo>
+                <a:lnTo>
+                  <a:pt x="1856605" y="385440"/>
+                </a:lnTo>
+                <a:lnTo>
+                  <a:pt x="1544030" y="770640"/>
+                </a:lnTo>
+                <a:lnTo>
+                  <a:pt x="1544030" y="650731"/>
+                </a:lnTo>
+                <a:lnTo>
+                  <a:pt x="1393607" y="650731"/>
+                </a:lnTo>
+                <a:lnTo>
+                  <a:pt x="1393607" y="770880"/>
+                </a:lnTo>
+                <a:lnTo>
+                  <a:pt x="0" y="770880"/>
+                </a:lnTo>
+                <a:close/>
+              </a:path>
+            </a:pathLst>
+          </a:custGeom>
+          <a:solidFill>
+            <a:sysClr val="window" lastClr="FFFFFF"/>
+          </a:solidFill>
+          <a:ln w="63500" cap="flat" cmpd="sng" algn="ctr">
+            <a:solidFill>
+              <a:srgbClr val="57687C"/>
+            </a:solidFill>
+            <a:prstDash val="solid"/>
+            <a:miter lim="800000"/>
+          </a:ln>
+          <a:effectLst/>
+        </p:spPr>
+        <p:txBody>
+          <a:bodyPr rtlCol="0" anchor="ctr"/>
+          <a:lstStyle/>
+          <a:p>
+            <a:pPr marL="0" marR="0" lvl="0" indent="0" algn="ctr" defTabSz="914400" eaLnBrk="1" fontAlgn="auto" latinLnBrk="0" hangingPunct="1">
+              <a:lnSpc>
+                <a:spcPct val="100000"/>
+              </a:lnSpc>
+              <a:spcBef>
+                <a:spcPts val="0"/>
+              </a:spcBef>
+              <a:spcAft>
+                <a:spcPts val="0"/>
+              </a:spcAft>
+              <a:buClrTx/>
+              <a:buSzTx/>
+              <a:buFontTx/>
+              <a:buNone/>
+              <a:tabLst/>
+              <a:defRPr/>
+            </a:pPr>
+            <a:endParaRPr kumimoji="0" lang="ko-KR" altLang="en-US" sz="1800" b="0" i="0" u="none" strike="noStrike" kern="0" cap="none" spc="0" normalizeH="0" baseline="0" noProof="0" dirty="0" smtClean="0">
+              <a:ln>
+                <a:noFill/>
+              </a:ln>
+              <a:solidFill>
+                <a:srgbClr val="000000">
+                  <a:lumMod val="75000"/>
+                  <a:lumOff val="25000"/>
+                </a:srgbClr>
+              </a:solidFill>
+              <a:effectLst/>
+              <a:uLnTx/>
+              <a:uFillTx/>
+              <a:latin typeface="Arial"/>
+              <a:cs typeface="+mn-cs"/>
+            </a:endParaRPr>
+          </a:p>
+        </p:txBody>
+      </p:sp>
+      <p:sp>
+        <p:nvSpPr>
+          <p:cNvPr id="25" name="직사각형 113">
+            <a:extLst>
+              <a:ext uri="{FF2B5EF4-FFF2-40B4-BE49-F238E27FC236}">
+                <a16:creationId xmlns:a16="http://schemas.microsoft.com/office/drawing/2014/main" id="{31511553-7225-4FAE-BE0B-E24BDB949630}"/>
+              </a:ext>
+            </a:extLst>
+          </p:cNvPr>
+          <p:cNvSpPr>
+            <a:spLocks noChangeArrowheads="1"/>
+          </p:cNvSpPr>
+          <p:nvPr/>
+        </p:nvSpPr>
+        <p:spPr bwMode="auto">
+          <a:xfrm>
+            <a:off x="939304" y="2924733"/>
+            <a:ext cx="1249504" cy="369332"/>
+          </a:xfrm>
+          <a:prstGeom prst="rect">
+            <a:avLst/>
+          </a:prstGeom>
+          <a:noFill/>
+          <a:ln w="9525">
+            <a:noFill/>
+            <a:miter lim="800000"/>
+            <a:headEnd/>
+            <a:tailEnd/>
+          </a:ln>
+        </p:spPr>
+        <p:txBody>
+          <a:bodyPr wrap="square">
+            <a:spAutoFit/>
+          </a:bodyPr>
+          <a:lstStyle>
+            <a:defPPr>
+              <a:defRPr lang="ko-KR"/>
+            </a:defPPr>
+            <a:lvl1pPr marL="0" algn="l" defTabSz="914400" rtl="0" eaLnBrk="1" latinLnBrk="1" hangingPunct="1">
+              <a:defRPr sz="1800" kern="1200">
+                <a:solidFill>
+                  <a:schemeClr val="tx1"/>
+                </a:solidFill>
+                <a:latin typeface="+mn-lt"/>
+                <a:ea typeface="+mn-ea"/>
+                <a:cs typeface="+mn-cs"/>
+              </a:defRPr>
+            </a:lvl1pPr>
+            <a:lvl2pPr marL="457200" algn="l" defTabSz="914400" rtl="0" eaLnBrk="1" latinLnBrk="1" hangingPunct="1">
+              <a:defRPr sz="1800" kern="1200">
+                <a:solidFill>
+                  <a:schemeClr val="tx1"/>
+                </a:solidFill>
+                <a:latin typeface="+mn-lt"/>
+                <a:ea typeface="+mn-ea"/>
+                <a:cs typeface="+mn-cs"/>
+              </a:defRPr>
+            </a:lvl2pPr>
+            <a:lvl3pPr marL="914400" algn="l" defTabSz="914400" rtl="0" eaLnBrk="1" latinLnBrk="1" hangingPunct="1">
+              <a:defRPr sz="1800" kern="1200">
+                <a:solidFill>
+                  <a:schemeClr val="tx1"/>
+                </a:solidFill>
+                <a:latin typeface="+mn-lt"/>
+                <a:ea typeface="+mn-ea"/>
+                <a:cs typeface="+mn-cs"/>
+              </a:defRPr>
+            </a:lvl3pPr>
+            <a:lvl4pPr marL="1371600" algn="l" defTabSz="914400" rtl="0" eaLnBrk="1" latinLnBrk="1" hangingPunct="1">
+              <a:defRPr sz="1800" kern="1200">
+                <a:solidFill>
+                  <a:schemeClr val="tx1"/>
+                </a:solidFill>
+                <a:latin typeface="+mn-lt"/>
+                <a:ea typeface="+mn-ea"/>
+                <a:cs typeface="+mn-cs"/>
+              </a:defRPr>
+            </a:lvl4pPr>
+            <a:lvl5pPr marL="1828800" algn="l" defTabSz="914400" rtl="0" eaLnBrk="1" latinLnBrk="1" hangingPunct="1">
+              <a:defRPr sz="1800" kern="1200">
+                <a:solidFill>
+                  <a:schemeClr val="tx1"/>
+                </a:solidFill>
+                <a:latin typeface="+mn-lt"/>
+                <a:ea typeface="+mn-ea"/>
+                <a:cs typeface="+mn-cs"/>
+              </a:defRPr>
+            </a:lvl5pPr>
+            <a:lvl6pPr marL="2286000" algn="l" defTabSz="914400" rtl="0" eaLnBrk="1" latinLnBrk="1" hangingPunct="1">
+              <a:defRPr sz="1800" kern="1200">
+                <a:solidFill>
+                  <a:schemeClr val="tx1"/>
+                </a:solidFill>
+                <a:latin typeface="+mn-lt"/>
+                <a:ea typeface="+mn-ea"/>
+                <a:cs typeface="+mn-cs"/>
+              </a:defRPr>
+            </a:lvl6pPr>
+            <a:lvl7pPr marL="2743200" algn="l" defTabSz="914400" rtl="0" eaLnBrk="1" latinLnBrk="1" hangingPunct="1">
+              <a:defRPr sz="1800" kern="1200">
+                <a:solidFill>
+                  <a:schemeClr val="tx1"/>
+                </a:solidFill>
+                <a:latin typeface="+mn-lt"/>
+                <a:ea typeface="+mn-ea"/>
+                <a:cs typeface="+mn-cs"/>
+              </a:defRPr>
+            </a:lvl7pPr>
+            <a:lvl8pPr marL="3200400" algn="l" defTabSz="914400" rtl="0" eaLnBrk="1" latinLnBrk="1" hangingPunct="1">
+              <a:defRPr sz="1800" kern="1200">
+                <a:solidFill>
+                  <a:schemeClr val="tx1"/>
+                </a:solidFill>
+                <a:latin typeface="+mn-lt"/>
+                <a:ea typeface="+mn-ea"/>
+                <a:cs typeface="+mn-cs"/>
+              </a:defRPr>
+            </a:lvl8pPr>
+            <a:lvl9pPr marL="3657600" algn="l" defTabSz="914400" rtl="0" eaLnBrk="1" latinLnBrk="1" hangingPunct="1">
+              <a:defRPr sz="1800" kern="1200">
+                <a:solidFill>
+                  <a:schemeClr val="tx1"/>
+                </a:solidFill>
+                <a:latin typeface="+mn-lt"/>
+                <a:ea typeface="+mn-ea"/>
+                <a:cs typeface="+mn-cs"/>
+              </a:defRPr>
+            </a:lvl9pPr>
+          </a:lstStyle>
+          <a:p>
+            <a:pPr marL="0" marR="0" lvl="0" indent="0" algn="ctr" defTabSz="914400" rtl="0" eaLnBrk="1" fontAlgn="auto" latinLnBrk="1" hangingPunct="1">
+              <a:lnSpc>
+                <a:spcPct val="100000"/>
+              </a:lnSpc>
+              <a:spcBef>
+                <a:spcPts val="0"/>
+              </a:spcBef>
+              <a:spcAft>
+                <a:spcPts val="0"/>
+              </a:spcAft>
+              <a:buClrTx/>
+              <a:buSzTx/>
+              <a:buFontTx/>
+              <a:buNone/>
+              <a:tabLst/>
+              <a:defRPr/>
+            </a:pPr>
+            <a:r>
+              <a:rPr kumimoji="0" lang="en-US" altLang="ko-KR" sz="1800" b="1" i="0" u="none" strike="noStrike" kern="1200" cap="none" spc="0" normalizeH="0" baseline="0" noProof="0" dirty="0" smtClean="0">
+                <a:ln>
+                  <a:noFill/>
+                </a:ln>
+                <a:solidFill>
+                  <a:srgbClr val="000000">
+                    <a:lumMod val="75000"/>
+                    <a:lumOff val="25000"/>
+                  </a:srgbClr>
+                </a:solidFill>
+                <a:effectLst/>
+                <a:uLnTx/>
+                <a:uFillTx/>
+                <a:latin typeface="Arial"/>
+                <a:cs typeface="Arial" charset="0"/>
+              </a:rPr>
+              <a:t>Samples</a:t>
+            </a:r>
+            <a:endParaRPr kumimoji="0" lang="ko-KR" altLang="en-US" sz="1800" b="0" i="0" u="none" strike="noStrike" kern="1200" cap="none" spc="0" normalizeH="0" baseline="0" noProof="0" dirty="0">
+              <a:ln>
+                <a:noFill/>
+              </a:ln>
+              <a:solidFill>
+                <a:srgbClr val="000000">
+                  <a:lumMod val="75000"/>
+                  <a:lumOff val="25000"/>
+                </a:srgbClr>
+              </a:solidFill>
+              <a:effectLst/>
+              <a:uLnTx/>
+              <a:uFillTx/>
+              <a:latin typeface="Arial"/>
+              <a:cs typeface="+mn-cs"/>
+            </a:endParaRPr>
+          </a:p>
+        </p:txBody>
+      </p:sp>
+      <p:sp>
+        <p:nvSpPr>
+          <p:cNvPr id="26" name="TextBox 25">
+            <a:extLst>
+              <a:ext uri="{FF2B5EF4-FFF2-40B4-BE49-F238E27FC236}">
+                <a16:creationId xmlns:a16="http://schemas.microsoft.com/office/drawing/2014/main" id="{9D2B27EE-E1DC-49A1-8FF3-9415DC9022DF}"/>
+              </a:ext>
+            </a:extLst>
+          </p:cNvPr>
+          <p:cNvSpPr txBox="1"/>
+          <p:nvPr/>
+        </p:nvSpPr>
+        <p:spPr>
+          <a:xfrm>
+            <a:off x="2819001" y="2952077"/>
+            <a:ext cx="797223" cy="369332"/>
+          </a:xfrm>
+          <a:prstGeom prst="rect">
+            <a:avLst/>
+          </a:prstGeom>
+          <a:noFill/>
+        </p:spPr>
+        <p:txBody>
+          <a:bodyPr wrap="square" rtlCol="0">
+            <a:spAutoFit/>
+          </a:bodyPr>
+          <a:lstStyle/>
+          <a:p>
+            <a:pPr algn="ctr"/>
+            <a:r>
+              <a:rPr lang="en-US" altLang="ko-KR" b="1" dirty="0" smtClean="0">
+                <a:solidFill>
+                  <a:srgbClr val="000000">
+                    <a:lumMod val="75000"/>
+                    <a:lumOff val="25000"/>
+                  </a:srgbClr>
+                </a:solidFill>
+                <a:cs typeface="Arial" pitchFamily="34" charset="0"/>
+              </a:rPr>
+              <a:t>20</a:t>
+            </a:r>
+            <a:endParaRPr lang="ko-KR" altLang="en-US" b="1" dirty="0">
+              <a:solidFill>
+                <a:srgbClr val="000000">
+                  <a:lumMod val="75000"/>
+                  <a:lumOff val="25000"/>
+                </a:srgbClr>
+              </a:solidFill>
+              <a:cs typeface="Arial" pitchFamily="34" charset="0"/>
+            </a:endParaRPr>
+          </a:p>
+        </p:txBody>
+      </p:sp>
+      <p:sp>
+        <p:nvSpPr>
+          <p:cNvPr id="27" name="TextBox 26">
+            <a:extLst>
+              <a:ext uri="{FF2B5EF4-FFF2-40B4-BE49-F238E27FC236}">
+                <a16:creationId xmlns:a16="http://schemas.microsoft.com/office/drawing/2014/main" id="{AA19AE64-B7F1-4FC8-B8EE-DE1A5EC144D6}"/>
+              </a:ext>
+            </a:extLst>
+          </p:cNvPr>
+          <p:cNvSpPr txBox="1"/>
+          <p:nvPr/>
+        </p:nvSpPr>
+        <p:spPr>
+          <a:xfrm>
+            <a:off x="4520314" y="2952077"/>
+            <a:ext cx="797223" cy="369332"/>
+          </a:xfrm>
+          <a:prstGeom prst="rect">
+            <a:avLst/>
+          </a:prstGeom>
+          <a:noFill/>
+        </p:spPr>
+        <p:txBody>
+          <a:bodyPr wrap="square" rtlCol="0">
+            <a:spAutoFit/>
+          </a:bodyPr>
+          <a:lstStyle/>
+          <a:p>
+            <a:pPr algn="ctr"/>
+            <a:r>
+              <a:rPr lang="en-US" altLang="ko-KR" b="1" dirty="0" smtClean="0">
+                <a:solidFill>
+                  <a:srgbClr val="000000">
+                    <a:lumMod val="75000"/>
+                    <a:lumOff val="25000"/>
+                  </a:srgbClr>
+                </a:solidFill>
+                <a:cs typeface="Arial" pitchFamily="34" charset="0"/>
+              </a:rPr>
+              <a:t>20</a:t>
+            </a:r>
+            <a:endParaRPr lang="ko-KR" altLang="en-US" b="1" dirty="0">
+              <a:solidFill>
+                <a:srgbClr val="000000">
+                  <a:lumMod val="75000"/>
+                  <a:lumOff val="25000"/>
+                </a:srgbClr>
+              </a:solidFill>
+              <a:cs typeface="Arial" pitchFamily="34" charset="0"/>
+            </a:endParaRPr>
+          </a:p>
+        </p:txBody>
+      </p:sp>
+      <p:sp>
+        <p:nvSpPr>
+          <p:cNvPr id="28" name="TextBox 27">
+            <a:extLst>
+              <a:ext uri="{FF2B5EF4-FFF2-40B4-BE49-F238E27FC236}">
+                <a16:creationId xmlns:a16="http://schemas.microsoft.com/office/drawing/2014/main" id="{2D4F939A-7A16-46E8-89A9-7D77452A9302}"/>
+              </a:ext>
+            </a:extLst>
+          </p:cNvPr>
+          <p:cNvSpPr txBox="1"/>
+          <p:nvPr/>
+        </p:nvSpPr>
+        <p:spPr>
+          <a:xfrm>
+            <a:off x="6221627" y="2952077"/>
+            <a:ext cx="797223" cy="369332"/>
+          </a:xfrm>
+          <a:prstGeom prst="rect">
+            <a:avLst/>
+          </a:prstGeom>
+          <a:noFill/>
+        </p:spPr>
+        <p:txBody>
+          <a:bodyPr wrap="square" rtlCol="0">
+            <a:spAutoFit/>
+          </a:bodyPr>
+          <a:lstStyle/>
+          <a:p>
+            <a:pPr algn="ctr"/>
+            <a:r>
+              <a:rPr lang="en-US" altLang="ko-KR" b="1" dirty="0" smtClean="0">
+                <a:solidFill>
+                  <a:srgbClr val="000000">
+                    <a:lumMod val="75000"/>
+                    <a:lumOff val="25000"/>
+                  </a:srgbClr>
+                </a:solidFill>
+                <a:cs typeface="Arial" pitchFamily="34" charset="0"/>
+              </a:rPr>
+              <a:t>20</a:t>
+            </a:r>
+            <a:endParaRPr lang="ko-KR" altLang="en-US" b="1" dirty="0">
+              <a:solidFill>
+                <a:srgbClr val="000000">
+                  <a:lumMod val="75000"/>
+                  <a:lumOff val="25000"/>
+                </a:srgbClr>
+              </a:solidFill>
+              <a:cs typeface="Arial" pitchFamily="34" charset="0"/>
+            </a:endParaRPr>
+          </a:p>
+        </p:txBody>
+      </p:sp>
+      <p:sp>
+        <p:nvSpPr>
+          <p:cNvPr id="29" name="TextBox 28">
+            <a:extLst>
+              <a:ext uri="{FF2B5EF4-FFF2-40B4-BE49-F238E27FC236}">
+                <a16:creationId xmlns:a16="http://schemas.microsoft.com/office/drawing/2014/main" id="{ADFFAD94-16B0-4004-B64C-46CE8197FF02}"/>
+              </a:ext>
+            </a:extLst>
+          </p:cNvPr>
+          <p:cNvSpPr txBox="1"/>
+          <p:nvPr/>
+        </p:nvSpPr>
+        <p:spPr>
+          <a:xfrm>
+            <a:off x="9624254" y="2952077"/>
+            <a:ext cx="797223" cy="369332"/>
+          </a:xfrm>
+          <a:prstGeom prst="rect">
+            <a:avLst/>
+          </a:prstGeom>
+          <a:noFill/>
+        </p:spPr>
+        <p:txBody>
+          <a:bodyPr wrap="square" rtlCol="0">
+            <a:spAutoFit/>
+          </a:bodyPr>
+          <a:lstStyle/>
+          <a:p>
+            <a:pPr algn="ctr"/>
+            <a:r>
+              <a:rPr lang="en-US" altLang="ko-KR" b="1" dirty="0" smtClean="0">
+                <a:solidFill>
+                  <a:srgbClr val="000000">
+                    <a:lumMod val="75000"/>
+                    <a:lumOff val="25000"/>
+                  </a:srgbClr>
+                </a:solidFill>
+                <a:cs typeface="Arial" pitchFamily="34" charset="0"/>
+              </a:rPr>
+              <a:t>20</a:t>
+            </a:r>
+            <a:endParaRPr lang="ko-KR" altLang="en-US" b="1" dirty="0">
+              <a:solidFill>
+                <a:srgbClr val="000000">
+                  <a:lumMod val="75000"/>
+                  <a:lumOff val="25000"/>
+                </a:srgbClr>
+              </a:solidFill>
+              <a:cs typeface="Arial" pitchFamily="34" charset="0"/>
+            </a:endParaRPr>
+          </a:p>
+        </p:txBody>
+      </p:sp>
+      <p:grpSp>
+        <p:nvGrpSpPr>
+          <p:cNvPr id="30" name="Group 34">
+            <a:extLst>
+              <a:ext uri="{FF2B5EF4-FFF2-40B4-BE49-F238E27FC236}">
+                <a16:creationId xmlns:a16="http://schemas.microsoft.com/office/drawing/2014/main" id="{C55FA84C-F0FE-47FD-B6B7-60E3B8E55202}"/>
+              </a:ext>
+            </a:extLst>
+          </p:cNvPr>
+          <p:cNvGrpSpPr/>
+          <p:nvPr/>
+        </p:nvGrpSpPr>
+        <p:grpSpPr>
+          <a:xfrm>
+            <a:off x="4160276" y="3622442"/>
+            <a:ext cx="1805491" cy="1613994"/>
+            <a:chOff x="6573289" y="1811362"/>
+            <a:chExt cx="1805491" cy="1613994"/>
+          </a:xfrm>
+          <a:solidFill>
+            <a:sysClr val="window" lastClr="FFFFFF">
+              <a:lumMod val="95000"/>
+            </a:sysClr>
+          </a:solidFill>
+        </p:grpSpPr>
+        <p:sp>
+          <p:nvSpPr>
+            <p:cNvPr id="31" name="Rounded Rectangle 35">
+              <a:extLst>
+                <a:ext uri="{FF2B5EF4-FFF2-40B4-BE49-F238E27FC236}">
+                  <a16:creationId xmlns:a16="http://schemas.microsoft.com/office/drawing/2014/main" id="{59B83D5E-FE37-406C-9243-18D3C1EC0741}"/>
+                </a:ext>
+              </a:extLst>
+            </p:cNvPr>
+            <p:cNvSpPr/>
+            <p:nvPr/>
+          </p:nvSpPr>
+          <p:spPr>
+            <a:xfrm>
+              <a:off x="6573289" y="1811362"/>
+              <a:ext cx="1805491" cy="1613994"/>
+            </a:xfrm>
+            <a:prstGeom prst="roundRect">
+              <a:avLst/>
+            </a:prstGeom>
+            <a:grpFill/>
+            <a:ln w="12700" cap="flat" cmpd="sng" algn="ctr">
+              <a:gradFill>
+                <a:gsLst>
+                  <a:gs pos="0">
+                    <a:sysClr val="window" lastClr="FFFFFF"/>
+                  </a:gs>
+                  <a:gs pos="100000">
+                    <a:sysClr val="window" lastClr="FFFFFF">
+                      <a:alpha val="19000"/>
+                    </a:sysClr>
+                  </a:gs>
+                </a:gsLst>
+                <a:lin ang="5400000" scaled="0"/>
+              </a:gradFill>
+              <a:prstDash val="solid"/>
+              <a:miter lim="800000"/>
+            </a:ln>
+            <a:effectLst/>
+          </p:spPr>
+          <p:txBody>
+            <a:bodyPr rtlCol="0" anchor="ctr"/>
+            <a:lstStyle/>
+            <a:p>
+              <a:pPr marL="0" marR="0" lvl="0" indent="0" algn="ctr" defTabSz="914400" eaLnBrk="1" fontAlgn="auto" latinLnBrk="0" hangingPunct="1">
+                <a:lnSpc>
+                  <a:spcPct val="100000"/>
+                </a:lnSpc>
+                <a:spcBef>
+                  <a:spcPts val="0"/>
+                </a:spcBef>
+                <a:spcAft>
+                  <a:spcPts val="0"/>
+                </a:spcAft>
+                <a:buClrTx/>
+                <a:buSzTx/>
+                <a:buFontTx/>
+                <a:buNone/>
+                <a:tabLst/>
+                <a:defRPr/>
+              </a:pPr>
+              <a:endParaRPr kumimoji="0" lang="ko-KR" altLang="en-US" sz="1800" b="0" i="0" u="none" strike="noStrike" kern="0" cap="none" spc="0" normalizeH="0" baseline="0" noProof="0" dirty="0" smtClean="0">
+                <a:ln>
+                  <a:noFill/>
+                </a:ln>
+                <a:solidFill>
+                  <a:srgbClr val="000000">
+                    <a:lumMod val="75000"/>
+                    <a:lumOff val="25000"/>
+                  </a:srgbClr>
+                </a:solidFill>
+                <a:effectLst/>
+                <a:uLnTx/>
+                <a:uFillTx/>
+                <a:latin typeface="Arial"/>
+                <a:cs typeface="+mn-cs"/>
+              </a:endParaRPr>
+            </a:p>
+          </p:txBody>
+        </p:sp>
+        <p:grpSp>
+          <p:nvGrpSpPr>
+            <p:cNvPr id="32" name="Group 36">
+              <a:extLst>
+                <a:ext uri="{FF2B5EF4-FFF2-40B4-BE49-F238E27FC236}">
+                  <a16:creationId xmlns:a16="http://schemas.microsoft.com/office/drawing/2014/main" id="{FFFFD4BD-78ED-4E8C-8914-896C00787F68}"/>
+                </a:ext>
+              </a:extLst>
+            </p:cNvPr>
+            <p:cNvGrpSpPr/>
+            <p:nvPr/>
+          </p:nvGrpSpPr>
+          <p:grpSpPr>
+            <a:xfrm>
+              <a:off x="6664443" y="1879727"/>
+              <a:ext cx="1623182" cy="1477265"/>
+              <a:chOff x="6210998" y="1433695"/>
+              <a:chExt cx="1457346" cy="1477265"/>
+            </a:xfrm>
+            <a:grpFill/>
+          </p:grpSpPr>
+          <p:sp>
+            <p:nvSpPr>
+              <p:cNvPr id="33" name="TextBox 32">
+                <a:extLst>
+                  <a:ext uri="{FF2B5EF4-FFF2-40B4-BE49-F238E27FC236}">
+                    <a16:creationId xmlns:a16="http://schemas.microsoft.com/office/drawing/2014/main" id="{E7165A2E-E391-4D1D-A0CB-090B7ADC33C4}"/>
+                  </a:ext>
+                </a:extLst>
+              </p:cNvPr>
+              <p:cNvSpPr txBox="1"/>
+              <p:nvPr/>
+            </p:nvSpPr>
+            <p:spPr>
+              <a:xfrm>
+                <a:off x="6210998" y="1433695"/>
+                <a:ext cx="1457346" cy="276999"/>
+              </a:xfrm>
+              <a:prstGeom prst="rect">
+                <a:avLst/>
+              </a:prstGeom>
+              <a:grpFill/>
+            </p:spPr>
+            <p:txBody>
+              <a:bodyPr wrap="square" rtlCol="0">
+                <a:spAutoFit/>
+              </a:bodyPr>
+              <a:lstStyle/>
+              <a:p>
+                <a:pPr marL="0" marR="0" lvl="0" indent="0" algn="ctr" defTabSz="914400" eaLnBrk="1" fontAlgn="auto" latinLnBrk="0" hangingPunct="1">
+                  <a:lnSpc>
+                    <a:spcPct val="100000"/>
+                  </a:lnSpc>
+                  <a:spcBef>
+                    <a:spcPts val="0"/>
+                  </a:spcBef>
+                  <a:spcAft>
+                    <a:spcPts val="0"/>
+                  </a:spcAft>
+                  <a:buClrTx/>
+                  <a:buSzTx/>
+                  <a:buFontTx/>
+                  <a:buNone/>
+                  <a:tabLst/>
+                  <a:defRPr/>
+                </a:pPr>
+                <a:r>
+                  <a:rPr kumimoji="0" lang="en-US" altLang="ko-KR" sz="1200" b="1" i="0" u="none" strike="noStrike" kern="0" cap="none" spc="0" normalizeH="0" baseline="0" noProof="0" dirty="0" smtClean="0">
+                    <a:ln>
+                      <a:noFill/>
+                    </a:ln>
+                    <a:solidFill>
+                      <a:srgbClr val="000000">
+                        <a:lumMod val="75000"/>
+                        <a:lumOff val="25000"/>
+                      </a:srgbClr>
+                    </a:solidFill>
+                    <a:effectLst/>
+                    <a:uLnTx/>
+                    <a:uFillTx/>
+                    <a:cs typeface="Arial" pitchFamily="34" charset="0"/>
+                  </a:rPr>
+                  <a:t>Your Text  Here</a:t>
+                </a:r>
+                <a:endParaRPr kumimoji="0" lang="ko-KR" altLang="en-US" sz="1200" b="1" i="0" u="none" strike="noStrike" kern="0" cap="none" spc="0" normalizeH="0" baseline="0" noProof="0" dirty="0" smtClean="0">
+                  <a:ln>
+                    <a:noFill/>
+                  </a:ln>
+                  <a:solidFill>
+                    <a:srgbClr val="000000">
+                      <a:lumMod val="75000"/>
+                      <a:lumOff val="25000"/>
+                    </a:srgbClr>
+                  </a:solidFill>
+                  <a:effectLst/>
+                  <a:uLnTx/>
+                  <a:uFillTx/>
+                  <a:cs typeface="Arial" pitchFamily="34" charset="0"/>
+                </a:endParaRPr>
+              </a:p>
+            </p:txBody>
+          </p:sp>
+          <p:sp>
+            <p:nvSpPr>
+              <p:cNvPr id="34" name="TextBox 33">
+                <a:extLst>
+                  <a:ext uri="{FF2B5EF4-FFF2-40B4-BE49-F238E27FC236}">
+                    <a16:creationId xmlns:a16="http://schemas.microsoft.com/office/drawing/2014/main" id="{541F874D-6DB0-4CF7-84D4-26BD975C8559}"/>
+                  </a:ext>
+                </a:extLst>
+              </p:cNvPr>
+              <p:cNvSpPr txBox="1"/>
+              <p:nvPr/>
+            </p:nvSpPr>
+            <p:spPr>
+              <a:xfrm>
+                <a:off x="6210998" y="1710631"/>
+                <a:ext cx="1457346" cy="1200329"/>
+              </a:xfrm>
+              <a:prstGeom prst="rect">
+                <a:avLst/>
+              </a:prstGeom>
+              <a:grpFill/>
+            </p:spPr>
+            <p:txBody>
+              <a:bodyPr wrap="square" rtlCol="0">
+                <a:spAutoFit/>
+              </a:bodyPr>
+              <a:lstStyle/>
+              <a:p>
+                <a:pPr marL="0" marR="0" lvl="0" indent="0" algn="ctr" defTabSz="914400" eaLnBrk="1" fontAlgn="auto" latinLnBrk="0" hangingPunct="1">
+                  <a:lnSpc>
+                    <a:spcPct val="100000"/>
+                  </a:lnSpc>
+                  <a:spcBef>
+                    <a:spcPts val="0"/>
+                  </a:spcBef>
+                  <a:spcAft>
+                    <a:spcPts val="0"/>
+                  </a:spcAft>
+                  <a:buClrTx/>
+                  <a:buSzTx/>
+                  <a:buFontTx/>
+                  <a:buNone/>
+                  <a:tabLst/>
+                  <a:defRPr/>
+                </a:pPr>
+                <a:r>
+                  <a:rPr kumimoji="0" lang="en-US" altLang="ko-KR" sz="1200" b="0" i="0" u="none" strike="noStrike" kern="0" cap="none" spc="0" normalizeH="0" baseline="0" noProof="0" dirty="0" smtClean="0">
+                    <a:ln>
+                      <a:noFill/>
+                    </a:ln>
+                    <a:solidFill>
+                      <a:srgbClr val="000000">
+                        <a:lumMod val="75000"/>
+                        <a:lumOff val="25000"/>
+                      </a:srgbClr>
+                    </a:solidFill>
+                    <a:effectLst/>
+                    <a:uLnTx/>
+                    <a:uFillTx/>
+                    <a:cs typeface="Arial" pitchFamily="34" charset="0"/>
+                  </a:rPr>
+                  <a:t>You can simply impress your audience and add a unique zing and appeal to your Presentations </a:t>
+                </a:r>
+                <a:endParaRPr kumimoji="0" lang="ko-KR" altLang="en-US" sz="1200" b="0" i="0" u="none" strike="noStrike" kern="0" cap="none" spc="0" normalizeH="0" baseline="0" noProof="0" dirty="0" smtClean="0">
+                  <a:ln>
+                    <a:noFill/>
+                  </a:ln>
+                  <a:solidFill>
+                    <a:srgbClr val="000000">
+                      <a:lumMod val="75000"/>
+                      <a:lumOff val="25000"/>
+                    </a:srgbClr>
+                  </a:solidFill>
+                  <a:effectLst/>
+                  <a:uLnTx/>
+                  <a:uFillTx/>
+                  <a:cs typeface="Arial" pitchFamily="34" charset="0"/>
+                </a:endParaRPr>
+              </a:p>
+            </p:txBody>
+          </p:sp>
+        </p:grpSp>
+      </p:grpSp>
+      <p:grpSp>
+        <p:nvGrpSpPr>
+          <p:cNvPr id="35" name="Group 29">
+            <a:extLst>
+              <a:ext uri="{FF2B5EF4-FFF2-40B4-BE49-F238E27FC236}">
+                <a16:creationId xmlns:a16="http://schemas.microsoft.com/office/drawing/2014/main" id="{0BA56586-3479-47A3-B970-7A7EE0C8926C}"/>
+              </a:ext>
+            </a:extLst>
+          </p:cNvPr>
+          <p:cNvGrpSpPr/>
+          <p:nvPr/>
+        </p:nvGrpSpPr>
+        <p:grpSpPr>
+          <a:xfrm>
+            <a:off x="640450" y="3603628"/>
+            <a:ext cx="1805491" cy="1613994"/>
+            <a:chOff x="3505984" y="1744824"/>
+            <a:chExt cx="1805491" cy="1613994"/>
+          </a:xfrm>
+          <a:solidFill>
+            <a:sysClr val="window" lastClr="FFFFFF">
+              <a:lumMod val="95000"/>
+            </a:sysClr>
+          </a:solidFill>
+        </p:grpSpPr>
+        <p:sp>
+          <p:nvSpPr>
+            <p:cNvPr id="36" name="Rounded Rectangle 30">
+              <a:extLst>
+                <a:ext uri="{FF2B5EF4-FFF2-40B4-BE49-F238E27FC236}">
+                  <a16:creationId xmlns:a16="http://schemas.microsoft.com/office/drawing/2014/main" id="{79D01FAC-01BB-44C0-B5E7-B5B571879DEF}"/>
+                </a:ext>
+              </a:extLst>
+            </p:cNvPr>
+            <p:cNvSpPr/>
+            <p:nvPr/>
+          </p:nvSpPr>
+          <p:spPr>
+            <a:xfrm>
+              <a:off x="3505984" y="1744824"/>
+              <a:ext cx="1805491" cy="1613994"/>
+            </a:xfrm>
+            <a:prstGeom prst="roundRect">
+              <a:avLst/>
+            </a:prstGeom>
+            <a:grpFill/>
+            <a:ln w="12700" cap="flat" cmpd="sng" algn="ctr">
+              <a:gradFill>
+                <a:gsLst>
+                  <a:gs pos="0">
+                    <a:sysClr val="window" lastClr="FFFFFF"/>
+                  </a:gs>
+                  <a:gs pos="100000">
+                    <a:sysClr val="window" lastClr="FFFFFF">
+                      <a:alpha val="19000"/>
+                    </a:sysClr>
+                  </a:gs>
+                </a:gsLst>
+                <a:lin ang="5400000" scaled="0"/>
+              </a:gradFill>
+              <a:prstDash val="solid"/>
+              <a:miter lim="800000"/>
+            </a:ln>
+            <a:effectLst/>
+          </p:spPr>
+          <p:txBody>
+            <a:bodyPr rtlCol="0" anchor="ctr"/>
+            <a:lstStyle/>
+            <a:p>
+              <a:pPr marL="0" marR="0" lvl="0" indent="0" algn="ctr" defTabSz="914400" eaLnBrk="1" fontAlgn="auto" latinLnBrk="0" hangingPunct="1">
+                <a:lnSpc>
+                  <a:spcPct val="100000"/>
+                </a:lnSpc>
+                <a:spcBef>
+                  <a:spcPts val="0"/>
+                </a:spcBef>
+                <a:spcAft>
+                  <a:spcPts val="0"/>
+                </a:spcAft>
+                <a:buClrTx/>
+                <a:buSzTx/>
+                <a:buFontTx/>
+                <a:buNone/>
+                <a:tabLst/>
+                <a:defRPr/>
+              </a:pPr>
+              <a:endParaRPr kumimoji="0" lang="ko-KR" altLang="en-US" sz="1800" b="0" i="0" u="none" strike="noStrike" kern="0" cap="none" spc="0" normalizeH="0" baseline="0" noProof="0" dirty="0" smtClean="0">
+                <a:ln>
+                  <a:noFill/>
+                </a:ln>
+                <a:solidFill>
+                  <a:srgbClr val="000000">
+                    <a:lumMod val="75000"/>
+                    <a:lumOff val="25000"/>
+                  </a:srgbClr>
+                </a:solidFill>
+                <a:effectLst/>
+                <a:uLnTx/>
+                <a:uFillTx/>
+                <a:latin typeface="Arial"/>
+                <a:cs typeface="+mn-cs"/>
+              </a:endParaRPr>
+            </a:p>
+          </p:txBody>
+        </p:sp>
+        <p:grpSp>
+          <p:nvGrpSpPr>
+            <p:cNvPr id="37" name="Group 31">
+              <a:extLst>
+                <a:ext uri="{FF2B5EF4-FFF2-40B4-BE49-F238E27FC236}">
+                  <a16:creationId xmlns:a16="http://schemas.microsoft.com/office/drawing/2014/main" id="{9C7AC48F-CAB8-472B-AFC3-A6C87766BB34}"/>
+                </a:ext>
+              </a:extLst>
+            </p:cNvPr>
+            <p:cNvGrpSpPr/>
+            <p:nvPr/>
+          </p:nvGrpSpPr>
+          <p:grpSpPr>
+            <a:xfrm>
+              <a:off x="3597138" y="1813189"/>
+              <a:ext cx="1623182" cy="1477265"/>
+              <a:chOff x="6210998" y="1433695"/>
+              <a:chExt cx="1457346" cy="1477265"/>
+            </a:xfrm>
+            <a:grpFill/>
+          </p:grpSpPr>
+          <p:sp>
+            <p:nvSpPr>
+              <p:cNvPr id="38" name="TextBox 37">
+                <a:extLst>
+                  <a:ext uri="{FF2B5EF4-FFF2-40B4-BE49-F238E27FC236}">
+                    <a16:creationId xmlns:a16="http://schemas.microsoft.com/office/drawing/2014/main" id="{DD3D3797-AFEB-4F94-8F10-D8949D196FB8}"/>
+                  </a:ext>
+                </a:extLst>
+              </p:cNvPr>
+              <p:cNvSpPr txBox="1"/>
+              <p:nvPr/>
+            </p:nvSpPr>
+            <p:spPr>
+              <a:xfrm>
+                <a:off x="6210998" y="1433695"/>
+                <a:ext cx="1457346" cy="276999"/>
+              </a:xfrm>
+              <a:prstGeom prst="rect">
+                <a:avLst/>
+              </a:prstGeom>
+              <a:grpFill/>
+            </p:spPr>
+            <p:txBody>
+              <a:bodyPr wrap="square" rtlCol="0">
+                <a:spAutoFit/>
+              </a:bodyPr>
+              <a:lstStyle/>
+              <a:p>
+                <a:pPr marL="0" marR="0" lvl="0" indent="0" algn="ctr" defTabSz="914400" eaLnBrk="1" fontAlgn="auto" latinLnBrk="0" hangingPunct="1">
+                  <a:lnSpc>
+                    <a:spcPct val="100000"/>
+                  </a:lnSpc>
+                  <a:spcBef>
+                    <a:spcPts val="0"/>
+                  </a:spcBef>
+                  <a:spcAft>
+                    <a:spcPts val="0"/>
+                  </a:spcAft>
+                  <a:buClrTx/>
+                  <a:buSzTx/>
+                  <a:buFontTx/>
+                  <a:buNone/>
+                  <a:tabLst/>
+                  <a:defRPr/>
+                </a:pPr>
+                <a:r>
+                  <a:rPr kumimoji="0" lang="en-US" altLang="ko-KR" sz="1200" b="1" i="0" u="none" strike="noStrike" kern="0" cap="none" spc="0" normalizeH="0" baseline="0" noProof="0" dirty="0" smtClean="0">
+                    <a:ln>
+                      <a:noFill/>
+                    </a:ln>
+                    <a:solidFill>
+                      <a:srgbClr val="000000">
+                        <a:lumMod val="75000"/>
+                        <a:lumOff val="25000"/>
+                      </a:srgbClr>
+                    </a:solidFill>
+                    <a:effectLst/>
+                    <a:uLnTx/>
+                    <a:uFillTx/>
+                    <a:cs typeface="Arial" pitchFamily="34" charset="0"/>
+                  </a:rPr>
+                  <a:t>Your Text  Here</a:t>
+                </a:r>
+                <a:endParaRPr kumimoji="0" lang="ko-KR" altLang="en-US" sz="1200" b="1" i="0" u="none" strike="noStrike" kern="0" cap="none" spc="0" normalizeH="0" baseline="0" noProof="0" dirty="0" smtClean="0">
+                  <a:ln>
+                    <a:noFill/>
+                  </a:ln>
+                  <a:solidFill>
+                    <a:srgbClr val="000000">
+                      <a:lumMod val="75000"/>
+                      <a:lumOff val="25000"/>
+                    </a:srgbClr>
+                  </a:solidFill>
+                  <a:effectLst/>
+                  <a:uLnTx/>
+                  <a:uFillTx/>
+                  <a:cs typeface="Arial" pitchFamily="34" charset="0"/>
+                </a:endParaRPr>
+              </a:p>
+            </p:txBody>
+          </p:sp>
+          <p:sp>
+            <p:nvSpPr>
+              <p:cNvPr id="39" name="TextBox 38">
+                <a:extLst>
+                  <a:ext uri="{FF2B5EF4-FFF2-40B4-BE49-F238E27FC236}">
+                    <a16:creationId xmlns:a16="http://schemas.microsoft.com/office/drawing/2014/main" id="{7313F8CB-40B5-457A-8A1F-A16BA3BED2F9}"/>
+                  </a:ext>
+                </a:extLst>
+              </p:cNvPr>
+              <p:cNvSpPr txBox="1"/>
+              <p:nvPr/>
+            </p:nvSpPr>
+            <p:spPr>
+              <a:xfrm>
+                <a:off x="6210998" y="1710631"/>
+                <a:ext cx="1457346" cy="1200329"/>
+              </a:xfrm>
+              <a:prstGeom prst="rect">
+                <a:avLst/>
+              </a:prstGeom>
+              <a:grpFill/>
+            </p:spPr>
+            <p:txBody>
+              <a:bodyPr wrap="square" rtlCol="0">
+                <a:spAutoFit/>
+              </a:bodyPr>
+              <a:lstStyle/>
+              <a:p>
+                <a:pPr marL="0" marR="0" lvl="0" indent="0" algn="ctr" defTabSz="914400" eaLnBrk="1" fontAlgn="auto" latinLnBrk="0" hangingPunct="1">
+                  <a:lnSpc>
+                    <a:spcPct val="100000"/>
+                  </a:lnSpc>
+                  <a:spcBef>
+                    <a:spcPts val="0"/>
+                  </a:spcBef>
+                  <a:spcAft>
+                    <a:spcPts val="0"/>
+                  </a:spcAft>
+                  <a:buClrTx/>
+                  <a:buSzTx/>
+                  <a:buFontTx/>
+                  <a:buNone/>
+                  <a:tabLst/>
+                  <a:defRPr/>
+                </a:pPr>
+                <a:r>
+                  <a:rPr kumimoji="0" lang="en-US" altLang="ko-KR" sz="1200" b="0" i="0" u="none" strike="noStrike" kern="0" cap="none" spc="0" normalizeH="0" baseline="0" noProof="0" dirty="0" smtClean="0">
+                    <a:ln>
+                      <a:noFill/>
+                    </a:ln>
+                    <a:solidFill>
+                      <a:srgbClr val="000000">
+                        <a:lumMod val="75000"/>
+                        <a:lumOff val="25000"/>
+                      </a:srgbClr>
+                    </a:solidFill>
+                    <a:effectLst/>
+                    <a:uLnTx/>
+                    <a:uFillTx/>
+                    <a:cs typeface="Arial" pitchFamily="34" charset="0"/>
+                  </a:rPr>
+                  <a:t>You can simply impress your audience and add a unique zing and appeal to your Presentations </a:t>
+                </a:r>
+                <a:endParaRPr kumimoji="0" lang="ko-KR" altLang="en-US" sz="1200" b="0" i="0" u="none" strike="noStrike" kern="0" cap="none" spc="0" normalizeH="0" baseline="0" noProof="0" dirty="0" smtClean="0">
+                  <a:ln>
+                    <a:noFill/>
+                  </a:ln>
+                  <a:solidFill>
+                    <a:srgbClr val="000000">
+                      <a:lumMod val="75000"/>
+                      <a:lumOff val="25000"/>
+                    </a:srgbClr>
+                  </a:solidFill>
+                  <a:effectLst/>
+                  <a:uLnTx/>
+                  <a:uFillTx/>
+                  <a:cs typeface="Arial" pitchFamily="34" charset="0"/>
+                </a:endParaRPr>
+              </a:p>
+            </p:txBody>
+          </p:sp>
+        </p:grpSp>
+      </p:grpSp>
+      <p:grpSp>
+        <p:nvGrpSpPr>
+          <p:cNvPr id="40" name="Group 34">
+            <a:extLst>
+              <a:ext uri="{FF2B5EF4-FFF2-40B4-BE49-F238E27FC236}">
+                <a16:creationId xmlns:a16="http://schemas.microsoft.com/office/drawing/2014/main" id="{EC0A662A-CC84-4CB0-94AE-5C272DFA913F}"/>
+              </a:ext>
+            </a:extLst>
+          </p:cNvPr>
+          <p:cNvGrpSpPr/>
+          <p:nvPr/>
+        </p:nvGrpSpPr>
+        <p:grpSpPr>
+          <a:xfrm>
+            <a:off x="2445940" y="3625891"/>
+            <a:ext cx="1805491" cy="1613994"/>
+            <a:chOff x="6573289" y="1811362"/>
+            <a:chExt cx="1805491" cy="1613994"/>
+          </a:xfrm>
+          <a:solidFill>
+            <a:sysClr val="window" lastClr="FFFFFF">
+              <a:lumMod val="95000"/>
+            </a:sysClr>
+          </a:solidFill>
+        </p:grpSpPr>
+        <p:sp>
+          <p:nvSpPr>
+            <p:cNvPr id="41" name="Rounded Rectangle 35">
+              <a:extLst>
+                <a:ext uri="{FF2B5EF4-FFF2-40B4-BE49-F238E27FC236}">
+                  <a16:creationId xmlns:a16="http://schemas.microsoft.com/office/drawing/2014/main" id="{52AF3780-D229-44E3-96DF-27E2207C83B6}"/>
+                </a:ext>
+              </a:extLst>
+            </p:cNvPr>
+            <p:cNvSpPr/>
+            <p:nvPr/>
+          </p:nvSpPr>
+          <p:spPr>
+            <a:xfrm>
+              <a:off x="6573289" y="1811362"/>
+              <a:ext cx="1805491" cy="1613994"/>
+            </a:xfrm>
+            <a:prstGeom prst="roundRect">
+              <a:avLst/>
+            </a:prstGeom>
+            <a:grpFill/>
+            <a:ln w="12700" cap="flat" cmpd="sng" algn="ctr">
+              <a:gradFill>
+                <a:gsLst>
+                  <a:gs pos="0">
+                    <a:sysClr val="window" lastClr="FFFFFF"/>
+                  </a:gs>
+                  <a:gs pos="100000">
+                    <a:sysClr val="window" lastClr="FFFFFF">
+                      <a:alpha val="19000"/>
+                    </a:sysClr>
+                  </a:gs>
+                </a:gsLst>
+                <a:lin ang="5400000" scaled="0"/>
+              </a:gradFill>
+              <a:prstDash val="solid"/>
+              <a:miter lim="800000"/>
+            </a:ln>
+            <a:effectLst/>
+          </p:spPr>
+          <p:txBody>
+            <a:bodyPr rtlCol="0" anchor="ctr"/>
+            <a:lstStyle/>
+            <a:p>
+              <a:pPr marL="0" marR="0" lvl="0" indent="0" algn="ctr" defTabSz="914400" eaLnBrk="1" fontAlgn="auto" latinLnBrk="0" hangingPunct="1">
+                <a:lnSpc>
+                  <a:spcPct val="100000"/>
+                </a:lnSpc>
+                <a:spcBef>
+                  <a:spcPts val="0"/>
+                </a:spcBef>
+                <a:spcAft>
+                  <a:spcPts val="0"/>
+                </a:spcAft>
+                <a:buClrTx/>
+                <a:buSzTx/>
+                <a:buFontTx/>
+                <a:buNone/>
+                <a:tabLst/>
+                <a:defRPr/>
+              </a:pPr>
+              <a:endParaRPr kumimoji="0" lang="ko-KR" altLang="en-US" sz="1800" b="0" i="0" u="none" strike="noStrike" kern="0" cap="none" spc="0" normalizeH="0" baseline="0" noProof="0" dirty="0" smtClean="0">
+                <a:ln>
+                  <a:noFill/>
+                </a:ln>
+                <a:solidFill>
+                  <a:srgbClr val="000000">
+                    <a:lumMod val="75000"/>
+                    <a:lumOff val="25000"/>
+                  </a:srgbClr>
+                </a:solidFill>
+                <a:effectLst/>
+                <a:uLnTx/>
+                <a:uFillTx/>
+                <a:latin typeface="Arial"/>
+                <a:cs typeface="+mn-cs"/>
+              </a:endParaRPr>
+            </a:p>
+          </p:txBody>
+        </p:sp>
+        <p:grpSp>
+          <p:nvGrpSpPr>
+            <p:cNvPr id="42" name="Group 36">
+              <a:extLst>
+                <a:ext uri="{FF2B5EF4-FFF2-40B4-BE49-F238E27FC236}">
+                  <a16:creationId xmlns:a16="http://schemas.microsoft.com/office/drawing/2014/main" id="{785BA0CE-2EAE-4036-AD5F-2889252BE318}"/>
+                </a:ext>
+              </a:extLst>
+            </p:cNvPr>
+            <p:cNvGrpSpPr/>
+            <p:nvPr/>
+          </p:nvGrpSpPr>
+          <p:grpSpPr>
+            <a:xfrm>
+              <a:off x="6664443" y="1879727"/>
+              <a:ext cx="1623182" cy="1477265"/>
+              <a:chOff x="6210998" y="1433695"/>
+              <a:chExt cx="1457346" cy="1477265"/>
+            </a:xfrm>
+            <a:grpFill/>
+          </p:grpSpPr>
+          <p:sp>
+            <p:nvSpPr>
+              <p:cNvPr id="43" name="TextBox 42">
+                <a:extLst>
+                  <a:ext uri="{FF2B5EF4-FFF2-40B4-BE49-F238E27FC236}">
+                    <a16:creationId xmlns:a16="http://schemas.microsoft.com/office/drawing/2014/main" id="{5A409E81-1A9D-4DC7-8225-44EB4290EAF3}"/>
+                  </a:ext>
+                </a:extLst>
+              </p:cNvPr>
+              <p:cNvSpPr txBox="1"/>
+              <p:nvPr/>
+            </p:nvSpPr>
+            <p:spPr>
+              <a:xfrm>
+                <a:off x="6210998" y="1433695"/>
+                <a:ext cx="1457346" cy="276999"/>
+              </a:xfrm>
+              <a:prstGeom prst="rect">
+                <a:avLst/>
+              </a:prstGeom>
+              <a:grpFill/>
+            </p:spPr>
+            <p:txBody>
+              <a:bodyPr wrap="square" rtlCol="0">
+                <a:spAutoFit/>
+              </a:bodyPr>
+              <a:lstStyle/>
+              <a:p>
+                <a:pPr marL="0" marR="0" lvl="0" indent="0" algn="ctr" defTabSz="914400" eaLnBrk="1" fontAlgn="auto" latinLnBrk="0" hangingPunct="1">
+                  <a:lnSpc>
+                    <a:spcPct val="100000"/>
+                  </a:lnSpc>
+                  <a:spcBef>
+                    <a:spcPts val="0"/>
+                  </a:spcBef>
+                  <a:spcAft>
+                    <a:spcPts val="0"/>
+                  </a:spcAft>
+                  <a:buClrTx/>
+                  <a:buSzTx/>
+                  <a:buFontTx/>
+                  <a:buNone/>
+                  <a:tabLst/>
+                  <a:defRPr/>
+                </a:pPr>
+                <a:r>
+                  <a:rPr kumimoji="0" lang="en-US" altLang="ko-KR" sz="1200" b="1" i="0" u="none" strike="noStrike" kern="0" cap="none" spc="0" normalizeH="0" baseline="0" noProof="0" dirty="0" smtClean="0">
+                    <a:ln>
+                      <a:noFill/>
+                    </a:ln>
+                    <a:solidFill>
+                      <a:srgbClr val="000000">
+                        <a:lumMod val="75000"/>
+                        <a:lumOff val="25000"/>
+                      </a:srgbClr>
+                    </a:solidFill>
+                    <a:effectLst/>
+                    <a:uLnTx/>
+                    <a:uFillTx/>
+                    <a:cs typeface="Arial" pitchFamily="34" charset="0"/>
+                  </a:rPr>
+                  <a:t>Your Text  Here</a:t>
+                </a:r>
+                <a:endParaRPr kumimoji="0" lang="ko-KR" altLang="en-US" sz="1200" b="1" i="0" u="none" strike="noStrike" kern="0" cap="none" spc="0" normalizeH="0" baseline="0" noProof="0" dirty="0" smtClean="0">
+                  <a:ln>
+                    <a:noFill/>
+                  </a:ln>
+                  <a:solidFill>
+                    <a:srgbClr val="000000">
+                      <a:lumMod val="75000"/>
+                      <a:lumOff val="25000"/>
+                    </a:srgbClr>
+                  </a:solidFill>
+                  <a:effectLst/>
+                  <a:uLnTx/>
+                  <a:uFillTx/>
+                  <a:cs typeface="Arial" pitchFamily="34" charset="0"/>
+                </a:endParaRPr>
+              </a:p>
+            </p:txBody>
+          </p:sp>
+          <p:sp>
+            <p:nvSpPr>
+              <p:cNvPr id="44" name="TextBox 43">
+                <a:extLst>
+                  <a:ext uri="{FF2B5EF4-FFF2-40B4-BE49-F238E27FC236}">
+                    <a16:creationId xmlns:a16="http://schemas.microsoft.com/office/drawing/2014/main" id="{39E913A0-D86A-47A7-AEAD-C7F1638EE768}"/>
+                  </a:ext>
+                </a:extLst>
+              </p:cNvPr>
+              <p:cNvSpPr txBox="1"/>
+              <p:nvPr/>
+            </p:nvSpPr>
+            <p:spPr>
+              <a:xfrm>
+                <a:off x="6210998" y="1710631"/>
+                <a:ext cx="1457346" cy="1200329"/>
+              </a:xfrm>
+              <a:prstGeom prst="rect">
+                <a:avLst/>
+              </a:prstGeom>
+              <a:grpFill/>
+            </p:spPr>
+            <p:txBody>
+              <a:bodyPr wrap="square" rtlCol="0">
+                <a:spAutoFit/>
+              </a:bodyPr>
+              <a:lstStyle/>
+              <a:p>
+                <a:pPr marL="0" marR="0" lvl="0" indent="0" algn="ctr" defTabSz="914400" eaLnBrk="1" fontAlgn="auto" latinLnBrk="0" hangingPunct="1">
+                  <a:lnSpc>
+                    <a:spcPct val="100000"/>
+                  </a:lnSpc>
+                  <a:spcBef>
+                    <a:spcPts val="0"/>
+                  </a:spcBef>
+                  <a:spcAft>
+                    <a:spcPts val="0"/>
+                  </a:spcAft>
+                  <a:buClrTx/>
+                  <a:buSzTx/>
+                  <a:buFontTx/>
+                  <a:buNone/>
+                  <a:tabLst/>
+                  <a:defRPr/>
+                </a:pPr>
+                <a:r>
+                  <a:rPr kumimoji="0" lang="en-US" altLang="ko-KR" sz="1200" b="0" i="0" u="none" strike="noStrike" kern="0" cap="none" spc="0" normalizeH="0" baseline="0" noProof="0" dirty="0" smtClean="0">
+                    <a:ln>
+                      <a:noFill/>
+                    </a:ln>
+                    <a:solidFill>
+                      <a:srgbClr val="000000">
+                        <a:lumMod val="75000"/>
+                        <a:lumOff val="25000"/>
+                      </a:srgbClr>
+                    </a:solidFill>
+                    <a:effectLst/>
+                    <a:uLnTx/>
+                    <a:uFillTx/>
+                    <a:cs typeface="Arial" pitchFamily="34" charset="0"/>
+                  </a:rPr>
+                  <a:t>You can simply impress your audience and add a unique zing and appeal to your Presentations </a:t>
+                </a:r>
+                <a:endParaRPr kumimoji="0" lang="ko-KR" altLang="en-US" sz="1200" b="0" i="0" u="none" strike="noStrike" kern="0" cap="none" spc="0" normalizeH="0" baseline="0" noProof="0" dirty="0" smtClean="0">
+                  <a:ln>
+                    <a:noFill/>
+                  </a:ln>
+                  <a:solidFill>
+                    <a:srgbClr val="000000">
+                      <a:lumMod val="75000"/>
+                      <a:lumOff val="25000"/>
+                    </a:srgbClr>
+                  </a:solidFill>
+                  <a:effectLst/>
+                  <a:uLnTx/>
+                  <a:uFillTx/>
+                  <a:cs typeface="Arial" pitchFamily="34" charset="0"/>
+                </a:endParaRPr>
+              </a:p>
+            </p:txBody>
+          </p:sp>
+        </p:grpSp>
+      </p:grpSp>
     </p:spTree>
     <p:extLst>
       <p:ext uri="{BB962C8B-B14F-4D97-AF65-F5344CB8AC3E}">
@@ -35074,7 +37203,7 @@
       </p:grpSpPr>
       <p:sp>
         <p:nvSpPr>
-          <p:cNvPr id="2" name="Title 1"/>
+          <p:cNvPr id="4" name="Title 3"/>
           <p:cNvSpPr>
             <a:spLocks noGrp="1"/>
           </p:cNvSpPr>
@@ -35089,42 +37218,863 @@
           <a:p>
             <a:r>
               <a:rPr lang="en-US" dirty="0"/>
-              <a:t>EMG </a:t>
+              <a:t>EMG Classifier in Real-time</a:t>
             </a:r>
-            <a:r>
-              <a:rPr lang="en-US" dirty="0" smtClean="0"/>
-              <a:t>Classifier</a:t>
-            </a:r>
-            <a:endParaRPr lang="en-US" dirty="0"/>
           </a:p>
         </p:txBody>
       </p:sp>
       <p:sp>
         <p:nvSpPr>
-          <p:cNvPr id="3" name="Text Placeholder 2"/>
+          <p:cNvPr id="53" name="Text Placeholder 52"/>
           <p:cNvSpPr>
             <a:spLocks noGrp="1"/>
           </p:cNvSpPr>
           <p:nvPr>
-            <p:ph type="body" idx="1"/>
+            <p:ph type="body" sz="quarter" idx="41"/>
           </p:nvPr>
         </p:nvSpPr>
-        <p:spPr/>
+        <p:spPr>
+          <a:xfrm>
+            <a:off x="0" y="1005381"/>
+            <a:ext cx="12192000" cy="419379"/>
+          </a:xfrm>
+        </p:spPr>
         <p:txBody>
           <a:bodyPr/>
           <a:lstStyle/>
           <a:p>
+            <a:endParaRPr lang="en-US" dirty="0"/>
+          </a:p>
+        </p:txBody>
+      </p:sp>
+      <p:sp>
+        <p:nvSpPr>
+          <p:cNvPr id="474" name="Right Arrow 3">
+            <a:extLst>
+              <a:ext uri="{FF2B5EF4-FFF2-40B4-BE49-F238E27FC236}">
+                <a16:creationId xmlns:a16="http://schemas.microsoft.com/office/drawing/2014/main" id="{E55F9C46-A8C3-43F6-89FB-B2CF897A6830}"/>
+              </a:ext>
+            </a:extLst>
+          </p:cNvPr>
+          <p:cNvSpPr/>
+          <p:nvPr/>
+        </p:nvSpPr>
+        <p:spPr>
+          <a:xfrm>
+            <a:off x="85934" y="1454186"/>
+            <a:ext cx="5934859" cy="4666480"/>
+          </a:xfrm>
+          <a:prstGeom prst="rightArrow">
+            <a:avLst>
+              <a:gd name="adj1" fmla="val 73994"/>
+              <a:gd name="adj2" fmla="val 38003"/>
+            </a:avLst>
+          </a:prstGeom>
+          <a:solidFill>
+            <a:schemeClr val="accent4"/>
+          </a:solidFill>
+          <a:ln>
+            <a:noFill/>
+          </a:ln>
+          <a:effectLst>
+            <a:outerShdw blurRad="63500" sx="102000" sy="102000" algn="ctr" rotWithShape="0">
+              <a:prstClr val="black">
+                <a:alpha val="40000"/>
+              </a:prstClr>
+            </a:outerShdw>
+          </a:effectLst>
+        </p:spPr>
+        <p:style>
+          <a:lnRef idx="2">
+            <a:schemeClr val="accent1">
+              <a:shade val="50000"/>
+            </a:schemeClr>
+          </a:lnRef>
+          <a:fillRef idx="1">
+            <a:schemeClr val="accent1"/>
+          </a:fillRef>
+          <a:effectRef idx="0">
+            <a:schemeClr val="accent1"/>
+          </a:effectRef>
+          <a:fontRef idx="minor">
+            <a:schemeClr val="lt1"/>
+          </a:fontRef>
+        </p:style>
+        <p:txBody>
+          <a:bodyPr rot="0" spcFirstLastPara="0" vertOverflow="overflow" horzOverflow="overflow" vert="horz" wrap="square" lIns="91440" tIns="45720" rIns="91440" bIns="45720" numCol="1" spcCol="0" rtlCol="0" fromWordArt="0" anchor="ctr" anchorCtr="0" forceAA="0" compatLnSpc="1">
+            <a:prstTxWarp prst="textNoShape">
+              <a:avLst/>
+            </a:prstTxWarp>
+            <a:noAutofit/>
+          </a:bodyPr>
+          <a:lstStyle/>
+          <a:p>
+            <a:pPr marL="0" marR="0" lvl="0" indent="0" algn="ctr" defTabSz="914400" rtl="0" eaLnBrk="1" fontAlgn="auto" latinLnBrk="0" hangingPunct="1">
+              <a:lnSpc>
+                <a:spcPct val="100000"/>
+              </a:lnSpc>
+              <a:spcBef>
+                <a:spcPts val="0"/>
+              </a:spcBef>
+              <a:spcAft>
+                <a:spcPts val="0"/>
+              </a:spcAft>
+              <a:buClrTx/>
+              <a:buSzTx/>
+              <a:buFontTx/>
+              <a:buNone/>
+              <a:tabLst/>
+              <a:defRPr/>
+            </a:pPr>
+            <a:endParaRPr kumimoji="0" lang="ko-KR" altLang="en-US" sz="1800" b="0" i="0" u="none" strike="noStrike" kern="1200" cap="none" spc="0" normalizeH="0" baseline="0" noProof="0">
+              <a:ln>
+                <a:noFill/>
+              </a:ln>
+              <a:solidFill>
+                <a:prstClr val="white"/>
+              </a:solidFill>
+              <a:effectLst/>
+              <a:uLnTx/>
+              <a:uFillTx/>
+              <a:latin typeface="Arial"/>
+              <a:cs typeface="+mn-cs"/>
+            </a:endParaRPr>
+          </a:p>
+        </p:txBody>
+      </p:sp>
+      <p:sp>
+        <p:nvSpPr>
+          <p:cNvPr id="475" name="Rounded Rectangle 4">
+            <a:extLst>
+              <a:ext uri="{FF2B5EF4-FFF2-40B4-BE49-F238E27FC236}">
+                <a16:creationId xmlns:a16="http://schemas.microsoft.com/office/drawing/2014/main" id="{C1C7D177-0BFA-4E0C-A432-713EC983674A}"/>
+              </a:ext>
+            </a:extLst>
+          </p:cNvPr>
+          <p:cNvSpPr/>
+          <p:nvPr/>
+        </p:nvSpPr>
+        <p:spPr>
+          <a:xfrm>
+            <a:off x="6096000" y="1499120"/>
+            <a:ext cx="5942499" cy="5032309"/>
+          </a:xfrm>
+          <a:prstGeom prst="roundRect">
+            <a:avLst>
+              <a:gd name="adj" fmla="val 10416"/>
+            </a:avLst>
+          </a:prstGeom>
+          <a:solidFill>
+            <a:schemeClr val="bg1">
+              <a:lumMod val="95000"/>
+            </a:schemeClr>
+          </a:solidFill>
+          <a:ln>
+            <a:noFill/>
+          </a:ln>
+          <a:effectLst>
+            <a:outerShdw blurRad="63500" sx="102000" sy="102000" algn="ctr" rotWithShape="0">
+              <a:prstClr val="black">
+                <a:alpha val="40000"/>
+              </a:prstClr>
+            </a:outerShdw>
+          </a:effectLst>
+        </p:spPr>
+        <p:style>
+          <a:lnRef idx="2">
+            <a:schemeClr val="accent1">
+              <a:shade val="50000"/>
+            </a:schemeClr>
+          </a:lnRef>
+          <a:fillRef idx="1">
+            <a:schemeClr val="accent1"/>
+          </a:fillRef>
+          <a:effectRef idx="0">
+            <a:schemeClr val="accent1"/>
+          </a:effectRef>
+          <a:fontRef idx="minor">
+            <a:schemeClr val="lt1"/>
+          </a:fontRef>
+        </p:style>
+        <p:txBody>
+          <a:bodyPr rot="0" spcFirstLastPara="0" vertOverflow="overflow" horzOverflow="overflow" vert="horz" wrap="square" lIns="91440" tIns="45720" rIns="91440" bIns="45720" numCol="1" spcCol="0" rtlCol="0" fromWordArt="0" anchor="ctr" anchorCtr="0" forceAA="0" compatLnSpc="1">
+            <a:prstTxWarp prst="textNoShape">
+              <a:avLst/>
+            </a:prstTxWarp>
+            <a:noAutofit/>
+          </a:bodyPr>
+          <a:lstStyle/>
+          <a:p>
+            <a:pPr marL="0" marR="0" lvl="0" indent="0" algn="ctr" defTabSz="914400" rtl="0" eaLnBrk="1" fontAlgn="auto" latinLnBrk="0" hangingPunct="1">
+              <a:lnSpc>
+                <a:spcPct val="100000"/>
+              </a:lnSpc>
+              <a:spcBef>
+                <a:spcPts val="0"/>
+              </a:spcBef>
+              <a:spcAft>
+                <a:spcPts val="0"/>
+              </a:spcAft>
+              <a:buClrTx/>
+              <a:buSzTx/>
+              <a:buFontTx/>
+              <a:buNone/>
+              <a:tabLst/>
+              <a:defRPr/>
+            </a:pPr>
+            <a:endParaRPr kumimoji="0" lang="ko-KR" altLang="en-US" sz="1800" b="0" i="0" u="none" strike="noStrike" kern="1200" cap="none" spc="0" normalizeH="0" baseline="0" noProof="0">
+              <a:ln>
+                <a:noFill/>
+              </a:ln>
+              <a:solidFill>
+                <a:prstClr val="white"/>
+              </a:solidFill>
+              <a:effectLst/>
+              <a:uLnTx/>
+              <a:uFillTx/>
+              <a:latin typeface="Arial"/>
+              <a:cs typeface="+mn-cs"/>
+            </a:endParaRPr>
+          </a:p>
+        </p:txBody>
+      </p:sp>
+      <p:sp>
+        <p:nvSpPr>
+          <p:cNvPr id="476" name="Rounded Rectangle 11">
+            <a:extLst>
+              <a:ext uri="{FF2B5EF4-FFF2-40B4-BE49-F238E27FC236}">
+                <a16:creationId xmlns:a16="http://schemas.microsoft.com/office/drawing/2014/main" id="{0DDDE205-30B0-4F4A-98A0-25DDA1B34D51}"/>
+              </a:ext>
+            </a:extLst>
+          </p:cNvPr>
+          <p:cNvSpPr/>
+          <p:nvPr/>
+        </p:nvSpPr>
+        <p:spPr>
+          <a:xfrm>
+            <a:off x="6666980" y="2807758"/>
+            <a:ext cx="5119886" cy="1103428"/>
+          </a:xfrm>
+          <a:custGeom>
+            <a:avLst/>
+            <a:gdLst/>
+            <a:ahLst/>
+            <a:cxnLst/>
+            <a:rect l="l" t="t" r="r" b="b"/>
+            <a:pathLst>
+              <a:path w="4320480" h="1296000">
+                <a:moveTo>
+                  <a:pt x="291768" y="0"/>
+                </a:moveTo>
+                <a:lnTo>
+                  <a:pt x="4028712" y="0"/>
+                </a:lnTo>
+                <a:cubicBezTo>
+                  <a:pt x="4189851" y="0"/>
+                  <a:pt x="4320480" y="130629"/>
+                  <a:pt x="4320480" y="291768"/>
+                </a:cubicBezTo>
+                <a:lnTo>
+                  <a:pt x="4320480" y="1004232"/>
+                </a:lnTo>
+                <a:cubicBezTo>
+                  <a:pt x="4320480" y="1165371"/>
+                  <a:pt x="4189851" y="1296000"/>
+                  <a:pt x="4028712" y="1296000"/>
+                </a:cubicBezTo>
+                <a:lnTo>
+                  <a:pt x="291768" y="1296000"/>
+                </a:lnTo>
+                <a:cubicBezTo>
+                  <a:pt x="130629" y="1296000"/>
+                  <a:pt x="0" y="1165371"/>
+                  <a:pt x="0" y="1004232"/>
+                </a:cubicBezTo>
+                <a:lnTo>
+                  <a:pt x="0" y="769158"/>
+                </a:lnTo>
+                <a:lnTo>
+                  <a:pt x="401179" y="769158"/>
+                </a:lnTo>
+                <a:lnTo>
+                  <a:pt x="401179" y="890316"/>
+                </a:lnTo>
+                <a:lnTo>
+                  <a:pt x="643495" y="648000"/>
+                </a:lnTo>
+                <a:lnTo>
+                  <a:pt x="401179" y="405684"/>
+                </a:lnTo>
+                <a:lnTo>
+                  <a:pt x="401179" y="526842"/>
+                </a:lnTo>
+                <a:lnTo>
+                  <a:pt x="0" y="526842"/>
+                </a:lnTo>
+                <a:lnTo>
+                  <a:pt x="0" y="291768"/>
+                </a:lnTo>
+                <a:cubicBezTo>
+                  <a:pt x="0" y="130629"/>
+                  <a:pt x="130629" y="0"/>
+                  <a:pt x="291768" y="0"/>
+                </a:cubicBezTo>
+                <a:close/>
+              </a:path>
+            </a:pathLst>
+          </a:custGeom>
+          <a:solidFill>
+            <a:schemeClr val="accent1"/>
+          </a:solidFill>
+          <a:ln>
+            <a:noFill/>
+          </a:ln>
+          <a:effectLst>
+            <a:outerShdw blurRad="50800" dist="38100" dir="5400000" algn="t" rotWithShape="0">
+              <a:prstClr val="black">
+                <a:alpha val="40000"/>
+              </a:prstClr>
+            </a:outerShdw>
+          </a:effectLst>
+        </p:spPr>
+        <p:style>
+          <a:lnRef idx="2">
+            <a:schemeClr val="accent1">
+              <a:shade val="50000"/>
+            </a:schemeClr>
+          </a:lnRef>
+          <a:fillRef idx="1">
+            <a:schemeClr val="accent1"/>
+          </a:fillRef>
+          <a:effectRef idx="0">
+            <a:schemeClr val="accent1"/>
+          </a:effectRef>
+          <a:fontRef idx="minor">
+            <a:schemeClr val="lt1"/>
+          </a:fontRef>
+        </p:style>
+        <p:txBody>
+          <a:bodyPr rot="0" spcFirstLastPara="0" vertOverflow="overflow" horzOverflow="overflow" vert="horz" wrap="square" lIns="91440" tIns="45720" rIns="91440" bIns="45720" numCol="1" spcCol="0" rtlCol="0" fromWordArt="0" anchor="ctr" anchorCtr="0" forceAA="0" compatLnSpc="1">
+            <a:prstTxWarp prst="textNoShape">
+              <a:avLst/>
+            </a:prstTxWarp>
+            <a:noAutofit/>
+          </a:bodyPr>
+          <a:lstStyle/>
+          <a:p>
+            <a:pPr marL="0" marR="0" lvl="0" indent="0" algn="ctr" defTabSz="914400" rtl="0" eaLnBrk="1" fontAlgn="auto" latinLnBrk="0" hangingPunct="1">
+              <a:lnSpc>
+                <a:spcPct val="100000"/>
+              </a:lnSpc>
+              <a:spcBef>
+                <a:spcPts val="0"/>
+              </a:spcBef>
+              <a:spcAft>
+                <a:spcPts val="0"/>
+              </a:spcAft>
+              <a:buClrTx/>
+              <a:buSzTx/>
+              <a:buFontTx/>
+              <a:buNone/>
+              <a:tabLst/>
+              <a:defRPr/>
+            </a:pPr>
+            <a:endParaRPr kumimoji="0" lang="ko-KR" altLang="en-US" sz="1800" b="0" i="0" u="none" strike="noStrike" kern="1200" cap="none" spc="0" normalizeH="0" baseline="0" noProof="0" dirty="0">
+              <a:ln>
+                <a:noFill/>
+              </a:ln>
+              <a:solidFill>
+                <a:prstClr val="white"/>
+              </a:solidFill>
+              <a:effectLst/>
+              <a:uLnTx/>
+              <a:uFillTx/>
+              <a:latin typeface="Arial"/>
+              <a:cs typeface="+mn-cs"/>
+            </a:endParaRPr>
+          </a:p>
+        </p:txBody>
+      </p:sp>
+      <p:sp>
+        <p:nvSpPr>
+          <p:cNvPr id="477" name="Rounded Rectangle 13">
+            <a:extLst>
+              <a:ext uri="{FF2B5EF4-FFF2-40B4-BE49-F238E27FC236}">
+                <a16:creationId xmlns:a16="http://schemas.microsoft.com/office/drawing/2014/main" id="{8ABFEC12-0AA7-421E-9658-8A92B893E6BA}"/>
+              </a:ext>
+            </a:extLst>
+          </p:cNvPr>
+          <p:cNvSpPr/>
+          <p:nvPr/>
+        </p:nvSpPr>
+        <p:spPr>
+          <a:xfrm>
+            <a:off x="6673956" y="4084881"/>
+            <a:ext cx="5119886" cy="1103428"/>
+          </a:xfrm>
+          <a:custGeom>
+            <a:avLst/>
+            <a:gdLst/>
+            <a:ahLst/>
+            <a:cxnLst/>
+            <a:rect l="l" t="t" r="r" b="b"/>
+            <a:pathLst>
+              <a:path w="4320480" h="1296000">
+                <a:moveTo>
+                  <a:pt x="291768" y="0"/>
+                </a:moveTo>
+                <a:lnTo>
+                  <a:pt x="4028712" y="0"/>
+                </a:lnTo>
+                <a:cubicBezTo>
+                  <a:pt x="4189851" y="0"/>
+                  <a:pt x="4320480" y="130629"/>
+                  <a:pt x="4320480" y="291768"/>
+                </a:cubicBezTo>
+                <a:lnTo>
+                  <a:pt x="4320480" y="1004232"/>
+                </a:lnTo>
+                <a:cubicBezTo>
+                  <a:pt x="4320480" y="1165371"/>
+                  <a:pt x="4189851" y="1296000"/>
+                  <a:pt x="4028712" y="1296000"/>
+                </a:cubicBezTo>
+                <a:lnTo>
+                  <a:pt x="291768" y="1296000"/>
+                </a:lnTo>
+                <a:cubicBezTo>
+                  <a:pt x="130629" y="1296000"/>
+                  <a:pt x="0" y="1165371"/>
+                  <a:pt x="0" y="1004232"/>
+                </a:cubicBezTo>
+                <a:lnTo>
+                  <a:pt x="0" y="769158"/>
+                </a:lnTo>
+                <a:lnTo>
+                  <a:pt x="405756" y="769158"/>
+                </a:lnTo>
+                <a:lnTo>
+                  <a:pt x="405756" y="890316"/>
+                </a:lnTo>
+                <a:lnTo>
+                  <a:pt x="648072" y="648000"/>
+                </a:lnTo>
+                <a:lnTo>
+                  <a:pt x="405756" y="405684"/>
+                </a:lnTo>
+                <a:lnTo>
+                  <a:pt x="405756" y="526842"/>
+                </a:lnTo>
+                <a:lnTo>
+                  <a:pt x="0" y="526842"/>
+                </a:lnTo>
+                <a:lnTo>
+                  <a:pt x="0" y="291768"/>
+                </a:lnTo>
+                <a:cubicBezTo>
+                  <a:pt x="0" y="130629"/>
+                  <a:pt x="130629" y="0"/>
+                  <a:pt x="291768" y="0"/>
+                </a:cubicBezTo>
+                <a:close/>
+              </a:path>
+            </a:pathLst>
+          </a:custGeom>
+          <a:solidFill>
+            <a:schemeClr val="accent2"/>
+          </a:solidFill>
+          <a:ln>
+            <a:noFill/>
+          </a:ln>
+          <a:effectLst>
+            <a:outerShdw blurRad="50800" dist="38100" dir="5400000" algn="t" rotWithShape="0">
+              <a:prstClr val="black">
+                <a:alpha val="40000"/>
+              </a:prstClr>
+            </a:outerShdw>
+          </a:effectLst>
+        </p:spPr>
+        <p:style>
+          <a:lnRef idx="2">
+            <a:schemeClr val="accent1">
+              <a:shade val="50000"/>
+            </a:schemeClr>
+          </a:lnRef>
+          <a:fillRef idx="1">
+            <a:schemeClr val="accent1"/>
+          </a:fillRef>
+          <a:effectRef idx="0">
+            <a:schemeClr val="accent1"/>
+          </a:effectRef>
+          <a:fontRef idx="minor">
+            <a:schemeClr val="lt1"/>
+          </a:fontRef>
+        </p:style>
+        <p:txBody>
+          <a:bodyPr rot="0" spcFirstLastPara="0" vertOverflow="overflow" horzOverflow="overflow" vert="horz" wrap="square" lIns="91440" tIns="45720" rIns="91440" bIns="45720" numCol="1" spcCol="0" rtlCol="0" fromWordArt="0" anchor="ctr" anchorCtr="0" forceAA="0" compatLnSpc="1">
+            <a:prstTxWarp prst="textNoShape">
+              <a:avLst/>
+            </a:prstTxWarp>
+            <a:noAutofit/>
+          </a:bodyPr>
+          <a:lstStyle/>
+          <a:p>
+            <a:pPr marL="0" marR="0" lvl="0" indent="0" algn="ctr" defTabSz="914400" rtl="0" eaLnBrk="1" fontAlgn="auto" latinLnBrk="0" hangingPunct="1">
+              <a:lnSpc>
+                <a:spcPct val="100000"/>
+              </a:lnSpc>
+              <a:spcBef>
+                <a:spcPts val="0"/>
+              </a:spcBef>
+              <a:spcAft>
+                <a:spcPts val="0"/>
+              </a:spcAft>
+              <a:buClrTx/>
+              <a:buSzTx/>
+              <a:buFontTx/>
+              <a:buNone/>
+              <a:tabLst/>
+              <a:defRPr/>
+            </a:pPr>
+            <a:endParaRPr kumimoji="0" lang="ko-KR" altLang="en-US" sz="1800" b="0" i="0" u="none" strike="noStrike" kern="1200" cap="none" spc="0" normalizeH="0" baseline="0" noProof="0" dirty="0">
+              <a:ln>
+                <a:noFill/>
+              </a:ln>
+              <a:solidFill>
+                <a:prstClr val="white"/>
+              </a:solidFill>
+              <a:effectLst/>
+              <a:uLnTx/>
+              <a:uFillTx/>
+              <a:latin typeface="Arial"/>
+              <a:cs typeface="+mn-cs"/>
+            </a:endParaRPr>
+          </a:p>
+        </p:txBody>
+      </p:sp>
+      <p:sp>
+        <p:nvSpPr>
+          <p:cNvPr id="478" name="Rounded Rectangle 14">
+            <a:extLst>
+              <a:ext uri="{FF2B5EF4-FFF2-40B4-BE49-F238E27FC236}">
+                <a16:creationId xmlns:a16="http://schemas.microsoft.com/office/drawing/2014/main" id="{B7FDBF27-81F7-4735-8329-3C116EBBE482}"/>
+              </a:ext>
+            </a:extLst>
+          </p:cNvPr>
+          <p:cNvSpPr/>
+          <p:nvPr/>
+        </p:nvSpPr>
+        <p:spPr>
+          <a:xfrm>
+            <a:off x="6666980" y="5355547"/>
+            <a:ext cx="5119886" cy="1103428"/>
+          </a:xfrm>
+          <a:custGeom>
+            <a:avLst/>
+            <a:gdLst/>
+            <a:ahLst/>
+            <a:cxnLst/>
+            <a:rect l="l" t="t" r="r" b="b"/>
+            <a:pathLst>
+              <a:path w="4320480" h="1296000">
+                <a:moveTo>
+                  <a:pt x="291768" y="0"/>
+                </a:moveTo>
+                <a:lnTo>
+                  <a:pt x="4028712" y="0"/>
+                </a:lnTo>
+                <a:cubicBezTo>
+                  <a:pt x="4189851" y="0"/>
+                  <a:pt x="4320480" y="130629"/>
+                  <a:pt x="4320480" y="291768"/>
+                </a:cubicBezTo>
+                <a:lnTo>
+                  <a:pt x="4320480" y="1004232"/>
+                </a:lnTo>
+                <a:cubicBezTo>
+                  <a:pt x="4320480" y="1165371"/>
+                  <a:pt x="4189851" y="1296000"/>
+                  <a:pt x="4028712" y="1296000"/>
+                </a:cubicBezTo>
+                <a:lnTo>
+                  <a:pt x="291768" y="1296000"/>
+                </a:lnTo>
+                <a:cubicBezTo>
+                  <a:pt x="130629" y="1296000"/>
+                  <a:pt x="0" y="1165371"/>
+                  <a:pt x="0" y="1004232"/>
+                </a:cubicBezTo>
+                <a:lnTo>
+                  <a:pt x="0" y="769158"/>
+                </a:lnTo>
+                <a:lnTo>
+                  <a:pt x="405756" y="769158"/>
+                </a:lnTo>
+                <a:lnTo>
+                  <a:pt x="405756" y="890316"/>
+                </a:lnTo>
+                <a:lnTo>
+                  <a:pt x="648072" y="648000"/>
+                </a:lnTo>
+                <a:lnTo>
+                  <a:pt x="405756" y="405684"/>
+                </a:lnTo>
+                <a:lnTo>
+                  <a:pt x="405756" y="526842"/>
+                </a:lnTo>
+                <a:lnTo>
+                  <a:pt x="0" y="526842"/>
+                </a:lnTo>
+                <a:lnTo>
+                  <a:pt x="0" y="291768"/>
+                </a:lnTo>
+                <a:cubicBezTo>
+                  <a:pt x="0" y="130629"/>
+                  <a:pt x="130629" y="0"/>
+                  <a:pt x="291768" y="0"/>
+                </a:cubicBezTo>
+                <a:close/>
+              </a:path>
+            </a:pathLst>
+          </a:custGeom>
+          <a:solidFill>
+            <a:schemeClr val="accent3"/>
+          </a:solidFill>
+          <a:ln>
+            <a:noFill/>
+          </a:ln>
+          <a:effectLst>
+            <a:outerShdw blurRad="50800" dist="38100" dir="5400000" algn="t" rotWithShape="0">
+              <a:prstClr val="black">
+                <a:alpha val="40000"/>
+              </a:prstClr>
+            </a:outerShdw>
+          </a:effectLst>
+        </p:spPr>
+        <p:style>
+          <a:lnRef idx="2">
+            <a:schemeClr val="accent1">
+              <a:shade val="50000"/>
+            </a:schemeClr>
+          </a:lnRef>
+          <a:fillRef idx="1">
+            <a:schemeClr val="accent1"/>
+          </a:fillRef>
+          <a:effectRef idx="0">
+            <a:schemeClr val="accent1"/>
+          </a:effectRef>
+          <a:fontRef idx="minor">
+            <a:schemeClr val="lt1"/>
+          </a:fontRef>
+        </p:style>
+        <p:txBody>
+          <a:bodyPr rot="0" spcFirstLastPara="0" vertOverflow="overflow" horzOverflow="overflow" vert="horz" wrap="square" lIns="91440" tIns="45720" rIns="91440" bIns="45720" numCol="1" spcCol="0" rtlCol="0" fromWordArt="0" anchor="ctr" anchorCtr="0" forceAA="0" compatLnSpc="1">
+            <a:prstTxWarp prst="textNoShape">
+              <a:avLst/>
+            </a:prstTxWarp>
+            <a:noAutofit/>
+          </a:bodyPr>
+          <a:lstStyle/>
+          <a:p>
+            <a:pPr marL="0" marR="0" lvl="0" indent="0" algn="ctr" defTabSz="914400" rtl="0" eaLnBrk="1" fontAlgn="auto" latinLnBrk="0" hangingPunct="1">
+              <a:lnSpc>
+                <a:spcPct val="100000"/>
+              </a:lnSpc>
+              <a:spcBef>
+                <a:spcPts val="0"/>
+              </a:spcBef>
+              <a:spcAft>
+                <a:spcPts val="0"/>
+              </a:spcAft>
+              <a:buClrTx/>
+              <a:buSzTx/>
+              <a:buFontTx/>
+              <a:buNone/>
+              <a:tabLst/>
+              <a:defRPr/>
+            </a:pPr>
+            <a:endParaRPr kumimoji="0" lang="ko-KR" altLang="en-US" sz="1800" b="0" i="0" u="none" strike="noStrike" kern="1200" cap="none" spc="0" normalizeH="0" baseline="0" noProof="0" dirty="0">
+              <a:ln>
+                <a:noFill/>
+              </a:ln>
+              <a:solidFill>
+                <a:prstClr val="white"/>
+              </a:solidFill>
+              <a:effectLst/>
+              <a:uLnTx/>
+              <a:uFillTx/>
+              <a:latin typeface="Arial"/>
+              <a:cs typeface="+mn-cs"/>
+            </a:endParaRPr>
+          </a:p>
+        </p:txBody>
+      </p:sp>
+      <p:sp>
+        <p:nvSpPr>
+          <p:cNvPr id="481" name="TextBox 480">
+            <a:extLst>
+              <a:ext uri="{FF2B5EF4-FFF2-40B4-BE49-F238E27FC236}">
+                <a16:creationId xmlns:a16="http://schemas.microsoft.com/office/drawing/2014/main" id="{1DC34B9B-C8EF-4123-8371-3F636387C14A}"/>
+              </a:ext>
+            </a:extLst>
+          </p:cNvPr>
+          <p:cNvSpPr txBox="1"/>
+          <p:nvPr/>
+        </p:nvSpPr>
+        <p:spPr>
+          <a:xfrm>
+            <a:off x="7584364" y="3081065"/>
+            <a:ext cx="3865675" cy="461665"/>
+          </a:xfrm>
+          <a:prstGeom prst="rect">
+            <a:avLst/>
+          </a:prstGeom>
+          <a:noFill/>
+        </p:spPr>
+        <p:txBody>
+          <a:bodyPr wrap="square" rtlCol="0">
+            <a:spAutoFit/>
+          </a:bodyPr>
+          <a:lstStyle/>
+          <a:p>
+            <a:pPr marL="0" marR="0" lvl="0" indent="0" algn="l" defTabSz="914400" rtl="0" eaLnBrk="1" fontAlgn="auto" latinLnBrk="0" hangingPunct="1">
+              <a:lnSpc>
+                <a:spcPct val="100000"/>
+              </a:lnSpc>
+              <a:spcBef>
+                <a:spcPts val="0"/>
+              </a:spcBef>
+              <a:spcAft>
+                <a:spcPts val="0"/>
+              </a:spcAft>
+              <a:buClrTx/>
+              <a:buSzTx/>
+              <a:buFontTx/>
+              <a:buNone/>
+              <a:tabLst/>
+              <a:defRPr/>
+            </a:pPr>
             <a:r>
-              <a:rPr lang="en-US" dirty="0" smtClean="0"/>
-              <a:t>Fin</a:t>
+              <a:rPr lang="en-US" altLang="ko-KR" sz="2400" b="1" dirty="0" smtClean="0">
+                <a:solidFill>
+                  <a:prstClr val="white"/>
+                </a:solidFill>
+                <a:latin typeface="+mj-lt"/>
+                <a:cs typeface="Arial" pitchFamily="34" charset="0"/>
+              </a:rPr>
+              <a:t>Filtration</a:t>
             </a:r>
-            <a:endParaRPr lang="en-US" dirty="0"/>
+            <a:endParaRPr kumimoji="0" lang="ko-KR" altLang="en-US" sz="2400" b="1" i="0" u="none" strike="noStrike" kern="1200" cap="none" spc="0" normalizeH="0" baseline="0" noProof="0" dirty="0">
+              <a:ln>
+                <a:noFill/>
+              </a:ln>
+              <a:solidFill>
+                <a:prstClr val="white"/>
+              </a:solidFill>
+              <a:effectLst/>
+              <a:uLnTx/>
+              <a:uFillTx/>
+              <a:latin typeface="+mj-lt"/>
+              <a:cs typeface="Arial" pitchFamily="34" charset="0"/>
+            </a:endParaRPr>
+          </a:p>
+        </p:txBody>
+      </p:sp>
+      <p:sp>
+        <p:nvSpPr>
+          <p:cNvPr id="484" name="TextBox 483">
+            <a:extLst>
+              <a:ext uri="{FF2B5EF4-FFF2-40B4-BE49-F238E27FC236}">
+                <a16:creationId xmlns:a16="http://schemas.microsoft.com/office/drawing/2014/main" id="{50A111B3-2FBE-4FDC-A070-95B2027CA18B}"/>
+              </a:ext>
+            </a:extLst>
+          </p:cNvPr>
+          <p:cNvSpPr txBox="1"/>
+          <p:nvPr/>
+        </p:nvSpPr>
+        <p:spPr>
+          <a:xfrm>
+            <a:off x="7584363" y="4397010"/>
+            <a:ext cx="3865674" cy="461665"/>
+          </a:xfrm>
+          <a:prstGeom prst="rect">
+            <a:avLst/>
+          </a:prstGeom>
+          <a:noFill/>
+        </p:spPr>
+        <p:txBody>
+          <a:bodyPr wrap="square" rtlCol="0">
+            <a:spAutoFit/>
+          </a:bodyPr>
+          <a:lstStyle/>
+          <a:p>
+            <a:pPr lvl="0">
+              <a:defRPr/>
+            </a:pPr>
+            <a:r>
+              <a:rPr lang="en-US" altLang="ko-KR" sz="2400" b="1" dirty="0" smtClean="0">
+                <a:solidFill>
+                  <a:prstClr val="white"/>
+                </a:solidFill>
+                <a:cs typeface="Arial" pitchFamily="34" charset="0"/>
+              </a:rPr>
+              <a:t>Feature Extraction</a:t>
+            </a:r>
+            <a:endParaRPr lang="ko-KR" altLang="en-US" sz="2400" b="1" dirty="0">
+              <a:solidFill>
+                <a:prstClr val="white"/>
+              </a:solidFill>
+              <a:cs typeface="Arial" pitchFamily="34" charset="0"/>
+            </a:endParaRPr>
+          </a:p>
+        </p:txBody>
+      </p:sp>
+      <p:sp>
+        <p:nvSpPr>
+          <p:cNvPr id="487" name="TextBox 486">
+            <a:extLst>
+              <a:ext uri="{FF2B5EF4-FFF2-40B4-BE49-F238E27FC236}">
+                <a16:creationId xmlns:a16="http://schemas.microsoft.com/office/drawing/2014/main" id="{0ACDBFED-35D8-4898-9ABB-36E12BE9C15A}"/>
+              </a:ext>
+            </a:extLst>
+          </p:cNvPr>
+          <p:cNvSpPr txBox="1"/>
+          <p:nvPr/>
+        </p:nvSpPr>
+        <p:spPr>
+          <a:xfrm>
+            <a:off x="7584363" y="5653834"/>
+            <a:ext cx="3865675" cy="461665"/>
+          </a:xfrm>
+          <a:prstGeom prst="rect">
+            <a:avLst/>
+          </a:prstGeom>
+          <a:noFill/>
+        </p:spPr>
+        <p:txBody>
+          <a:bodyPr wrap="square" rtlCol="0">
+            <a:spAutoFit/>
+          </a:bodyPr>
+          <a:lstStyle/>
+          <a:p>
+            <a:pPr lvl="0">
+              <a:defRPr/>
+            </a:pPr>
+            <a:r>
+              <a:rPr lang="en-US" altLang="ko-KR" sz="2400" b="1" dirty="0" smtClean="0">
+                <a:solidFill>
+                  <a:prstClr val="white"/>
+                </a:solidFill>
+                <a:cs typeface="Arial" pitchFamily="34" charset="0"/>
+              </a:rPr>
+              <a:t>Prediction From Model</a:t>
+            </a:r>
           </a:p>
         </p:txBody>
       </p:sp>
       <p:pic>
         <p:nvPicPr>
-          <p:cNvPr id="4" name="Picture 3"/>
+          <p:cNvPr id="25" name="Picture 24"/>
           <p:cNvPicPr>
             <a:picLocks noChangeAspect="1"/>
           </p:cNvPicPr>
@@ -35138,13 +38088,13 @@
               </a:ext>
             </a:extLst>
           </a:blip>
-          <a:srcRect l="2043" t="13473" r="28910" b="6439"/>
+          <a:srcRect l="51388" t="21094" r="16859" b="20716"/>
           <a:stretch/>
         </p:blipFill>
         <p:spPr>
           <a:xfrm rot="5400000">
-            <a:off x="6596235" y="1666023"/>
-            <a:ext cx="1549324" cy="1417681"/>
+            <a:off x="2204768" y="3632419"/>
+            <a:ext cx="1550179" cy="2149751"/>
           </a:xfrm>
           <a:prstGeom prst="rect">
             <a:avLst/>
@@ -35153,7 +38103,7 @@
       </p:pic>
       <p:pic>
         <p:nvPicPr>
-          <p:cNvPr id="5" name="Picture 4" title="Wrist Extension"/>
+          <p:cNvPr id="26" name="Picture 25"/>
           <p:cNvPicPr>
             <a:picLocks noChangeAspect="1"/>
           </p:cNvPicPr>
@@ -35167,13 +38117,13 @@
               </a:ext>
             </a:extLst>
           </a:blip>
-          <a:srcRect l="20381" t="137" r="24000" b="5894"/>
+          <a:srcRect l="2043" t="13473" r="28910" b="6439"/>
           <a:stretch/>
         </p:blipFill>
         <p:spPr>
           <a:xfrm rot="5400000">
-            <a:off x="8495673" y="1393272"/>
-            <a:ext cx="1549328" cy="1963187"/>
+            <a:off x="140287" y="2155504"/>
+            <a:ext cx="1826467" cy="1694619"/>
           </a:xfrm>
           <a:prstGeom prst="rect">
             <a:avLst/>
@@ -35182,13 +38132,13 @@
       </p:pic>
       <p:pic>
         <p:nvPicPr>
-          <p:cNvPr id="6" name="Picture 5"/>
+          <p:cNvPr id="27" name="Picture 26" title="Wrist Extension"/>
           <p:cNvPicPr>
             <a:picLocks noChangeAspect="1"/>
           </p:cNvPicPr>
           <p:nvPr/>
         </p:nvPicPr>
-        <p:blipFill>
+        <p:blipFill rotWithShape="1">
           <a:blip r:embed="rId4" cstate="print">
             <a:extLst>
               <a:ext uri="{28A0092B-C50C-407E-A947-70E740481C1C}">
@@ -35196,14 +38146,13 @@
               </a:ext>
             </a:extLst>
           </a:blip>
-          <a:stretch>
-            <a:fillRect/>
-          </a:stretch>
+          <a:srcRect l="20381" t="137" r="24000" b="5894"/>
+          <a:stretch/>
         </p:blipFill>
         <p:spPr>
           <a:xfrm rot="5400000">
-            <a:off x="6832596" y="3983175"/>
-            <a:ext cx="2912292" cy="2184219"/>
+            <a:off x="2071787" y="1933100"/>
+            <a:ext cx="1841678" cy="2124216"/>
           </a:xfrm>
           <a:prstGeom prst="rect">
             <a:avLst/>
@@ -35212,13 +38161,13 @@
       </p:pic>
       <p:pic>
         <p:nvPicPr>
-          <p:cNvPr id="7" name="Picture 6"/>
+          <p:cNvPr id="28" name="Picture 27"/>
           <p:cNvPicPr>
             <a:picLocks noChangeAspect="1"/>
           </p:cNvPicPr>
           <p:nvPr/>
         </p:nvPicPr>
-        <p:blipFill>
+        <p:blipFill rotWithShape="1">
           <a:blip r:embed="rId5" cstate="print">
             <a:extLst>
               <a:ext uri="{28A0092B-C50C-407E-A947-70E740481C1C}">
@@ -35226,24 +38175,744 @@
               </a:ext>
             </a:extLst>
           </a:blip>
-          <a:stretch>
-            <a:fillRect/>
-          </a:stretch>
+          <a:srcRect l="25913" t="19633" r="32743" b="19051"/>
+          <a:stretch/>
         </p:blipFill>
         <p:spPr>
           <a:xfrm rot="5400000">
-            <a:off x="9653785" y="4108321"/>
-            <a:ext cx="1961112" cy="1470834"/>
+            <a:off x="297243" y="3845147"/>
+            <a:ext cx="1550178" cy="1724297"/>
           </a:xfrm>
           <a:prstGeom prst="rect">
             <a:avLst/>
           </a:prstGeom>
         </p:spPr>
       </p:pic>
+      <p:sp>
+        <p:nvSpPr>
+          <p:cNvPr id="2" name="TextBox 1"/>
+          <p:cNvSpPr txBox="1"/>
+          <p:nvPr/>
+        </p:nvSpPr>
+        <p:spPr>
+          <a:xfrm>
+            <a:off x="85934" y="3423455"/>
+            <a:ext cx="1898814" cy="615553"/>
+          </a:xfrm>
+          <a:prstGeom prst="rect">
+            <a:avLst/>
+          </a:prstGeom>
+          <a:noFill/>
+        </p:spPr>
+        <p:txBody>
+          <a:bodyPr wrap="square" rtlCol="0">
+            <a:spAutoFit/>
+          </a:bodyPr>
+          <a:lstStyle/>
+          <a:p>
+            <a:pPr marL="0" marR="0" lvl="0" indent="0" algn="ctr" defTabSz="914400" rtl="0" eaLnBrk="1" fontAlgn="auto" latinLnBrk="0" hangingPunct="1">
+              <a:lnSpc>
+                <a:spcPct val="100000"/>
+              </a:lnSpc>
+              <a:spcBef>
+                <a:spcPts val="0"/>
+              </a:spcBef>
+              <a:spcAft>
+                <a:spcPts val="0"/>
+              </a:spcAft>
+              <a:buClrTx/>
+              <a:buSzTx/>
+              <a:buFontTx/>
+              <a:buNone/>
+              <a:tabLst/>
+              <a:defRPr/>
+            </a:pPr>
+            <a:r>
+              <a:rPr kumimoji="0" lang="en-US" altLang="ko-KR" sz="1600" b="1" i="0" u="none" strike="noStrike" kern="1200" cap="none" spc="0" normalizeH="0" baseline="0" noProof="0" dirty="0" smtClean="0">
+                <a:ln>
+                  <a:noFill/>
+                </a:ln>
+                <a:solidFill>
+                  <a:srgbClr val="E62601"/>
+                </a:solidFill>
+                <a:effectLst/>
+                <a:uLnTx/>
+                <a:uFillTx/>
+                <a:latin typeface="Arial"/>
+                <a:cs typeface="Arial" pitchFamily="34" charset="0"/>
+              </a:rPr>
+              <a:t>1-Finger </a:t>
+            </a:r>
+            <a:r>
+              <a:rPr kumimoji="0" lang="en-US" altLang="ko-KR" sz="1600" b="1" i="0" u="none" strike="noStrike" kern="1200" cap="none" spc="0" normalizeH="0" baseline="0" noProof="0" dirty="0">
+                <a:ln>
+                  <a:noFill/>
+                </a:ln>
+                <a:solidFill>
+                  <a:srgbClr val="E62601"/>
+                </a:solidFill>
+                <a:effectLst/>
+                <a:uLnTx/>
+                <a:uFillTx/>
+                <a:latin typeface="Arial"/>
+                <a:cs typeface="Arial" pitchFamily="34" charset="0"/>
+              </a:rPr>
+              <a:t>Spread</a:t>
+            </a:r>
+            <a:endParaRPr kumimoji="0" lang="ko-KR" altLang="en-US" sz="1600" b="1" i="0" u="none" strike="noStrike" kern="1200" cap="none" spc="0" normalizeH="0" baseline="0" noProof="0" dirty="0">
+              <a:ln>
+                <a:noFill/>
+              </a:ln>
+              <a:solidFill>
+                <a:srgbClr val="E62601"/>
+              </a:solidFill>
+              <a:effectLst/>
+              <a:uLnTx/>
+              <a:uFillTx/>
+              <a:latin typeface="Arial"/>
+              <a:cs typeface="Arial" pitchFamily="34" charset="0"/>
+            </a:endParaRPr>
+          </a:p>
+          <a:p>
+            <a:pPr marL="0" marR="0" lvl="0" indent="0" algn="l" defTabSz="914400" rtl="0" eaLnBrk="1" fontAlgn="auto" latinLnBrk="0" hangingPunct="1">
+              <a:lnSpc>
+                <a:spcPct val="100000"/>
+              </a:lnSpc>
+              <a:spcBef>
+                <a:spcPts val="0"/>
+              </a:spcBef>
+              <a:spcAft>
+                <a:spcPts val="0"/>
+              </a:spcAft>
+              <a:buClrTx/>
+              <a:buSzTx/>
+              <a:buFontTx/>
+              <a:buNone/>
+              <a:tabLst/>
+              <a:defRPr/>
+            </a:pPr>
+            <a:endParaRPr kumimoji="0" lang="en-US" sz="1800" b="0" i="0" u="none" strike="noStrike" kern="1200" cap="none" spc="0" normalizeH="0" baseline="0" noProof="0" dirty="0">
+              <a:ln>
+                <a:noFill/>
+              </a:ln>
+              <a:solidFill>
+                <a:srgbClr val="000000"/>
+              </a:solidFill>
+              <a:effectLst/>
+              <a:uLnTx/>
+              <a:uFillTx/>
+              <a:latin typeface="Arial"/>
+              <a:cs typeface="+mn-cs"/>
+            </a:endParaRPr>
+          </a:p>
+        </p:txBody>
+      </p:sp>
+      <p:sp>
+        <p:nvSpPr>
+          <p:cNvPr id="5" name="TextBox 4"/>
+          <p:cNvSpPr txBox="1"/>
+          <p:nvPr/>
+        </p:nvSpPr>
+        <p:spPr>
+          <a:xfrm>
+            <a:off x="2068975" y="3521185"/>
+            <a:ext cx="1915396" cy="338554"/>
+          </a:xfrm>
+          <a:prstGeom prst="rect">
+            <a:avLst/>
+          </a:prstGeom>
+          <a:noFill/>
+        </p:spPr>
+        <p:txBody>
+          <a:bodyPr wrap="none" rtlCol="0">
+            <a:spAutoFit/>
+          </a:bodyPr>
+          <a:lstStyle/>
+          <a:p>
+            <a:pPr marL="0" marR="0" lvl="0" indent="0" algn="l" defTabSz="914400" rtl="0" eaLnBrk="1" fontAlgn="auto" latinLnBrk="0" hangingPunct="1">
+              <a:lnSpc>
+                <a:spcPct val="100000"/>
+              </a:lnSpc>
+              <a:spcBef>
+                <a:spcPts val="0"/>
+              </a:spcBef>
+              <a:spcAft>
+                <a:spcPts val="0"/>
+              </a:spcAft>
+              <a:buClrTx/>
+              <a:buSzTx/>
+              <a:buFontTx/>
+              <a:buNone/>
+              <a:tabLst/>
+              <a:defRPr/>
+            </a:pPr>
+            <a:r>
+              <a:rPr kumimoji="0" lang="en-US" altLang="ko-KR" sz="1600" b="1" i="0" u="none" strike="noStrike" kern="1200" cap="none" spc="0" normalizeH="0" baseline="0" noProof="0" dirty="0">
+                <a:ln>
+                  <a:noFill/>
+                </a:ln>
+                <a:solidFill>
+                  <a:srgbClr val="FFFF00"/>
+                </a:solidFill>
+                <a:effectLst/>
+                <a:uLnTx/>
+                <a:uFillTx/>
+                <a:latin typeface="Arial"/>
+                <a:cs typeface="Arial" pitchFamily="34" charset="0"/>
+              </a:rPr>
+              <a:t>2-Wrist Extension</a:t>
+            </a:r>
+            <a:endParaRPr kumimoji="0" lang="en-US" sz="1800" b="0" i="0" u="none" strike="noStrike" kern="1200" cap="none" spc="0" normalizeH="0" baseline="0" noProof="0" dirty="0">
+              <a:ln>
+                <a:noFill/>
+              </a:ln>
+              <a:solidFill>
+                <a:srgbClr val="FFFF00"/>
+              </a:solidFill>
+              <a:effectLst/>
+              <a:uLnTx/>
+              <a:uFillTx/>
+              <a:latin typeface="Arial"/>
+              <a:cs typeface="+mn-cs"/>
+            </a:endParaRPr>
+          </a:p>
+        </p:txBody>
+      </p:sp>
+      <p:sp>
+        <p:nvSpPr>
+          <p:cNvPr id="6" name="TextBox 5"/>
+          <p:cNvSpPr txBox="1"/>
+          <p:nvPr/>
+        </p:nvSpPr>
+        <p:spPr>
+          <a:xfrm>
+            <a:off x="201497" y="4953275"/>
+            <a:ext cx="1984747" cy="584775"/>
+          </a:xfrm>
+          <a:prstGeom prst="rect">
+            <a:avLst/>
+          </a:prstGeom>
+          <a:noFill/>
+        </p:spPr>
+        <p:txBody>
+          <a:bodyPr wrap="square" rtlCol="0">
+            <a:spAutoFit/>
+          </a:bodyPr>
+          <a:lstStyle/>
+          <a:p>
+            <a:pPr marL="0" marR="0" lvl="0" indent="0" algn="l" defTabSz="914400" rtl="0" eaLnBrk="1" fontAlgn="auto" latinLnBrk="0" hangingPunct="1">
+              <a:lnSpc>
+                <a:spcPct val="100000"/>
+              </a:lnSpc>
+              <a:spcBef>
+                <a:spcPts val="0"/>
+              </a:spcBef>
+              <a:spcAft>
+                <a:spcPts val="0"/>
+              </a:spcAft>
+              <a:buClrTx/>
+              <a:buSzTx/>
+              <a:buFontTx/>
+              <a:buNone/>
+              <a:tabLst/>
+              <a:defRPr/>
+            </a:pPr>
+            <a:r>
+              <a:rPr lang="en-US" altLang="ko-KR" sz="1600" b="1" dirty="0">
+                <a:solidFill>
+                  <a:srgbClr val="002060"/>
+                </a:solidFill>
+                <a:latin typeface="Arial"/>
+                <a:cs typeface="Arial" pitchFamily="34" charset="0"/>
+              </a:rPr>
+              <a:t>3</a:t>
+            </a:r>
+            <a:r>
+              <a:rPr kumimoji="0" lang="en-US" altLang="ko-KR" sz="1600" b="1" i="0" u="none" strike="noStrike" kern="1200" cap="none" spc="0" normalizeH="0" baseline="0" noProof="0" dirty="0" smtClean="0">
+                <a:ln>
+                  <a:noFill/>
+                </a:ln>
+                <a:solidFill>
+                  <a:srgbClr val="002060"/>
+                </a:solidFill>
+                <a:effectLst/>
+                <a:uLnTx/>
+                <a:uFillTx/>
+                <a:latin typeface="Arial"/>
+                <a:cs typeface="Arial" pitchFamily="34" charset="0"/>
+              </a:rPr>
+              <a:t>-Wrist </a:t>
+            </a:r>
+            <a:r>
+              <a:rPr kumimoji="0" lang="en-US" altLang="ko-KR" sz="1600" b="1" i="0" u="none" strike="noStrike" kern="1200" cap="none" spc="0" normalizeH="0" baseline="0" noProof="0" dirty="0">
+                <a:ln>
+                  <a:noFill/>
+                </a:ln>
+                <a:solidFill>
+                  <a:srgbClr val="002060"/>
+                </a:solidFill>
+                <a:effectLst/>
+                <a:uLnTx/>
+                <a:uFillTx/>
+                <a:latin typeface="Arial"/>
+                <a:cs typeface="Arial" pitchFamily="34" charset="0"/>
+              </a:rPr>
+              <a:t>Ulnar Deviation</a:t>
+            </a:r>
+            <a:endParaRPr kumimoji="0" lang="en-US" sz="1800" b="0" i="0" u="none" strike="noStrike" kern="1200" cap="none" spc="0" normalizeH="0" baseline="0" noProof="0" dirty="0">
+              <a:ln>
+                <a:noFill/>
+              </a:ln>
+              <a:solidFill>
+                <a:srgbClr val="000000"/>
+              </a:solidFill>
+              <a:effectLst/>
+              <a:uLnTx/>
+              <a:uFillTx/>
+              <a:latin typeface="Arial"/>
+              <a:cs typeface="+mn-cs"/>
+            </a:endParaRPr>
+          </a:p>
+        </p:txBody>
+      </p:sp>
+      <p:sp>
+        <p:nvSpPr>
+          <p:cNvPr id="7" name="TextBox 6"/>
+          <p:cNvSpPr txBox="1"/>
+          <p:nvPr/>
+        </p:nvSpPr>
+        <p:spPr>
+          <a:xfrm>
+            <a:off x="2531229" y="5143830"/>
+            <a:ext cx="811441" cy="338554"/>
+          </a:xfrm>
+          <a:prstGeom prst="rect">
+            <a:avLst/>
+          </a:prstGeom>
+          <a:noFill/>
+        </p:spPr>
+        <p:txBody>
+          <a:bodyPr wrap="none" rtlCol="0">
+            <a:spAutoFit/>
+          </a:bodyPr>
+          <a:lstStyle/>
+          <a:p>
+            <a:pPr marL="0" marR="0" lvl="0" indent="0" algn="l" defTabSz="914400" rtl="0" eaLnBrk="1" fontAlgn="auto" latinLnBrk="0" hangingPunct="1">
+              <a:lnSpc>
+                <a:spcPct val="100000"/>
+              </a:lnSpc>
+              <a:spcBef>
+                <a:spcPts val="0"/>
+              </a:spcBef>
+              <a:spcAft>
+                <a:spcPts val="0"/>
+              </a:spcAft>
+              <a:buClrTx/>
+              <a:buSzTx/>
+              <a:buFontTx/>
+              <a:buNone/>
+              <a:tabLst/>
+              <a:defRPr/>
+            </a:pPr>
+            <a:r>
+              <a:rPr kumimoji="0" lang="en-US" altLang="ko-KR" sz="1600" b="1" i="0" u="none" strike="noStrike" kern="1200" cap="none" spc="0" normalizeH="0" baseline="0" noProof="0" dirty="0" smtClean="0">
+                <a:ln>
+                  <a:noFill/>
+                </a:ln>
+                <a:solidFill>
+                  <a:srgbClr val="C208A7"/>
+                </a:solidFill>
+                <a:effectLst/>
+                <a:uLnTx/>
+                <a:uFillTx/>
+                <a:latin typeface="Arial"/>
+                <a:cs typeface="Arial" pitchFamily="34" charset="0"/>
+              </a:rPr>
+              <a:t>0-Rest</a:t>
+            </a:r>
+            <a:endParaRPr kumimoji="0" lang="en-US" sz="1800" b="0" i="0" u="none" strike="noStrike" kern="1200" cap="none" spc="0" normalizeH="0" baseline="0" noProof="0" dirty="0">
+              <a:ln>
+                <a:noFill/>
+              </a:ln>
+              <a:solidFill>
+                <a:srgbClr val="C208A7"/>
+              </a:solidFill>
+              <a:effectLst/>
+              <a:uLnTx/>
+              <a:uFillTx/>
+              <a:latin typeface="Arial"/>
+              <a:cs typeface="+mn-cs"/>
+            </a:endParaRPr>
+          </a:p>
+        </p:txBody>
+      </p:sp>
+      <p:sp>
+        <p:nvSpPr>
+          <p:cNvPr id="3" name="Down Arrow 2"/>
+          <p:cNvSpPr/>
+          <p:nvPr/>
+        </p:nvSpPr>
+        <p:spPr>
+          <a:xfrm>
+            <a:off x="8832709" y="3789744"/>
+            <a:ext cx="469079" cy="425506"/>
+          </a:xfrm>
+          <a:prstGeom prst="downArrow">
+            <a:avLst/>
+          </a:prstGeom>
+        </p:spPr>
+        <p:style>
+          <a:lnRef idx="2">
+            <a:schemeClr val="accent1">
+              <a:shade val="50000"/>
+            </a:schemeClr>
+          </a:lnRef>
+          <a:fillRef idx="1">
+            <a:schemeClr val="accent1"/>
+          </a:fillRef>
+          <a:effectRef idx="0">
+            <a:schemeClr val="accent1"/>
+          </a:effectRef>
+          <a:fontRef idx="minor">
+            <a:schemeClr val="lt1"/>
+          </a:fontRef>
+        </p:style>
+        <p:txBody>
+          <a:bodyPr rtlCol="0" anchor="ctr"/>
+          <a:lstStyle/>
+          <a:p>
+            <a:pPr algn="ctr"/>
+            <a:endParaRPr lang="en-US"/>
+          </a:p>
+        </p:txBody>
+      </p:sp>
+      <p:sp>
+        <p:nvSpPr>
+          <p:cNvPr id="8" name="Down Arrow 7"/>
+          <p:cNvSpPr/>
+          <p:nvPr/>
+        </p:nvSpPr>
+        <p:spPr>
+          <a:xfrm>
+            <a:off x="8832709" y="5131620"/>
+            <a:ext cx="469080" cy="447854"/>
+          </a:xfrm>
+          <a:prstGeom prst="downArrow">
+            <a:avLst/>
+          </a:prstGeom>
+          <a:solidFill>
+            <a:schemeClr val="accent3">
+              <a:lumMod val="60000"/>
+              <a:lumOff val="40000"/>
+            </a:schemeClr>
+          </a:solidFill>
+        </p:spPr>
+        <p:style>
+          <a:lnRef idx="2">
+            <a:schemeClr val="accent1">
+              <a:shade val="50000"/>
+            </a:schemeClr>
+          </a:lnRef>
+          <a:fillRef idx="1">
+            <a:schemeClr val="accent1"/>
+          </a:fillRef>
+          <a:effectRef idx="0">
+            <a:schemeClr val="accent1"/>
+          </a:effectRef>
+          <a:fontRef idx="minor">
+            <a:schemeClr val="lt1"/>
+          </a:fontRef>
+        </p:style>
+        <p:txBody>
+          <a:bodyPr rtlCol="0" anchor="ctr"/>
+          <a:lstStyle/>
+          <a:p>
+            <a:pPr algn="ctr"/>
+            <a:endParaRPr lang="en-US"/>
+          </a:p>
+        </p:txBody>
+      </p:sp>
+      <p:sp>
+        <p:nvSpPr>
+          <p:cNvPr id="29" name="Rounded Rectangle 11">
+            <a:extLst>
+              <a:ext uri="{FF2B5EF4-FFF2-40B4-BE49-F238E27FC236}">
+                <a16:creationId xmlns:a16="http://schemas.microsoft.com/office/drawing/2014/main" id="{0DDDE205-30B0-4F4A-98A0-25DDA1B34D51}"/>
+              </a:ext>
+            </a:extLst>
+          </p:cNvPr>
+          <p:cNvSpPr/>
+          <p:nvPr/>
+        </p:nvSpPr>
+        <p:spPr>
+          <a:xfrm>
+            <a:off x="6666980" y="1533864"/>
+            <a:ext cx="5119886" cy="1103428"/>
+          </a:xfrm>
+          <a:custGeom>
+            <a:avLst/>
+            <a:gdLst/>
+            <a:ahLst/>
+            <a:cxnLst/>
+            <a:rect l="l" t="t" r="r" b="b"/>
+            <a:pathLst>
+              <a:path w="4320480" h="1296000">
+                <a:moveTo>
+                  <a:pt x="291768" y="0"/>
+                </a:moveTo>
+                <a:lnTo>
+                  <a:pt x="4028712" y="0"/>
+                </a:lnTo>
+                <a:cubicBezTo>
+                  <a:pt x="4189851" y="0"/>
+                  <a:pt x="4320480" y="130629"/>
+                  <a:pt x="4320480" y="291768"/>
+                </a:cubicBezTo>
+                <a:lnTo>
+                  <a:pt x="4320480" y="1004232"/>
+                </a:lnTo>
+                <a:cubicBezTo>
+                  <a:pt x="4320480" y="1165371"/>
+                  <a:pt x="4189851" y="1296000"/>
+                  <a:pt x="4028712" y="1296000"/>
+                </a:cubicBezTo>
+                <a:lnTo>
+                  <a:pt x="291768" y="1296000"/>
+                </a:lnTo>
+                <a:cubicBezTo>
+                  <a:pt x="130629" y="1296000"/>
+                  <a:pt x="0" y="1165371"/>
+                  <a:pt x="0" y="1004232"/>
+                </a:cubicBezTo>
+                <a:lnTo>
+                  <a:pt x="0" y="769158"/>
+                </a:lnTo>
+                <a:lnTo>
+                  <a:pt x="401179" y="769158"/>
+                </a:lnTo>
+                <a:lnTo>
+                  <a:pt x="401179" y="890316"/>
+                </a:lnTo>
+                <a:lnTo>
+                  <a:pt x="643495" y="648000"/>
+                </a:lnTo>
+                <a:lnTo>
+                  <a:pt x="401179" y="405684"/>
+                </a:lnTo>
+                <a:lnTo>
+                  <a:pt x="401179" y="526842"/>
+                </a:lnTo>
+                <a:lnTo>
+                  <a:pt x="0" y="526842"/>
+                </a:lnTo>
+                <a:lnTo>
+                  <a:pt x="0" y="291768"/>
+                </a:lnTo>
+                <a:cubicBezTo>
+                  <a:pt x="0" y="130629"/>
+                  <a:pt x="130629" y="0"/>
+                  <a:pt x="291768" y="0"/>
+                </a:cubicBezTo>
+                <a:close/>
+              </a:path>
+            </a:pathLst>
+          </a:custGeom>
+          <a:solidFill>
+            <a:schemeClr val="accent2">
+              <a:lumMod val="60000"/>
+              <a:lumOff val="40000"/>
+            </a:schemeClr>
+          </a:solidFill>
+          <a:ln>
+            <a:noFill/>
+          </a:ln>
+          <a:effectLst>
+            <a:outerShdw blurRad="50800" dist="38100" dir="5400000" algn="t" rotWithShape="0">
+              <a:prstClr val="black">
+                <a:alpha val="40000"/>
+              </a:prstClr>
+            </a:outerShdw>
+          </a:effectLst>
+        </p:spPr>
+        <p:style>
+          <a:lnRef idx="2">
+            <a:schemeClr val="accent1">
+              <a:shade val="50000"/>
+            </a:schemeClr>
+          </a:lnRef>
+          <a:fillRef idx="1">
+            <a:schemeClr val="accent1"/>
+          </a:fillRef>
+          <a:effectRef idx="0">
+            <a:schemeClr val="accent1"/>
+          </a:effectRef>
+          <a:fontRef idx="minor">
+            <a:schemeClr val="lt1"/>
+          </a:fontRef>
+        </p:style>
+        <p:txBody>
+          <a:bodyPr rot="0" spcFirstLastPara="0" vertOverflow="overflow" horzOverflow="overflow" vert="horz" wrap="square" lIns="91440" tIns="45720" rIns="91440" bIns="45720" numCol="1" spcCol="0" rtlCol="0" fromWordArt="0" anchor="ctr" anchorCtr="0" forceAA="0" compatLnSpc="1">
+            <a:prstTxWarp prst="textNoShape">
+              <a:avLst/>
+            </a:prstTxWarp>
+            <a:noAutofit/>
+          </a:bodyPr>
+          <a:lstStyle/>
+          <a:p>
+            <a:pPr marL="0" marR="0" lvl="0" indent="0" algn="ctr" defTabSz="914400" rtl="0" eaLnBrk="1" fontAlgn="auto" latinLnBrk="0" hangingPunct="1">
+              <a:lnSpc>
+                <a:spcPct val="100000"/>
+              </a:lnSpc>
+              <a:spcBef>
+                <a:spcPts val="0"/>
+              </a:spcBef>
+              <a:spcAft>
+                <a:spcPts val="0"/>
+              </a:spcAft>
+              <a:buClrTx/>
+              <a:buSzTx/>
+              <a:buFontTx/>
+              <a:buNone/>
+              <a:tabLst/>
+              <a:defRPr/>
+            </a:pPr>
+            <a:endParaRPr kumimoji="0" lang="ko-KR" altLang="en-US" sz="1800" b="0" i="0" u="none" strike="noStrike" kern="1200" cap="none" spc="0" normalizeH="0" baseline="0" noProof="0" dirty="0">
+              <a:ln>
+                <a:noFill/>
+              </a:ln>
+              <a:solidFill>
+                <a:prstClr val="white"/>
+              </a:solidFill>
+              <a:effectLst/>
+              <a:uLnTx/>
+              <a:uFillTx/>
+              <a:latin typeface="Arial"/>
+              <a:cs typeface="+mn-cs"/>
+            </a:endParaRPr>
+          </a:p>
+        </p:txBody>
+      </p:sp>
+      <p:sp>
+        <p:nvSpPr>
+          <p:cNvPr id="30" name="Down Arrow 29"/>
+          <p:cNvSpPr/>
+          <p:nvPr/>
+        </p:nvSpPr>
+        <p:spPr>
+          <a:xfrm>
+            <a:off x="8832709" y="2426328"/>
+            <a:ext cx="469079" cy="425506"/>
+          </a:xfrm>
+          <a:prstGeom prst="downArrow">
+            <a:avLst/>
+          </a:prstGeom>
+          <a:solidFill>
+            <a:schemeClr val="accent2">
+              <a:lumMod val="20000"/>
+              <a:lumOff val="80000"/>
+            </a:schemeClr>
+          </a:solidFill>
+        </p:spPr>
+        <p:style>
+          <a:lnRef idx="2">
+            <a:schemeClr val="accent1">
+              <a:shade val="50000"/>
+            </a:schemeClr>
+          </a:lnRef>
+          <a:fillRef idx="1">
+            <a:schemeClr val="accent1"/>
+          </a:fillRef>
+          <a:effectRef idx="0">
+            <a:schemeClr val="accent1"/>
+          </a:effectRef>
+          <a:fontRef idx="minor">
+            <a:schemeClr val="lt1"/>
+          </a:fontRef>
+        </p:style>
+        <p:txBody>
+          <a:bodyPr rtlCol="0" anchor="ctr"/>
+          <a:lstStyle/>
+          <a:p>
+            <a:pPr algn="ctr"/>
+            <a:endParaRPr lang="en-US"/>
+          </a:p>
+        </p:txBody>
+      </p:sp>
+      <p:sp>
+        <p:nvSpPr>
+          <p:cNvPr id="31" name="TextBox 30">
+            <a:extLst>
+              <a:ext uri="{FF2B5EF4-FFF2-40B4-BE49-F238E27FC236}">
+                <a16:creationId xmlns:a16="http://schemas.microsoft.com/office/drawing/2014/main" id="{1DC34B9B-C8EF-4123-8371-3F636387C14A}"/>
+              </a:ext>
+            </a:extLst>
+          </p:cNvPr>
+          <p:cNvSpPr txBox="1"/>
+          <p:nvPr/>
+        </p:nvSpPr>
+        <p:spPr>
+          <a:xfrm>
+            <a:off x="7584363" y="1790968"/>
+            <a:ext cx="3865675" cy="461665"/>
+          </a:xfrm>
+          <a:prstGeom prst="rect">
+            <a:avLst/>
+          </a:prstGeom>
+          <a:noFill/>
+        </p:spPr>
+        <p:txBody>
+          <a:bodyPr wrap="square" rtlCol="0">
+            <a:spAutoFit/>
+          </a:bodyPr>
+          <a:lstStyle/>
+          <a:p>
+            <a:pPr marL="0" marR="0" lvl="0" indent="0" algn="l" defTabSz="914400" rtl="0" eaLnBrk="1" fontAlgn="auto" latinLnBrk="0" hangingPunct="1">
+              <a:lnSpc>
+                <a:spcPct val="100000"/>
+              </a:lnSpc>
+              <a:spcBef>
+                <a:spcPts val="0"/>
+              </a:spcBef>
+              <a:spcAft>
+                <a:spcPts val="0"/>
+              </a:spcAft>
+              <a:buClrTx/>
+              <a:buSzTx/>
+              <a:buFontTx/>
+              <a:buNone/>
+              <a:tabLst/>
+              <a:defRPr/>
+            </a:pPr>
+            <a:r>
+              <a:rPr lang="en-US" altLang="ko-KR" sz="2400" b="1" noProof="0" dirty="0" smtClean="0">
+                <a:solidFill>
+                  <a:prstClr val="white"/>
+                </a:solidFill>
+                <a:latin typeface="+mj-lt"/>
+                <a:cs typeface="Arial" pitchFamily="34" charset="0"/>
+              </a:rPr>
+              <a:t>Window From Stream</a:t>
+            </a:r>
+            <a:endParaRPr kumimoji="0" lang="ko-KR" altLang="en-US" sz="2400" b="1" i="0" u="none" strike="noStrike" kern="1200" cap="none" spc="0" normalizeH="0" baseline="0" noProof="0" dirty="0">
+              <a:ln>
+                <a:noFill/>
+              </a:ln>
+              <a:solidFill>
+                <a:prstClr val="white"/>
+              </a:solidFill>
+              <a:effectLst/>
+              <a:uLnTx/>
+              <a:uFillTx/>
+              <a:latin typeface="+mj-lt"/>
+              <a:cs typeface="Arial" pitchFamily="34" charset="0"/>
+            </a:endParaRPr>
+          </a:p>
+        </p:txBody>
+      </p:sp>
     </p:spTree>
     <p:extLst>
       <p:ext uri="{BB962C8B-B14F-4D97-AF65-F5344CB8AC3E}">
-        <p14:creationId xmlns:p14="http://schemas.microsoft.com/office/powerpoint/2010/main" val="2289644774"/>
+        <p14:creationId xmlns:p14="http://schemas.microsoft.com/office/powerpoint/2010/main" val="764048186"/>
       </p:ext>
     </p:extLst>
   </p:cSld>
@@ -35602,115 +39271,6 @@
   <p:cSld>
     <p:spTree>
       <p:nvGrpSpPr>
-        <p:cNvPr id="1" name=""/>
-        <p:cNvGrpSpPr/>
-        <p:nvPr/>
-      </p:nvGrpSpPr>
-      <p:grpSpPr>
-        <a:xfrm>
-          <a:off x="0" y="0"/>
-          <a:ext cx="0" cy="0"/>
-          <a:chOff x="0" y="0"/>
-          <a:chExt cx="0" cy="0"/>
-        </a:xfrm>
-      </p:grpSpPr>
-      <p:sp>
-        <p:nvSpPr>
-          <p:cNvPr id="2" name="Title 1"/>
-          <p:cNvSpPr>
-            <a:spLocks noGrp="1"/>
-          </p:cNvSpPr>
-          <p:nvPr>
-            <p:ph type="title"/>
-          </p:nvPr>
-        </p:nvSpPr>
-        <p:spPr/>
-        <p:txBody>
-          <a:bodyPr/>
-          <a:lstStyle/>
-          <a:p>
-            <a:r>
-              <a:rPr lang="en-US" dirty="0" smtClean="0"/>
-              <a:t>Semi Real-time System</a:t>
-            </a:r>
-            <a:endParaRPr lang="en-US" dirty="0"/>
-          </a:p>
-        </p:txBody>
-      </p:sp>
-      <p:sp>
-        <p:nvSpPr>
-          <p:cNvPr id="3" name="Text Placeholder 2"/>
-          <p:cNvSpPr>
-            <a:spLocks noGrp="1"/>
-          </p:cNvSpPr>
-          <p:nvPr>
-            <p:ph type="body" idx="1"/>
-          </p:nvPr>
-        </p:nvSpPr>
-        <p:spPr/>
-        <p:txBody>
-          <a:bodyPr/>
-          <a:lstStyle/>
-          <a:p>
-            <a:endParaRPr lang="en-US" dirty="0"/>
-          </a:p>
-        </p:txBody>
-      </p:sp>
-      <p:pic>
-        <p:nvPicPr>
-          <p:cNvPr id="4" name="Picture 3"/>
-          <p:cNvPicPr>
-            <a:picLocks noChangeAspect="1"/>
-          </p:cNvPicPr>
-          <p:nvPr/>
-        </p:nvPicPr>
-        <p:blipFill>
-          <a:blip r:embed="rId2">
-            <a:extLst>
-              <a:ext uri="{28A0092B-C50C-407E-A947-70E740481C1C}">
-                <a14:useLocalDpi xmlns:a14="http://schemas.microsoft.com/office/drawing/2010/main" val="0"/>
-              </a:ext>
-            </a:extLst>
-          </a:blip>
-          <a:stretch>
-            <a:fillRect/>
-          </a:stretch>
-        </p:blipFill>
-        <p:spPr>
-          <a:xfrm>
-            <a:off x="1367246" y="1423220"/>
-            <a:ext cx="9144000" cy="4879924"/>
-          </a:xfrm>
-          <a:prstGeom prst="rect">
-            <a:avLst/>
-          </a:prstGeom>
-        </p:spPr>
-      </p:pic>
-    </p:spTree>
-    <p:extLst>
-      <p:ext uri="{BB962C8B-B14F-4D97-AF65-F5344CB8AC3E}">
-        <p14:creationId xmlns:p14="http://schemas.microsoft.com/office/powerpoint/2010/main" val="71733631"/>
-      </p:ext>
-    </p:extLst>
-  </p:cSld>
-  <p:clrMapOvr>
-    <a:masterClrMapping/>
-  </p:clrMapOvr>
-  <p:timing>
-    <p:tnLst>
-      <p:par>
-        <p:cTn id="1" dur="indefinite" restart="never" nodeType="tmRoot"/>
-      </p:par>
-    </p:tnLst>
-  </p:timing>
-</p:sld>
-</file>
-
-<file path=ppt/slides/slide17.xml><?xml version="1.0" encoding="utf-8"?>
-<p:sld xmlns:a="http://schemas.openxmlformats.org/drawingml/2006/main" xmlns:r="http://schemas.openxmlformats.org/officeDocument/2006/relationships" xmlns:p="http://schemas.openxmlformats.org/presentationml/2006/main">
-  <p:cSld>
-    <p:spTree>
-      <p:nvGrpSpPr>
         <p:cNvPr id="1" name="Shape 83"/>
         <p:cNvGrpSpPr/>
         <p:nvPr/>
@@ -35841,7 +39401,7 @@
 </p:sld>
 </file>
 
-<file path=ppt/slides/slide18.xml><?xml version="1.0" encoding="utf-8"?>
+<file path=ppt/slides/slide17.xml><?xml version="1.0" encoding="utf-8"?>
 <p:sld xmlns:a="http://schemas.openxmlformats.org/drawingml/2006/main" xmlns:r="http://schemas.openxmlformats.org/officeDocument/2006/relationships" xmlns:p="http://schemas.openxmlformats.org/presentationml/2006/main">
   <p:cSld>
     <p:spTree>
@@ -35985,7 +39545,7 @@
 </p:sld>
 </file>
 
-<file path=ppt/slides/slide19.xml><?xml version="1.0" encoding="utf-8"?>
+<file path=ppt/slides/slide18.xml><?xml version="1.0" encoding="utf-8"?>
 <p:sld xmlns:a="http://schemas.openxmlformats.org/drawingml/2006/main" xmlns:r="http://schemas.openxmlformats.org/officeDocument/2006/relationships" xmlns:p="http://schemas.openxmlformats.org/presentationml/2006/main">
   <p:cSld>
     <p:spTree>
@@ -36206,182 +39766,7 @@
 </p:sld>
 </file>
 
-<file path=ppt/slides/slide2.xml><?xml version="1.0" encoding="utf-8"?>
-<p:sld xmlns:a="http://schemas.openxmlformats.org/drawingml/2006/main" xmlns:r="http://schemas.openxmlformats.org/officeDocument/2006/relationships" xmlns:p="http://schemas.openxmlformats.org/presentationml/2006/main">
-  <p:cSld>
-    <p:spTree>
-      <p:nvGrpSpPr>
-        <p:cNvPr id="1" name=""/>
-        <p:cNvGrpSpPr/>
-        <p:nvPr/>
-      </p:nvGrpSpPr>
-      <p:grpSpPr>
-        <a:xfrm>
-          <a:off x="0" y="0"/>
-          <a:ext cx="0" cy="0"/>
-          <a:chOff x="0" y="0"/>
-          <a:chExt cx="0" cy="0"/>
-        </a:xfrm>
-      </p:grpSpPr>
-      <p:sp>
-        <p:nvSpPr>
-          <p:cNvPr id="2" name="Title 1"/>
-          <p:cNvSpPr>
-            <a:spLocks noGrp="1"/>
-          </p:cNvSpPr>
-          <p:nvPr>
-            <p:ph type="title"/>
-          </p:nvPr>
-        </p:nvSpPr>
-        <p:spPr/>
-        <p:txBody>
-          <a:bodyPr/>
-          <a:lstStyle/>
-          <a:p>
-            <a:pPr lvl="0" rtl="0"/>
-            <a:r>
-              <a:rPr lang="en-US" dirty="0"/>
-              <a:t>Agenda</a:t>
-            </a:r>
-          </a:p>
-        </p:txBody>
-      </p:sp>
-      <p:sp>
-        <p:nvSpPr>
-          <p:cNvPr id="3" name="Content Placeholder 2"/>
-          <p:cNvSpPr>
-            <a:spLocks noGrp="1"/>
-          </p:cNvSpPr>
-          <p:nvPr>
-            <p:ph idx="1"/>
-          </p:nvPr>
-        </p:nvSpPr>
-        <p:spPr/>
-        <p:txBody>
-          <a:bodyPr>
-            <a:normAutofit lnSpcReduction="10000"/>
-          </a:bodyPr>
-          <a:lstStyle/>
-          <a:p>
-            <a:pPr lvl="0" algn="l" rtl="0"/>
-            <a:r>
-              <a:rPr lang="en-US" dirty="0"/>
-              <a:t>GP sponsor:  </a:t>
-            </a:r>
-            <a:r>
-              <a:rPr lang="en-US" dirty="0" err="1" smtClean="0"/>
-              <a:t>IHub</a:t>
-            </a:r>
-            <a:r>
-              <a:rPr lang="en-US" dirty="0" smtClean="0"/>
-              <a:t>. </a:t>
-            </a:r>
-          </a:p>
-          <a:p>
-            <a:pPr algn="l" rtl="0"/>
-            <a:r>
-              <a:rPr lang="en-US" dirty="0"/>
-              <a:t>Problem definition</a:t>
-            </a:r>
-            <a:r>
-              <a:rPr lang="en-US" dirty="0" smtClean="0"/>
-              <a:t>.</a:t>
-            </a:r>
-            <a:endParaRPr lang="en-US" dirty="0"/>
-          </a:p>
-          <a:p>
-            <a:pPr lvl="0" algn="l" rtl="0"/>
-            <a:r>
-              <a:rPr lang="en-US" dirty="0" smtClean="0"/>
-              <a:t>System design.</a:t>
-            </a:r>
-            <a:endParaRPr lang="en-US" dirty="0"/>
-          </a:p>
-          <a:p>
-            <a:pPr lvl="0" algn="l" rtl="0"/>
-            <a:r>
-              <a:rPr lang="en-US" dirty="0" smtClean="0"/>
-              <a:t>Integration algorithm.</a:t>
-            </a:r>
-          </a:p>
-          <a:p>
-            <a:pPr lvl="0" algn="l" rtl="0"/>
-            <a:r>
-              <a:rPr lang="en-US" dirty="0" smtClean="0"/>
-              <a:t>Approach.</a:t>
-            </a:r>
-          </a:p>
-          <a:p>
-            <a:pPr lvl="0" algn="l" rtl="0"/>
-            <a:r>
-              <a:rPr lang="en-US" dirty="0" smtClean="0"/>
-              <a:t>Future sight</a:t>
-            </a:r>
-            <a:endParaRPr lang="en-US" dirty="0"/>
-          </a:p>
-          <a:p>
-            <a:pPr algn="l" rtl="0"/>
-            <a:r>
-              <a:rPr lang="en-US" dirty="0"/>
-              <a:t>Gained </a:t>
-            </a:r>
-            <a:r>
-              <a:rPr lang="en-US" dirty="0" smtClean="0"/>
-              <a:t>skills.</a:t>
-            </a:r>
-            <a:endParaRPr lang="en-US" dirty="0"/>
-          </a:p>
-          <a:p>
-            <a:pPr algn="l" rtl="0"/>
-            <a:r>
-              <a:rPr lang="en-US" dirty="0"/>
-              <a:t>Gantt </a:t>
-            </a:r>
-            <a:r>
-              <a:rPr lang="en-US" dirty="0" smtClean="0"/>
-              <a:t>chart.</a:t>
-            </a:r>
-            <a:endParaRPr lang="en-US" dirty="0"/>
-          </a:p>
-          <a:p>
-            <a:pPr lvl="0" algn="l" rtl="0"/>
-            <a:endParaRPr lang="en-US" dirty="0" smtClean="0"/>
-          </a:p>
-        </p:txBody>
-      </p:sp>
-    </p:spTree>
-    <p:extLst>
-      <p:ext uri="{BB962C8B-B14F-4D97-AF65-F5344CB8AC3E}">
-        <p14:creationId xmlns:p14="http://schemas.microsoft.com/office/powerpoint/2010/main" val="3946006018"/>
-      </p:ext>
-    </p:extLst>
-  </p:cSld>
-  <p:clrMapOvr>
-    <a:masterClrMapping/>
-  </p:clrMapOvr>
-  <mc:AlternateContent xmlns:mc="http://schemas.openxmlformats.org/markup-compatibility/2006" xmlns:p14="http://schemas.microsoft.com/office/powerpoint/2010/main">
-    <mc:Choice Requires="p14">
-      <p:transition spd="med" p14:dur="700">
-        <p:fade/>
-      </p:transition>
-    </mc:Choice>
-    <mc:Fallback xmlns="">
-      <p:transition spd="med">
-        <p:fade/>
-      </p:transition>
-    </mc:Fallback>
-  </mc:AlternateContent>
-  <p:timing>
-    <p:tnLst>
-      <p:par>
-        <p:cTn id="1" dur="indefinite" restart="never" nodeType="tmRoot"/>
-      </p:par>
-    </p:tnLst>
-  </p:timing>
-</p:sld>
-</file>
-
-<file path=ppt/slides/slide20.xml><?xml version="1.0" encoding="utf-8"?>
+<file path=ppt/slides/slide19.xml><?xml version="1.0" encoding="utf-8"?>
 <p:sld xmlns:a="http://schemas.openxmlformats.org/drawingml/2006/main" xmlns:r="http://schemas.openxmlformats.org/officeDocument/2006/relationships" xmlns:p="http://schemas.openxmlformats.org/presentationml/2006/main">
   <p:cSld>
     <p:spTree>
@@ -37300,7 +40685,182 @@
 </p:sld>
 </file>
 
-<file path=ppt/slides/slide21.xml><?xml version="1.0" encoding="utf-8"?>
+<file path=ppt/slides/slide2.xml><?xml version="1.0" encoding="utf-8"?>
+<p:sld xmlns:a="http://schemas.openxmlformats.org/drawingml/2006/main" xmlns:r="http://schemas.openxmlformats.org/officeDocument/2006/relationships" xmlns:p="http://schemas.openxmlformats.org/presentationml/2006/main">
+  <p:cSld>
+    <p:spTree>
+      <p:nvGrpSpPr>
+        <p:cNvPr id="1" name=""/>
+        <p:cNvGrpSpPr/>
+        <p:nvPr/>
+      </p:nvGrpSpPr>
+      <p:grpSpPr>
+        <a:xfrm>
+          <a:off x="0" y="0"/>
+          <a:ext cx="0" cy="0"/>
+          <a:chOff x="0" y="0"/>
+          <a:chExt cx="0" cy="0"/>
+        </a:xfrm>
+      </p:grpSpPr>
+      <p:sp>
+        <p:nvSpPr>
+          <p:cNvPr id="2" name="Title 1"/>
+          <p:cNvSpPr>
+            <a:spLocks noGrp="1"/>
+          </p:cNvSpPr>
+          <p:nvPr>
+            <p:ph type="title"/>
+          </p:nvPr>
+        </p:nvSpPr>
+        <p:spPr/>
+        <p:txBody>
+          <a:bodyPr/>
+          <a:lstStyle/>
+          <a:p>
+            <a:pPr lvl="0" rtl="0"/>
+            <a:r>
+              <a:rPr lang="en-US" dirty="0"/>
+              <a:t>Agenda</a:t>
+            </a:r>
+          </a:p>
+        </p:txBody>
+      </p:sp>
+      <p:sp>
+        <p:nvSpPr>
+          <p:cNvPr id="3" name="Content Placeholder 2"/>
+          <p:cNvSpPr>
+            <a:spLocks noGrp="1"/>
+          </p:cNvSpPr>
+          <p:nvPr>
+            <p:ph idx="1"/>
+          </p:nvPr>
+        </p:nvSpPr>
+        <p:spPr/>
+        <p:txBody>
+          <a:bodyPr>
+            <a:normAutofit lnSpcReduction="10000"/>
+          </a:bodyPr>
+          <a:lstStyle/>
+          <a:p>
+            <a:pPr lvl="0" algn="l" rtl="0"/>
+            <a:r>
+              <a:rPr lang="en-US" dirty="0"/>
+              <a:t>GP sponsor:  </a:t>
+            </a:r>
+            <a:r>
+              <a:rPr lang="en-US" dirty="0" err="1" smtClean="0"/>
+              <a:t>IHub</a:t>
+            </a:r>
+            <a:r>
+              <a:rPr lang="en-US" dirty="0" smtClean="0"/>
+              <a:t>. </a:t>
+            </a:r>
+          </a:p>
+          <a:p>
+            <a:pPr algn="l" rtl="0"/>
+            <a:r>
+              <a:rPr lang="en-US" dirty="0"/>
+              <a:t>Problem definition</a:t>
+            </a:r>
+            <a:r>
+              <a:rPr lang="en-US" dirty="0" smtClean="0"/>
+              <a:t>.</a:t>
+            </a:r>
+            <a:endParaRPr lang="en-US" dirty="0"/>
+          </a:p>
+          <a:p>
+            <a:pPr lvl="0" algn="l" rtl="0"/>
+            <a:r>
+              <a:rPr lang="en-US" dirty="0" smtClean="0"/>
+              <a:t>System design.</a:t>
+            </a:r>
+            <a:endParaRPr lang="en-US" dirty="0"/>
+          </a:p>
+          <a:p>
+            <a:pPr lvl="0" algn="l" rtl="0"/>
+            <a:r>
+              <a:rPr lang="en-US" dirty="0" smtClean="0"/>
+              <a:t>Integration algorithm.</a:t>
+            </a:r>
+          </a:p>
+          <a:p>
+            <a:pPr lvl="0" algn="l" rtl="0"/>
+            <a:r>
+              <a:rPr lang="en-US" dirty="0" smtClean="0"/>
+              <a:t>Approach.</a:t>
+            </a:r>
+          </a:p>
+          <a:p>
+            <a:pPr lvl="0" algn="l" rtl="0"/>
+            <a:r>
+              <a:rPr lang="en-US" dirty="0" smtClean="0"/>
+              <a:t>Future sight</a:t>
+            </a:r>
+            <a:endParaRPr lang="en-US" dirty="0"/>
+          </a:p>
+          <a:p>
+            <a:pPr algn="l" rtl="0"/>
+            <a:r>
+              <a:rPr lang="en-US" dirty="0"/>
+              <a:t>Gained </a:t>
+            </a:r>
+            <a:r>
+              <a:rPr lang="en-US" dirty="0" smtClean="0"/>
+              <a:t>skills.</a:t>
+            </a:r>
+            <a:endParaRPr lang="en-US" dirty="0"/>
+          </a:p>
+          <a:p>
+            <a:pPr algn="l" rtl="0"/>
+            <a:r>
+              <a:rPr lang="en-US" dirty="0"/>
+              <a:t>Gantt </a:t>
+            </a:r>
+            <a:r>
+              <a:rPr lang="en-US" dirty="0" smtClean="0"/>
+              <a:t>chart.</a:t>
+            </a:r>
+            <a:endParaRPr lang="en-US" dirty="0"/>
+          </a:p>
+          <a:p>
+            <a:pPr lvl="0" algn="l" rtl="0"/>
+            <a:endParaRPr lang="en-US" dirty="0" smtClean="0"/>
+          </a:p>
+        </p:txBody>
+      </p:sp>
+    </p:spTree>
+    <p:extLst>
+      <p:ext uri="{BB962C8B-B14F-4D97-AF65-F5344CB8AC3E}">
+        <p14:creationId xmlns:p14="http://schemas.microsoft.com/office/powerpoint/2010/main" val="3946006018"/>
+      </p:ext>
+    </p:extLst>
+  </p:cSld>
+  <p:clrMapOvr>
+    <a:masterClrMapping/>
+  </p:clrMapOvr>
+  <mc:AlternateContent xmlns:mc="http://schemas.openxmlformats.org/markup-compatibility/2006" xmlns:p14="http://schemas.microsoft.com/office/powerpoint/2010/main">
+    <mc:Choice Requires="p14">
+      <p:transition spd="med" p14:dur="700">
+        <p:fade/>
+      </p:transition>
+    </mc:Choice>
+    <mc:Fallback xmlns="">
+      <p:transition spd="med">
+        <p:fade/>
+      </p:transition>
+    </mc:Fallback>
+  </mc:AlternateContent>
+  <p:timing>
+    <p:tnLst>
+      <p:par>
+        <p:cTn id="1" dur="indefinite" restart="never" nodeType="tmRoot"/>
+      </p:par>
+    </p:tnLst>
+  </p:timing>
+</p:sld>
+</file>
+
+<file path=ppt/slides/slide20.xml><?xml version="1.0" encoding="utf-8"?>
 <p:sld xmlns:a="http://schemas.openxmlformats.org/drawingml/2006/main" xmlns:r="http://schemas.openxmlformats.org/officeDocument/2006/relationships" xmlns:p="http://schemas.openxmlformats.org/presentationml/2006/main">
   <p:cSld>
     <p:spTree>
@@ -37437,7 +40997,7 @@
 </p:sld>
 </file>
 
-<file path=ppt/slides/slide22.xml><?xml version="1.0" encoding="utf-8"?>
+<file path=ppt/slides/slide21.xml><?xml version="1.0" encoding="utf-8"?>
 <p:sld xmlns:a="http://schemas.openxmlformats.org/drawingml/2006/main" xmlns:r="http://schemas.openxmlformats.org/officeDocument/2006/relationships" xmlns:p="http://schemas.openxmlformats.org/presentationml/2006/main">
   <p:cSld>
     <p:spTree>
@@ -37580,7 +41140,7 @@
 </p:sld>
 </file>
 
-<file path=ppt/slides/slide23.xml><?xml version="1.0" encoding="utf-8"?>
+<file path=ppt/slides/slide22.xml><?xml version="1.0" encoding="utf-8"?>
 <p:sld xmlns:a="http://schemas.openxmlformats.org/drawingml/2006/main" xmlns:r="http://schemas.openxmlformats.org/officeDocument/2006/relationships" xmlns:p="http://schemas.openxmlformats.org/presentationml/2006/main">
   <p:cSld>
     <p:spTree>
@@ -37730,7 +41290,7 @@
 </p:sld>
 </file>
 
-<file path=ppt/slides/slide24.xml><?xml version="1.0" encoding="utf-8"?>
+<file path=ppt/slides/slide23.xml><?xml version="1.0" encoding="utf-8"?>
 <p:sld xmlns:a="http://schemas.openxmlformats.org/drawingml/2006/main" xmlns:r="http://schemas.openxmlformats.org/officeDocument/2006/relationships" xmlns:p="http://schemas.openxmlformats.org/presentationml/2006/main">
   <p:cSld>
     <p:spTree>
@@ -37860,7 +41420,7 @@
 </p:sld>
 </file>
 
-<file path=ppt/slides/slide25.xml><?xml version="1.0" encoding="utf-8"?>
+<file path=ppt/slides/slide24.xml><?xml version="1.0" encoding="utf-8"?>
 <p:sld xmlns:a="http://schemas.openxmlformats.org/drawingml/2006/main" xmlns:r="http://schemas.openxmlformats.org/officeDocument/2006/relationships" xmlns:p="http://schemas.openxmlformats.org/presentationml/2006/main">
   <p:cSld>
     <p:spTree>
@@ -37990,7 +41550,7 @@
 </p:sld>
 </file>
 
-<file path=ppt/slides/slide26.xml><?xml version="1.0" encoding="utf-8"?>
+<file path=ppt/slides/slide25.xml><?xml version="1.0" encoding="utf-8"?>
 <p:sld xmlns:a="http://schemas.openxmlformats.org/drawingml/2006/main" xmlns:r="http://schemas.openxmlformats.org/officeDocument/2006/relationships" xmlns:p="http://schemas.openxmlformats.org/presentationml/2006/main">
   <p:cSld>
     <p:spTree>
@@ -38262,7 +41822,7 @@
 </p:sld>
 </file>
 
-<file path=ppt/slides/slide27.xml><?xml version="1.0" encoding="utf-8"?>
+<file path=ppt/slides/slide26.xml><?xml version="1.0" encoding="utf-8"?>
 <p:sld xmlns:a="http://schemas.openxmlformats.org/drawingml/2006/main" xmlns:r="http://schemas.openxmlformats.org/officeDocument/2006/relationships" xmlns:p="http://schemas.openxmlformats.org/presentationml/2006/main">
   <p:cSld>
     <p:spTree>
@@ -38351,6 +41911,151 @@
 </p:sld>
 </file>
 
+<file path=ppt/slides/slide27.xml><?xml version="1.0" encoding="utf-8"?>
+<p:sld xmlns:a="http://schemas.openxmlformats.org/drawingml/2006/main" xmlns:r="http://schemas.openxmlformats.org/officeDocument/2006/relationships" xmlns:p="http://schemas.openxmlformats.org/presentationml/2006/main">
+  <p:cSld>
+    <p:spTree>
+      <p:nvGrpSpPr>
+        <p:cNvPr id="1" name=""/>
+        <p:cNvGrpSpPr/>
+        <p:nvPr/>
+      </p:nvGrpSpPr>
+      <p:grpSpPr>
+        <a:xfrm>
+          <a:off x="0" y="0"/>
+          <a:ext cx="0" cy="0"/>
+          <a:chOff x="0" y="0"/>
+          <a:chExt cx="0" cy="0"/>
+        </a:xfrm>
+      </p:grpSpPr>
+      <p:sp>
+        <p:nvSpPr>
+          <p:cNvPr id="2" name="Title 1"/>
+          <p:cNvSpPr>
+            <a:spLocks noGrp="1"/>
+          </p:cNvSpPr>
+          <p:nvPr>
+            <p:ph type="title"/>
+          </p:nvPr>
+        </p:nvSpPr>
+        <p:spPr/>
+        <p:txBody>
+          <a:bodyPr/>
+          <a:lstStyle/>
+          <a:p>
+            <a:r>
+              <a:rPr lang="en-US" dirty="0" smtClean="0"/>
+              <a:t>Future sight</a:t>
+            </a:r>
+            <a:endParaRPr lang="en-US" dirty="0"/>
+          </a:p>
+        </p:txBody>
+      </p:sp>
+      <p:sp>
+        <p:nvSpPr>
+          <p:cNvPr id="3" name="Content Placeholder 2"/>
+          <p:cNvSpPr>
+            <a:spLocks noGrp="1"/>
+          </p:cNvSpPr>
+          <p:nvPr>
+            <p:ph idx="1"/>
+          </p:nvPr>
+        </p:nvSpPr>
+        <p:spPr/>
+        <p:txBody>
+          <a:bodyPr/>
+          <a:lstStyle/>
+          <a:p>
+            <a:r>
+              <a:rPr lang="en-US" dirty="0" smtClean="0"/>
+              <a:t>CV module:</a:t>
+            </a:r>
+          </a:p>
+          <a:p>
+            <a:pPr marL="0" indent="0">
+              <a:buNone/>
+            </a:pPr>
+            <a:r>
+              <a:rPr lang="en-US" dirty="0" smtClean="0"/>
+              <a:t> &gt; Zooming effect.</a:t>
+            </a:r>
+          </a:p>
+          <a:p>
+            <a:pPr marL="0" indent="0">
+              <a:buNone/>
+            </a:pPr>
+            <a:r>
+              <a:rPr lang="en-US" dirty="0"/>
+              <a:t> </a:t>
+            </a:r>
+            <a:r>
+              <a:rPr lang="en-US" dirty="0" smtClean="0"/>
+              <a:t>&gt; Multilayered network.</a:t>
+            </a:r>
+          </a:p>
+          <a:p>
+            <a:endParaRPr lang="en-US" dirty="0"/>
+          </a:p>
+          <a:p>
+            <a:r>
+              <a:rPr lang="en-US" dirty="0" smtClean="0"/>
+              <a:t>System functionality:</a:t>
+            </a:r>
+          </a:p>
+          <a:p>
+            <a:pPr marL="0" indent="0">
+              <a:buNone/>
+            </a:pPr>
+            <a:r>
+              <a:rPr lang="en-US" dirty="0"/>
+              <a:t> </a:t>
+            </a:r>
+            <a:r>
+              <a:rPr lang="en-US" dirty="0" smtClean="0"/>
+              <a:t>&gt; Add proportional control.</a:t>
+            </a:r>
+          </a:p>
+          <a:p>
+            <a:pPr marL="0" indent="0">
+              <a:buNone/>
+            </a:pPr>
+            <a:r>
+              <a:rPr lang="en-US" dirty="0"/>
+              <a:t> </a:t>
+            </a:r>
+            <a:r>
+              <a:rPr lang="en-US" dirty="0" smtClean="0"/>
+              <a:t>&gt; Add feedback loop.</a:t>
+            </a:r>
+          </a:p>
+          <a:p>
+            <a:endParaRPr lang="en-US" dirty="0"/>
+          </a:p>
+          <a:p>
+            <a:endParaRPr lang="en-US" dirty="0"/>
+          </a:p>
+        </p:txBody>
+      </p:sp>
+    </p:spTree>
+    <p:extLst>
+      <p:ext uri="{BB962C8B-B14F-4D97-AF65-F5344CB8AC3E}">
+        <p14:creationId xmlns:p14="http://schemas.microsoft.com/office/powerpoint/2010/main" val="3185403432"/>
+      </p:ext>
+    </p:extLst>
+  </p:cSld>
+  <p:clrMapOvr>
+    <a:masterClrMapping/>
+  </p:clrMapOvr>
+  <p:timing>
+    <p:tnLst>
+      <p:par>
+        <p:cTn id="1" dur="indefinite" restart="never" nodeType="tmRoot"/>
+      </p:par>
+    </p:tnLst>
+  </p:timing>
+</p:sld>
+</file>
+
 <file path=ppt/slides/slide28.xml><?xml version="1.0" encoding="utf-8"?>
 <p:sld xmlns:a="http://schemas.openxmlformats.org/drawingml/2006/main" xmlns:r="http://schemas.openxmlformats.org/officeDocument/2006/relationships" xmlns:p="http://schemas.openxmlformats.org/presentationml/2006/main">
   <p:cSld>
@@ -38384,16 +42089,16 @@
           <a:lstStyle/>
           <a:p>
             <a:r>
-              <a:rPr lang="en-US" dirty="0" smtClean="0"/>
-              <a:t>Future sight</a:t>
+              <a:rPr lang="en-US" dirty="0"/>
+              <a:t>Gained skills</a:t>
             </a:r>
-            <a:endParaRPr lang="en-US" dirty="0"/>
+            <a:endParaRPr lang="ar-EG" dirty="0"/>
           </a:p>
         </p:txBody>
       </p:sp>
       <p:sp>
         <p:nvSpPr>
-          <p:cNvPr id="3" name="Content Placeholder 2"/>
+          <p:cNvPr id="5" name="Content Placeholder 4"/>
           <p:cNvSpPr>
             <a:spLocks noGrp="1"/>
           </p:cNvSpPr>
@@ -38403,12 +42108,15 @@
         </p:nvSpPr>
         <p:spPr/>
         <p:txBody>
-          <a:bodyPr/>
+          <a:bodyPr>
+            <a:normAutofit/>
+          </a:bodyPr>
           <a:lstStyle/>
           <a:p>
+            <a:pPr algn="l" rtl="0"/>
             <a:r>
               <a:rPr lang="en-US" dirty="0" smtClean="0"/>
-              <a:t>CV module:</a:t>
+              <a:t>Project management:</a:t>
             </a:r>
           </a:p>
           <a:p>
@@ -38417,7 +42125,7 @@
             </a:pPr>
             <a:r>
               <a:rPr lang="en-US" dirty="0" smtClean="0"/>
-              <a:t> &gt; Zooming effect.</a:t>
+              <a:t>    &gt; Time management, teamwork, cost management … etc.</a:t>
             </a:r>
           </a:p>
           <a:p>
@@ -38430,62 +42138,70 @@
             </a:r>
             <a:r>
               <a:rPr lang="en-US" dirty="0" smtClean="0"/>
-              <a:t>&gt; Multilayered network.</a:t>
+              <a:t>   &gt; Research and guided self learning.</a:t>
             </a:r>
           </a:p>
           <a:p>
-            <a:endParaRPr lang="en-US" dirty="0"/>
-          </a:p>
-          <a:p>
+            <a:pPr algn="l" rtl="0"/>
             <a:r>
               <a:rPr lang="en-US" dirty="0" smtClean="0"/>
-              <a:t>System functionality:</a:t>
+              <a:t>Professional </a:t>
             </a:r>
-          </a:p>
-          <a:p>
-            <a:pPr marL="0" indent="0">
-              <a:buNone/>
-            </a:pPr>
             <a:r>
               <a:rPr lang="en-US" dirty="0"/>
-              <a:t> </a:t>
+              <a:t>programming</a:t>
             </a:r>
             <a:r>
               <a:rPr lang="en-US" dirty="0" smtClean="0"/>
-              <a:t>&gt; Add proportional control.</a:t>
+              <a:t>.</a:t>
             </a:r>
           </a:p>
           <a:p>
-            <a:pPr marL="0" indent="0">
-              <a:buNone/>
-            </a:pPr>
+            <a:pPr algn="l" rtl="0"/>
+            <a:r>
+              <a:rPr lang="en-US" dirty="0" smtClean="0"/>
+              <a:t>Data science and engineering.</a:t>
+            </a:r>
+          </a:p>
+          <a:p>
+            <a:pPr algn="l" rtl="0"/>
             <a:r>
               <a:rPr lang="en-US" dirty="0"/>
-              <a:t> </a:t>
+              <a:t>Working within a multidisciplinary environment.</a:t>
             </a:r>
-            <a:r>
-              <a:rPr lang="en-US" dirty="0" smtClean="0"/>
-              <a:t>&gt; Add feedback loop.</a:t>
-            </a:r>
-          </a:p>
-          <a:p>
+          </a:p>
+          <a:p>
+            <a:pPr algn="l" rtl="0"/>
             <a:endParaRPr lang="en-US" dirty="0"/>
           </a:p>
           <a:p>
-            <a:endParaRPr lang="en-US" dirty="0"/>
+            <a:pPr algn="l" rtl="0"/>
+            <a:endParaRPr lang="ar-EG" dirty="0"/>
           </a:p>
         </p:txBody>
       </p:sp>
     </p:spTree>
     <p:extLst>
       <p:ext uri="{BB962C8B-B14F-4D97-AF65-F5344CB8AC3E}">
-        <p14:creationId xmlns:p14="http://schemas.microsoft.com/office/powerpoint/2010/main" val="3185403432"/>
+        <p14:creationId xmlns:p14="http://schemas.microsoft.com/office/powerpoint/2010/main" val="3743258290"/>
       </p:ext>
     </p:extLst>
   </p:cSld>
   <p:clrMapOvr>
     <a:masterClrMapping/>
   </p:clrMapOvr>
+  <mc:AlternateContent xmlns:mc="http://schemas.openxmlformats.org/markup-compatibility/2006" xmlns:p14="http://schemas.microsoft.com/office/powerpoint/2010/main">
+    <mc:Choice Requires="p14">
+      <p:transition spd="med" p14:dur="700">
+        <p:fade/>
+      </p:transition>
+    </mc:Choice>
+    <mc:Fallback xmlns="">
+      <p:transition spd="med">
+        <p:fade/>
+      </p:transition>
+    </mc:Fallback>
+  </mc:AlternateContent>
   <p:timing>
     <p:tnLst>
       <p:par>
@@ -38529,101 +42245,46 @@
           <a:lstStyle/>
           <a:p>
             <a:r>
-              <a:rPr lang="en-US" dirty="0"/>
-              <a:t>Gained skills</a:t>
+              <a:rPr lang="en-US" dirty="0" smtClean="0"/>
+              <a:t>Gantt chart</a:t>
             </a:r>
             <a:endParaRPr lang="ar-EG" dirty="0"/>
           </a:p>
         </p:txBody>
       </p:sp>
-      <p:sp>
-        <p:nvSpPr>
-          <p:cNvPr id="5" name="Content Placeholder 4"/>
-          <p:cNvSpPr>
-            <a:spLocks noGrp="1"/>
-          </p:cNvSpPr>
+      <p:pic>
+        <p:nvPicPr>
+          <p:cNvPr id="4" name="Content Placeholder 3"/>
+          <p:cNvPicPr>
+            <a:picLocks noGrp="1" noChangeAspect="1"/>
+          </p:cNvPicPr>
           <p:nvPr>
             <p:ph idx="1"/>
           </p:nvPr>
-        </p:nvSpPr>
-        <p:spPr/>
-        <p:txBody>
-          <a:bodyPr>
-            <a:normAutofit/>
-          </a:bodyPr>
-          <a:lstStyle/>
-          <a:p>
-            <a:pPr algn="l" rtl="0"/>
-            <a:r>
-              <a:rPr lang="en-US" dirty="0" smtClean="0"/>
-              <a:t>Project management:</a:t>
-            </a:r>
-          </a:p>
-          <a:p>
-            <a:pPr marL="0" indent="0">
-              <a:buNone/>
-            </a:pPr>
-            <a:r>
-              <a:rPr lang="en-US" dirty="0" smtClean="0"/>
-              <a:t>    &gt; Time management, teamwork, cost management … etc.</a:t>
-            </a:r>
-          </a:p>
-          <a:p>
-            <a:pPr marL="0" indent="0">
-              <a:buNone/>
-            </a:pPr>
-            <a:r>
-              <a:rPr lang="en-US" dirty="0"/>
-              <a:t> </a:t>
-            </a:r>
-            <a:r>
-              <a:rPr lang="en-US" dirty="0" smtClean="0"/>
-              <a:t>   &gt; Research and guided self learning.</a:t>
-            </a:r>
-          </a:p>
-          <a:p>
-            <a:pPr algn="l" rtl="0"/>
-            <a:r>
-              <a:rPr lang="en-US" dirty="0" smtClean="0"/>
-              <a:t>Professional </a:t>
-            </a:r>
-            <a:r>
-              <a:rPr lang="en-US" dirty="0"/>
-              <a:t>programming</a:t>
-            </a:r>
-            <a:r>
-              <a:rPr lang="en-US" dirty="0" smtClean="0"/>
-              <a:t>.</a:t>
-            </a:r>
-          </a:p>
-          <a:p>
-            <a:pPr algn="l" rtl="0"/>
-            <a:r>
-              <a:rPr lang="en-US" dirty="0" smtClean="0"/>
-              <a:t>Data science and engineering.</a:t>
-            </a:r>
-          </a:p>
-          <a:p>
-            <a:pPr algn="l" rtl="0"/>
-            <a:r>
-              <a:rPr lang="en-US" dirty="0"/>
-              <a:t>Working within a multidisciplinary environment.</a:t>
-            </a:r>
-          </a:p>
-          <a:p>
-            <a:pPr algn="l" rtl="0"/>
-            <a:endParaRPr lang="en-US" dirty="0"/>
-          </a:p>
-          <a:p>
-            <a:pPr algn="l" rtl="0"/>
-            <a:endParaRPr lang="ar-EG" dirty="0"/>
-          </a:p>
-        </p:txBody>
-      </p:sp>
+        </p:nvPicPr>
+        <p:blipFill>
+          <a:blip r:embed="rId2">
+            <a:extLst>
+              <a:ext uri="{28A0092B-C50C-407E-A947-70E740481C1C}">
+                <a14:useLocalDpi xmlns:a14="http://schemas.microsoft.com/office/drawing/2010/main" val="0"/>
+              </a:ext>
+            </a:extLst>
+          </a:blip>
+          <a:stretch>
+            <a:fillRect/>
+          </a:stretch>
+        </p:blipFill>
+        <p:spPr>
+          <a:xfrm>
+            <a:off x="2667000" y="2123768"/>
+            <a:ext cx="6858000" cy="3982064"/>
+          </a:xfrm>
+        </p:spPr>
+      </p:pic>
     </p:spTree>
     <p:extLst>
       <p:ext uri="{BB962C8B-B14F-4D97-AF65-F5344CB8AC3E}">
-        <p14:creationId xmlns:p14="http://schemas.microsoft.com/office/powerpoint/2010/main" val="3743258290"/>
+        <p14:creationId xmlns:p14="http://schemas.microsoft.com/office/powerpoint/2010/main" val="1062544174"/>
       </p:ext>
     </p:extLst>
   </p:cSld>
@@ -39061,107 +42722,6 @@
           <a:lstStyle/>
           <a:p>
             <a:r>
-              <a:rPr lang="en-US" dirty="0" smtClean="0"/>
-              <a:t>Gantt chart</a:t>
-            </a:r>
-            <a:endParaRPr lang="ar-EG" dirty="0"/>
-          </a:p>
-        </p:txBody>
-      </p:sp>
-      <p:pic>
-        <p:nvPicPr>
-          <p:cNvPr id="4" name="Content Placeholder 3"/>
-          <p:cNvPicPr>
-            <a:picLocks noGrp="1" noChangeAspect="1"/>
-          </p:cNvPicPr>
-          <p:nvPr>
-            <p:ph idx="1"/>
-          </p:nvPr>
-        </p:nvPicPr>
-        <p:blipFill>
-          <a:blip r:embed="rId2">
-            <a:extLst>
-              <a:ext uri="{28A0092B-C50C-407E-A947-70E740481C1C}">
-                <a14:useLocalDpi xmlns:a14="http://schemas.microsoft.com/office/drawing/2010/main" val="0"/>
-              </a:ext>
-            </a:extLst>
-          </a:blip>
-          <a:stretch>
-            <a:fillRect/>
-          </a:stretch>
-        </p:blipFill>
-        <p:spPr>
-          <a:xfrm>
-            <a:off x="2667000" y="2123768"/>
-            <a:ext cx="6858000" cy="3982064"/>
-          </a:xfrm>
-        </p:spPr>
-      </p:pic>
-    </p:spTree>
-    <p:extLst>
-      <p:ext uri="{BB962C8B-B14F-4D97-AF65-F5344CB8AC3E}">
-        <p14:creationId xmlns:p14="http://schemas.microsoft.com/office/powerpoint/2010/main" val="1062544174"/>
-      </p:ext>
-    </p:extLst>
-  </p:cSld>
-  <p:clrMapOvr>
-    <a:masterClrMapping/>
-  </p:clrMapOvr>
-  <mc:AlternateContent xmlns:mc="http://schemas.openxmlformats.org/markup-compatibility/2006" xmlns:p14="http://schemas.microsoft.com/office/powerpoint/2010/main">
-    <mc:Choice Requires="p14">
-      <p:transition spd="med" p14:dur="700">
-        <p:fade/>
-      </p:transition>
-    </mc:Choice>
-    <mc:Fallback xmlns="">
-      <p:transition spd="med">
-        <p:fade/>
-      </p:transition>
-    </mc:Fallback>
-  </mc:AlternateContent>
-  <p:timing>
-    <p:tnLst>
-      <p:par>
-        <p:cTn id="1" dur="indefinite" restart="never" nodeType="tmRoot"/>
-      </p:par>
-    </p:tnLst>
-  </p:timing>
-</p:sld>
-</file>
-
-<file path=ppt/slides/slide31.xml><?xml version="1.0" encoding="utf-8"?>
-<p:sld xmlns:a="http://schemas.openxmlformats.org/drawingml/2006/main" xmlns:r="http://schemas.openxmlformats.org/officeDocument/2006/relationships" xmlns:p="http://schemas.openxmlformats.org/presentationml/2006/main">
-  <p:cSld>
-    <p:spTree>
-      <p:nvGrpSpPr>
-        <p:cNvPr id="1" name=""/>
-        <p:cNvGrpSpPr/>
-        <p:nvPr/>
-      </p:nvGrpSpPr>
-      <p:grpSpPr>
-        <a:xfrm>
-          <a:off x="0" y="0"/>
-          <a:ext cx="0" cy="0"/>
-          <a:chOff x="0" y="0"/>
-          <a:chExt cx="0" cy="0"/>
-        </a:xfrm>
-      </p:grpSpPr>
-      <p:sp>
-        <p:nvSpPr>
-          <p:cNvPr id="2" name="Title 1"/>
-          <p:cNvSpPr>
-            <a:spLocks noGrp="1"/>
-          </p:cNvSpPr>
-          <p:nvPr>
-            <p:ph type="title"/>
-          </p:nvPr>
-        </p:nvSpPr>
-        <p:spPr/>
-        <p:txBody>
-          <a:bodyPr/>
-          <a:lstStyle/>
-          <a:p>
-            <a:r>
               <a:rPr lang="en-US" smtClean="0"/>
               <a:t>Team Contribution</a:t>
             </a:r>
@@ -39177,12 +42737,16 @@
           </p:cNvGraphicFramePr>
           <p:nvPr>
             <p:ph idx="1"/>
-            <p:extLst/>
+            <p:extLst>
+              <p:ext uri="{D42A27DB-BD31-4B8C-83A1-F6EECF244321}">
+                <p14:modId xmlns:p14="http://schemas.microsoft.com/office/powerpoint/2010/main" val="1742312937"/>
+              </p:ext>
+            </p:extLst>
           </p:nvPr>
         </p:nvGraphicFramePr>
         <p:xfrm>
           <a:off x="1981200" y="1330960"/>
-          <a:ext cx="8229600" cy="4988560"/>
+          <a:ext cx="8229600" cy="5257800"/>
         </p:xfrm>
         <a:graphic>
           <a:graphicData uri="http://schemas.openxmlformats.org/drawingml/2006/table">
@@ -39945,7 +43509,7 @@
                     <a:p>
                       <a:r>
                         <a:rPr lang="en-US" dirty="0" smtClean="0"/>
-                        <a:t>GUI</a:t>
+                        <a:t>GUI &amp; EMG Acquisition</a:t>
                       </a:r>
                       <a:endParaRPr lang="en-US" dirty="0"/>
                     </a:p>
@@ -41994,20 +45558,7 @@
                 <a:latin typeface="+mj-lt"/>
                 <a:cs typeface="Arial" pitchFamily="34" charset="0"/>
               </a:rPr>
-              <a:t>Machine Learning </a:t>
-            </a:r>
-            <a:r>
-              <a:rPr lang="en-US" altLang="ko-KR" sz="1500" b="1" dirty="0" smtClean="0">
-                <a:solidFill>
-                  <a:schemeClr val="tx1">
-                    <a:lumMod val="75000"/>
-                    <a:lumOff val="25000"/>
-                  </a:schemeClr>
-                </a:solidFill>
-                <a:latin typeface="+mj-lt"/>
-                <a:cs typeface="Arial" pitchFamily="34" charset="0"/>
-              </a:rPr>
-              <a:t>Model</a:t>
+              <a:t>Machine Learning Model</a:t>
             </a:r>
           </a:p>
           <a:p>
@@ -43258,15 +46809,6 @@
               </a:rPr>
               <a:t>Finger Spread</a:t>
             </a:r>
-            <a:endParaRPr lang="en-US" altLang="ko-KR" sz="1200" b="1" dirty="0" smtClean="0">
-              <a:solidFill>
-                <a:schemeClr val="tx1">
-                  <a:lumMod val="75000"/>
-                  <a:lumOff val="25000"/>
-                </a:schemeClr>
-              </a:solidFill>
-              <a:cs typeface="Arial" pitchFamily="34" charset="0"/>
-            </a:endParaRPr>
           </a:p>
           <a:p>
             <a:pPr marL="228600" indent="-228600" algn="just">
@@ -43285,15 +46827,6 @@
               </a:rPr>
               <a:t>Wrist Extension</a:t>
             </a:r>
-            <a:endParaRPr lang="en-US" altLang="ko-KR" sz="1200" b="1" dirty="0" smtClean="0">
-              <a:solidFill>
-                <a:schemeClr val="tx1">
-                  <a:lumMod val="75000"/>
-                  <a:lumOff val="25000"/>
-                </a:schemeClr>
-              </a:solidFill>
-              <a:cs typeface="Arial" pitchFamily="34" charset="0"/>
-            </a:endParaRPr>
           </a:p>
           <a:p>
             <a:pPr marL="228600" indent="-228600" algn="just">
@@ -43312,15 +46845,6 @@
               </a:rPr>
               <a:t>Wrist Ulnar Deviation</a:t>
             </a:r>
-            <a:endParaRPr lang="en-US" altLang="ko-KR" sz="1200" b="1" dirty="0" smtClean="0">
-              <a:solidFill>
-                <a:schemeClr val="tx1">
-                  <a:lumMod val="75000"/>
-                  <a:lumOff val="25000"/>
-                </a:schemeClr>
-              </a:solidFill>
-              <a:cs typeface="Arial" pitchFamily="34" charset="0"/>
-            </a:endParaRPr>
           </a:p>
           <a:p>
             <a:pPr marL="228600" indent="-228600" algn="just">
